--- a/Documentos/Arquitetura/Arquitetura_MiauDote.pptx
+++ b/Documentos/Arquitetura/Arquitetura_MiauDote.pptx
@@ -218,7 +218,7 @@
             <a:fld id="{C3CD65D1-5C11-455D-9F9A-0E035F00A0DA}" type="datetimeFigureOut">
               <a:rPr lang="pt-BR" smtClean="0"/>
               <a:pPr/>
-              <a:t>12/10/2021</a:t>
+              <a:t>20/10/2021</a:t>
             </a:fld>
             <a:endParaRPr lang="pt-BR" dirty="0"/>
           </a:p>
@@ -285,7 +285,7 @@
             <a:fld id="{CA8E3B7C-E4AE-4E9E-8479-7C668141D483}" type="slidenum">
               <a:rPr lang="pt-BR" smtClean="0"/>
               <a:pPr/>
-              <a:t>‹#›</a:t>
+              <a:t>‹nº›</a:t>
             </a:fld>
             <a:endParaRPr lang="pt-BR" dirty="0"/>
           </a:p>
@@ -386,7 +386,7 @@
             <a:fld id="{A05DA3EF-18EA-43DE-B1BB-402A3C558822}" type="datetimeFigureOut">
               <a:rPr lang="pt-BR" smtClean="0"/>
               <a:pPr/>
-              <a:t>12/10/2021</a:t>
+              <a:t>20/10/2021</a:t>
             </a:fld>
             <a:endParaRPr lang="pt-BR" dirty="0"/>
           </a:p>
@@ -547,7 +547,7 @@
             <a:fld id="{75B3645A-D0AE-4F6E-A17E-E0036A9041AF}" type="slidenum">
               <a:rPr lang="pt-BR" smtClean="0"/>
               <a:pPr/>
-              <a:t>‹#›</a:t>
+              <a:t>‹nº›</a:t>
             </a:fld>
             <a:endParaRPr lang="pt-BR" dirty="0"/>
           </a:p>
@@ -3721,7 +3721,7 @@
               <a:pPr>
                 <a:defRPr/>
               </a:pPr>
-              <a:t>‹#›</a:t>
+              <a:t>‹nº›</a:t>
             </a:fld>
             <a:endParaRPr lang="pt-BR" sz="880" dirty="0"/>
           </a:p>
@@ -20933,7 +20933,7 @@
               <a:pPr>
                 <a:defRPr/>
               </a:pPr>
-              <a:t>‹#›</a:t>
+              <a:t>‹nº›</a:t>
             </a:fld>
             <a:endParaRPr lang="pt-BR" sz="880" dirty="0"/>
           </a:p>
@@ -24086,13 +24086,11 @@
             </p:cNvPr>
             <p:cNvCxnSpPr>
               <a:cxnSpLocks/>
-              <a:stCxn id="116" idx="1"/>
-              <a:endCxn id="104" idx="3"/>
             </p:cNvCxnSpPr>
             <p:nvPr/>
           </p:nvCxnSpPr>
           <p:spPr>
-            <a:xfrm flipH="1" flipV="1">
+            <a:xfrm flipV="1">
               <a:off x="9378241" y="5340886"/>
               <a:ext cx="692936" cy="1"/>
             </a:xfrm>
@@ -24136,15 +24134,13 @@
             </p:cNvPr>
             <p:cNvCxnSpPr>
               <a:cxnSpLocks/>
-              <a:stCxn id="70" idx="3"/>
-              <a:endCxn id="92" idx="1"/>
             </p:cNvCxnSpPr>
             <p:nvPr/>
           </p:nvCxnSpPr>
           <p:spPr>
-            <a:xfrm>
+            <a:xfrm flipH="1">
               <a:off x="2786187" y="4312379"/>
-              <a:ext cx="678438" cy="12244"/>
+              <a:ext cx="678438" cy="0"/>
             </a:xfrm>
             <a:prstGeom prst="straightConnector1">
               <a:avLst/>
@@ -25605,21 +25601,6 @@
 </file>
 
 <file path=customXml/item1.xml><?xml version="1.0" encoding="utf-8"?>
-<p:properties xmlns:p="http://schemas.microsoft.com/office/2006/metadata/properties" xmlns:xsi="http://www.w3.org/2001/XMLSchema-instance" xmlns:pc="http://schemas.microsoft.com/office/infopath/2007/PartnerControls">
-  <documentManagement/>
-</p:properties>
-</file>
-
-<file path=customXml/item2.xml><?xml version="1.0" encoding="utf-8"?>
-<?mso-contentType ?>
-<FormTemplates xmlns="http://schemas.microsoft.com/sharepoint/v3/contenttype/forms">
-  <Display>DocumentLibraryForm</Display>
-  <Edit>DocumentLibraryForm</Edit>
-  <New>DocumentLibraryForm</New>
-</FormTemplates>
-</file>
-
-<file path=customXml/item3.xml><?xml version="1.0" encoding="utf-8"?>
 <ct:contentTypeSchema xmlns:ct="http://schemas.microsoft.com/office/2006/metadata/contentType" xmlns:ma="http://schemas.microsoft.com/office/2006/metadata/properties/metaAttributes" ct:_="" ma:_="" ma:contentTypeName="Document" ma:contentTypeID="0x0101001132905C37EA9847A7207C4BBCCCD8F4" ma:contentTypeVersion="13" ma:contentTypeDescription="Create a new document." ma:contentTypeScope="" ma:versionID="0fa59793b99d27e1e0b856ab72ac2f0d">
   <xsd:schema xmlns:xsd="http://www.w3.org/2001/XMLSchema" xmlns:xs="http://www.w3.org/2001/XMLSchema" xmlns:p="http://schemas.microsoft.com/office/2006/metadata/properties" xmlns:ns3="4327b14a-fe89-488e-9f6d-9658cacf372b" xmlns:ns4="bbcd8c33-6940-4d4c-a587-bbc736ca1e4d" targetNamespace="http://schemas.microsoft.com/office/2006/metadata/properties" ma:root="true" ma:fieldsID="01494effa1b4414faf4d9851fe547c93" ns3:_="" ns4:_="">
     <xsd:import namespace="4327b14a-fe89-488e-9f6d-9658cacf372b"/>
@@ -25842,32 +25823,22 @@
 </ct:contentTypeSchema>
 </file>
 
-<file path=customXml/itemProps1.xml><?xml version="1.0" encoding="utf-8"?>
-<ds:datastoreItem xmlns:ds="http://schemas.openxmlformats.org/officeDocument/2006/customXml" ds:itemID="{30D3F7B2-E865-49C4-B6C4-1C3489F322E5}">
-  <ds:schemaRefs>
-    <ds:schemaRef ds:uri="http://purl.org/dc/terms/"/>
-    <ds:schemaRef ds:uri="http://schemas.microsoft.com/office/2006/metadata/properties"/>
-    <ds:schemaRef ds:uri="4327b14a-fe89-488e-9f6d-9658cacf372b"/>
-    <ds:schemaRef ds:uri="http://purl.org/dc/dcmitype/"/>
-    <ds:schemaRef ds:uri="http://schemas.microsoft.com/office/infopath/2007/PartnerControls"/>
-    <ds:schemaRef ds:uri="http://schemas.microsoft.com/office/2006/documentManagement/types"/>
-    <ds:schemaRef ds:uri="http://purl.org/dc/elements/1.1/"/>
-    <ds:schemaRef ds:uri="http://schemas.openxmlformats.org/package/2006/metadata/core-properties"/>
-    <ds:schemaRef ds:uri="bbcd8c33-6940-4d4c-a587-bbc736ca1e4d"/>
-    <ds:schemaRef ds:uri="http://www.w3.org/XML/1998/namespace"/>
-  </ds:schemaRefs>
-</ds:datastoreItem>
+<file path=customXml/item2.xml><?xml version="1.0" encoding="utf-8"?>
+<?mso-contentType ?>
+<FormTemplates xmlns="http://schemas.microsoft.com/sharepoint/v3/contenttype/forms">
+  <Display>DocumentLibraryForm</Display>
+  <Edit>DocumentLibraryForm</Edit>
+  <New>DocumentLibraryForm</New>
+</FormTemplates>
 </file>
 
-<file path=customXml/itemProps2.xml><?xml version="1.0" encoding="utf-8"?>
-<ds:datastoreItem xmlns:ds="http://schemas.openxmlformats.org/officeDocument/2006/customXml" ds:itemID="{B2402960-8EF3-4234-B7C9-25E125FD4CA5}">
-  <ds:schemaRefs>
-    <ds:schemaRef ds:uri="http://schemas.microsoft.com/sharepoint/v3/contenttype/forms"/>
-  </ds:schemaRefs>
-</ds:datastoreItem>
+<file path=customXml/item3.xml><?xml version="1.0" encoding="utf-8"?>
+<p:properties xmlns:p="http://schemas.microsoft.com/office/2006/metadata/properties" xmlns:xsi="http://www.w3.org/2001/XMLSchema-instance" xmlns:pc="http://schemas.microsoft.com/office/infopath/2007/PartnerControls">
+  <documentManagement/>
+</p:properties>
 </file>
 
-<file path=customXml/itemProps3.xml><?xml version="1.0" encoding="utf-8"?>
+<file path=customXml/itemProps1.xml><?xml version="1.0" encoding="utf-8"?>
 <ds:datastoreItem xmlns:ds="http://schemas.openxmlformats.org/officeDocument/2006/customXml" ds:itemID="{5B58B9C8-0155-43AB-B381-4C0241D252D3}">
   <ds:schemaRefs>
     <ds:schemaRef ds:uri="http://schemas.microsoft.com/office/2006/metadata/contentType"/>
@@ -25884,4 +25855,29 @@
     <ds:schemaRef ds:uri="http://schemas.microsoft.com/internal/obd"/>
   </ds:schemaRefs>
 </ds:datastoreItem>
+</file>
+
+<file path=customXml/itemProps2.xml><?xml version="1.0" encoding="utf-8"?>
+<ds:datastoreItem xmlns:ds="http://schemas.openxmlformats.org/officeDocument/2006/customXml" ds:itemID="{B2402960-8EF3-4234-B7C9-25E125FD4CA5}">
+  <ds:schemaRefs>
+    <ds:schemaRef ds:uri="http://schemas.microsoft.com/sharepoint/v3/contenttype/forms"/>
+  </ds:schemaRefs>
+</ds:datastoreItem>
+</file>
+
+<file path=customXml/itemProps3.xml><?xml version="1.0" encoding="utf-8"?>
+<ds:datastoreItem xmlns:ds="http://schemas.openxmlformats.org/officeDocument/2006/customXml" ds:itemID="{30D3F7B2-E865-49C4-B6C4-1C3489F322E5}">
+  <ds:schemaRefs>
+    <ds:schemaRef ds:uri="http://purl.org/dc/elements/1.1/"/>
+    <ds:schemaRef ds:uri="http://purl.org/dc/terms/"/>
+    <ds:schemaRef ds:uri="http://schemas.microsoft.com/office/2006/documentManagement/types"/>
+    <ds:schemaRef ds:uri="http://www.w3.org/XML/1998/namespace"/>
+    <ds:schemaRef ds:uri="http://schemas.openxmlformats.org/package/2006/metadata/core-properties"/>
+    <ds:schemaRef ds:uri="http://schemas.microsoft.com/office/2006/metadata/properties"/>
+    <ds:schemaRef ds:uri="http://purl.org/dc/dcmitype/"/>
+    <ds:schemaRef ds:uri="http://schemas.microsoft.com/office/infopath/2007/PartnerControls"/>
+    <ds:schemaRef ds:uri="bbcd8c33-6940-4d4c-a587-bbc736ca1e4d"/>
+    <ds:schemaRef ds:uri="4327b14a-fe89-488e-9f6d-9658cacf372b"/>
+  </ds:schemaRefs>
+</ds:datastoreItem>
 </file>
--- a/Documentos/Arquitetura/Arquitetura_MiauDote.pptx
+++ b/Documentos/Arquitetura/Arquitetura_MiauDote.pptx
@@ -220,7 +220,7 @@
             <a:fld id="{C3CD65D1-5C11-455D-9F9A-0E035F00A0DA}" type="datetimeFigureOut">
               <a:rPr lang="pt-BR" smtClean="0"/>
               <a:pPr/>
-              <a:t>07/11/2021</a:t>
+              <a:t>08/11/2021</a:t>
             </a:fld>
             <a:endParaRPr lang="pt-BR" dirty="0"/>
           </a:p>
@@ -287,7 +287,7 @@
             <a:fld id="{CA8E3B7C-E4AE-4E9E-8479-7C668141D483}" type="slidenum">
               <a:rPr lang="pt-BR" smtClean="0"/>
               <a:pPr/>
-              <a:t>‹#›</a:t>
+              <a:t>‹nº›</a:t>
             </a:fld>
             <a:endParaRPr lang="pt-BR" dirty="0"/>
           </a:p>
@@ -388,7 +388,7 @@
             <a:fld id="{A05DA3EF-18EA-43DE-B1BB-402A3C558822}" type="datetimeFigureOut">
               <a:rPr lang="pt-BR" smtClean="0"/>
               <a:pPr/>
-              <a:t>07/11/2021</a:t>
+              <a:t>08/11/2021</a:t>
             </a:fld>
             <a:endParaRPr lang="pt-BR" dirty="0"/>
           </a:p>
@@ -549,7 +549,7 @@
             <a:fld id="{75B3645A-D0AE-4F6E-A17E-E0036A9041AF}" type="slidenum">
               <a:rPr lang="pt-BR" smtClean="0"/>
               <a:pPr/>
-              <a:t>‹#›</a:t>
+              <a:t>‹nº›</a:t>
             </a:fld>
             <a:endParaRPr lang="pt-BR" dirty="0"/>
           </a:p>
@@ -23047,6 +23047,3121 @@
       </p:grpSp>
       <p:grpSp>
         <p:nvGrpSpPr>
+          <p:cNvPr id="12" name="Group 11">
+            <a:extLst>
+              <a:ext uri="{FF2B5EF4-FFF2-40B4-BE49-F238E27FC236}">
+                <a16:creationId xmlns:a16="http://schemas.microsoft.com/office/drawing/2014/main" id="{21C054C1-FE63-4013-A346-1CA1D1F79710}"/>
+              </a:ext>
+            </a:extLst>
+          </p:cNvPr>
+          <p:cNvGrpSpPr/>
+          <p:nvPr/>
+        </p:nvGrpSpPr>
+        <p:grpSpPr>
+          <a:xfrm>
+            <a:off x="11247044" y="5076951"/>
+            <a:ext cx="1875600" cy="1584000"/>
+            <a:chOff x="7486803" y="4907952"/>
+            <a:chExt cx="2620066" cy="2144551"/>
+          </a:xfrm>
+        </p:grpSpPr>
+        <p:grpSp>
+          <p:nvGrpSpPr>
+            <p:cNvPr id="76" name="Group 75">
+              <a:extLst>
+                <a:ext uri="{FF2B5EF4-FFF2-40B4-BE49-F238E27FC236}">
+                  <a16:creationId xmlns:a16="http://schemas.microsoft.com/office/drawing/2014/main" id="{6E75E514-261D-4C65-874F-12C6C5CFE6CE}"/>
+                </a:ext>
+              </a:extLst>
+            </p:cNvPr>
+            <p:cNvGrpSpPr/>
+            <p:nvPr/>
+          </p:nvGrpSpPr>
+          <p:grpSpPr>
+            <a:xfrm>
+              <a:off x="7486806" y="4907952"/>
+              <a:ext cx="2620063" cy="2144551"/>
+              <a:chOff x="8392958" y="3891083"/>
+              <a:chExt cx="3276202" cy="2212133"/>
+            </a:xfrm>
+          </p:grpSpPr>
+          <p:sp>
+            <p:nvSpPr>
+              <p:cNvPr id="81" name="Retângulo 6">
+                <a:extLst>
+                  <a:ext uri="{FF2B5EF4-FFF2-40B4-BE49-F238E27FC236}">
+                    <a16:creationId xmlns:a16="http://schemas.microsoft.com/office/drawing/2014/main" id="{3FCB07C2-F840-43DB-837E-F714D0BF42AB}"/>
+                  </a:ext>
+                </a:extLst>
+              </p:cNvPr>
+              <p:cNvSpPr/>
+              <p:nvPr/>
+            </p:nvSpPr>
+            <p:spPr>
+              <a:xfrm>
+                <a:off x="8392958" y="3891083"/>
+                <a:ext cx="3276202" cy="2212133"/>
+              </a:xfrm>
+              <a:prstGeom prst="rect">
+                <a:avLst/>
+              </a:prstGeom>
+              <a:solidFill>
+                <a:srgbClr val="32B9CD"/>
+              </a:solidFill>
+              <a:ln>
+                <a:solidFill>
+                  <a:schemeClr val="accent5">
+                    <a:lumMod val="75000"/>
+                  </a:schemeClr>
+                </a:solidFill>
+              </a:ln>
+            </p:spPr>
+            <p:style>
+              <a:lnRef idx="2">
+                <a:schemeClr val="accent1">
+                  <a:shade val="50000"/>
+                </a:schemeClr>
+              </a:lnRef>
+              <a:fillRef idx="1">
+                <a:schemeClr val="accent1"/>
+              </a:fillRef>
+              <a:effectRef idx="0">
+                <a:schemeClr val="accent1"/>
+              </a:effectRef>
+              <a:fontRef idx="minor">
+                <a:schemeClr val="lt1"/>
+              </a:fontRef>
+            </p:style>
+            <p:txBody>
+              <a:bodyPr rtlCol="0" anchor="ctr"/>
+              <a:lstStyle/>
+              <a:p>
+                <a:pPr algn="ctr"/>
+                <a:endParaRPr lang="pt-BR" dirty="0">
+                  <a:solidFill>
+                    <a:prstClr val="white"/>
+                  </a:solidFill>
+                  <a:latin typeface="Calibri"/>
+                </a:endParaRPr>
+              </a:p>
+            </p:txBody>
+          </p:sp>
+          <p:sp>
+            <p:nvSpPr>
+              <p:cNvPr id="87" name="Retângulo 6">
+                <a:extLst>
+                  <a:ext uri="{FF2B5EF4-FFF2-40B4-BE49-F238E27FC236}">
+                    <a16:creationId xmlns:a16="http://schemas.microsoft.com/office/drawing/2014/main" id="{B946B93B-E733-42C6-89C0-B32C227D291B}"/>
+                  </a:ext>
+                </a:extLst>
+              </p:cNvPr>
+              <p:cNvSpPr/>
+              <p:nvPr/>
+            </p:nvSpPr>
+            <p:spPr>
+              <a:xfrm>
+                <a:off x="8464949" y="3959113"/>
+                <a:ext cx="2577005" cy="226901"/>
+              </a:xfrm>
+              <a:prstGeom prst="rect">
+                <a:avLst/>
+              </a:prstGeom>
+              <a:noFill/>
+              <a:ln>
+                <a:solidFill>
+                  <a:schemeClr val="accent5">
+                    <a:lumMod val="75000"/>
+                  </a:schemeClr>
+                </a:solidFill>
+              </a:ln>
+            </p:spPr>
+            <p:style>
+              <a:lnRef idx="2">
+                <a:schemeClr val="accent1">
+                  <a:shade val="50000"/>
+                </a:schemeClr>
+              </a:lnRef>
+              <a:fillRef idx="1">
+                <a:schemeClr val="accent1"/>
+              </a:fillRef>
+              <a:effectRef idx="0">
+                <a:schemeClr val="accent1"/>
+              </a:effectRef>
+              <a:fontRef idx="minor">
+                <a:schemeClr val="lt1"/>
+              </a:fontRef>
+            </p:style>
+            <p:txBody>
+              <a:bodyPr rtlCol="0" anchor="ctr"/>
+              <a:lstStyle/>
+              <a:p>
+                <a:pPr algn="ctr"/>
+                <a:endParaRPr lang="pt-BR" dirty="0">
+                  <a:solidFill>
+                    <a:prstClr val="white"/>
+                  </a:solidFill>
+                  <a:latin typeface="Calibri"/>
+                </a:endParaRPr>
+              </a:p>
+            </p:txBody>
+          </p:sp>
+          <p:sp>
+            <p:nvSpPr>
+              <p:cNvPr id="88" name="Multiply 18">
+                <a:extLst>
+                  <a:ext uri="{FF2B5EF4-FFF2-40B4-BE49-F238E27FC236}">
+                    <a16:creationId xmlns:a16="http://schemas.microsoft.com/office/drawing/2014/main" id="{8F79FD67-13B1-457E-BBD3-AF7F03BE999B}"/>
+                  </a:ext>
+                </a:extLst>
+              </p:cNvPr>
+              <p:cNvSpPr/>
+              <p:nvPr/>
+            </p:nvSpPr>
+            <p:spPr>
+              <a:xfrm>
+                <a:off x="11309204" y="3924647"/>
+                <a:ext cx="288032" cy="295831"/>
+              </a:xfrm>
+              <a:prstGeom prst="mathMultiply">
+                <a:avLst/>
+              </a:prstGeom>
+              <a:noFill/>
+              <a:ln>
+                <a:solidFill>
+                  <a:schemeClr val="accent5">
+                    <a:lumMod val="75000"/>
+                  </a:schemeClr>
+                </a:solidFill>
+              </a:ln>
+            </p:spPr>
+            <p:style>
+              <a:lnRef idx="2">
+                <a:schemeClr val="accent1">
+                  <a:shade val="50000"/>
+                </a:schemeClr>
+              </a:lnRef>
+              <a:fillRef idx="1">
+                <a:schemeClr val="accent1"/>
+              </a:fillRef>
+              <a:effectRef idx="0">
+                <a:schemeClr val="accent1"/>
+              </a:effectRef>
+              <a:fontRef idx="minor">
+                <a:schemeClr val="lt1"/>
+              </a:fontRef>
+            </p:style>
+            <p:txBody>
+              <a:bodyPr rtlCol="0" anchor="ctr"/>
+              <a:lstStyle/>
+              <a:p>
+                <a:pPr algn="ctr"/>
+                <a:endParaRPr lang="pt-BR" dirty="0"/>
+              </a:p>
+            </p:txBody>
+          </p:sp>
+          <p:sp>
+            <p:nvSpPr>
+              <p:cNvPr id="89" name="Circular Arrow 19">
+                <a:extLst>
+                  <a:ext uri="{FF2B5EF4-FFF2-40B4-BE49-F238E27FC236}">
+                    <a16:creationId xmlns:a16="http://schemas.microsoft.com/office/drawing/2014/main" id="{C2635B30-5259-429D-A42A-A06D748AE99C}"/>
+                  </a:ext>
+                </a:extLst>
+              </p:cNvPr>
+              <p:cNvSpPr/>
+              <p:nvPr/>
+            </p:nvSpPr>
+            <p:spPr>
+              <a:xfrm rot="16500000">
+                <a:off x="11158829" y="3927941"/>
+                <a:ext cx="216000" cy="288000"/>
+              </a:xfrm>
+              <a:prstGeom prst="circularArrow">
+                <a:avLst/>
+              </a:prstGeom>
+              <a:noFill/>
+              <a:ln>
+                <a:solidFill>
+                  <a:schemeClr val="accent5">
+                    <a:lumMod val="75000"/>
+                  </a:schemeClr>
+                </a:solidFill>
+              </a:ln>
+            </p:spPr>
+            <p:style>
+              <a:lnRef idx="2">
+                <a:schemeClr val="accent1">
+                  <a:shade val="50000"/>
+                </a:schemeClr>
+              </a:lnRef>
+              <a:fillRef idx="1">
+                <a:schemeClr val="accent1"/>
+              </a:fillRef>
+              <a:effectRef idx="0">
+                <a:schemeClr val="accent1"/>
+              </a:effectRef>
+              <a:fontRef idx="minor">
+                <a:schemeClr val="lt1"/>
+              </a:fontRef>
+            </p:style>
+            <p:txBody>
+              <a:bodyPr rtlCol="0" anchor="ctr"/>
+              <a:lstStyle/>
+              <a:p>
+                <a:pPr algn="ctr"/>
+                <a:endParaRPr lang="pt-BR" dirty="0">
+                  <a:solidFill>
+                    <a:schemeClr val="tx1"/>
+                  </a:solidFill>
+                </a:endParaRPr>
+              </a:p>
+            </p:txBody>
+          </p:sp>
+        </p:grpSp>
+        <p:sp>
+          <p:nvSpPr>
+            <p:cNvPr id="77" name="Retângulo 20">
+              <a:extLst>
+                <a:ext uri="{FF2B5EF4-FFF2-40B4-BE49-F238E27FC236}">
+                  <a16:creationId xmlns:a16="http://schemas.microsoft.com/office/drawing/2014/main" id="{05F3A07C-92FF-4E57-9580-2FB03C87EFAF}"/>
+                </a:ext>
+              </a:extLst>
+            </p:cNvPr>
+            <p:cNvSpPr/>
+            <p:nvPr/>
+          </p:nvSpPr>
+          <p:spPr>
+            <a:xfrm>
+              <a:off x="7486803" y="5271066"/>
+              <a:ext cx="2620063" cy="750049"/>
+            </a:xfrm>
+            <a:prstGeom prst="rect">
+              <a:avLst/>
+            </a:prstGeom>
+          </p:spPr>
+          <p:txBody>
+            <a:bodyPr wrap="square">
+              <a:spAutoFit/>
+            </a:bodyPr>
+            <a:lstStyle/>
+            <a:p>
+              <a:pPr lvl="0" algn="ctr">
+                <a:defRPr/>
+              </a:pPr>
+              <a:r>
+                <a:rPr lang="pt-BR" sz="1600" b="1" dirty="0" err="1">
+                  <a:solidFill>
+                    <a:prstClr val="white"/>
+                  </a:solidFill>
+                </a:rPr>
+                <a:t>Client</a:t>
+              </a:r>
+              <a:r>
+                <a:rPr lang="pt-BR" sz="1600" b="1" dirty="0">
+                  <a:solidFill>
+                    <a:prstClr val="white"/>
+                  </a:solidFill>
+                </a:rPr>
+                <a:t> </a:t>
+              </a:r>
+              <a:r>
+                <a:rPr lang="pt-BR" sz="1600" b="1" dirty="0" err="1">
+                  <a:solidFill>
+                    <a:prstClr val="white"/>
+                  </a:solidFill>
+                </a:rPr>
+                <a:t>Side</a:t>
+              </a:r>
+              <a:r>
+                <a:rPr lang="pt-BR" sz="1600" b="1" dirty="0">
+                  <a:solidFill>
+                    <a:prstClr val="white"/>
+                  </a:solidFill>
+                </a:rPr>
+                <a:t> Web</a:t>
+              </a:r>
+            </a:p>
+            <a:p>
+              <a:pPr lvl="0" algn="ctr">
+                <a:defRPr/>
+              </a:pPr>
+              <a:r>
+                <a:rPr lang="pt-BR" sz="1400" dirty="0">
+                  <a:solidFill>
+                    <a:prstClr val="white"/>
+                  </a:solidFill>
+                </a:rPr>
+                <a:t>[Container: </a:t>
+              </a:r>
+              <a:r>
+                <a:rPr lang="pt-BR" sz="1400" dirty="0" err="1">
+                  <a:solidFill>
+                    <a:prstClr val="white"/>
+                  </a:solidFill>
+                </a:rPr>
+                <a:t>React</a:t>
+              </a:r>
+              <a:r>
+                <a:rPr lang="pt-BR" sz="1400" dirty="0">
+                  <a:solidFill>
+                    <a:prstClr val="white"/>
+                  </a:solidFill>
+                </a:rPr>
+                <a:t>]</a:t>
+              </a:r>
+            </a:p>
+          </p:txBody>
+        </p:sp>
+        <p:sp>
+          <p:nvSpPr>
+            <p:cNvPr id="79" name="Retângulo 20">
+              <a:extLst>
+                <a:ext uri="{FF2B5EF4-FFF2-40B4-BE49-F238E27FC236}">
+                  <a16:creationId xmlns:a16="http://schemas.microsoft.com/office/drawing/2014/main" id="{6B51B3AF-165E-4439-8725-9B6773505A10}"/>
+                </a:ext>
+              </a:extLst>
+            </p:cNvPr>
+            <p:cNvSpPr/>
+            <p:nvPr/>
+          </p:nvSpPr>
+          <p:spPr>
+            <a:xfrm>
+              <a:off x="7486803" y="6147599"/>
+              <a:ext cx="2620063" cy="666710"/>
+            </a:xfrm>
+            <a:prstGeom prst="rect">
+              <a:avLst/>
+            </a:prstGeom>
+          </p:spPr>
+          <p:txBody>
+            <a:bodyPr wrap="square">
+              <a:spAutoFit/>
+            </a:bodyPr>
+            <a:lstStyle/>
+            <a:p>
+              <a:pPr lvl="0" algn="ctr">
+                <a:defRPr/>
+              </a:pPr>
+              <a:r>
+                <a:rPr lang="pt-BR" sz="1300" dirty="0">
+                  <a:solidFill>
+                    <a:prstClr val="white"/>
+                  </a:solidFill>
+                </a:rPr>
+                <a:t>Home institucional e Tela de Artigos</a:t>
+              </a:r>
+            </a:p>
+          </p:txBody>
+        </p:sp>
+      </p:grpSp>
+      <p:cxnSp>
+        <p:nvCxnSpPr>
+          <p:cNvPr id="90" name="Conector de Seta Reta 107">
+            <a:extLst>
+              <a:ext uri="{FF2B5EF4-FFF2-40B4-BE49-F238E27FC236}">
+                <a16:creationId xmlns:a16="http://schemas.microsoft.com/office/drawing/2014/main" id="{7987BB83-595B-41EE-B049-6CF2F2A5EBFE}"/>
+              </a:ext>
+            </a:extLst>
+          </p:cNvPr>
+          <p:cNvCxnSpPr>
+            <a:cxnSpLocks/>
+            <a:stCxn id="52" idx="1"/>
+            <a:endCxn id="59" idx="4"/>
+          </p:cNvCxnSpPr>
+          <p:nvPr/>
+        </p:nvCxnSpPr>
+        <p:spPr>
+          <a:xfrm flipH="1" flipV="1">
+            <a:off x="2147706" y="1352125"/>
+            <a:ext cx="5005817" cy="0"/>
+          </a:xfrm>
+          <a:prstGeom prst="straightConnector1">
+            <a:avLst/>
+          </a:prstGeom>
+          <a:ln w="19050">
+            <a:solidFill>
+              <a:schemeClr val="accent5">
+                <a:lumMod val="75000"/>
+              </a:schemeClr>
+            </a:solidFill>
+            <a:prstDash val="sysDash"/>
+            <a:headEnd type="none" w="lg" len="lg"/>
+            <a:tailEnd type="triangle" w="lg" len="lg"/>
+          </a:ln>
+        </p:spPr>
+        <p:style>
+          <a:lnRef idx="1">
+            <a:schemeClr val="accent1"/>
+          </a:lnRef>
+          <a:fillRef idx="0">
+            <a:schemeClr val="accent1"/>
+          </a:fillRef>
+          <a:effectRef idx="0">
+            <a:schemeClr val="accent1"/>
+          </a:effectRef>
+          <a:fontRef idx="minor">
+            <a:schemeClr val="tx1"/>
+          </a:fontRef>
+        </p:style>
+      </p:cxnSp>
+      <p:cxnSp>
+        <p:nvCxnSpPr>
+          <p:cNvPr id="95" name="Conector de Seta Reta 107">
+            <a:extLst>
+              <a:ext uri="{FF2B5EF4-FFF2-40B4-BE49-F238E27FC236}">
+                <a16:creationId xmlns:a16="http://schemas.microsoft.com/office/drawing/2014/main" id="{1CB85DBD-8E58-41F8-A7B7-E0C54906459D}"/>
+              </a:ext>
+            </a:extLst>
+          </p:cNvPr>
+          <p:cNvCxnSpPr>
+            <a:cxnSpLocks/>
+            <a:stCxn id="81" idx="0"/>
+            <a:endCxn id="149" idx="2"/>
+          </p:cNvCxnSpPr>
+          <p:nvPr/>
+        </p:nvCxnSpPr>
+        <p:spPr>
+          <a:xfrm flipV="1">
+            <a:off x="12184845" y="4380018"/>
+            <a:ext cx="0" cy="696933"/>
+          </a:xfrm>
+          <a:prstGeom prst="straightConnector1">
+            <a:avLst/>
+          </a:prstGeom>
+          <a:ln w="19050">
+            <a:solidFill>
+              <a:schemeClr val="accent5">
+                <a:lumMod val="75000"/>
+              </a:schemeClr>
+            </a:solidFill>
+            <a:prstDash val="sysDash"/>
+            <a:headEnd type="none" w="lg" len="lg"/>
+            <a:tailEnd type="triangle" w="lg" len="lg"/>
+          </a:ln>
+        </p:spPr>
+        <p:style>
+          <a:lnRef idx="1">
+            <a:schemeClr val="accent1"/>
+          </a:lnRef>
+          <a:fillRef idx="0">
+            <a:schemeClr val="accent1"/>
+          </a:fillRef>
+          <a:effectRef idx="0">
+            <a:schemeClr val="accent1"/>
+          </a:effectRef>
+          <a:fontRef idx="minor">
+            <a:schemeClr val="tx1"/>
+          </a:fontRef>
+        </p:style>
+      </p:cxnSp>
+      <p:grpSp>
+        <p:nvGrpSpPr>
+          <p:cNvPr id="11" name="Group 10">
+            <a:extLst>
+              <a:ext uri="{FF2B5EF4-FFF2-40B4-BE49-F238E27FC236}">
+                <a16:creationId xmlns:a16="http://schemas.microsoft.com/office/drawing/2014/main" id="{3B8AD8F7-5E71-4D38-A2BF-CB858EF03109}"/>
+              </a:ext>
+            </a:extLst>
+          </p:cNvPr>
+          <p:cNvGrpSpPr/>
+          <p:nvPr/>
+        </p:nvGrpSpPr>
+        <p:grpSpPr>
+          <a:xfrm>
+            <a:off x="7158717" y="5064891"/>
+            <a:ext cx="1875600" cy="1608120"/>
+            <a:chOff x="4593132" y="4929646"/>
+            <a:chExt cx="2620064" cy="2177207"/>
+          </a:xfrm>
+        </p:grpSpPr>
+        <p:grpSp>
+          <p:nvGrpSpPr>
+            <p:cNvPr id="97" name="Group 96">
+              <a:extLst>
+                <a:ext uri="{FF2B5EF4-FFF2-40B4-BE49-F238E27FC236}">
+                  <a16:creationId xmlns:a16="http://schemas.microsoft.com/office/drawing/2014/main" id="{8A7B7EF5-F0AA-4383-9C07-CD4973B440FF}"/>
+                </a:ext>
+              </a:extLst>
+            </p:cNvPr>
+            <p:cNvGrpSpPr/>
+            <p:nvPr/>
+          </p:nvGrpSpPr>
+          <p:grpSpPr>
+            <a:xfrm>
+              <a:off x="4593133" y="4929646"/>
+              <a:ext cx="2620063" cy="2144551"/>
+              <a:chOff x="8392958" y="3891083"/>
+              <a:chExt cx="3276202" cy="2212133"/>
+            </a:xfrm>
+          </p:grpSpPr>
+          <p:sp>
+            <p:nvSpPr>
+              <p:cNvPr id="104" name="Retângulo 6">
+                <a:extLst>
+                  <a:ext uri="{FF2B5EF4-FFF2-40B4-BE49-F238E27FC236}">
+                    <a16:creationId xmlns:a16="http://schemas.microsoft.com/office/drawing/2014/main" id="{B9E2CB4F-D5F3-4D26-A3C4-31BA36A53487}"/>
+                  </a:ext>
+                </a:extLst>
+              </p:cNvPr>
+              <p:cNvSpPr/>
+              <p:nvPr/>
+            </p:nvSpPr>
+            <p:spPr>
+              <a:xfrm>
+                <a:off x="8392958" y="3891083"/>
+                <a:ext cx="3276202" cy="2212133"/>
+              </a:xfrm>
+              <a:prstGeom prst="rect">
+                <a:avLst/>
+              </a:prstGeom>
+              <a:solidFill>
+                <a:srgbClr val="32B9CD"/>
+              </a:solidFill>
+              <a:ln>
+                <a:solidFill>
+                  <a:schemeClr val="accent5">
+                    <a:lumMod val="75000"/>
+                  </a:schemeClr>
+                </a:solidFill>
+              </a:ln>
+            </p:spPr>
+            <p:style>
+              <a:lnRef idx="2">
+                <a:schemeClr val="accent1">
+                  <a:shade val="50000"/>
+                </a:schemeClr>
+              </a:lnRef>
+              <a:fillRef idx="1">
+                <a:schemeClr val="accent1"/>
+              </a:fillRef>
+              <a:effectRef idx="0">
+                <a:schemeClr val="accent1"/>
+              </a:effectRef>
+              <a:fontRef idx="minor">
+                <a:schemeClr val="lt1"/>
+              </a:fontRef>
+            </p:style>
+            <p:txBody>
+              <a:bodyPr rtlCol="0" anchor="ctr"/>
+              <a:lstStyle/>
+              <a:p>
+                <a:pPr algn="ctr"/>
+                <a:endParaRPr lang="pt-BR" dirty="0">
+                  <a:solidFill>
+                    <a:prstClr val="white"/>
+                  </a:solidFill>
+                  <a:latin typeface="Calibri"/>
+                </a:endParaRPr>
+              </a:p>
+            </p:txBody>
+          </p:sp>
+          <p:sp>
+            <p:nvSpPr>
+              <p:cNvPr id="106" name="Retângulo 6">
+                <a:extLst>
+                  <a:ext uri="{FF2B5EF4-FFF2-40B4-BE49-F238E27FC236}">
+                    <a16:creationId xmlns:a16="http://schemas.microsoft.com/office/drawing/2014/main" id="{EA444193-79E6-4677-81AC-915C479C46DA}"/>
+                  </a:ext>
+                </a:extLst>
+              </p:cNvPr>
+              <p:cNvSpPr/>
+              <p:nvPr/>
+            </p:nvSpPr>
+            <p:spPr>
+              <a:xfrm>
+                <a:off x="8464949" y="3959113"/>
+                <a:ext cx="2577005" cy="226901"/>
+              </a:xfrm>
+              <a:prstGeom prst="rect">
+                <a:avLst/>
+              </a:prstGeom>
+              <a:noFill/>
+              <a:ln>
+                <a:solidFill>
+                  <a:schemeClr val="accent5">
+                    <a:lumMod val="75000"/>
+                  </a:schemeClr>
+                </a:solidFill>
+              </a:ln>
+            </p:spPr>
+            <p:style>
+              <a:lnRef idx="2">
+                <a:schemeClr val="accent1">
+                  <a:shade val="50000"/>
+                </a:schemeClr>
+              </a:lnRef>
+              <a:fillRef idx="1">
+                <a:schemeClr val="accent1"/>
+              </a:fillRef>
+              <a:effectRef idx="0">
+                <a:schemeClr val="accent1"/>
+              </a:effectRef>
+              <a:fontRef idx="minor">
+                <a:schemeClr val="lt1"/>
+              </a:fontRef>
+            </p:style>
+            <p:txBody>
+              <a:bodyPr rtlCol="0" anchor="ctr"/>
+              <a:lstStyle/>
+              <a:p>
+                <a:pPr algn="ctr"/>
+                <a:endParaRPr lang="pt-BR" dirty="0">
+                  <a:solidFill>
+                    <a:prstClr val="white"/>
+                  </a:solidFill>
+                  <a:latin typeface="Calibri"/>
+                </a:endParaRPr>
+              </a:p>
+            </p:txBody>
+          </p:sp>
+          <p:sp>
+            <p:nvSpPr>
+              <p:cNvPr id="109" name="Multiply 18">
+                <a:extLst>
+                  <a:ext uri="{FF2B5EF4-FFF2-40B4-BE49-F238E27FC236}">
+                    <a16:creationId xmlns:a16="http://schemas.microsoft.com/office/drawing/2014/main" id="{98D608EF-2AB8-49F3-8043-F70F113132F6}"/>
+                  </a:ext>
+                </a:extLst>
+              </p:cNvPr>
+              <p:cNvSpPr/>
+              <p:nvPr/>
+            </p:nvSpPr>
+            <p:spPr>
+              <a:xfrm>
+                <a:off x="11309204" y="3924647"/>
+                <a:ext cx="288032" cy="295831"/>
+              </a:xfrm>
+              <a:prstGeom prst="mathMultiply">
+                <a:avLst/>
+              </a:prstGeom>
+              <a:noFill/>
+              <a:ln>
+                <a:solidFill>
+                  <a:schemeClr val="accent5">
+                    <a:lumMod val="75000"/>
+                  </a:schemeClr>
+                </a:solidFill>
+              </a:ln>
+            </p:spPr>
+            <p:style>
+              <a:lnRef idx="2">
+                <a:schemeClr val="accent1">
+                  <a:shade val="50000"/>
+                </a:schemeClr>
+              </a:lnRef>
+              <a:fillRef idx="1">
+                <a:schemeClr val="accent1"/>
+              </a:fillRef>
+              <a:effectRef idx="0">
+                <a:schemeClr val="accent1"/>
+              </a:effectRef>
+              <a:fontRef idx="minor">
+                <a:schemeClr val="lt1"/>
+              </a:fontRef>
+            </p:style>
+            <p:txBody>
+              <a:bodyPr rtlCol="0" anchor="ctr"/>
+              <a:lstStyle/>
+              <a:p>
+                <a:pPr algn="ctr"/>
+                <a:endParaRPr lang="pt-BR" dirty="0"/>
+              </a:p>
+            </p:txBody>
+          </p:sp>
+          <p:sp>
+            <p:nvSpPr>
+              <p:cNvPr id="110" name="Circular Arrow 19">
+                <a:extLst>
+                  <a:ext uri="{FF2B5EF4-FFF2-40B4-BE49-F238E27FC236}">
+                    <a16:creationId xmlns:a16="http://schemas.microsoft.com/office/drawing/2014/main" id="{91C115C9-0450-4B5E-A42E-9820DCB77AD2}"/>
+                  </a:ext>
+                </a:extLst>
+              </p:cNvPr>
+              <p:cNvSpPr/>
+              <p:nvPr/>
+            </p:nvSpPr>
+            <p:spPr>
+              <a:xfrm rot="16500000">
+                <a:off x="11158829" y="3927941"/>
+                <a:ext cx="216000" cy="288000"/>
+              </a:xfrm>
+              <a:prstGeom prst="circularArrow">
+                <a:avLst/>
+              </a:prstGeom>
+              <a:noFill/>
+              <a:ln>
+                <a:solidFill>
+                  <a:schemeClr val="accent5">
+                    <a:lumMod val="75000"/>
+                  </a:schemeClr>
+                </a:solidFill>
+              </a:ln>
+            </p:spPr>
+            <p:style>
+              <a:lnRef idx="2">
+                <a:schemeClr val="accent1">
+                  <a:shade val="50000"/>
+                </a:schemeClr>
+              </a:lnRef>
+              <a:fillRef idx="1">
+                <a:schemeClr val="accent1"/>
+              </a:fillRef>
+              <a:effectRef idx="0">
+                <a:schemeClr val="accent1"/>
+              </a:effectRef>
+              <a:fontRef idx="minor">
+                <a:schemeClr val="lt1"/>
+              </a:fontRef>
+            </p:style>
+            <p:txBody>
+              <a:bodyPr rtlCol="0" anchor="ctr"/>
+              <a:lstStyle/>
+              <a:p>
+                <a:pPr algn="ctr"/>
+                <a:endParaRPr lang="pt-BR" dirty="0">
+                  <a:solidFill>
+                    <a:schemeClr val="tx1"/>
+                  </a:solidFill>
+                </a:endParaRPr>
+              </a:p>
+            </p:txBody>
+          </p:sp>
+        </p:grpSp>
+        <p:sp>
+          <p:nvSpPr>
+            <p:cNvPr id="98" name="Retângulo 20">
+              <a:extLst>
+                <a:ext uri="{FF2B5EF4-FFF2-40B4-BE49-F238E27FC236}">
+                  <a16:creationId xmlns:a16="http://schemas.microsoft.com/office/drawing/2014/main" id="{9367D8B0-D165-4A9C-B042-E4DCC56427B4}"/>
+                </a:ext>
+              </a:extLst>
+            </p:cNvPr>
+            <p:cNvSpPr/>
+            <p:nvPr/>
+          </p:nvSpPr>
+          <p:spPr>
+            <a:xfrm>
+              <a:off x="4593132" y="5292760"/>
+              <a:ext cx="2620063" cy="1041733"/>
+            </a:xfrm>
+            <a:prstGeom prst="rect">
+              <a:avLst/>
+            </a:prstGeom>
+          </p:spPr>
+          <p:txBody>
+            <a:bodyPr wrap="square">
+              <a:spAutoFit/>
+            </a:bodyPr>
+            <a:lstStyle/>
+            <a:p>
+              <a:pPr lvl="0" algn="ctr">
+                <a:defRPr/>
+              </a:pPr>
+              <a:r>
+                <a:rPr lang="pt-BR" sz="1600" b="1" dirty="0" err="1">
+                  <a:solidFill>
+                    <a:prstClr val="white"/>
+                  </a:solidFill>
+                </a:rPr>
+                <a:t>Client</a:t>
+              </a:r>
+              <a:r>
+                <a:rPr lang="pt-BR" sz="1600" b="1" dirty="0">
+                  <a:solidFill>
+                    <a:prstClr val="white"/>
+                  </a:solidFill>
+                </a:rPr>
+                <a:t> </a:t>
+              </a:r>
+              <a:r>
+                <a:rPr lang="pt-BR" sz="1600" b="1" dirty="0" err="1">
+                  <a:solidFill>
+                    <a:prstClr val="white"/>
+                  </a:solidFill>
+                </a:rPr>
+                <a:t>Side</a:t>
+              </a:r>
+              <a:r>
+                <a:rPr lang="pt-BR" sz="1600" b="1" dirty="0">
+                  <a:solidFill>
+                    <a:prstClr val="white"/>
+                  </a:solidFill>
+                </a:rPr>
+                <a:t> Web</a:t>
+              </a:r>
+            </a:p>
+            <a:p>
+              <a:pPr lvl="0" algn="ctr">
+                <a:defRPr/>
+              </a:pPr>
+              <a:r>
+                <a:rPr lang="pt-BR" sz="1400" dirty="0">
+                  <a:solidFill>
+                    <a:prstClr val="white"/>
+                  </a:solidFill>
+                </a:rPr>
+                <a:t>[Container: JS, HTML, CSS]</a:t>
+              </a:r>
+            </a:p>
+          </p:txBody>
+        </p:sp>
+        <p:sp>
+          <p:nvSpPr>
+            <p:cNvPr id="102" name="Retângulo 20">
+              <a:extLst>
+                <a:ext uri="{FF2B5EF4-FFF2-40B4-BE49-F238E27FC236}">
+                  <a16:creationId xmlns:a16="http://schemas.microsoft.com/office/drawing/2014/main" id="{2A77C046-02B1-4788-801E-278007FCC457}"/>
+                </a:ext>
+              </a:extLst>
+            </p:cNvPr>
+            <p:cNvSpPr/>
+            <p:nvPr/>
+          </p:nvSpPr>
+          <p:spPr>
+            <a:xfrm>
+              <a:off x="4593132" y="6169293"/>
+              <a:ext cx="2620063" cy="937560"/>
+            </a:xfrm>
+            <a:prstGeom prst="rect">
+              <a:avLst/>
+            </a:prstGeom>
+          </p:spPr>
+          <p:txBody>
+            <a:bodyPr wrap="square">
+              <a:spAutoFit/>
+            </a:bodyPr>
+            <a:lstStyle/>
+            <a:p>
+              <a:pPr lvl="0" algn="ctr">
+                <a:defRPr/>
+              </a:pPr>
+              <a:r>
+                <a:rPr lang="pt-BR" sz="1300" dirty="0">
+                  <a:solidFill>
+                    <a:prstClr val="white"/>
+                  </a:solidFill>
+                </a:rPr>
+                <a:t>Plataforma para </a:t>
+              </a:r>
+              <a:r>
+                <a:rPr lang="pt-BR" sz="1300" dirty="0" err="1">
+                  <a:solidFill>
+                    <a:prstClr val="white"/>
+                  </a:solidFill>
+                </a:rPr>
+                <a:t>proto-personas</a:t>
+              </a:r>
+              <a:r>
+                <a:rPr lang="pt-BR" sz="1300" dirty="0">
+                  <a:solidFill>
+                    <a:prstClr val="white"/>
+                  </a:solidFill>
+                </a:rPr>
+                <a:t> (adotante e ONG), cadastro e login</a:t>
+              </a:r>
+            </a:p>
+          </p:txBody>
+        </p:sp>
+      </p:grpSp>
+      <p:grpSp>
+        <p:nvGrpSpPr>
+          <p:cNvPr id="26" name="Group 25">
+            <a:extLst>
+              <a:ext uri="{FF2B5EF4-FFF2-40B4-BE49-F238E27FC236}">
+                <a16:creationId xmlns:a16="http://schemas.microsoft.com/office/drawing/2014/main" id="{5A1DD681-3C86-4DFD-8FAA-80B83BE71707}"/>
+              </a:ext>
+            </a:extLst>
+          </p:cNvPr>
+          <p:cNvGrpSpPr/>
+          <p:nvPr/>
+        </p:nvGrpSpPr>
+        <p:grpSpPr>
+          <a:xfrm>
+            <a:off x="230352" y="5076951"/>
+            <a:ext cx="1875601" cy="1584000"/>
+            <a:chOff x="10643667" y="4907952"/>
+            <a:chExt cx="1824413" cy="1584000"/>
+          </a:xfrm>
+        </p:grpSpPr>
+        <p:sp>
+          <p:nvSpPr>
+            <p:cNvPr id="116" name="Retângulo 29">
+              <a:extLst>
+                <a:ext uri="{FF2B5EF4-FFF2-40B4-BE49-F238E27FC236}">
+                  <a16:creationId xmlns:a16="http://schemas.microsoft.com/office/drawing/2014/main" id="{E5249170-0DF0-4F85-BEB7-914ED38B71B7}"/>
+                </a:ext>
+              </a:extLst>
+            </p:cNvPr>
+            <p:cNvSpPr/>
+            <p:nvPr/>
+          </p:nvSpPr>
+          <p:spPr>
+            <a:xfrm>
+              <a:off x="10643668" y="4907952"/>
+              <a:ext cx="1824412" cy="1584000"/>
+            </a:xfrm>
+            <a:prstGeom prst="rect">
+              <a:avLst/>
+            </a:prstGeom>
+            <a:solidFill>
+              <a:schemeClr val="bg1">
+                <a:lumMod val="85000"/>
+              </a:schemeClr>
+            </a:solidFill>
+            <a:ln>
+              <a:solidFill>
+                <a:srgbClr val="253746"/>
+              </a:solidFill>
+              <a:prstDash val="dash"/>
+            </a:ln>
+          </p:spPr>
+          <p:style>
+            <a:lnRef idx="2">
+              <a:schemeClr val="accent1">
+                <a:shade val="50000"/>
+              </a:schemeClr>
+            </a:lnRef>
+            <a:fillRef idx="1">
+              <a:schemeClr val="accent1"/>
+            </a:fillRef>
+            <a:effectRef idx="0">
+              <a:schemeClr val="accent1"/>
+            </a:effectRef>
+            <a:fontRef idx="minor">
+              <a:schemeClr val="lt1"/>
+            </a:fontRef>
+          </p:style>
+          <p:txBody>
+            <a:bodyPr rtlCol="0" anchor="ctr"/>
+            <a:lstStyle/>
+            <a:p>
+              <a:pPr algn="ctr"/>
+              <a:endParaRPr lang="pt-BR" sz="1800" dirty="0">
+                <a:solidFill>
+                  <a:prstClr val="white"/>
+                </a:solidFill>
+                <a:latin typeface="Calibri"/>
+              </a:endParaRPr>
+            </a:p>
+          </p:txBody>
+        </p:sp>
+        <p:sp>
+          <p:nvSpPr>
+            <p:cNvPr id="117" name="Retângulo 20">
+              <a:extLst>
+                <a:ext uri="{FF2B5EF4-FFF2-40B4-BE49-F238E27FC236}">
+                  <a16:creationId xmlns:a16="http://schemas.microsoft.com/office/drawing/2014/main" id="{BCF648C4-4A60-4667-B81C-61C792C1ED0F}"/>
+                </a:ext>
+              </a:extLst>
+            </p:cNvPr>
+            <p:cNvSpPr/>
+            <p:nvPr/>
+          </p:nvSpPr>
+          <p:spPr>
+            <a:xfrm>
+              <a:off x="10643667" y="5016204"/>
+              <a:ext cx="1807347" cy="769441"/>
+            </a:xfrm>
+            <a:prstGeom prst="rect">
+              <a:avLst/>
+            </a:prstGeom>
+          </p:spPr>
+          <p:txBody>
+            <a:bodyPr wrap="square">
+              <a:spAutoFit/>
+            </a:bodyPr>
+            <a:lstStyle/>
+            <a:p>
+              <a:pPr lvl="0" algn="ctr">
+                <a:defRPr/>
+              </a:pPr>
+              <a:r>
+                <a:rPr lang="pt-BR" sz="1500" b="1" dirty="0"/>
+                <a:t>ViaCEP Application</a:t>
+              </a:r>
+            </a:p>
+            <a:p>
+              <a:pPr lvl="0" algn="ctr">
+                <a:defRPr/>
+              </a:pPr>
+              <a:r>
+                <a:rPr lang="pt-BR" sz="1400" dirty="0"/>
+                <a:t>[Container: </a:t>
+              </a:r>
+            </a:p>
+            <a:p>
+              <a:pPr lvl="0" algn="ctr">
+                <a:defRPr/>
+              </a:pPr>
+              <a:r>
+                <a:rPr lang="pt-BR" sz="1400" dirty="0"/>
+                <a:t>API ViaCEP]</a:t>
+              </a:r>
+            </a:p>
+          </p:txBody>
+        </p:sp>
+        <p:sp>
+          <p:nvSpPr>
+            <p:cNvPr id="118" name="Retângulo 20">
+              <a:extLst>
+                <a:ext uri="{FF2B5EF4-FFF2-40B4-BE49-F238E27FC236}">
+                  <a16:creationId xmlns:a16="http://schemas.microsoft.com/office/drawing/2014/main" id="{38D819C9-C641-4CCD-AC6D-4800F51F0A9D}"/>
+                </a:ext>
+              </a:extLst>
+            </p:cNvPr>
+            <p:cNvSpPr/>
+            <p:nvPr/>
+          </p:nvSpPr>
+          <p:spPr>
+            <a:xfrm>
+              <a:off x="10660733" y="5880476"/>
+              <a:ext cx="1807347" cy="492443"/>
+            </a:xfrm>
+            <a:prstGeom prst="rect">
+              <a:avLst/>
+            </a:prstGeom>
+          </p:spPr>
+          <p:txBody>
+            <a:bodyPr wrap="square">
+              <a:spAutoFit/>
+            </a:bodyPr>
+            <a:lstStyle/>
+            <a:p>
+              <a:pPr lvl="0" algn="ctr">
+                <a:defRPr/>
+              </a:pPr>
+              <a:r>
+                <a:rPr lang="pt-BR" sz="1300" dirty="0"/>
+                <a:t>API para consulta de endereço via CEP</a:t>
+              </a:r>
+            </a:p>
+          </p:txBody>
+        </p:sp>
+      </p:grpSp>
+      <p:cxnSp>
+        <p:nvCxnSpPr>
+          <p:cNvPr id="120" name="Conector de Seta Reta 107">
+            <a:extLst>
+              <a:ext uri="{FF2B5EF4-FFF2-40B4-BE49-F238E27FC236}">
+                <a16:creationId xmlns:a16="http://schemas.microsoft.com/office/drawing/2014/main" id="{918EA926-67E7-4D2D-9FF2-763819C51CB0}"/>
+              </a:ext>
+            </a:extLst>
+          </p:cNvPr>
+          <p:cNvCxnSpPr>
+            <a:cxnSpLocks/>
+            <a:stCxn id="104" idx="1"/>
+            <a:endCxn id="116" idx="3"/>
+          </p:cNvCxnSpPr>
+          <p:nvPr/>
+        </p:nvCxnSpPr>
+        <p:spPr>
+          <a:xfrm flipH="1">
+            <a:off x="2105953" y="5856891"/>
+            <a:ext cx="5052765" cy="0"/>
+          </a:xfrm>
+          <a:prstGeom prst="straightConnector1">
+            <a:avLst/>
+          </a:prstGeom>
+          <a:ln w="19050">
+            <a:solidFill>
+              <a:schemeClr val="accent5">
+                <a:lumMod val="75000"/>
+              </a:schemeClr>
+            </a:solidFill>
+            <a:prstDash val="sysDash"/>
+            <a:headEnd type="none" w="lg" len="lg"/>
+            <a:tailEnd type="triangle" w="lg" len="lg"/>
+          </a:ln>
+        </p:spPr>
+        <p:style>
+          <a:lnRef idx="1">
+            <a:schemeClr val="accent1"/>
+          </a:lnRef>
+          <a:fillRef idx="0">
+            <a:schemeClr val="accent1"/>
+          </a:fillRef>
+          <a:effectRef idx="0">
+            <a:schemeClr val="accent1"/>
+          </a:effectRef>
+          <a:fontRef idx="minor">
+            <a:schemeClr val="tx1"/>
+          </a:fontRef>
+        </p:style>
+      </p:cxnSp>
+      <p:sp>
+        <p:nvSpPr>
+          <p:cNvPr id="47" name="Retângulo 29">
+            <a:extLst>
+              <a:ext uri="{FF2B5EF4-FFF2-40B4-BE49-F238E27FC236}">
+                <a16:creationId xmlns:a16="http://schemas.microsoft.com/office/drawing/2014/main" id="{0A63E38E-69BA-4826-AA90-25CB1A746F60}"/>
+              </a:ext>
+            </a:extLst>
+          </p:cNvPr>
+          <p:cNvSpPr/>
+          <p:nvPr/>
+        </p:nvSpPr>
+        <p:spPr>
+          <a:xfrm>
+            <a:off x="2839584" y="340974"/>
+            <a:ext cx="10386970" cy="4266224"/>
+          </a:xfrm>
+          <a:prstGeom prst="rect">
+            <a:avLst/>
+          </a:prstGeom>
+          <a:solidFill>
+            <a:srgbClr val="445E93">
+              <a:alpha val="30196"/>
+            </a:srgbClr>
+          </a:solidFill>
+          <a:ln>
+            <a:solidFill>
+              <a:srgbClr val="445E93"/>
+            </a:solidFill>
+            <a:prstDash val="dash"/>
+          </a:ln>
+        </p:spPr>
+        <p:style>
+          <a:lnRef idx="2">
+            <a:schemeClr val="accent1">
+              <a:shade val="50000"/>
+            </a:schemeClr>
+          </a:lnRef>
+          <a:fillRef idx="1">
+            <a:schemeClr val="accent1"/>
+          </a:fillRef>
+          <a:effectRef idx="0">
+            <a:schemeClr val="accent1"/>
+          </a:effectRef>
+          <a:fontRef idx="minor">
+            <a:schemeClr val="lt1"/>
+          </a:fontRef>
+        </p:style>
+        <p:txBody>
+          <a:bodyPr rtlCol="0" anchor="ctr"/>
+          <a:lstStyle/>
+          <a:p>
+            <a:pPr algn="ctr"/>
+            <a:endParaRPr lang="pt-BR" sz="1800">
+              <a:solidFill>
+                <a:prstClr val="white"/>
+              </a:solidFill>
+              <a:latin typeface="Calibri"/>
+            </a:endParaRPr>
+          </a:p>
+        </p:txBody>
+      </p:sp>
+      <p:grpSp>
+        <p:nvGrpSpPr>
+          <p:cNvPr id="15" name="Group 14">
+            <a:extLst>
+              <a:ext uri="{FF2B5EF4-FFF2-40B4-BE49-F238E27FC236}">
+                <a16:creationId xmlns:a16="http://schemas.microsoft.com/office/drawing/2014/main" id="{BA515160-279B-4CBE-A0AF-C4F130221761}"/>
+              </a:ext>
+            </a:extLst>
+          </p:cNvPr>
+          <p:cNvGrpSpPr/>
+          <p:nvPr/>
+        </p:nvGrpSpPr>
+        <p:grpSpPr>
+          <a:xfrm>
+            <a:off x="7153522" y="612279"/>
+            <a:ext cx="1866809" cy="1583957"/>
+            <a:chOff x="3777031" y="343888"/>
+            <a:chExt cx="1866809" cy="1583957"/>
+          </a:xfrm>
+        </p:grpSpPr>
+        <p:sp>
+          <p:nvSpPr>
+            <p:cNvPr id="52" name="Retângulo 17">
+              <a:extLst>
+                <a:ext uri="{FF2B5EF4-FFF2-40B4-BE49-F238E27FC236}">
+                  <a16:creationId xmlns:a16="http://schemas.microsoft.com/office/drawing/2014/main" id="{F0833080-7A53-4BB5-9E8C-E4671AD669B5}"/>
+                </a:ext>
+              </a:extLst>
+            </p:cNvPr>
+            <p:cNvSpPr/>
+            <p:nvPr/>
+          </p:nvSpPr>
+          <p:spPr>
+            <a:xfrm>
+              <a:off x="3777032" y="343888"/>
+              <a:ext cx="1866807" cy="1583957"/>
+            </a:xfrm>
+            <a:prstGeom prst="rect">
+              <a:avLst/>
+            </a:prstGeom>
+            <a:ln/>
+          </p:spPr>
+          <p:style>
+            <a:lnRef idx="2">
+              <a:schemeClr val="accent5">
+                <a:shade val="50000"/>
+              </a:schemeClr>
+            </a:lnRef>
+            <a:fillRef idx="1">
+              <a:schemeClr val="accent5"/>
+            </a:fillRef>
+            <a:effectRef idx="0">
+              <a:schemeClr val="accent5"/>
+            </a:effectRef>
+            <a:fontRef idx="minor">
+              <a:schemeClr val="lt1"/>
+            </a:fontRef>
+          </p:style>
+          <p:txBody>
+            <a:bodyPr rtlCol="0" anchor="ctr"/>
+            <a:lstStyle/>
+            <a:p>
+              <a:pPr algn="ctr"/>
+              <a:endParaRPr lang="pt-BR" sz="1800" dirty="0">
+                <a:solidFill>
+                  <a:prstClr val="white"/>
+                </a:solidFill>
+                <a:latin typeface="Calibri"/>
+              </a:endParaRPr>
+            </a:p>
+          </p:txBody>
+        </p:sp>
+        <p:sp>
+          <p:nvSpPr>
+            <p:cNvPr id="53" name="Retângulo 20">
+              <a:extLst>
+                <a:ext uri="{FF2B5EF4-FFF2-40B4-BE49-F238E27FC236}">
+                  <a16:creationId xmlns:a16="http://schemas.microsoft.com/office/drawing/2014/main" id="{C39C1F8B-21DB-4243-9A74-33406AFE748B}"/>
+                </a:ext>
+              </a:extLst>
+            </p:cNvPr>
+            <p:cNvSpPr/>
+            <p:nvPr/>
+          </p:nvSpPr>
+          <p:spPr>
+            <a:xfrm>
+              <a:off x="3777031" y="408153"/>
+              <a:ext cx="1857340" cy="553998"/>
+            </a:xfrm>
+            <a:prstGeom prst="rect">
+              <a:avLst/>
+            </a:prstGeom>
+          </p:spPr>
+          <p:txBody>
+            <a:bodyPr wrap="square">
+              <a:spAutoFit/>
+            </a:bodyPr>
+            <a:lstStyle/>
+            <a:p>
+              <a:pPr lvl="0" algn="ctr">
+                <a:defRPr/>
+              </a:pPr>
+              <a:r>
+                <a:rPr lang="pt-BR" sz="1600" b="1" dirty="0">
+                  <a:solidFill>
+                    <a:prstClr val="white"/>
+                  </a:solidFill>
+                </a:rPr>
+                <a:t>ORM</a:t>
+              </a:r>
+            </a:p>
+            <a:p>
+              <a:pPr lvl="0" algn="ctr">
+                <a:defRPr/>
+              </a:pPr>
+              <a:r>
+                <a:rPr lang="pt-BR" sz="1400" dirty="0">
+                  <a:solidFill>
+                    <a:prstClr val="white"/>
+                  </a:solidFill>
+                </a:rPr>
+                <a:t>[Component: JPA]</a:t>
+              </a:r>
+            </a:p>
+          </p:txBody>
+        </p:sp>
+        <p:sp>
+          <p:nvSpPr>
+            <p:cNvPr id="54" name="Retângulo 20">
+              <a:extLst>
+                <a:ext uri="{FF2B5EF4-FFF2-40B4-BE49-F238E27FC236}">
+                  <a16:creationId xmlns:a16="http://schemas.microsoft.com/office/drawing/2014/main" id="{6BBACDBC-A223-45DB-AE53-5748C0DE9D21}"/>
+                </a:ext>
+              </a:extLst>
+            </p:cNvPr>
+            <p:cNvSpPr/>
+            <p:nvPr/>
+          </p:nvSpPr>
+          <p:spPr>
+            <a:xfrm>
+              <a:off x="3786500" y="949125"/>
+              <a:ext cx="1857340" cy="892552"/>
+            </a:xfrm>
+            <a:prstGeom prst="rect">
+              <a:avLst/>
+            </a:prstGeom>
+          </p:spPr>
+          <p:txBody>
+            <a:bodyPr wrap="square">
+              <a:spAutoFit/>
+            </a:bodyPr>
+            <a:lstStyle/>
+            <a:p>
+              <a:pPr lvl="0" algn="ctr">
+                <a:defRPr/>
+              </a:pPr>
+              <a:r>
+                <a:rPr lang="pt-BR" sz="1300" dirty="0">
+                  <a:solidFill>
+                    <a:prstClr val="white"/>
+                  </a:solidFill>
+                </a:rPr>
+                <a:t>Componente que gerencia as conexões e transações com o Banco de Dados</a:t>
+              </a:r>
+            </a:p>
+          </p:txBody>
+        </p:sp>
+      </p:grpSp>
+      <p:grpSp>
+        <p:nvGrpSpPr>
+          <p:cNvPr id="143" name="Group 142">
+            <a:extLst>
+              <a:ext uri="{FF2B5EF4-FFF2-40B4-BE49-F238E27FC236}">
+                <a16:creationId xmlns:a16="http://schemas.microsoft.com/office/drawing/2014/main" id="{0BE12075-18B7-4944-AF8C-2789908A77B8}"/>
+              </a:ext>
+            </a:extLst>
+          </p:cNvPr>
+          <p:cNvGrpSpPr/>
+          <p:nvPr/>
+        </p:nvGrpSpPr>
+        <p:grpSpPr>
+          <a:xfrm>
+            <a:off x="9205751" y="2790958"/>
+            <a:ext cx="1876275" cy="1583957"/>
+            <a:chOff x="3777031" y="2546698"/>
+            <a:chExt cx="1876275" cy="1583957"/>
+          </a:xfrm>
+        </p:grpSpPr>
+        <p:sp>
+          <p:nvSpPr>
+            <p:cNvPr id="144" name="Retângulo 17">
+              <a:extLst>
+                <a:ext uri="{FF2B5EF4-FFF2-40B4-BE49-F238E27FC236}">
+                  <a16:creationId xmlns:a16="http://schemas.microsoft.com/office/drawing/2014/main" id="{E87C77A9-1A9B-4AAB-AC33-83C6ABF1F03A}"/>
+                </a:ext>
+              </a:extLst>
+            </p:cNvPr>
+            <p:cNvSpPr/>
+            <p:nvPr/>
+          </p:nvSpPr>
+          <p:spPr>
+            <a:xfrm>
+              <a:off x="3777032" y="2546698"/>
+              <a:ext cx="1866807" cy="1583957"/>
+            </a:xfrm>
+            <a:prstGeom prst="rect">
+              <a:avLst/>
+            </a:prstGeom>
+            <a:ln/>
+          </p:spPr>
+          <p:style>
+            <a:lnRef idx="2">
+              <a:schemeClr val="accent5">
+                <a:shade val="50000"/>
+              </a:schemeClr>
+            </a:lnRef>
+            <a:fillRef idx="1">
+              <a:schemeClr val="accent5"/>
+            </a:fillRef>
+            <a:effectRef idx="0">
+              <a:schemeClr val="accent5"/>
+            </a:effectRef>
+            <a:fontRef idx="minor">
+              <a:schemeClr val="lt1"/>
+            </a:fontRef>
+          </p:style>
+          <p:txBody>
+            <a:bodyPr rtlCol="0" anchor="ctr"/>
+            <a:lstStyle/>
+            <a:p>
+              <a:pPr algn="ctr"/>
+              <a:endParaRPr lang="pt-BR" sz="1800" dirty="0">
+                <a:solidFill>
+                  <a:prstClr val="white"/>
+                </a:solidFill>
+                <a:latin typeface="Calibri"/>
+              </a:endParaRPr>
+            </a:p>
+          </p:txBody>
+        </p:sp>
+        <p:sp>
+          <p:nvSpPr>
+            <p:cNvPr id="145" name="Retângulo 20">
+              <a:extLst>
+                <a:ext uri="{FF2B5EF4-FFF2-40B4-BE49-F238E27FC236}">
+                  <a16:creationId xmlns:a16="http://schemas.microsoft.com/office/drawing/2014/main" id="{F05286B5-0719-4810-A58A-E72E406AF1A9}"/>
+                </a:ext>
+              </a:extLst>
+            </p:cNvPr>
+            <p:cNvSpPr/>
+            <p:nvPr/>
+          </p:nvSpPr>
+          <p:spPr>
+            <a:xfrm>
+              <a:off x="3777031" y="2610963"/>
+              <a:ext cx="1876275" cy="769441"/>
+            </a:xfrm>
+            <a:prstGeom prst="rect">
+              <a:avLst/>
+            </a:prstGeom>
+          </p:spPr>
+          <p:txBody>
+            <a:bodyPr wrap="square">
+              <a:spAutoFit/>
+            </a:bodyPr>
+            <a:lstStyle/>
+            <a:p>
+              <a:pPr lvl="0" algn="ctr">
+                <a:defRPr/>
+              </a:pPr>
+              <a:r>
+                <a:rPr lang="pt-BR" sz="1600" b="1" dirty="0">
+                  <a:solidFill>
+                    <a:prstClr val="white"/>
+                  </a:solidFill>
+                </a:rPr>
+                <a:t>Adotante Controller</a:t>
+              </a:r>
+            </a:p>
+            <a:p>
+              <a:pPr lvl="0" algn="ctr">
+                <a:defRPr/>
+              </a:pPr>
+              <a:r>
+                <a:rPr lang="pt-BR" sz="1400" dirty="0">
+                  <a:solidFill>
+                    <a:prstClr val="white"/>
+                  </a:solidFill>
+                </a:rPr>
+                <a:t>[Component: Spring MVC Rest Controller]</a:t>
+              </a:r>
+            </a:p>
+          </p:txBody>
+        </p:sp>
+        <p:sp>
+          <p:nvSpPr>
+            <p:cNvPr id="146" name="Retângulo 20">
+              <a:extLst>
+                <a:ext uri="{FF2B5EF4-FFF2-40B4-BE49-F238E27FC236}">
+                  <a16:creationId xmlns:a16="http://schemas.microsoft.com/office/drawing/2014/main" id="{D39BAFFF-817C-4E09-8D8F-C99837072509}"/>
+                </a:ext>
+              </a:extLst>
+            </p:cNvPr>
+            <p:cNvSpPr/>
+            <p:nvPr/>
+          </p:nvSpPr>
+          <p:spPr>
+            <a:xfrm>
+              <a:off x="3786501" y="3439577"/>
+              <a:ext cx="1834790" cy="292388"/>
+            </a:xfrm>
+            <a:prstGeom prst="rect">
+              <a:avLst/>
+            </a:prstGeom>
+          </p:spPr>
+          <p:txBody>
+            <a:bodyPr wrap="square">
+              <a:spAutoFit/>
+            </a:bodyPr>
+            <a:lstStyle/>
+            <a:p>
+              <a:pPr lvl="0" algn="ctr">
+                <a:defRPr/>
+              </a:pPr>
+              <a:r>
+                <a:rPr lang="pt-BR" sz="1300" dirty="0">
+                  <a:solidFill>
+                    <a:prstClr val="white"/>
+                  </a:solidFill>
+                </a:rPr>
+                <a:t>CRUD dos adotantes</a:t>
+              </a:r>
+            </a:p>
+          </p:txBody>
+        </p:sp>
+      </p:grpSp>
+      <p:sp>
+        <p:nvSpPr>
+          <p:cNvPr id="147" name="Retângulo 41">
+            <a:extLst>
+              <a:ext uri="{FF2B5EF4-FFF2-40B4-BE49-F238E27FC236}">
+                <a16:creationId xmlns:a16="http://schemas.microsoft.com/office/drawing/2014/main" id="{1A4BF65C-7D82-43F3-8027-3DAF2F6480EF}"/>
+              </a:ext>
+            </a:extLst>
+          </p:cNvPr>
+          <p:cNvSpPr/>
+          <p:nvPr/>
+        </p:nvSpPr>
+        <p:spPr>
+          <a:xfrm>
+            <a:off x="6182553" y="167660"/>
+            <a:ext cx="4123660" cy="352319"/>
+          </a:xfrm>
+          <a:prstGeom prst="rect">
+            <a:avLst/>
+          </a:prstGeom>
+          <a:solidFill>
+            <a:srgbClr val="445E93"/>
+          </a:solidFill>
+          <a:ln>
+            <a:noFill/>
+          </a:ln>
+          <a:effectLst/>
+        </p:spPr>
+        <p:style>
+          <a:lnRef idx="1">
+            <a:schemeClr val="accent3"/>
+          </a:lnRef>
+          <a:fillRef idx="3">
+            <a:schemeClr val="accent3"/>
+          </a:fillRef>
+          <a:effectRef idx="2">
+            <a:schemeClr val="accent3"/>
+          </a:effectRef>
+          <a:fontRef idx="minor">
+            <a:schemeClr val="lt1"/>
+          </a:fontRef>
+        </p:style>
+        <p:txBody>
+          <a:bodyPr rtlCol="0" anchor="ctr"/>
+          <a:lstStyle/>
+          <a:p>
+            <a:pPr algn="ctr"/>
+            <a:r>
+              <a:rPr lang="pt-BR" sz="1800" b="1" dirty="0">
+                <a:solidFill>
+                  <a:schemeClr val="bg1"/>
+                </a:solidFill>
+                <a:latin typeface="Exo 2" panose="00000500000000000000" pitchFamily="50" charset="0"/>
+              </a:rPr>
+              <a:t>MICROSERVICE</a:t>
+            </a:r>
+          </a:p>
+        </p:txBody>
+      </p:sp>
+      <p:grpSp>
+        <p:nvGrpSpPr>
+          <p:cNvPr id="148" name="Group 147">
+            <a:extLst>
+              <a:ext uri="{FF2B5EF4-FFF2-40B4-BE49-F238E27FC236}">
+                <a16:creationId xmlns:a16="http://schemas.microsoft.com/office/drawing/2014/main" id="{3319DC28-0311-4A25-AE51-4D91374F6F9D}"/>
+              </a:ext>
+            </a:extLst>
+          </p:cNvPr>
+          <p:cNvGrpSpPr/>
+          <p:nvPr/>
+        </p:nvGrpSpPr>
+        <p:grpSpPr>
+          <a:xfrm>
+            <a:off x="11257979" y="2796061"/>
+            <a:ext cx="1876275" cy="1583957"/>
+            <a:chOff x="3777031" y="2546698"/>
+            <a:chExt cx="1876275" cy="1583957"/>
+          </a:xfrm>
+        </p:grpSpPr>
+        <p:sp>
+          <p:nvSpPr>
+            <p:cNvPr id="149" name="Retângulo 17">
+              <a:extLst>
+                <a:ext uri="{FF2B5EF4-FFF2-40B4-BE49-F238E27FC236}">
+                  <a16:creationId xmlns:a16="http://schemas.microsoft.com/office/drawing/2014/main" id="{46F3E470-5407-43CD-8928-E74231B91F7F}"/>
+                </a:ext>
+              </a:extLst>
+            </p:cNvPr>
+            <p:cNvSpPr/>
+            <p:nvPr/>
+          </p:nvSpPr>
+          <p:spPr>
+            <a:xfrm>
+              <a:off x="3777032" y="2546698"/>
+              <a:ext cx="1866807" cy="1583957"/>
+            </a:xfrm>
+            <a:prstGeom prst="rect">
+              <a:avLst/>
+            </a:prstGeom>
+            <a:ln/>
+          </p:spPr>
+          <p:style>
+            <a:lnRef idx="2">
+              <a:schemeClr val="accent5">
+                <a:shade val="50000"/>
+              </a:schemeClr>
+            </a:lnRef>
+            <a:fillRef idx="1">
+              <a:schemeClr val="accent5"/>
+            </a:fillRef>
+            <a:effectRef idx="0">
+              <a:schemeClr val="accent5"/>
+            </a:effectRef>
+            <a:fontRef idx="minor">
+              <a:schemeClr val="lt1"/>
+            </a:fontRef>
+          </p:style>
+          <p:txBody>
+            <a:bodyPr rtlCol="0" anchor="ctr"/>
+            <a:lstStyle/>
+            <a:p>
+              <a:pPr algn="ctr"/>
+              <a:endParaRPr lang="pt-BR" sz="1800" dirty="0">
+                <a:solidFill>
+                  <a:prstClr val="white"/>
+                </a:solidFill>
+                <a:latin typeface="Calibri"/>
+              </a:endParaRPr>
+            </a:p>
+          </p:txBody>
+        </p:sp>
+        <p:sp>
+          <p:nvSpPr>
+            <p:cNvPr id="150" name="Retângulo 20">
+              <a:extLst>
+                <a:ext uri="{FF2B5EF4-FFF2-40B4-BE49-F238E27FC236}">
+                  <a16:creationId xmlns:a16="http://schemas.microsoft.com/office/drawing/2014/main" id="{8AB72AAF-F8EA-40B8-A83F-1BA426CB4175}"/>
+                </a:ext>
+              </a:extLst>
+            </p:cNvPr>
+            <p:cNvSpPr/>
+            <p:nvPr/>
+          </p:nvSpPr>
+          <p:spPr>
+            <a:xfrm>
+              <a:off x="3777031" y="2610963"/>
+              <a:ext cx="1876275" cy="769441"/>
+            </a:xfrm>
+            <a:prstGeom prst="rect">
+              <a:avLst/>
+            </a:prstGeom>
+          </p:spPr>
+          <p:txBody>
+            <a:bodyPr wrap="square">
+              <a:spAutoFit/>
+            </a:bodyPr>
+            <a:lstStyle/>
+            <a:p>
+              <a:pPr lvl="0" algn="ctr">
+                <a:defRPr/>
+              </a:pPr>
+              <a:r>
+                <a:rPr lang="pt-BR" sz="1600" b="1" dirty="0">
+                  <a:solidFill>
+                    <a:prstClr val="white"/>
+                  </a:solidFill>
+                </a:rPr>
+                <a:t>Animal Controller</a:t>
+              </a:r>
+            </a:p>
+            <a:p>
+              <a:pPr lvl="0" algn="ctr">
+                <a:defRPr/>
+              </a:pPr>
+              <a:r>
+                <a:rPr lang="pt-BR" sz="1400" dirty="0">
+                  <a:solidFill>
+                    <a:prstClr val="white"/>
+                  </a:solidFill>
+                </a:rPr>
+                <a:t>[Component: Spring MVC Rest Controller]</a:t>
+              </a:r>
+            </a:p>
+          </p:txBody>
+        </p:sp>
+        <p:sp>
+          <p:nvSpPr>
+            <p:cNvPr id="151" name="Retângulo 20">
+              <a:extLst>
+                <a:ext uri="{FF2B5EF4-FFF2-40B4-BE49-F238E27FC236}">
+                  <a16:creationId xmlns:a16="http://schemas.microsoft.com/office/drawing/2014/main" id="{6AB73B9F-C958-4E60-A84E-A6E6833FC4B8}"/>
+                </a:ext>
+              </a:extLst>
+            </p:cNvPr>
+            <p:cNvSpPr/>
+            <p:nvPr/>
+          </p:nvSpPr>
+          <p:spPr>
+            <a:xfrm>
+              <a:off x="3786501" y="3439577"/>
+              <a:ext cx="1834790" cy="292388"/>
+            </a:xfrm>
+            <a:prstGeom prst="rect">
+              <a:avLst/>
+            </a:prstGeom>
+          </p:spPr>
+          <p:txBody>
+            <a:bodyPr wrap="square">
+              <a:spAutoFit/>
+            </a:bodyPr>
+            <a:lstStyle/>
+            <a:p>
+              <a:pPr lvl="0" algn="ctr">
+                <a:defRPr/>
+              </a:pPr>
+              <a:r>
+                <a:rPr lang="pt-BR" sz="1300" dirty="0">
+                  <a:solidFill>
+                    <a:prstClr val="white"/>
+                  </a:solidFill>
+                </a:rPr>
+                <a:t>CRUD dos animais</a:t>
+              </a:r>
+            </a:p>
+          </p:txBody>
+        </p:sp>
+      </p:grpSp>
+      <p:cxnSp>
+        <p:nvCxnSpPr>
+          <p:cNvPr id="69" name="Conector de Seta Reta 107">
+            <a:extLst>
+              <a:ext uri="{FF2B5EF4-FFF2-40B4-BE49-F238E27FC236}">
+                <a16:creationId xmlns:a16="http://schemas.microsoft.com/office/drawing/2014/main" id="{3AF9C43E-1840-4006-84E1-832D0B890C76}"/>
+              </a:ext>
+            </a:extLst>
+          </p:cNvPr>
+          <p:cNvCxnSpPr>
+            <a:cxnSpLocks/>
+            <a:stCxn id="104" idx="0"/>
+            <a:endCxn id="149" idx="2"/>
+          </p:cNvCxnSpPr>
+          <p:nvPr/>
+        </p:nvCxnSpPr>
+        <p:spPr>
+          <a:xfrm flipV="1">
+            <a:off x="8096518" y="4380018"/>
+            <a:ext cx="4094866" cy="684873"/>
+          </a:xfrm>
+          <a:prstGeom prst="straightConnector1">
+            <a:avLst/>
+          </a:prstGeom>
+          <a:ln w="19050">
+            <a:solidFill>
+              <a:schemeClr val="accent5">
+                <a:lumMod val="75000"/>
+              </a:schemeClr>
+            </a:solidFill>
+            <a:prstDash val="sysDash"/>
+            <a:headEnd type="none" w="lg" len="lg"/>
+            <a:tailEnd type="triangle" w="lg" len="lg"/>
+          </a:ln>
+        </p:spPr>
+        <p:style>
+          <a:lnRef idx="1">
+            <a:schemeClr val="accent1"/>
+          </a:lnRef>
+          <a:fillRef idx="0">
+            <a:schemeClr val="accent1"/>
+          </a:fillRef>
+          <a:effectRef idx="0">
+            <a:schemeClr val="accent1"/>
+          </a:effectRef>
+          <a:fontRef idx="minor">
+            <a:schemeClr val="tx1"/>
+          </a:fontRef>
+        </p:style>
+      </p:cxnSp>
+      <p:cxnSp>
+        <p:nvCxnSpPr>
+          <p:cNvPr id="73" name="Conector de Seta Reta 107">
+            <a:extLst>
+              <a:ext uri="{FF2B5EF4-FFF2-40B4-BE49-F238E27FC236}">
+                <a16:creationId xmlns:a16="http://schemas.microsoft.com/office/drawing/2014/main" id="{E5ABD69C-647E-4D8E-8BCE-B05C7F1ABD96}"/>
+              </a:ext>
+            </a:extLst>
+          </p:cNvPr>
+          <p:cNvCxnSpPr>
+            <a:cxnSpLocks/>
+            <a:stCxn id="104" idx="0"/>
+          </p:cNvCxnSpPr>
+          <p:nvPr/>
+        </p:nvCxnSpPr>
+        <p:spPr>
+          <a:xfrm flipV="1">
+            <a:off x="8096518" y="4374915"/>
+            <a:ext cx="1577285" cy="689976"/>
+          </a:xfrm>
+          <a:prstGeom prst="straightConnector1">
+            <a:avLst/>
+          </a:prstGeom>
+          <a:ln w="19050">
+            <a:solidFill>
+              <a:schemeClr val="accent5">
+                <a:lumMod val="75000"/>
+              </a:schemeClr>
+            </a:solidFill>
+            <a:prstDash val="sysDash"/>
+            <a:headEnd type="none" w="lg" len="lg"/>
+            <a:tailEnd type="triangle" w="lg" len="lg"/>
+          </a:ln>
+        </p:spPr>
+        <p:style>
+          <a:lnRef idx="1">
+            <a:schemeClr val="accent1"/>
+          </a:lnRef>
+          <a:fillRef idx="0">
+            <a:schemeClr val="accent1"/>
+          </a:fillRef>
+          <a:effectRef idx="0">
+            <a:schemeClr val="accent1"/>
+          </a:effectRef>
+          <a:fontRef idx="minor">
+            <a:schemeClr val="tx1"/>
+          </a:fontRef>
+        </p:style>
+      </p:cxnSp>
+      <p:cxnSp>
+        <p:nvCxnSpPr>
+          <p:cNvPr id="75" name="Conector de Seta Reta 107">
+            <a:extLst>
+              <a:ext uri="{FF2B5EF4-FFF2-40B4-BE49-F238E27FC236}">
+                <a16:creationId xmlns:a16="http://schemas.microsoft.com/office/drawing/2014/main" id="{CB0C9A71-C41E-4507-B049-421360AE0F84}"/>
+              </a:ext>
+            </a:extLst>
+          </p:cNvPr>
+          <p:cNvCxnSpPr>
+            <a:cxnSpLocks/>
+            <a:stCxn id="104" idx="0"/>
+            <a:endCxn id="94" idx="2"/>
+          </p:cNvCxnSpPr>
+          <p:nvPr/>
+        </p:nvCxnSpPr>
+        <p:spPr>
+          <a:xfrm flipH="1" flipV="1">
+            <a:off x="8086928" y="4380017"/>
+            <a:ext cx="9590" cy="684874"/>
+          </a:xfrm>
+          <a:prstGeom prst="straightConnector1">
+            <a:avLst/>
+          </a:prstGeom>
+          <a:ln w="19050">
+            <a:solidFill>
+              <a:schemeClr val="accent5">
+                <a:lumMod val="75000"/>
+              </a:schemeClr>
+            </a:solidFill>
+            <a:prstDash val="sysDash"/>
+            <a:headEnd type="none" w="lg" len="lg"/>
+            <a:tailEnd type="triangle" w="lg" len="lg"/>
+          </a:ln>
+        </p:spPr>
+        <p:style>
+          <a:lnRef idx="1">
+            <a:schemeClr val="accent1"/>
+          </a:lnRef>
+          <a:fillRef idx="0">
+            <a:schemeClr val="accent1"/>
+          </a:fillRef>
+          <a:effectRef idx="0">
+            <a:schemeClr val="accent1"/>
+          </a:effectRef>
+          <a:fontRef idx="minor">
+            <a:schemeClr val="tx1"/>
+          </a:fontRef>
+        </p:style>
+      </p:cxnSp>
+      <p:cxnSp>
+        <p:nvCxnSpPr>
+          <p:cNvPr id="78" name="Conector de Seta Reta 107">
+            <a:extLst>
+              <a:ext uri="{FF2B5EF4-FFF2-40B4-BE49-F238E27FC236}">
+                <a16:creationId xmlns:a16="http://schemas.microsoft.com/office/drawing/2014/main" id="{70B1CDCD-1CEB-4F52-B5A9-4AE8F3CE8ECB}"/>
+              </a:ext>
+            </a:extLst>
+          </p:cNvPr>
+          <p:cNvCxnSpPr>
+            <a:cxnSpLocks/>
+            <a:stCxn id="104" idx="0"/>
+            <a:endCxn id="80" idx="2"/>
+          </p:cNvCxnSpPr>
+          <p:nvPr/>
+        </p:nvCxnSpPr>
+        <p:spPr>
+          <a:xfrm flipH="1" flipV="1">
+            <a:off x="6034700" y="4380019"/>
+            <a:ext cx="2061818" cy="684872"/>
+          </a:xfrm>
+          <a:prstGeom prst="straightConnector1">
+            <a:avLst/>
+          </a:prstGeom>
+          <a:ln w="19050">
+            <a:solidFill>
+              <a:schemeClr val="accent5">
+                <a:lumMod val="75000"/>
+              </a:schemeClr>
+            </a:solidFill>
+            <a:prstDash val="sysDash"/>
+            <a:headEnd type="none" w="lg" len="lg"/>
+            <a:tailEnd type="triangle" w="lg" len="lg"/>
+          </a:ln>
+        </p:spPr>
+        <p:style>
+          <a:lnRef idx="1">
+            <a:schemeClr val="accent1"/>
+          </a:lnRef>
+          <a:fillRef idx="0">
+            <a:schemeClr val="accent1"/>
+          </a:fillRef>
+          <a:effectRef idx="0">
+            <a:schemeClr val="accent1"/>
+          </a:effectRef>
+          <a:fontRef idx="minor">
+            <a:schemeClr val="tx1"/>
+          </a:fontRef>
+        </p:style>
+      </p:cxnSp>
+      <p:cxnSp>
+        <p:nvCxnSpPr>
+          <p:cNvPr id="84" name="Conector de Seta Reta 107">
+            <a:extLst>
+              <a:ext uri="{FF2B5EF4-FFF2-40B4-BE49-F238E27FC236}">
+                <a16:creationId xmlns:a16="http://schemas.microsoft.com/office/drawing/2014/main" id="{857D7B1D-5A40-4937-8118-84B108815463}"/>
+              </a:ext>
+            </a:extLst>
+          </p:cNvPr>
+          <p:cNvCxnSpPr>
+            <a:cxnSpLocks/>
+            <a:stCxn id="94" idx="0"/>
+            <a:endCxn id="52" idx="2"/>
+          </p:cNvCxnSpPr>
+          <p:nvPr/>
+        </p:nvCxnSpPr>
+        <p:spPr>
+          <a:xfrm flipH="1" flipV="1">
+            <a:off x="8086927" y="2196236"/>
+            <a:ext cx="1" cy="599824"/>
+          </a:xfrm>
+          <a:prstGeom prst="straightConnector1">
+            <a:avLst/>
+          </a:prstGeom>
+          <a:ln w="19050">
+            <a:solidFill>
+              <a:schemeClr val="accent5">
+                <a:lumMod val="75000"/>
+              </a:schemeClr>
+            </a:solidFill>
+            <a:prstDash val="sysDash"/>
+            <a:headEnd type="none" w="lg" len="lg"/>
+            <a:tailEnd type="triangle" w="lg" len="lg"/>
+          </a:ln>
+        </p:spPr>
+        <p:style>
+          <a:lnRef idx="1">
+            <a:schemeClr val="accent1"/>
+          </a:lnRef>
+          <a:fillRef idx="0">
+            <a:schemeClr val="accent1"/>
+          </a:fillRef>
+          <a:effectRef idx="0">
+            <a:schemeClr val="accent1"/>
+          </a:effectRef>
+          <a:fontRef idx="minor">
+            <a:schemeClr val="tx1"/>
+          </a:fontRef>
+        </p:style>
+      </p:cxnSp>
+      <p:cxnSp>
+        <p:nvCxnSpPr>
+          <p:cNvPr id="91" name="Conector de Seta Reta 107">
+            <a:extLst>
+              <a:ext uri="{FF2B5EF4-FFF2-40B4-BE49-F238E27FC236}">
+                <a16:creationId xmlns:a16="http://schemas.microsoft.com/office/drawing/2014/main" id="{D3C8F14A-3915-4AFA-AEBB-C22A2E3DC11C}"/>
+              </a:ext>
+            </a:extLst>
+          </p:cNvPr>
+          <p:cNvCxnSpPr>
+            <a:cxnSpLocks/>
+            <a:stCxn id="144" idx="0"/>
+            <a:endCxn id="52" idx="2"/>
+          </p:cNvCxnSpPr>
+          <p:nvPr/>
+        </p:nvCxnSpPr>
+        <p:spPr>
+          <a:xfrm flipH="1" flipV="1">
+            <a:off x="8086927" y="2196236"/>
+            <a:ext cx="2052229" cy="594722"/>
+          </a:xfrm>
+          <a:prstGeom prst="straightConnector1">
+            <a:avLst/>
+          </a:prstGeom>
+          <a:ln w="19050">
+            <a:solidFill>
+              <a:schemeClr val="accent5">
+                <a:lumMod val="75000"/>
+              </a:schemeClr>
+            </a:solidFill>
+            <a:prstDash val="sysDash"/>
+            <a:headEnd type="none" w="lg" len="lg"/>
+            <a:tailEnd type="triangle" w="lg" len="lg"/>
+          </a:ln>
+        </p:spPr>
+        <p:style>
+          <a:lnRef idx="1">
+            <a:schemeClr val="accent1"/>
+          </a:lnRef>
+          <a:fillRef idx="0">
+            <a:schemeClr val="accent1"/>
+          </a:fillRef>
+          <a:effectRef idx="0">
+            <a:schemeClr val="accent1"/>
+          </a:effectRef>
+          <a:fontRef idx="minor">
+            <a:schemeClr val="tx1"/>
+          </a:fontRef>
+        </p:style>
+      </p:cxnSp>
+      <p:cxnSp>
+        <p:nvCxnSpPr>
+          <p:cNvPr id="92" name="Conector de Seta Reta 107">
+            <a:extLst>
+              <a:ext uri="{FF2B5EF4-FFF2-40B4-BE49-F238E27FC236}">
+                <a16:creationId xmlns:a16="http://schemas.microsoft.com/office/drawing/2014/main" id="{71433949-AC20-4FC9-B0A8-88DF082F1A73}"/>
+              </a:ext>
+            </a:extLst>
+          </p:cNvPr>
+          <p:cNvCxnSpPr>
+            <a:cxnSpLocks/>
+            <a:stCxn id="149" idx="0"/>
+            <a:endCxn id="52" idx="2"/>
+          </p:cNvCxnSpPr>
+          <p:nvPr/>
+        </p:nvCxnSpPr>
+        <p:spPr>
+          <a:xfrm flipH="1" flipV="1">
+            <a:off x="8086927" y="2196236"/>
+            <a:ext cx="4104457" cy="599825"/>
+          </a:xfrm>
+          <a:prstGeom prst="straightConnector1">
+            <a:avLst/>
+          </a:prstGeom>
+          <a:ln w="19050">
+            <a:solidFill>
+              <a:schemeClr val="accent5">
+                <a:lumMod val="75000"/>
+              </a:schemeClr>
+            </a:solidFill>
+            <a:prstDash val="sysDash"/>
+            <a:headEnd type="none" w="lg" len="lg"/>
+            <a:tailEnd type="triangle" w="lg" len="lg"/>
+          </a:ln>
+        </p:spPr>
+        <p:style>
+          <a:lnRef idx="1">
+            <a:schemeClr val="accent1"/>
+          </a:lnRef>
+          <a:fillRef idx="0">
+            <a:schemeClr val="accent1"/>
+          </a:fillRef>
+          <a:effectRef idx="0">
+            <a:schemeClr val="accent1"/>
+          </a:effectRef>
+          <a:fontRef idx="minor">
+            <a:schemeClr val="tx1"/>
+          </a:fontRef>
+        </p:style>
+      </p:cxnSp>
+      <p:cxnSp>
+        <p:nvCxnSpPr>
+          <p:cNvPr id="96" name="Conector de Seta Reta 107">
+            <a:extLst>
+              <a:ext uri="{FF2B5EF4-FFF2-40B4-BE49-F238E27FC236}">
+                <a16:creationId xmlns:a16="http://schemas.microsoft.com/office/drawing/2014/main" id="{933F0C5D-A438-4D1A-A50B-505F20A41AB7}"/>
+              </a:ext>
+            </a:extLst>
+          </p:cNvPr>
+          <p:cNvCxnSpPr>
+            <a:cxnSpLocks/>
+            <a:stCxn id="83" idx="0"/>
+            <a:endCxn id="52" idx="2"/>
+          </p:cNvCxnSpPr>
+          <p:nvPr/>
+        </p:nvCxnSpPr>
+        <p:spPr>
+          <a:xfrm flipV="1">
+            <a:off x="6039433" y="2196236"/>
+            <a:ext cx="2047494" cy="576283"/>
+          </a:xfrm>
+          <a:prstGeom prst="straightConnector1">
+            <a:avLst/>
+          </a:prstGeom>
+          <a:ln w="19050">
+            <a:solidFill>
+              <a:schemeClr val="accent5">
+                <a:lumMod val="75000"/>
+              </a:schemeClr>
+            </a:solidFill>
+            <a:prstDash val="sysDash"/>
+            <a:headEnd type="none" w="lg" len="lg"/>
+            <a:tailEnd type="triangle" w="lg" len="lg"/>
+          </a:ln>
+        </p:spPr>
+        <p:style>
+          <a:lnRef idx="1">
+            <a:schemeClr val="accent1"/>
+          </a:lnRef>
+          <a:fillRef idx="0">
+            <a:schemeClr val="accent1"/>
+          </a:fillRef>
+          <a:effectRef idx="0">
+            <a:schemeClr val="accent1"/>
+          </a:effectRef>
+          <a:fontRef idx="minor">
+            <a:schemeClr val="tx1"/>
+          </a:fontRef>
+        </p:style>
+      </p:cxnSp>
+      <p:grpSp>
+        <p:nvGrpSpPr>
+          <p:cNvPr id="74" name="Group 130">
+            <a:extLst>
+              <a:ext uri="{FF2B5EF4-FFF2-40B4-BE49-F238E27FC236}">
+                <a16:creationId xmlns:a16="http://schemas.microsoft.com/office/drawing/2014/main" id="{FF469E54-B88B-4777-9954-9721346CEA5A}"/>
+              </a:ext>
+            </a:extLst>
+          </p:cNvPr>
+          <p:cNvGrpSpPr/>
+          <p:nvPr/>
+        </p:nvGrpSpPr>
+        <p:grpSpPr>
+          <a:xfrm>
+            <a:off x="5101295" y="2772519"/>
+            <a:ext cx="1876275" cy="1607500"/>
+            <a:chOff x="3777031" y="2523155"/>
+            <a:chExt cx="1876275" cy="1607500"/>
+          </a:xfrm>
+        </p:grpSpPr>
+        <p:sp>
+          <p:nvSpPr>
+            <p:cNvPr id="80" name="Retângulo 17">
+              <a:extLst>
+                <a:ext uri="{FF2B5EF4-FFF2-40B4-BE49-F238E27FC236}">
+                  <a16:creationId xmlns:a16="http://schemas.microsoft.com/office/drawing/2014/main" id="{60DA7EBE-7211-46DE-8D25-3FDABA2E84A2}"/>
+                </a:ext>
+              </a:extLst>
+            </p:cNvPr>
+            <p:cNvSpPr/>
+            <p:nvPr/>
+          </p:nvSpPr>
+          <p:spPr>
+            <a:xfrm>
+              <a:off x="3777032" y="2546698"/>
+              <a:ext cx="1866807" cy="1583957"/>
+            </a:xfrm>
+            <a:prstGeom prst="rect">
+              <a:avLst/>
+            </a:prstGeom>
+            <a:ln/>
+          </p:spPr>
+          <p:style>
+            <a:lnRef idx="2">
+              <a:schemeClr val="accent5">
+                <a:shade val="50000"/>
+              </a:schemeClr>
+            </a:lnRef>
+            <a:fillRef idx="1">
+              <a:schemeClr val="accent5"/>
+            </a:fillRef>
+            <a:effectRef idx="0">
+              <a:schemeClr val="accent5"/>
+            </a:effectRef>
+            <a:fontRef idx="minor">
+              <a:schemeClr val="lt1"/>
+            </a:fontRef>
+          </p:style>
+          <p:txBody>
+            <a:bodyPr rtlCol="0" anchor="ctr"/>
+            <a:lstStyle/>
+            <a:p>
+              <a:pPr algn="ctr"/>
+              <a:endParaRPr lang="pt-BR" sz="1800" dirty="0">
+                <a:solidFill>
+                  <a:prstClr val="white"/>
+                </a:solidFill>
+                <a:latin typeface="Calibri"/>
+              </a:endParaRPr>
+            </a:p>
+          </p:txBody>
+        </p:sp>
+        <p:sp>
+          <p:nvSpPr>
+            <p:cNvPr id="83" name="Retângulo 20">
+              <a:extLst>
+                <a:ext uri="{FF2B5EF4-FFF2-40B4-BE49-F238E27FC236}">
+                  <a16:creationId xmlns:a16="http://schemas.microsoft.com/office/drawing/2014/main" id="{6CE6B529-E58B-4C27-B8C5-AA1A4D5737FF}"/>
+                </a:ext>
+              </a:extLst>
+            </p:cNvPr>
+            <p:cNvSpPr/>
+            <p:nvPr/>
+          </p:nvSpPr>
+          <p:spPr>
+            <a:xfrm>
+              <a:off x="3777031" y="2523155"/>
+              <a:ext cx="1876275" cy="1015663"/>
+            </a:xfrm>
+            <a:prstGeom prst="rect">
+              <a:avLst/>
+            </a:prstGeom>
+          </p:spPr>
+          <p:txBody>
+            <a:bodyPr wrap="square">
+              <a:spAutoFit/>
+            </a:bodyPr>
+            <a:lstStyle/>
+            <a:p>
+              <a:pPr lvl="0" algn="ctr">
+                <a:defRPr/>
+              </a:pPr>
+              <a:r>
+                <a:rPr lang="pt-BR" sz="1600" b="1" dirty="0" err="1">
+                  <a:solidFill>
+                    <a:prstClr val="white"/>
+                  </a:solidFill>
+                </a:rPr>
+                <a:t>ProcessoAdocao</a:t>
+              </a:r>
+              <a:r>
+                <a:rPr lang="pt-BR" sz="1600" b="1" dirty="0">
+                  <a:solidFill>
+                    <a:prstClr val="white"/>
+                  </a:solidFill>
+                </a:rPr>
+                <a:t> </a:t>
+              </a:r>
+              <a:r>
+                <a:rPr lang="pt-BR" sz="1600" b="1" dirty="0" err="1">
+                  <a:solidFill>
+                    <a:prstClr val="white"/>
+                  </a:solidFill>
+                </a:rPr>
+                <a:t>Controller</a:t>
+              </a:r>
+              <a:endParaRPr lang="pt-BR" sz="1600" b="1" dirty="0">
+                <a:solidFill>
+                  <a:prstClr val="white"/>
+                </a:solidFill>
+              </a:endParaRPr>
+            </a:p>
+            <a:p>
+              <a:pPr lvl="0" algn="ctr">
+                <a:defRPr/>
+              </a:pPr>
+              <a:r>
+                <a:rPr lang="pt-BR" sz="1400" dirty="0">
+                  <a:solidFill>
+                    <a:prstClr val="white"/>
+                  </a:solidFill>
+                </a:rPr>
+                <a:t>[</a:t>
+              </a:r>
+              <a:r>
+                <a:rPr lang="pt-BR" sz="1400" dirty="0" err="1">
+                  <a:solidFill>
+                    <a:prstClr val="white"/>
+                  </a:solidFill>
+                </a:rPr>
+                <a:t>Component</a:t>
+              </a:r>
+              <a:r>
+                <a:rPr lang="pt-BR" sz="1400" dirty="0">
+                  <a:solidFill>
+                    <a:prstClr val="white"/>
+                  </a:solidFill>
+                </a:rPr>
+                <a:t>: Spring MVC </a:t>
+              </a:r>
+              <a:r>
+                <a:rPr lang="pt-BR" sz="1400" dirty="0" err="1">
+                  <a:solidFill>
+                    <a:prstClr val="white"/>
+                  </a:solidFill>
+                </a:rPr>
+                <a:t>Rest</a:t>
+              </a:r>
+              <a:r>
+                <a:rPr lang="pt-BR" sz="1400" dirty="0">
+                  <a:solidFill>
+                    <a:prstClr val="white"/>
+                  </a:solidFill>
+                </a:rPr>
+                <a:t> </a:t>
+              </a:r>
+              <a:r>
+                <a:rPr lang="pt-BR" sz="1400" dirty="0" err="1">
+                  <a:solidFill>
+                    <a:prstClr val="white"/>
+                  </a:solidFill>
+                </a:rPr>
+                <a:t>Controller</a:t>
+              </a:r>
+              <a:r>
+                <a:rPr lang="pt-BR" sz="1400" dirty="0">
+                  <a:solidFill>
+                    <a:prstClr val="white"/>
+                  </a:solidFill>
+                </a:rPr>
+                <a:t>]</a:t>
+              </a:r>
+            </a:p>
+          </p:txBody>
+        </p:sp>
+        <p:sp>
+          <p:nvSpPr>
+            <p:cNvPr id="85" name="Retângulo 20">
+              <a:extLst>
+                <a:ext uri="{FF2B5EF4-FFF2-40B4-BE49-F238E27FC236}">
+                  <a16:creationId xmlns:a16="http://schemas.microsoft.com/office/drawing/2014/main" id="{BC52F4A4-472B-4EE0-B846-2342969C4C2C}"/>
+                </a:ext>
+              </a:extLst>
+            </p:cNvPr>
+            <p:cNvSpPr/>
+            <p:nvPr/>
+          </p:nvSpPr>
+          <p:spPr>
+            <a:xfrm>
+              <a:off x="3786501" y="3531267"/>
+              <a:ext cx="1834790" cy="492443"/>
+            </a:xfrm>
+            <a:prstGeom prst="rect">
+              <a:avLst/>
+            </a:prstGeom>
+          </p:spPr>
+          <p:txBody>
+            <a:bodyPr wrap="square">
+              <a:spAutoFit/>
+            </a:bodyPr>
+            <a:lstStyle/>
+            <a:p>
+              <a:pPr lvl="0" algn="ctr">
+                <a:defRPr/>
+              </a:pPr>
+              <a:r>
+                <a:rPr lang="pt-BR" sz="1300" dirty="0">
+                  <a:solidFill>
+                    <a:prstClr val="white"/>
+                  </a:solidFill>
+                </a:rPr>
+                <a:t>Gerenciamento de adoções </a:t>
+              </a:r>
+            </a:p>
+          </p:txBody>
+        </p:sp>
+      </p:grpSp>
+      <p:grpSp>
+        <p:nvGrpSpPr>
+          <p:cNvPr id="86" name="Group 151">
+            <a:extLst>
+              <a:ext uri="{FF2B5EF4-FFF2-40B4-BE49-F238E27FC236}">
+                <a16:creationId xmlns:a16="http://schemas.microsoft.com/office/drawing/2014/main" id="{8C5654D0-8A9F-48A6-8440-362BCC9771AC}"/>
+              </a:ext>
+            </a:extLst>
+          </p:cNvPr>
+          <p:cNvGrpSpPr/>
+          <p:nvPr/>
+        </p:nvGrpSpPr>
+        <p:grpSpPr>
+          <a:xfrm>
+            <a:off x="7153523" y="2796060"/>
+            <a:ext cx="1876275" cy="1583957"/>
+            <a:chOff x="3777031" y="2546698"/>
+            <a:chExt cx="1876275" cy="1583957"/>
+          </a:xfrm>
+        </p:grpSpPr>
+        <p:sp>
+          <p:nvSpPr>
+            <p:cNvPr id="94" name="Retângulo 17">
+              <a:extLst>
+                <a:ext uri="{FF2B5EF4-FFF2-40B4-BE49-F238E27FC236}">
+                  <a16:creationId xmlns:a16="http://schemas.microsoft.com/office/drawing/2014/main" id="{737D65FE-767C-451E-9F7D-3C39924F9C82}"/>
+                </a:ext>
+              </a:extLst>
+            </p:cNvPr>
+            <p:cNvSpPr/>
+            <p:nvPr/>
+          </p:nvSpPr>
+          <p:spPr>
+            <a:xfrm>
+              <a:off x="3777032" y="2546698"/>
+              <a:ext cx="1866807" cy="1583957"/>
+            </a:xfrm>
+            <a:prstGeom prst="rect">
+              <a:avLst/>
+            </a:prstGeom>
+            <a:ln/>
+          </p:spPr>
+          <p:style>
+            <a:lnRef idx="2">
+              <a:schemeClr val="accent5">
+                <a:shade val="50000"/>
+              </a:schemeClr>
+            </a:lnRef>
+            <a:fillRef idx="1">
+              <a:schemeClr val="accent5"/>
+            </a:fillRef>
+            <a:effectRef idx="0">
+              <a:schemeClr val="accent5"/>
+            </a:effectRef>
+            <a:fontRef idx="minor">
+              <a:schemeClr val="lt1"/>
+            </a:fontRef>
+          </p:style>
+          <p:txBody>
+            <a:bodyPr rtlCol="0" anchor="ctr"/>
+            <a:lstStyle/>
+            <a:p>
+              <a:pPr algn="ctr"/>
+              <a:endParaRPr lang="pt-BR" sz="1800" dirty="0">
+                <a:solidFill>
+                  <a:prstClr val="white"/>
+                </a:solidFill>
+                <a:latin typeface="Calibri"/>
+              </a:endParaRPr>
+            </a:p>
+          </p:txBody>
+        </p:sp>
+        <p:sp>
+          <p:nvSpPr>
+            <p:cNvPr id="99" name="Retângulo 20">
+              <a:extLst>
+                <a:ext uri="{FF2B5EF4-FFF2-40B4-BE49-F238E27FC236}">
+                  <a16:creationId xmlns:a16="http://schemas.microsoft.com/office/drawing/2014/main" id="{79CB7665-F23C-4CF3-B86C-D3156BEBA500}"/>
+                </a:ext>
+              </a:extLst>
+            </p:cNvPr>
+            <p:cNvSpPr/>
+            <p:nvPr/>
+          </p:nvSpPr>
+          <p:spPr>
+            <a:xfrm>
+              <a:off x="3777031" y="2610963"/>
+              <a:ext cx="1876275" cy="769441"/>
+            </a:xfrm>
+            <a:prstGeom prst="rect">
+              <a:avLst/>
+            </a:prstGeom>
+          </p:spPr>
+          <p:txBody>
+            <a:bodyPr wrap="square">
+              <a:spAutoFit/>
+            </a:bodyPr>
+            <a:lstStyle/>
+            <a:p>
+              <a:pPr lvl="0" algn="ctr">
+                <a:defRPr/>
+              </a:pPr>
+              <a:r>
+                <a:rPr lang="pt-BR" sz="1600" b="1" dirty="0">
+                  <a:solidFill>
+                    <a:prstClr val="white"/>
+                  </a:solidFill>
+                </a:rPr>
+                <a:t>Ong </a:t>
+              </a:r>
+              <a:r>
+                <a:rPr lang="pt-BR" sz="1600" b="1" dirty="0" err="1">
+                  <a:solidFill>
+                    <a:prstClr val="white"/>
+                  </a:solidFill>
+                </a:rPr>
+                <a:t>Controller</a:t>
+              </a:r>
+              <a:endParaRPr lang="pt-BR" sz="1600" b="1" dirty="0">
+                <a:solidFill>
+                  <a:prstClr val="white"/>
+                </a:solidFill>
+              </a:endParaRPr>
+            </a:p>
+            <a:p>
+              <a:pPr lvl="0" algn="ctr">
+                <a:defRPr/>
+              </a:pPr>
+              <a:r>
+                <a:rPr lang="pt-BR" sz="1400" dirty="0">
+                  <a:solidFill>
+                    <a:prstClr val="white"/>
+                  </a:solidFill>
+                </a:rPr>
+                <a:t>[</a:t>
+              </a:r>
+              <a:r>
+                <a:rPr lang="pt-BR" sz="1400" dirty="0" err="1">
+                  <a:solidFill>
+                    <a:prstClr val="white"/>
+                  </a:solidFill>
+                </a:rPr>
+                <a:t>Component</a:t>
+              </a:r>
+              <a:r>
+                <a:rPr lang="pt-BR" sz="1400" dirty="0">
+                  <a:solidFill>
+                    <a:prstClr val="white"/>
+                  </a:solidFill>
+                </a:rPr>
+                <a:t>: Spring MVC </a:t>
+              </a:r>
+              <a:r>
+                <a:rPr lang="pt-BR" sz="1400" dirty="0" err="1">
+                  <a:solidFill>
+                    <a:prstClr val="white"/>
+                  </a:solidFill>
+                </a:rPr>
+                <a:t>Rest</a:t>
+              </a:r>
+              <a:r>
+                <a:rPr lang="pt-BR" sz="1400" dirty="0">
+                  <a:solidFill>
+                    <a:prstClr val="white"/>
+                  </a:solidFill>
+                </a:rPr>
+                <a:t> </a:t>
+              </a:r>
+              <a:r>
+                <a:rPr lang="pt-BR" sz="1400" dirty="0" err="1">
+                  <a:solidFill>
+                    <a:prstClr val="white"/>
+                  </a:solidFill>
+                </a:rPr>
+                <a:t>Controller</a:t>
+              </a:r>
+              <a:r>
+                <a:rPr lang="pt-BR" sz="1400" dirty="0">
+                  <a:solidFill>
+                    <a:prstClr val="white"/>
+                  </a:solidFill>
+                </a:rPr>
+                <a:t>]</a:t>
+              </a:r>
+            </a:p>
+          </p:txBody>
+        </p:sp>
+        <p:sp>
+          <p:nvSpPr>
+            <p:cNvPr id="100" name="Retângulo 20">
+              <a:extLst>
+                <a:ext uri="{FF2B5EF4-FFF2-40B4-BE49-F238E27FC236}">
+                  <a16:creationId xmlns:a16="http://schemas.microsoft.com/office/drawing/2014/main" id="{916D2C58-CFC0-49C0-AFAD-1457EEEAE1AF}"/>
+                </a:ext>
+              </a:extLst>
+            </p:cNvPr>
+            <p:cNvSpPr/>
+            <p:nvPr/>
+          </p:nvSpPr>
+          <p:spPr>
+            <a:xfrm>
+              <a:off x="3793040" y="3583292"/>
+              <a:ext cx="1834790" cy="292388"/>
+            </a:xfrm>
+            <a:prstGeom prst="rect">
+              <a:avLst/>
+            </a:prstGeom>
+          </p:spPr>
+          <p:txBody>
+            <a:bodyPr wrap="square">
+              <a:spAutoFit/>
+            </a:bodyPr>
+            <a:lstStyle/>
+            <a:p>
+              <a:pPr lvl="0" algn="ctr">
+                <a:defRPr/>
+              </a:pPr>
+              <a:r>
+                <a:rPr lang="pt-BR" sz="1300" dirty="0">
+                  <a:solidFill>
+                    <a:prstClr val="white"/>
+                  </a:solidFill>
+                </a:rPr>
+                <a:t>CRUD das ONGs</a:t>
+              </a:r>
+            </a:p>
+          </p:txBody>
+        </p:sp>
+      </p:grpSp>
+      <p:grpSp>
+        <p:nvGrpSpPr>
+          <p:cNvPr id="101" name="Group 9">
+            <a:extLst>
+              <a:ext uri="{FF2B5EF4-FFF2-40B4-BE49-F238E27FC236}">
+                <a16:creationId xmlns:a16="http://schemas.microsoft.com/office/drawing/2014/main" id="{155C9EFF-9403-433C-A585-E1722FAD8278}"/>
+              </a:ext>
+            </a:extLst>
+          </p:cNvPr>
+          <p:cNvGrpSpPr/>
+          <p:nvPr/>
+        </p:nvGrpSpPr>
+        <p:grpSpPr>
+          <a:xfrm>
+            <a:off x="9175521" y="5088925"/>
+            <a:ext cx="1875600" cy="1584000"/>
+            <a:chOff x="561681" y="4929649"/>
+            <a:chExt cx="2697441" cy="2144548"/>
+          </a:xfrm>
+        </p:grpSpPr>
+        <p:sp>
+          <p:nvSpPr>
+            <p:cNvPr id="103" name="Retângulo 29">
+              <a:extLst>
+                <a:ext uri="{FF2B5EF4-FFF2-40B4-BE49-F238E27FC236}">
+                  <a16:creationId xmlns:a16="http://schemas.microsoft.com/office/drawing/2014/main" id="{AA6DDFB8-177D-4D97-8349-96408CAC41AB}"/>
+                </a:ext>
+              </a:extLst>
+            </p:cNvPr>
+            <p:cNvSpPr/>
+            <p:nvPr/>
+          </p:nvSpPr>
+          <p:spPr>
+            <a:xfrm>
+              <a:off x="561681" y="4929649"/>
+              <a:ext cx="2697441" cy="2144548"/>
+            </a:xfrm>
+            <a:prstGeom prst="rect">
+              <a:avLst/>
+            </a:prstGeom>
+            <a:solidFill>
+              <a:schemeClr val="bg1">
+                <a:lumMod val="85000"/>
+              </a:schemeClr>
+            </a:solidFill>
+            <a:ln>
+              <a:solidFill>
+                <a:srgbClr val="253746"/>
+              </a:solidFill>
+              <a:prstDash val="dash"/>
+            </a:ln>
+          </p:spPr>
+          <p:style>
+            <a:lnRef idx="2">
+              <a:schemeClr val="accent1">
+                <a:shade val="50000"/>
+              </a:schemeClr>
+            </a:lnRef>
+            <a:fillRef idx="1">
+              <a:schemeClr val="accent1"/>
+            </a:fillRef>
+            <a:effectRef idx="0">
+              <a:schemeClr val="accent1"/>
+            </a:effectRef>
+            <a:fontRef idx="minor">
+              <a:schemeClr val="lt1"/>
+            </a:fontRef>
+          </p:style>
+          <p:txBody>
+            <a:bodyPr rtlCol="0" anchor="ctr"/>
+            <a:lstStyle/>
+            <a:p>
+              <a:pPr algn="ctr"/>
+              <a:endParaRPr lang="pt-BR" sz="1800" dirty="0">
+                <a:solidFill>
+                  <a:prstClr val="white"/>
+                </a:solidFill>
+                <a:latin typeface="Calibri"/>
+              </a:endParaRPr>
+            </a:p>
+          </p:txBody>
+        </p:sp>
+        <p:sp>
+          <p:nvSpPr>
+            <p:cNvPr id="105" name="Retângulo 20">
+              <a:extLst>
+                <a:ext uri="{FF2B5EF4-FFF2-40B4-BE49-F238E27FC236}">
+                  <a16:creationId xmlns:a16="http://schemas.microsoft.com/office/drawing/2014/main" id="{8F1639EA-628E-4304-8E2C-59BE7C17D327}"/>
+                </a:ext>
+              </a:extLst>
+            </p:cNvPr>
+            <p:cNvSpPr/>
+            <p:nvPr/>
+          </p:nvSpPr>
+          <p:spPr>
+            <a:xfrm>
+              <a:off x="566843" y="5076209"/>
+              <a:ext cx="2692279" cy="1020898"/>
+            </a:xfrm>
+            <a:prstGeom prst="rect">
+              <a:avLst/>
+            </a:prstGeom>
+          </p:spPr>
+          <p:txBody>
+            <a:bodyPr wrap="square">
+              <a:spAutoFit/>
+            </a:bodyPr>
+            <a:lstStyle/>
+            <a:p>
+              <a:pPr lvl="0" algn="ctr">
+                <a:defRPr/>
+              </a:pPr>
+              <a:r>
+                <a:rPr lang="pt-BR" sz="1500" b="1" dirty="0"/>
+                <a:t>GOOGLE Application</a:t>
+              </a:r>
+            </a:p>
+            <a:p>
+              <a:pPr lvl="0" algn="ctr">
+                <a:defRPr/>
+              </a:pPr>
+              <a:r>
+                <a:rPr lang="pt-BR" sz="1400" dirty="0"/>
+                <a:t>[Container: </a:t>
+              </a:r>
+            </a:p>
+            <a:p>
+              <a:pPr lvl="0" algn="ctr">
+                <a:defRPr/>
+              </a:pPr>
+              <a:r>
+                <a:rPr lang="pt-BR" sz="1400" dirty="0"/>
+                <a:t>GeoCoding API]</a:t>
+              </a:r>
+            </a:p>
+          </p:txBody>
+        </p:sp>
+        <p:sp>
+          <p:nvSpPr>
+            <p:cNvPr id="112" name="Retângulo 20">
+              <a:extLst>
+                <a:ext uri="{FF2B5EF4-FFF2-40B4-BE49-F238E27FC236}">
+                  <a16:creationId xmlns:a16="http://schemas.microsoft.com/office/drawing/2014/main" id="{4211C7C6-DF4D-48F3-A172-DBF92CB31088}"/>
+                </a:ext>
+              </a:extLst>
+            </p:cNvPr>
+            <p:cNvSpPr/>
+            <p:nvPr/>
+          </p:nvSpPr>
+          <p:spPr>
+            <a:xfrm>
+              <a:off x="561681" y="6035624"/>
+              <a:ext cx="2692279" cy="666709"/>
+            </a:xfrm>
+            <a:prstGeom prst="rect">
+              <a:avLst/>
+            </a:prstGeom>
+          </p:spPr>
+          <p:txBody>
+            <a:bodyPr wrap="square">
+              <a:spAutoFit/>
+            </a:bodyPr>
+            <a:lstStyle/>
+            <a:p>
+              <a:pPr lvl="0" algn="ctr">
+                <a:defRPr/>
+              </a:pPr>
+              <a:r>
+                <a:rPr lang="pt-BR" sz="1300" dirty="0"/>
+                <a:t>API para integração com os mapas do Google.</a:t>
+              </a:r>
+            </a:p>
+          </p:txBody>
+        </p:sp>
+      </p:grpSp>
+      <p:cxnSp>
+        <p:nvCxnSpPr>
+          <p:cNvPr id="113" name="Conector de Seta Reta 107">
+            <a:extLst>
+              <a:ext uri="{FF2B5EF4-FFF2-40B4-BE49-F238E27FC236}">
+                <a16:creationId xmlns:a16="http://schemas.microsoft.com/office/drawing/2014/main" id="{EE7E5211-8A8E-49C8-9C30-EAB0A0EF2ECA}"/>
+              </a:ext>
+            </a:extLst>
+          </p:cNvPr>
+          <p:cNvCxnSpPr>
+            <a:cxnSpLocks/>
+            <a:stCxn id="103" idx="0"/>
+          </p:cNvCxnSpPr>
+          <p:nvPr/>
+        </p:nvCxnSpPr>
+        <p:spPr>
+          <a:xfrm flipV="1">
+            <a:off x="10113321" y="4374915"/>
+            <a:ext cx="0" cy="714010"/>
+          </a:xfrm>
+          <a:prstGeom prst="straightConnector1">
+            <a:avLst/>
+          </a:prstGeom>
+          <a:ln w="19050">
+            <a:solidFill>
+              <a:schemeClr val="accent5">
+                <a:lumMod val="75000"/>
+              </a:schemeClr>
+            </a:solidFill>
+            <a:prstDash val="sysDash"/>
+            <a:headEnd type="none" w="lg" len="lg"/>
+            <a:tailEnd type="triangle" w="lg" len="lg"/>
+          </a:ln>
+        </p:spPr>
+        <p:style>
+          <a:lnRef idx="1">
+            <a:schemeClr val="accent1"/>
+          </a:lnRef>
+          <a:fillRef idx="0">
+            <a:schemeClr val="accent1"/>
+          </a:fillRef>
+          <a:effectRef idx="0">
+            <a:schemeClr val="accent1"/>
+          </a:effectRef>
+          <a:fontRef idx="minor">
+            <a:schemeClr val="tx1"/>
+          </a:fontRef>
+        </p:style>
+      </p:cxnSp>
+      <p:cxnSp>
+        <p:nvCxnSpPr>
+          <p:cNvPr id="114" name="Conector de Seta Reta 107">
+            <a:extLst>
+              <a:ext uri="{FF2B5EF4-FFF2-40B4-BE49-F238E27FC236}">
+                <a16:creationId xmlns:a16="http://schemas.microsoft.com/office/drawing/2014/main" id="{D5BA87C9-0D81-4709-A84D-ED1C45E74995}"/>
+              </a:ext>
+            </a:extLst>
+          </p:cNvPr>
+          <p:cNvCxnSpPr>
+            <a:cxnSpLocks/>
+            <a:stCxn id="103" idx="0"/>
+          </p:cNvCxnSpPr>
+          <p:nvPr/>
+        </p:nvCxnSpPr>
+        <p:spPr>
+          <a:xfrm flipH="1" flipV="1">
+            <a:off x="8593683" y="4374915"/>
+            <a:ext cx="1519638" cy="714010"/>
+          </a:xfrm>
+          <a:prstGeom prst="straightConnector1">
+            <a:avLst/>
+          </a:prstGeom>
+          <a:ln w="19050">
+            <a:solidFill>
+              <a:schemeClr val="accent5">
+                <a:lumMod val="75000"/>
+              </a:schemeClr>
+            </a:solidFill>
+            <a:prstDash val="sysDash"/>
+            <a:headEnd type="none" w="lg" len="lg"/>
+            <a:tailEnd type="triangle" w="lg" len="lg"/>
+          </a:ln>
+        </p:spPr>
+        <p:style>
+          <a:lnRef idx="1">
+            <a:schemeClr val="accent1"/>
+          </a:lnRef>
+          <a:fillRef idx="0">
+            <a:schemeClr val="accent1"/>
+          </a:fillRef>
+          <a:effectRef idx="0">
+            <a:schemeClr val="accent1"/>
+          </a:effectRef>
+          <a:fontRef idx="minor">
+            <a:schemeClr val="tx1"/>
+          </a:fontRef>
+        </p:style>
+      </p:cxnSp>
+    </p:spTree>
+    <p:extLst>
+      <p:ext uri="{BB962C8B-B14F-4D97-AF65-F5344CB8AC3E}">
+        <p14:creationId xmlns:p14="http://schemas.microsoft.com/office/powerpoint/2010/main" val="3572179518"/>
+      </p:ext>
+    </p:extLst>
+  </p:cSld>
+  <p:clrMapOvr>
+    <a:masterClrMapping/>
+  </p:clrMapOvr>
+</p:sld>
+</file>
+
+<file path=ppt/slides/slide4.xml><?xml version="1.0" encoding="utf-8"?>
+<p:sld xmlns:a="http://schemas.openxmlformats.org/drawingml/2006/main" xmlns:r="http://schemas.openxmlformats.org/officeDocument/2006/relationships" xmlns:p="http://schemas.openxmlformats.org/presentationml/2006/main">
+  <p:cSld>
+    <p:spTree>
+      <p:nvGrpSpPr>
+        <p:cNvPr id="1" name=""/>
+        <p:cNvGrpSpPr/>
+        <p:nvPr/>
+      </p:nvGrpSpPr>
+      <p:grpSpPr>
+        <a:xfrm>
+          <a:off x="0" y="0"/>
+          <a:ext cx="0" cy="0"/>
+          <a:chOff x="0" y="0"/>
+          <a:chExt cx="0" cy="0"/>
+        </a:xfrm>
+      </p:grpSpPr>
+      <p:grpSp>
+        <p:nvGrpSpPr>
+          <p:cNvPr id="18" name="Group 17">
+            <a:extLst>
+              <a:ext uri="{FF2B5EF4-FFF2-40B4-BE49-F238E27FC236}">
+                <a16:creationId xmlns:a16="http://schemas.microsoft.com/office/drawing/2014/main" id="{898EAD33-34A6-4747-9CD6-A9FB7A1E34BD}"/>
+              </a:ext>
+            </a:extLst>
+          </p:cNvPr>
+          <p:cNvGrpSpPr/>
+          <p:nvPr/>
+        </p:nvGrpSpPr>
+        <p:grpSpPr>
+          <a:xfrm>
+            <a:off x="179131" y="507795"/>
+            <a:ext cx="1978043" cy="1688660"/>
+            <a:chOff x="216397" y="677072"/>
+            <a:chExt cx="1978043" cy="1688660"/>
+          </a:xfrm>
+        </p:grpSpPr>
+        <p:sp>
+          <p:nvSpPr>
+            <p:cNvPr id="59" name="Fluxograma: Disco Magnético 5">
+              <a:extLst>
+                <a:ext uri="{FF2B5EF4-FFF2-40B4-BE49-F238E27FC236}">
+                  <a16:creationId xmlns:a16="http://schemas.microsoft.com/office/drawing/2014/main" id="{2EBDFFB5-65B1-40B4-90A0-C6556F918E28}"/>
+                </a:ext>
+              </a:extLst>
+            </p:cNvPr>
+            <p:cNvSpPr>
+              <a:spLocks noChangeAspect="1"/>
+            </p:cNvSpPr>
+            <p:nvPr/>
+          </p:nvSpPr>
+          <p:spPr>
+            <a:xfrm>
+              <a:off x="216398" y="677072"/>
+              <a:ext cx="1968574" cy="1688660"/>
+            </a:xfrm>
+            <a:prstGeom prst="flowChartMagneticDisk">
+              <a:avLst/>
+            </a:prstGeom>
+            <a:solidFill>
+              <a:schemeClr val="bg1">
+                <a:lumMod val="50000"/>
+              </a:schemeClr>
+            </a:solidFill>
+            <a:ln>
+              <a:solidFill>
+                <a:srgbClr val="253746"/>
+              </a:solidFill>
+            </a:ln>
+          </p:spPr>
+          <p:style>
+            <a:lnRef idx="2">
+              <a:schemeClr val="accent1">
+                <a:shade val="50000"/>
+              </a:schemeClr>
+            </a:lnRef>
+            <a:fillRef idx="1">
+              <a:schemeClr val="accent1"/>
+            </a:fillRef>
+            <a:effectRef idx="0">
+              <a:schemeClr val="accent1"/>
+            </a:effectRef>
+            <a:fontRef idx="minor">
+              <a:schemeClr val="lt1"/>
+            </a:fontRef>
+          </p:style>
+          <p:txBody>
+            <a:bodyPr rtlCol="0" anchor="ctr"/>
+            <a:lstStyle/>
+            <a:p>
+              <a:pPr algn="ctr"/>
+              <a:endParaRPr lang="pt-BR" sz="1800" dirty="0">
+                <a:solidFill>
+                  <a:prstClr val="white"/>
+                </a:solidFill>
+                <a:latin typeface="Calibri"/>
+              </a:endParaRPr>
+            </a:p>
+          </p:txBody>
+        </p:sp>
+        <p:sp>
+          <p:nvSpPr>
+            <p:cNvPr id="62" name="Retângulo 20">
+              <a:extLst>
+                <a:ext uri="{FF2B5EF4-FFF2-40B4-BE49-F238E27FC236}">
+                  <a16:creationId xmlns:a16="http://schemas.microsoft.com/office/drawing/2014/main" id="{815EF645-82AE-4337-8700-AA9F1A6C8E22}"/>
+                </a:ext>
+              </a:extLst>
+            </p:cNvPr>
+            <p:cNvSpPr/>
+            <p:nvPr/>
+          </p:nvSpPr>
+          <p:spPr>
+            <a:xfrm>
+              <a:off x="216397" y="1241187"/>
+              <a:ext cx="1978043" cy="523220"/>
+            </a:xfrm>
+            <a:prstGeom prst="rect">
+              <a:avLst/>
+            </a:prstGeom>
+          </p:spPr>
+          <p:txBody>
+            <a:bodyPr wrap="square">
+              <a:spAutoFit/>
+            </a:bodyPr>
+            <a:lstStyle/>
+            <a:p>
+              <a:pPr lvl="0" algn="ctr">
+                <a:defRPr/>
+              </a:pPr>
+              <a:r>
+                <a:rPr lang="pt-BR" sz="1400" b="1" dirty="0">
+                  <a:solidFill>
+                    <a:prstClr val="white"/>
+                  </a:solidFill>
+                </a:rPr>
+                <a:t>Database</a:t>
+              </a:r>
+            </a:p>
+            <a:p>
+              <a:pPr lvl="0" algn="ctr">
+                <a:defRPr/>
+              </a:pPr>
+              <a:r>
+                <a:rPr lang="pt-BR" sz="1400" dirty="0">
+                  <a:solidFill>
+                    <a:prstClr val="white"/>
+                  </a:solidFill>
+                </a:rPr>
+                <a:t>[Container: SQL Server]</a:t>
+              </a:r>
+            </a:p>
+          </p:txBody>
+        </p:sp>
+        <p:sp>
+          <p:nvSpPr>
+            <p:cNvPr id="68" name="Retângulo 20">
+              <a:extLst>
+                <a:ext uri="{FF2B5EF4-FFF2-40B4-BE49-F238E27FC236}">
+                  <a16:creationId xmlns:a16="http://schemas.microsoft.com/office/drawing/2014/main" id="{1782754A-C6CA-43DC-95D3-7ED72819E626}"/>
+                </a:ext>
+              </a:extLst>
+            </p:cNvPr>
+            <p:cNvSpPr/>
+            <p:nvPr/>
+          </p:nvSpPr>
+          <p:spPr>
+            <a:xfrm>
+              <a:off x="216398" y="1692399"/>
+              <a:ext cx="1968574" cy="492443"/>
+            </a:xfrm>
+            <a:prstGeom prst="rect">
+              <a:avLst/>
+            </a:prstGeom>
+          </p:spPr>
+          <p:txBody>
+            <a:bodyPr wrap="square">
+              <a:spAutoFit/>
+            </a:bodyPr>
+            <a:lstStyle/>
+            <a:p>
+              <a:pPr lvl="0" algn="ctr">
+                <a:defRPr/>
+              </a:pPr>
+              <a:r>
+                <a:rPr lang="pt-BR" sz="1300" dirty="0">
+                  <a:solidFill>
+                    <a:prstClr val="white"/>
+                  </a:solidFill>
+                </a:rPr>
+                <a:t>Armazena os dados das máquinas e dos cadastros.</a:t>
+              </a:r>
+            </a:p>
+          </p:txBody>
+        </p:sp>
+      </p:grpSp>
+      <p:grpSp>
+        <p:nvGrpSpPr>
           <p:cNvPr id="10" name="Group 9">
             <a:extLst>
               <a:ext uri="{FF2B5EF4-FFF2-40B4-BE49-F238E27FC236}">
@@ -23059,7 +26174,7 @@
         </p:nvGrpSpPr>
         <p:grpSpPr>
           <a:xfrm>
-            <a:off x="216397" y="2772695"/>
+            <a:off x="9175521" y="5088925"/>
             <a:ext cx="1875600" cy="1584000"/>
             <a:chOff x="561681" y="4929649"/>
             <a:chExt cx="2697441" cy="2144548"/>
@@ -24363,56 +27478,6 @@
           </a:fontRef>
         </p:style>
       </p:cxnSp>
-      <p:cxnSp>
-        <p:nvCxnSpPr>
-          <p:cNvPr id="121" name="Conector de Seta Reta 107">
-            <a:extLst>
-              <a:ext uri="{FF2B5EF4-FFF2-40B4-BE49-F238E27FC236}">
-                <a16:creationId xmlns:a16="http://schemas.microsoft.com/office/drawing/2014/main" id="{85E21764-A5F9-4361-84CB-B3A05DB61715}"/>
-              </a:ext>
-            </a:extLst>
-          </p:cNvPr>
-          <p:cNvCxnSpPr>
-            <a:cxnSpLocks/>
-            <a:stCxn id="107" idx="1"/>
-            <a:endCxn id="70" idx="3"/>
-          </p:cNvCxnSpPr>
-          <p:nvPr/>
-        </p:nvCxnSpPr>
-        <p:spPr>
-          <a:xfrm flipH="1" flipV="1">
-            <a:off x="2091997" y="3564695"/>
-            <a:ext cx="957071" cy="0"/>
-          </a:xfrm>
-          <a:prstGeom prst="straightConnector1">
-            <a:avLst/>
-          </a:prstGeom>
-          <a:ln w="19050">
-            <a:solidFill>
-              <a:schemeClr val="accent5">
-                <a:lumMod val="75000"/>
-              </a:schemeClr>
-            </a:solidFill>
-            <a:prstDash val="sysDash"/>
-            <a:headEnd type="none" w="lg" len="lg"/>
-            <a:tailEnd type="triangle" w="lg" len="lg"/>
-          </a:ln>
-        </p:spPr>
-        <p:style>
-          <a:lnRef idx="1">
-            <a:schemeClr val="accent1"/>
-          </a:lnRef>
-          <a:fillRef idx="0">
-            <a:schemeClr val="accent1"/>
-          </a:fillRef>
-          <a:effectRef idx="0">
-            <a:schemeClr val="accent1"/>
-          </a:effectRef>
-          <a:fontRef idx="minor">
-            <a:schemeClr val="tx1"/>
-          </a:fontRef>
-        </p:style>
-      </p:cxnSp>
       <p:sp>
         <p:nvSpPr>
           <p:cNvPr id="47" name="Retângulo 29">
@@ -24645,174 +27710,6 @@
       </p:grpSp>
       <p:grpSp>
         <p:nvGrpSpPr>
-          <p:cNvPr id="16" name="Group 15">
-            <a:extLst>
-              <a:ext uri="{FF2B5EF4-FFF2-40B4-BE49-F238E27FC236}">
-                <a16:creationId xmlns:a16="http://schemas.microsoft.com/office/drawing/2014/main" id="{291DFC32-0C57-4B29-8751-9C61568972A7}"/>
-              </a:ext>
-            </a:extLst>
-          </p:cNvPr>
-          <p:cNvGrpSpPr/>
-          <p:nvPr/>
-        </p:nvGrpSpPr>
-        <p:grpSpPr>
-          <a:xfrm>
-            <a:off x="3049067" y="2796062"/>
-            <a:ext cx="1876275" cy="1583957"/>
-            <a:chOff x="3777031" y="2546698"/>
-            <a:chExt cx="1876275" cy="1583957"/>
-          </a:xfrm>
-        </p:grpSpPr>
-        <p:sp>
-          <p:nvSpPr>
-            <p:cNvPr id="107" name="Retângulo 17">
-              <a:extLst>
-                <a:ext uri="{FF2B5EF4-FFF2-40B4-BE49-F238E27FC236}">
-                  <a16:creationId xmlns:a16="http://schemas.microsoft.com/office/drawing/2014/main" id="{8F8C0881-FC59-4E5A-A142-5088AB6A44FD}"/>
-                </a:ext>
-              </a:extLst>
-            </p:cNvPr>
-            <p:cNvSpPr/>
-            <p:nvPr/>
-          </p:nvSpPr>
-          <p:spPr>
-            <a:xfrm>
-              <a:off x="3777032" y="2546698"/>
-              <a:ext cx="1866807" cy="1583957"/>
-            </a:xfrm>
-            <a:prstGeom prst="rect">
-              <a:avLst/>
-            </a:prstGeom>
-            <a:ln/>
-          </p:spPr>
-          <p:style>
-            <a:lnRef idx="2">
-              <a:schemeClr val="accent5">
-                <a:shade val="50000"/>
-              </a:schemeClr>
-            </a:lnRef>
-            <a:fillRef idx="1">
-              <a:schemeClr val="accent5"/>
-            </a:fillRef>
-            <a:effectRef idx="0">
-              <a:schemeClr val="accent5"/>
-            </a:effectRef>
-            <a:fontRef idx="minor">
-              <a:schemeClr val="lt1"/>
-            </a:fontRef>
-          </p:style>
-          <p:txBody>
-            <a:bodyPr rtlCol="0" anchor="ctr"/>
-            <a:lstStyle/>
-            <a:p>
-              <a:pPr algn="ctr"/>
-              <a:endParaRPr lang="pt-BR" sz="1800" dirty="0">
-                <a:solidFill>
-                  <a:prstClr val="white"/>
-                </a:solidFill>
-                <a:latin typeface="Calibri"/>
-              </a:endParaRPr>
-            </a:p>
-          </p:txBody>
-        </p:sp>
-        <p:sp>
-          <p:nvSpPr>
-            <p:cNvPr id="108" name="Retângulo 20">
-              <a:extLst>
-                <a:ext uri="{FF2B5EF4-FFF2-40B4-BE49-F238E27FC236}">
-                  <a16:creationId xmlns:a16="http://schemas.microsoft.com/office/drawing/2014/main" id="{CEC8EAE6-08D4-4FBD-951B-57D49BDC7FB9}"/>
-                </a:ext>
-              </a:extLst>
-            </p:cNvPr>
-            <p:cNvSpPr/>
-            <p:nvPr/>
-          </p:nvSpPr>
-          <p:spPr>
-            <a:xfrm>
-              <a:off x="3777031" y="2610963"/>
-              <a:ext cx="1876275" cy="769441"/>
-            </a:xfrm>
-            <a:prstGeom prst="rect">
-              <a:avLst/>
-            </a:prstGeom>
-          </p:spPr>
-          <p:txBody>
-            <a:bodyPr wrap="square">
-              <a:spAutoFit/>
-            </a:bodyPr>
-            <a:lstStyle/>
-            <a:p>
-              <a:pPr lvl="0" algn="ctr">
-                <a:defRPr/>
-              </a:pPr>
-              <a:r>
-                <a:rPr lang="pt-BR" sz="1600" b="1" dirty="0">
-                  <a:solidFill>
-                    <a:prstClr val="white"/>
-                  </a:solidFill>
-                </a:rPr>
-                <a:t>Endereco Controller</a:t>
-              </a:r>
-            </a:p>
-            <a:p>
-              <a:pPr lvl="0" algn="ctr">
-                <a:defRPr/>
-              </a:pPr>
-              <a:r>
-                <a:rPr lang="pt-BR" sz="1400" dirty="0">
-                  <a:solidFill>
-                    <a:prstClr val="white"/>
-                  </a:solidFill>
-                </a:rPr>
-                <a:t>[Component: Spring MVC Rest Controller]</a:t>
-              </a:r>
-            </a:p>
-          </p:txBody>
-        </p:sp>
-        <p:sp>
-          <p:nvSpPr>
-            <p:cNvPr id="111" name="Retângulo 20">
-              <a:extLst>
-                <a:ext uri="{FF2B5EF4-FFF2-40B4-BE49-F238E27FC236}">
-                  <a16:creationId xmlns:a16="http://schemas.microsoft.com/office/drawing/2014/main" id="{BD27A263-D89C-4ADF-80B4-F652605E0368}"/>
-                </a:ext>
-              </a:extLst>
-            </p:cNvPr>
-            <p:cNvSpPr/>
-            <p:nvPr/>
-          </p:nvSpPr>
-          <p:spPr>
-            <a:xfrm>
-              <a:off x="3786500" y="3353643"/>
-              <a:ext cx="1834790" cy="692497"/>
-            </a:xfrm>
-            <a:prstGeom prst="rect">
-              <a:avLst/>
-            </a:prstGeom>
-          </p:spPr>
-          <p:txBody>
-            <a:bodyPr wrap="square">
-              <a:spAutoFit/>
-            </a:bodyPr>
-            <a:lstStyle/>
-            <a:p>
-              <a:pPr lvl="0" algn="ctr">
-                <a:defRPr/>
-              </a:pPr>
-              <a:r>
-                <a:rPr lang="pt-BR" sz="1300" dirty="0">
-                  <a:solidFill>
-                    <a:prstClr val="white"/>
-                  </a:solidFill>
-                </a:rPr>
-                <a:t>Resgata latitude e longitude a partir do CEP via API do Google</a:t>
-              </a:r>
-            </a:p>
-          </p:txBody>
-        </p:sp>
-      </p:grpSp>
-      <p:grpSp>
-        <p:nvGrpSpPr>
           <p:cNvPr id="131" name="Group 130">
             <a:extLst>
               <a:ext uri="{FF2B5EF4-FFF2-40B4-BE49-F238E27FC236}">
@@ -24825,10 +27722,10 @@
         </p:nvGrpSpPr>
         <p:grpSpPr>
           <a:xfrm>
-            <a:off x="5101295" y="2796062"/>
-            <a:ext cx="1876275" cy="1583957"/>
-            <a:chOff x="3777031" y="2546698"/>
-            <a:chExt cx="1876275" cy="1583957"/>
+            <a:off x="5101295" y="2772519"/>
+            <a:ext cx="1876275" cy="1607500"/>
+            <a:chOff x="3777031" y="2523155"/>
+            <a:chExt cx="1876275" cy="1607500"/>
           </a:xfrm>
         </p:grpSpPr>
         <p:sp>
@@ -24897,8 +27794,8 @@
           </p:nvSpPr>
           <p:spPr>
             <a:xfrm>
-              <a:off x="3777031" y="2610963"/>
-              <a:ext cx="1876275" cy="769441"/>
+              <a:off x="3777031" y="2523155"/>
+              <a:ext cx="1876275" cy="1015663"/>
             </a:xfrm>
             <a:prstGeom prst="rect">
               <a:avLst/>
@@ -24914,13 +27811,34 @@
                 <a:defRPr/>
               </a:pPr>
               <a:r>
+                <a:rPr lang="pt-BR" sz="1600" b="1" dirty="0" err="1">
+                  <a:solidFill>
+                    <a:prstClr val="white"/>
+                  </a:solidFill>
+                </a:rPr>
+                <a:t>ProcessoAdocao</a:t>
+              </a:r>
+              <a:r>
                 <a:rPr lang="pt-BR" sz="1600" b="1" dirty="0">
                   <a:solidFill>
                     <a:prstClr val="white"/>
                   </a:solidFill>
                 </a:rPr>
-                <a:t>Ong Controller</a:t>
+                <a:t> </a:t>
               </a:r>
+              <a:r>
+                <a:rPr lang="pt-BR" sz="1600" b="1" dirty="0" err="1">
+                  <a:solidFill>
+                    <a:prstClr val="white"/>
+                  </a:solidFill>
+                </a:rPr>
+                <a:t>Controller</a:t>
+              </a:r>
+              <a:endParaRPr lang="pt-BR" sz="1600" b="1" dirty="0">
+                <a:solidFill>
+                  <a:prstClr val="white"/>
+                </a:solidFill>
+              </a:endParaRPr>
             </a:p>
             <a:p>
               <a:pPr lvl="0" algn="ctr">
@@ -24932,7 +27850,55 @@
                     <a:prstClr val="white"/>
                   </a:solidFill>
                 </a:rPr>
-                <a:t>[Component: Spring MVC Rest Controller]</a:t>
+                <a:t>[</a:t>
+              </a:r>
+              <a:r>
+                <a:rPr lang="pt-BR" sz="1400" dirty="0" err="1">
+                  <a:solidFill>
+                    <a:prstClr val="white"/>
+                  </a:solidFill>
+                </a:rPr>
+                <a:t>Component</a:t>
+              </a:r>
+              <a:r>
+                <a:rPr lang="pt-BR" sz="1400" dirty="0">
+                  <a:solidFill>
+                    <a:prstClr val="white"/>
+                  </a:solidFill>
+                </a:rPr>
+                <a:t>: Spring MVC </a:t>
+              </a:r>
+              <a:r>
+                <a:rPr lang="pt-BR" sz="1400" dirty="0" err="1">
+                  <a:solidFill>
+                    <a:prstClr val="white"/>
+                  </a:solidFill>
+                </a:rPr>
+                <a:t>Rest</a:t>
+              </a:r>
+              <a:r>
+                <a:rPr lang="pt-BR" sz="1400" dirty="0">
+                  <a:solidFill>
+                    <a:prstClr val="white"/>
+                  </a:solidFill>
+                </a:rPr>
+                <a:t> </a:t>
+              </a:r>
+              <a:r>
+                <a:rPr lang="pt-BR" sz="1400" dirty="0" err="1">
+                  <a:solidFill>
+                    <a:prstClr val="white"/>
+                  </a:solidFill>
+                </a:rPr>
+                <a:t>Controller</a:t>
+              </a:r>
+              <a:r>
+                <a:rPr lang="pt-BR" sz="1400" dirty="0">
+                  <a:solidFill>
+                    <a:prstClr val="white"/>
+                  </a:solidFill>
+                </a:rPr>
+                <a:t>]</a:t>
               </a:r>
             </a:p>
           </p:txBody>
@@ -24951,8 +27917,8 @@
           </p:nvSpPr>
           <p:spPr>
             <a:xfrm>
-              <a:off x="3786501" y="3439577"/>
-              <a:ext cx="1834790" cy="292388"/>
+              <a:off x="3786501" y="3531267"/>
+              <a:ext cx="1834790" cy="492443"/>
             </a:xfrm>
             <a:prstGeom prst="rect">
               <a:avLst/>
@@ -24973,7 +27939,7 @@
                     <a:prstClr val="white"/>
                   </a:solidFill>
                 </a:rPr>
-                <a:t>CRUD das ONGs</a:t>
+                <a:t>Gerenciamento de adoções </a:t>
               </a:r>
             </a:p>
           </p:txBody>
@@ -25461,2481 +28427,6 @@
           <p:spPr>
             <a:xfrm>
               <a:off x="3777031" y="2610963"/>
-              <a:ext cx="1876275" cy="1015663"/>
-            </a:xfrm>
-            <a:prstGeom prst="rect">
-              <a:avLst/>
-            </a:prstGeom>
-          </p:spPr>
-          <p:txBody>
-            <a:bodyPr wrap="square">
-              <a:spAutoFit/>
-            </a:bodyPr>
-            <a:lstStyle/>
-            <a:p>
-              <a:pPr lvl="0" algn="ctr">
-                <a:defRPr/>
-              </a:pPr>
-              <a:r>
-                <a:rPr lang="pt-BR" sz="1600" b="1" dirty="0">
-                  <a:solidFill>
-                    <a:prstClr val="white"/>
-                  </a:solidFill>
-                </a:rPr>
-                <a:t>ProcessoAdocao Controller</a:t>
-              </a:r>
-            </a:p>
-            <a:p>
-              <a:pPr lvl="0" algn="ctr">
-                <a:defRPr/>
-              </a:pPr>
-              <a:r>
-                <a:rPr lang="pt-BR" sz="1400" dirty="0">
-                  <a:solidFill>
-                    <a:prstClr val="white"/>
-                  </a:solidFill>
-                </a:rPr>
-                <a:t>[Component: Spring MVC Rest Controller]</a:t>
-              </a:r>
-            </a:p>
-          </p:txBody>
-        </p:sp>
-        <p:sp>
-          <p:nvSpPr>
-            <p:cNvPr id="155" name="Retângulo 20">
-              <a:extLst>
-                <a:ext uri="{FF2B5EF4-FFF2-40B4-BE49-F238E27FC236}">
-                  <a16:creationId xmlns:a16="http://schemas.microsoft.com/office/drawing/2014/main" id="{03D84B51-0E59-465D-85E9-67286CA4F0DA}"/>
-                </a:ext>
-              </a:extLst>
-            </p:cNvPr>
-            <p:cNvSpPr/>
-            <p:nvPr/>
-          </p:nvSpPr>
-          <p:spPr>
-            <a:xfrm>
-              <a:off x="3793040" y="3583292"/>
-              <a:ext cx="1834790" cy="492443"/>
-            </a:xfrm>
-            <a:prstGeom prst="rect">
-              <a:avLst/>
-            </a:prstGeom>
-          </p:spPr>
-          <p:txBody>
-            <a:bodyPr wrap="square">
-              <a:spAutoFit/>
-            </a:bodyPr>
-            <a:lstStyle/>
-            <a:p>
-              <a:pPr lvl="0" algn="ctr">
-                <a:defRPr/>
-              </a:pPr>
-              <a:r>
-                <a:rPr lang="pt-BR" sz="1300" dirty="0">
-                  <a:solidFill>
-                    <a:prstClr val="white"/>
-                  </a:solidFill>
-                </a:rPr>
-                <a:t>Gerenciamento de adoções </a:t>
-              </a:r>
-            </a:p>
-          </p:txBody>
-        </p:sp>
-      </p:grpSp>
-      <p:cxnSp>
-        <p:nvCxnSpPr>
-          <p:cNvPr id="69" name="Conector de Seta Reta 107">
-            <a:extLst>
-              <a:ext uri="{FF2B5EF4-FFF2-40B4-BE49-F238E27FC236}">
-                <a16:creationId xmlns:a16="http://schemas.microsoft.com/office/drawing/2014/main" id="{3AF9C43E-1840-4006-84E1-832D0B890C76}"/>
-              </a:ext>
-            </a:extLst>
-          </p:cNvPr>
-          <p:cNvCxnSpPr>
-            <a:cxnSpLocks/>
-            <a:stCxn id="104" idx="0"/>
-            <a:endCxn id="149" idx="2"/>
-          </p:cNvCxnSpPr>
-          <p:nvPr/>
-        </p:nvCxnSpPr>
-        <p:spPr>
-          <a:xfrm flipV="1">
-            <a:off x="8096518" y="4380018"/>
-            <a:ext cx="4094866" cy="684873"/>
-          </a:xfrm>
-          <a:prstGeom prst="straightConnector1">
-            <a:avLst/>
-          </a:prstGeom>
-          <a:ln w="19050">
-            <a:solidFill>
-              <a:schemeClr val="accent5">
-                <a:lumMod val="75000"/>
-              </a:schemeClr>
-            </a:solidFill>
-            <a:prstDash val="sysDash"/>
-            <a:headEnd type="none" w="lg" len="lg"/>
-            <a:tailEnd type="triangle" w="lg" len="lg"/>
-          </a:ln>
-        </p:spPr>
-        <p:style>
-          <a:lnRef idx="1">
-            <a:schemeClr val="accent1"/>
-          </a:lnRef>
-          <a:fillRef idx="0">
-            <a:schemeClr val="accent1"/>
-          </a:fillRef>
-          <a:effectRef idx="0">
-            <a:schemeClr val="accent1"/>
-          </a:effectRef>
-          <a:fontRef idx="minor">
-            <a:schemeClr val="tx1"/>
-          </a:fontRef>
-        </p:style>
-      </p:cxnSp>
-      <p:cxnSp>
-        <p:nvCxnSpPr>
-          <p:cNvPr id="73" name="Conector de Seta Reta 107">
-            <a:extLst>
-              <a:ext uri="{FF2B5EF4-FFF2-40B4-BE49-F238E27FC236}">
-                <a16:creationId xmlns:a16="http://schemas.microsoft.com/office/drawing/2014/main" id="{E5ABD69C-647E-4D8E-8BCE-B05C7F1ABD96}"/>
-              </a:ext>
-            </a:extLst>
-          </p:cNvPr>
-          <p:cNvCxnSpPr>
-            <a:cxnSpLocks/>
-            <a:stCxn id="104" idx="0"/>
-            <a:endCxn id="144" idx="2"/>
-          </p:cNvCxnSpPr>
-          <p:nvPr/>
-        </p:nvCxnSpPr>
-        <p:spPr>
-          <a:xfrm flipV="1">
-            <a:off x="8096518" y="4374915"/>
-            <a:ext cx="2042638" cy="689976"/>
-          </a:xfrm>
-          <a:prstGeom prst="straightConnector1">
-            <a:avLst/>
-          </a:prstGeom>
-          <a:ln w="19050">
-            <a:solidFill>
-              <a:schemeClr val="accent5">
-                <a:lumMod val="75000"/>
-              </a:schemeClr>
-            </a:solidFill>
-            <a:prstDash val="sysDash"/>
-            <a:headEnd type="none" w="lg" len="lg"/>
-            <a:tailEnd type="triangle" w="lg" len="lg"/>
-          </a:ln>
-        </p:spPr>
-        <p:style>
-          <a:lnRef idx="1">
-            <a:schemeClr val="accent1"/>
-          </a:lnRef>
-          <a:fillRef idx="0">
-            <a:schemeClr val="accent1"/>
-          </a:fillRef>
-          <a:effectRef idx="0">
-            <a:schemeClr val="accent1"/>
-          </a:effectRef>
-          <a:fontRef idx="minor">
-            <a:schemeClr val="tx1"/>
-          </a:fontRef>
-        </p:style>
-      </p:cxnSp>
-      <p:cxnSp>
-        <p:nvCxnSpPr>
-          <p:cNvPr id="75" name="Conector de Seta Reta 107">
-            <a:extLst>
-              <a:ext uri="{FF2B5EF4-FFF2-40B4-BE49-F238E27FC236}">
-                <a16:creationId xmlns:a16="http://schemas.microsoft.com/office/drawing/2014/main" id="{CB0C9A71-C41E-4507-B049-421360AE0F84}"/>
-              </a:ext>
-            </a:extLst>
-          </p:cNvPr>
-          <p:cNvCxnSpPr>
-            <a:cxnSpLocks/>
-            <a:stCxn id="104" idx="0"/>
-            <a:endCxn id="153" idx="2"/>
-          </p:cNvCxnSpPr>
-          <p:nvPr/>
-        </p:nvCxnSpPr>
-        <p:spPr>
-          <a:xfrm flipH="1" flipV="1">
-            <a:off x="8086928" y="4380017"/>
-            <a:ext cx="0" cy="684874"/>
-          </a:xfrm>
-          <a:prstGeom prst="straightConnector1">
-            <a:avLst/>
-          </a:prstGeom>
-          <a:ln w="19050">
-            <a:solidFill>
-              <a:schemeClr val="accent5">
-                <a:lumMod val="75000"/>
-              </a:schemeClr>
-            </a:solidFill>
-            <a:prstDash val="sysDash"/>
-            <a:headEnd type="none" w="lg" len="lg"/>
-            <a:tailEnd type="triangle" w="lg" len="lg"/>
-          </a:ln>
-        </p:spPr>
-        <p:style>
-          <a:lnRef idx="1">
-            <a:schemeClr val="accent1"/>
-          </a:lnRef>
-          <a:fillRef idx="0">
-            <a:schemeClr val="accent1"/>
-          </a:fillRef>
-          <a:effectRef idx="0">
-            <a:schemeClr val="accent1"/>
-          </a:effectRef>
-          <a:fontRef idx="minor">
-            <a:schemeClr val="tx1"/>
-          </a:fontRef>
-        </p:style>
-      </p:cxnSp>
-      <p:cxnSp>
-        <p:nvCxnSpPr>
-          <p:cNvPr id="78" name="Conector de Seta Reta 107">
-            <a:extLst>
-              <a:ext uri="{FF2B5EF4-FFF2-40B4-BE49-F238E27FC236}">
-                <a16:creationId xmlns:a16="http://schemas.microsoft.com/office/drawing/2014/main" id="{70B1CDCD-1CEB-4F52-B5A9-4AE8F3CE8ECB}"/>
-              </a:ext>
-            </a:extLst>
-          </p:cNvPr>
-          <p:cNvCxnSpPr>
-            <a:cxnSpLocks/>
-            <a:stCxn id="104" idx="0"/>
-            <a:endCxn id="132" idx="2"/>
-          </p:cNvCxnSpPr>
-          <p:nvPr/>
-        </p:nvCxnSpPr>
-        <p:spPr>
-          <a:xfrm flipH="1" flipV="1">
-            <a:off x="6034700" y="4380019"/>
-            <a:ext cx="2061818" cy="684872"/>
-          </a:xfrm>
-          <a:prstGeom prst="straightConnector1">
-            <a:avLst/>
-          </a:prstGeom>
-          <a:ln w="19050">
-            <a:solidFill>
-              <a:schemeClr val="accent5">
-                <a:lumMod val="75000"/>
-              </a:schemeClr>
-            </a:solidFill>
-            <a:prstDash val="sysDash"/>
-            <a:headEnd type="none" w="lg" len="lg"/>
-            <a:tailEnd type="triangle" w="lg" len="lg"/>
-          </a:ln>
-        </p:spPr>
-        <p:style>
-          <a:lnRef idx="1">
-            <a:schemeClr val="accent1"/>
-          </a:lnRef>
-          <a:fillRef idx="0">
-            <a:schemeClr val="accent1"/>
-          </a:fillRef>
-          <a:effectRef idx="0">
-            <a:schemeClr val="accent1"/>
-          </a:effectRef>
-          <a:fontRef idx="minor">
-            <a:schemeClr val="tx1"/>
-          </a:fontRef>
-        </p:style>
-      </p:cxnSp>
-      <p:cxnSp>
-        <p:nvCxnSpPr>
-          <p:cNvPr id="82" name="Conector de Seta Reta 107">
-            <a:extLst>
-              <a:ext uri="{FF2B5EF4-FFF2-40B4-BE49-F238E27FC236}">
-                <a16:creationId xmlns:a16="http://schemas.microsoft.com/office/drawing/2014/main" id="{37AE7A24-C2E0-4F3E-9D1B-DF6DAF1267E3}"/>
-              </a:ext>
-            </a:extLst>
-          </p:cNvPr>
-          <p:cNvCxnSpPr>
-            <a:cxnSpLocks/>
-            <a:stCxn id="104" idx="0"/>
-            <a:endCxn id="107" idx="2"/>
-          </p:cNvCxnSpPr>
-          <p:nvPr/>
-        </p:nvCxnSpPr>
-        <p:spPr>
-          <a:xfrm flipH="1" flipV="1">
-            <a:off x="3982472" y="4380019"/>
-            <a:ext cx="4114046" cy="684872"/>
-          </a:xfrm>
-          <a:prstGeom prst="straightConnector1">
-            <a:avLst/>
-          </a:prstGeom>
-          <a:ln w="19050">
-            <a:solidFill>
-              <a:schemeClr val="accent5">
-                <a:lumMod val="75000"/>
-              </a:schemeClr>
-            </a:solidFill>
-            <a:prstDash val="sysDash"/>
-            <a:headEnd type="none" w="lg" len="lg"/>
-            <a:tailEnd type="triangle" w="lg" len="lg"/>
-          </a:ln>
-        </p:spPr>
-        <p:style>
-          <a:lnRef idx="1">
-            <a:schemeClr val="accent1"/>
-          </a:lnRef>
-          <a:fillRef idx="0">
-            <a:schemeClr val="accent1"/>
-          </a:fillRef>
-          <a:effectRef idx="0">
-            <a:schemeClr val="accent1"/>
-          </a:effectRef>
-          <a:fontRef idx="minor">
-            <a:schemeClr val="tx1"/>
-          </a:fontRef>
-        </p:style>
-      </p:cxnSp>
-      <p:cxnSp>
-        <p:nvCxnSpPr>
-          <p:cNvPr id="84" name="Conector de Seta Reta 107">
-            <a:extLst>
-              <a:ext uri="{FF2B5EF4-FFF2-40B4-BE49-F238E27FC236}">
-                <a16:creationId xmlns:a16="http://schemas.microsoft.com/office/drawing/2014/main" id="{857D7B1D-5A40-4937-8118-84B108815463}"/>
-              </a:ext>
-            </a:extLst>
-          </p:cNvPr>
-          <p:cNvCxnSpPr>
-            <a:cxnSpLocks/>
-            <a:stCxn id="153" idx="0"/>
-            <a:endCxn id="52" idx="2"/>
-          </p:cNvCxnSpPr>
-          <p:nvPr/>
-        </p:nvCxnSpPr>
-        <p:spPr>
-          <a:xfrm flipH="1" flipV="1">
-            <a:off x="8086927" y="2196236"/>
-            <a:ext cx="1" cy="599824"/>
-          </a:xfrm>
-          <a:prstGeom prst="straightConnector1">
-            <a:avLst/>
-          </a:prstGeom>
-          <a:ln w="19050">
-            <a:solidFill>
-              <a:schemeClr val="accent5">
-                <a:lumMod val="75000"/>
-              </a:schemeClr>
-            </a:solidFill>
-            <a:prstDash val="sysDash"/>
-            <a:headEnd type="none" w="lg" len="lg"/>
-            <a:tailEnd type="triangle" w="lg" len="lg"/>
-          </a:ln>
-        </p:spPr>
-        <p:style>
-          <a:lnRef idx="1">
-            <a:schemeClr val="accent1"/>
-          </a:lnRef>
-          <a:fillRef idx="0">
-            <a:schemeClr val="accent1"/>
-          </a:fillRef>
-          <a:effectRef idx="0">
-            <a:schemeClr val="accent1"/>
-          </a:effectRef>
-          <a:fontRef idx="minor">
-            <a:schemeClr val="tx1"/>
-          </a:fontRef>
-        </p:style>
-      </p:cxnSp>
-      <p:cxnSp>
-        <p:nvCxnSpPr>
-          <p:cNvPr id="91" name="Conector de Seta Reta 107">
-            <a:extLst>
-              <a:ext uri="{FF2B5EF4-FFF2-40B4-BE49-F238E27FC236}">
-                <a16:creationId xmlns:a16="http://schemas.microsoft.com/office/drawing/2014/main" id="{D3C8F14A-3915-4AFA-AEBB-C22A2E3DC11C}"/>
-              </a:ext>
-            </a:extLst>
-          </p:cNvPr>
-          <p:cNvCxnSpPr>
-            <a:cxnSpLocks/>
-            <a:stCxn id="144" idx="0"/>
-            <a:endCxn id="52" idx="2"/>
-          </p:cNvCxnSpPr>
-          <p:nvPr/>
-        </p:nvCxnSpPr>
-        <p:spPr>
-          <a:xfrm flipH="1" flipV="1">
-            <a:off x="8086927" y="2196236"/>
-            <a:ext cx="2052229" cy="594722"/>
-          </a:xfrm>
-          <a:prstGeom prst="straightConnector1">
-            <a:avLst/>
-          </a:prstGeom>
-          <a:ln w="19050">
-            <a:solidFill>
-              <a:schemeClr val="accent5">
-                <a:lumMod val="75000"/>
-              </a:schemeClr>
-            </a:solidFill>
-            <a:prstDash val="sysDash"/>
-            <a:headEnd type="none" w="lg" len="lg"/>
-            <a:tailEnd type="triangle" w="lg" len="lg"/>
-          </a:ln>
-        </p:spPr>
-        <p:style>
-          <a:lnRef idx="1">
-            <a:schemeClr val="accent1"/>
-          </a:lnRef>
-          <a:fillRef idx="0">
-            <a:schemeClr val="accent1"/>
-          </a:fillRef>
-          <a:effectRef idx="0">
-            <a:schemeClr val="accent1"/>
-          </a:effectRef>
-          <a:fontRef idx="minor">
-            <a:schemeClr val="tx1"/>
-          </a:fontRef>
-        </p:style>
-      </p:cxnSp>
-      <p:cxnSp>
-        <p:nvCxnSpPr>
-          <p:cNvPr id="92" name="Conector de Seta Reta 107">
-            <a:extLst>
-              <a:ext uri="{FF2B5EF4-FFF2-40B4-BE49-F238E27FC236}">
-                <a16:creationId xmlns:a16="http://schemas.microsoft.com/office/drawing/2014/main" id="{71433949-AC20-4FC9-B0A8-88DF082F1A73}"/>
-              </a:ext>
-            </a:extLst>
-          </p:cNvPr>
-          <p:cNvCxnSpPr>
-            <a:cxnSpLocks/>
-            <a:stCxn id="149" idx="0"/>
-            <a:endCxn id="52" idx="2"/>
-          </p:cNvCxnSpPr>
-          <p:nvPr/>
-        </p:nvCxnSpPr>
-        <p:spPr>
-          <a:xfrm flipH="1" flipV="1">
-            <a:off x="8086927" y="2196236"/>
-            <a:ext cx="4104457" cy="599825"/>
-          </a:xfrm>
-          <a:prstGeom prst="straightConnector1">
-            <a:avLst/>
-          </a:prstGeom>
-          <a:ln w="19050">
-            <a:solidFill>
-              <a:schemeClr val="accent5">
-                <a:lumMod val="75000"/>
-              </a:schemeClr>
-            </a:solidFill>
-            <a:prstDash val="sysDash"/>
-            <a:headEnd type="none" w="lg" len="lg"/>
-            <a:tailEnd type="triangle" w="lg" len="lg"/>
-          </a:ln>
-        </p:spPr>
-        <p:style>
-          <a:lnRef idx="1">
-            <a:schemeClr val="accent1"/>
-          </a:lnRef>
-          <a:fillRef idx="0">
-            <a:schemeClr val="accent1"/>
-          </a:fillRef>
-          <a:effectRef idx="0">
-            <a:schemeClr val="accent1"/>
-          </a:effectRef>
-          <a:fontRef idx="minor">
-            <a:schemeClr val="tx1"/>
-          </a:fontRef>
-        </p:style>
-      </p:cxnSp>
-      <p:cxnSp>
-        <p:nvCxnSpPr>
-          <p:cNvPr id="93" name="Conector de Seta Reta 107">
-            <a:extLst>
-              <a:ext uri="{FF2B5EF4-FFF2-40B4-BE49-F238E27FC236}">
-                <a16:creationId xmlns:a16="http://schemas.microsoft.com/office/drawing/2014/main" id="{05C3CF80-0FF6-4059-B88A-DF4121C87C6D}"/>
-              </a:ext>
-            </a:extLst>
-          </p:cNvPr>
-          <p:cNvCxnSpPr>
-            <a:cxnSpLocks/>
-            <a:stCxn id="107" idx="0"/>
-            <a:endCxn id="52" idx="2"/>
-          </p:cNvCxnSpPr>
-          <p:nvPr/>
-        </p:nvCxnSpPr>
-        <p:spPr>
-          <a:xfrm flipV="1">
-            <a:off x="3982472" y="2196236"/>
-            <a:ext cx="4104455" cy="599826"/>
-          </a:xfrm>
-          <a:prstGeom prst="straightConnector1">
-            <a:avLst/>
-          </a:prstGeom>
-          <a:ln w="19050">
-            <a:solidFill>
-              <a:schemeClr val="accent5">
-                <a:lumMod val="75000"/>
-              </a:schemeClr>
-            </a:solidFill>
-            <a:prstDash val="sysDash"/>
-            <a:headEnd type="none" w="lg" len="lg"/>
-            <a:tailEnd type="triangle" w="lg" len="lg"/>
-          </a:ln>
-        </p:spPr>
-        <p:style>
-          <a:lnRef idx="1">
-            <a:schemeClr val="accent1"/>
-          </a:lnRef>
-          <a:fillRef idx="0">
-            <a:schemeClr val="accent1"/>
-          </a:fillRef>
-          <a:effectRef idx="0">
-            <a:schemeClr val="accent1"/>
-          </a:effectRef>
-          <a:fontRef idx="minor">
-            <a:schemeClr val="tx1"/>
-          </a:fontRef>
-        </p:style>
-      </p:cxnSp>
-      <p:cxnSp>
-        <p:nvCxnSpPr>
-          <p:cNvPr id="96" name="Conector de Seta Reta 107">
-            <a:extLst>
-              <a:ext uri="{FF2B5EF4-FFF2-40B4-BE49-F238E27FC236}">
-                <a16:creationId xmlns:a16="http://schemas.microsoft.com/office/drawing/2014/main" id="{933F0C5D-A438-4D1A-A50B-505F20A41AB7}"/>
-              </a:ext>
-            </a:extLst>
-          </p:cNvPr>
-          <p:cNvCxnSpPr>
-            <a:cxnSpLocks/>
-            <a:stCxn id="132" idx="0"/>
-            <a:endCxn id="52" idx="2"/>
-          </p:cNvCxnSpPr>
-          <p:nvPr/>
-        </p:nvCxnSpPr>
-        <p:spPr>
-          <a:xfrm flipV="1">
-            <a:off x="6034700" y="2196236"/>
-            <a:ext cx="2052227" cy="599826"/>
-          </a:xfrm>
-          <a:prstGeom prst="straightConnector1">
-            <a:avLst/>
-          </a:prstGeom>
-          <a:ln w="19050">
-            <a:solidFill>
-              <a:schemeClr val="accent5">
-                <a:lumMod val="75000"/>
-              </a:schemeClr>
-            </a:solidFill>
-            <a:prstDash val="sysDash"/>
-            <a:headEnd type="none" w="lg" len="lg"/>
-            <a:tailEnd type="triangle" w="lg" len="lg"/>
-          </a:ln>
-        </p:spPr>
-        <p:style>
-          <a:lnRef idx="1">
-            <a:schemeClr val="accent1"/>
-          </a:lnRef>
-          <a:fillRef idx="0">
-            <a:schemeClr val="accent1"/>
-          </a:fillRef>
-          <a:effectRef idx="0">
-            <a:schemeClr val="accent1"/>
-          </a:effectRef>
-          <a:fontRef idx="minor">
-            <a:schemeClr val="tx1"/>
-          </a:fontRef>
-        </p:style>
-      </p:cxnSp>
-    </p:spTree>
-    <p:extLst>
-      <p:ext uri="{BB962C8B-B14F-4D97-AF65-F5344CB8AC3E}">
-        <p14:creationId xmlns:p14="http://schemas.microsoft.com/office/powerpoint/2010/main" val="3572179518"/>
-      </p:ext>
-    </p:extLst>
-  </p:cSld>
-  <p:clrMapOvr>
-    <a:masterClrMapping/>
-  </p:clrMapOvr>
-</p:sld>
-</file>
-
-<file path=ppt/slides/slide4.xml><?xml version="1.0" encoding="utf-8"?>
-<p:sld xmlns:a="http://schemas.openxmlformats.org/drawingml/2006/main" xmlns:r="http://schemas.openxmlformats.org/officeDocument/2006/relationships" xmlns:p="http://schemas.openxmlformats.org/presentationml/2006/main">
-  <p:cSld>
-    <p:spTree>
-      <p:nvGrpSpPr>
-        <p:cNvPr id="1" name=""/>
-        <p:cNvGrpSpPr/>
-        <p:nvPr/>
-      </p:nvGrpSpPr>
-      <p:grpSpPr>
-        <a:xfrm>
-          <a:off x="0" y="0"/>
-          <a:ext cx="0" cy="0"/>
-          <a:chOff x="0" y="0"/>
-          <a:chExt cx="0" cy="0"/>
-        </a:xfrm>
-      </p:grpSpPr>
-      <p:grpSp>
-        <p:nvGrpSpPr>
-          <p:cNvPr id="18" name="Group 17">
-            <a:extLst>
-              <a:ext uri="{FF2B5EF4-FFF2-40B4-BE49-F238E27FC236}">
-                <a16:creationId xmlns:a16="http://schemas.microsoft.com/office/drawing/2014/main" id="{898EAD33-34A6-4747-9CD6-A9FB7A1E34BD}"/>
-              </a:ext>
-            </a:extLst>
-          </p:cNvPr>
-          <p:cNvGrpSpPr/>
-          <p:nvPr/>
-        </p:nvGrpSpPr>
-        <p:grpSpPr>
-          <a:xfrm>
-            <a:off x="179131" y="507795"/>
-            <a:ext cx="1978043" cy="1688660"/>
-            <a:chOff x="216397" y="677072"/>
-            <a:chExt cx="1978043" cy="1688660"/>
-          </a:xfrm>
-        </p:grpSpPr>
-        <p:sp>
-          <p:nvSpPr>
-            <p:cNvPr id="59" name="Fluxograma: Disco Magnético 5">
-              <a:extLst>
-                <a:ext uri="{FF2B5EF4-FFF2-40B4-BE49-F238E27FC236}">
-                  <a16:creationId xmlns:a16="http://schemas.microsoft.com/office/drawing/2014/main" id="{2EBDFFB5-65B1-40B4-90A0-C6556F918E28}"/>
-                </a:ext>
-              </a:extLst>
-            </p:cNvPr>
-            <p:cNvSpPr>
-              <a:spLocks noChangeAspect="1"/>
-            </p:cNvSpPr>
-            <p:nvPr/>
-          </p:nvSpPr>
-          <p:spPr>
-            <a:xfrm>
-              <a:off x="216398" y="677072"/>
-              <a:ext cx="1968574" cy="1688660"/>
-            </a:xfrm>
-            <a:prstGeom prst="flowChartMagneticDisk">
-              <a:avLst/>
-            </a:prstGeom>
-            <a:solidFill>
-              <a:schemeClr val="bg1">
-                <a:lumMod val="50000"/>
-              </a:schemeClr>
-            </a:solidFill>
-            <a:ln>
-              <a:solidFill>
-                <a:srgbClr val="253746"/>
-              </a:solidFill>
-            </a:ln>
-          </p:spPr>
-          <p:style>
-            <a:lnRef idx="2">
-              <a:schemeClr val="accent1">
-                <a:shade val="50000"/>
-              </a:schemeClr>
-            </a:lnRef>
-            <a:fillRef idx="1">
-              <a:schemeClr val="accent1"/>
-            </a:fillRef>
-            <a:effectRef idx="0">
-              <a:schemeClr val="accent1"/>
-            </a:effectRef>
-            <a:fontRef idx="minor">
-              <a:schemeClr val="lt1"/>
-            </a:fontRef>
-          </p:style>
-          <p:txBody>
-            <a:bodyPr rtlCol="0" anchor="ctr"/>
-            <a:lstStyle/>
-            <a:p>
-              <a:pPr algn="ctr"/>
-              <a:endParaRPr lang="pt-BR" sz="1800" dirty="0">
-                <a:solidFill>
-                  <a:prstClr val="white"/>
-                </a:solidFill>
-                <a:latin typeface="Calibri"/>
-              </a:endParaRPr>
-            </a:p>
-          </p:txBody>
-        </p:sp>
-        <p:sp>
-          <p:nvSpPr>
-            <p:cNvPr id="62" name="Retângulo 20">
-              <a:extLst>
-                <a:ext uri="{FF2B5EF4-FFF2-40B4-BE49-F238E27FC236}">
-                  <a16:creationId xmlns:a16="http://schemas.microsoft.com/office/drawing/2014/main" id="{815EF645-82AE-4337-8700-AA9F1A6C8E22}"/>
-                </a:ext>
-              </a:extLst>
-            </p:cNvPr>
-            <p:cNvSpPr/>
-            <p:nvPr/>
-          </p:nvSpPr>
-          <p:spPr>
-            <a:xfrm>
-              <a:off x="216397" y="1241187"/>
-              <a:ext cx="1978043" cy="523220"/>
-            </a:xfrm>
-            <a:prstGeom prst="rect">
-              <a:avLst/>
-            </a:prstGeom>
-          </p:spPr>
-          <p:txBody>
-            <a:bodyPr wrap="square">
-              <a:spAutoFit/>
-            </a:bodyPr>
-            <a:lstStyle/>
-            <a:p>
-              <a:pPr lvl="0" algn="ctr">
-                <a:defRPr/>
-              </a:pPr>
-              <a:r>
-                <a:rPr lang="pt-BR" sz="1400" b="1" dirty="0">
-                  <a:solidFill>
-                    <a:prstClr val="white"/>
-                  </a:solidFill>
-                </a:rPr>
-                <a:t>Database</a:t>
-              </a:r>
-            </a:p>
-            <a:p>
-              <a:pPr lvl="0" algn="ctr">
-                <a:defRPr/>
-              </a:pPr>
-              <a:r>
-                <a:rPr lang="pt-BR" sz="1400" dirty="0">
-                  <a:solidFill>
-                    <a:prstClr val="white"/>
-                  </a:solidFill>
-                </a:rPr>
-                <a:t>[Container: SQL Server]</a:t>
-              </a:r>
-            </a:p>
-          </p:txBody>
-        </p:sp>
-        <p:sp>
-          <p:nvSpPr>
-            <p:cNvPr id="68" name="Retângulo 20">
-              <a:extLst>
-                <a:ext uri="{FF2B5EF4-FFF2-40B4-BE49-F238E27FC236}">
-                  <a16:creationId xmlns:a16="http://schemas.microsoft.com/office/drawing/2014/main" id="{1782754A-C6CA-43DC-95D3-7ED72819E626}"/>
-                </a:ext>
-              </a:extLst>
-            </p:cNvPr>
-            <p:cNvSpPr/>
-            <p:nvPr/>
-          </p:nvSpPr>
-          <p:spPr>
-            <a:xfrm>
-              <a:off x="216398" y="1692399"/>
-              <a:ext cx="1968574" cy="492443"/>
-            </a:xfrm>
-            <a:prstGeom prst="rect">
-              <a:avLst/>
-            </a:prstGeom>
-          </p:spPr>
-          <p:txBody>
-            <a:bodyPr wrap="square">
-              <a:spAutoFit/>
-            </a:bodyPr>
-            <a:lstStyle/>
-            <a:p>
-              <a:pPr lvl="0" algn="ctr">
-                <a:defRPr/>
-              </a:pPr>
-              <a:r>
-                <a:rPr lang="pt-BR" sz="1300" dirty="0">
-                  <a:solidFill>
-                    <a:prstClr val="white"/>
-                  </a:solidFill>
-                </a:rPr>
-                <a:t>Armazena os dados das máquinas e dos cadastros.</a:t>
-              </a:r>
-            </a:p>
-          </p:txBody>
-        </p:sp>
-      </p:grpSp>
-      <p:grpSp>
-        <p:nvGrpSpPr>
-          <p:cNvPr id="10" name="Group 9">
-            <a:extLst>
-              <a:ext uri="{FF2B5EF4-FFF2-40B4-BE49-F238E27FC236}">
-                <a16:creationId xmlns:a16="http://schemas.microsoft.com/office/drawing/2014/main" id="{183C24E2-F505-4489-B0D4-7293CE66A349}"/>
-              </a:ext>
-            </a:extLst>
-          </p:cNvPr>
-          <p:cNvGrpSpPr/>
-          <p:nvPr/>
-        </p:nvGrpSpPr>
-        <p:grpSpPr>
-          <a:xfrm>
-            <a:off x="216397" y="2772695"/>
-            <a:ext cx="1875600" cy="1584000"/>
-            <a:chOff x="561681" y="4929649"/>
-            <a:chExt cx="2697441" cy="2144548"/>
-          </a:xfrm>
-        </p:grpSpPr>
-        <p:sp>
-          <p:nvSpPr>
-            <p:cNvPr id="70" name="Retângulo 29">
-              <a:extLst>
-                <a:ext uri="{FF2B5EF4-FFF2-40B4-BE49-F238E27FC236}">
-                  <a16:creationId xmlns:a16="http://schemas.microsoft.com/office/drawing/2014/main" id="{A1AA79BC-35E8-40D6-A4F5-43492D9675D6}"/>
-                </a:ext>
-              </a:extLst>
-            </p:cNvPr>
-            <p:cNvSpPr/>
-            <p:nvPr/>
-          </p:nvSpPr>
-          <p:spPr>
-            <a:xfrm>
-              <a:off x="561681" y="4929649"/>
-              <a:ext cx="2697441" cy="2144548"/>
-            </a:xfrm>
-            <a:prstGeom prst="rect">
-              <a:avLst/>
-            </a:prstGeom>
-            <a:solidFill>
-              <a:schemeClr val="bg1">
-                <a:lumMod val="85000"/>
-              </a:schemeClr>
-            </a:solidFill>
-            <a:ln>
-              <a:solidFill>
-                <a:srgbClr val="253746"/>
-              </a:solidFill>
-              <a:prstDash val="dash"/>
-            </a:ln>
-          </p:spPr>
-          <p:style>
-            <a:lnRef idx="2">
-              <a:schemeClr val="accent1">
-                <a:shade val="50000"/>
-              </a:schemeClr>
-            </a:lnRef>
-            <a:fillRef idx="1">
-              <a:schemeClr val="accent1"/>
-            </a:fillRef>
-            <a:effectRef idx="0">
-              <a:schemeClr val="accent1"/>
-            </a:effectRef>
-            <a:fontRef idx="minor">
-              <a:schemeClr val="lt1"/>
-            </a:fontRef>
-          </p:style>
-          <p:txBody>
-            <a:bodyPr rtlCol="0" anchor="ctr"/>
-            <a:lstStyle/>
-            <a:p>
-              <a:pPr algn="ctr"/>
-              <a:endParaRPr lang="pt-BR" sz="1800" dirty="0">
-                <a:solidFill>
-                  <a:prstClr val="white"/>
-                </a:solidFill>
-                <a:latin typeface="Calibri"/>
-              </a:endParaRPr>
-            </a:p>
-          </p:txBody>
-        </p:sp>
-        <p:sp>
-          <p:nvSpPr>
-            <p:cNvPr id="71" name="Retângulo 20">
-              <a:extLst>
-                <a:ext uri="{FF2B5EF4-FFF2-40B4-BE49-F238E27FC236}">
-                  <a16:creationId xmlns:a16="http://schemas.microsoft.com/office/drawing/2014/main" id="{BCA5C6BC-75FE-471E-98D5-2AEC02E773B6}"/>
-                </a:ext>
-              </a:extLst>
-            </p:cNvPr>
-            <p:cNvSpPr/>
-            <p:nvPr/>
-          </p:nvSpPr>
-          <p:spPr>
-            <a:xfrm>
-              <a:off x="566843" y="5076209"/>
-              <a:ext cx="2692279" cy="1020898"/>
-            </a:xfrm>
-            <a:prstGeom prst="rect">
-              <a:avLst/>
-            </a:prstGeom>
-          </p:spPr>
-          <p:txBody>
-            <a:bodyPr wrap="square">
-              <a:spAutoFit/>
-            </a:bodyPr>
-            <a:lstStyle/>
-            <a:p>
-              <a:pPr lvl="0" algn="ctr">
-                <a:defRPr/>
-              </a:pPr>
-              <a:r>
-                <a:rPr lang="pt-BR" sz="1500" b="1" dirty="0"/>
-                <a:t>GOOGLE Application</a:t>
-              </a:r>
-            </a:p>
-            <a:p>
-              <a:pPr lvl="0" algn="ctr">
-                <a:defRPr/>
-              </a:pPr>
-              <a:r>
-                <a:rPr lang="pt-BR" sz="1400" dirty="0"/>
-                <a:t>[Container: </a:t>
-              </a:r>
-            </a:p>
-            <a:p>
-              <a:pPr lvl="0" algn="ctr">
-                <a:defRPr/>
-              </a:pPr>
-              <a:r>
-                <a:rPr lang="pt-BR" sz="1400" dirty="0"/>
-                <a:t>GeoCoding API]</a:t>
-              </a:r>
-            </a:p>
-          </p:txBody>
-        </p:sp>
-        <p:sp>
-          <p:nvSpPr>
-            <p:cNvPr id="72" name="Retângulo 20">
-              <a:extLst>
-                <a:ext uri="{FF2B5EF4-FFF2-40B4-BE49-F238E27FC236}">
-                  <a16:creationId xmlns:a16="http://schemas.microsoft.com/office/drawing/2014/main" id="{765D59F3-C09D-49AE-A075-CEED42A64093}"/>
-                </a:ext>
-              </a:extLst>
-            </p:cNvPr>
-            <p:cNvSpPr/>
-            <p:nvPr/>
-          </p:nvSpPr>
-          <p:spPr>
-            <a:xfrm>
-              <a:off x="561681" y="6035624"/>
-              <a:ext cx="2692279" cy="666709"/>
-            </a:xfrm>
-            <a:prstGeom prst="rect">
-              <a:avLst/>
-            </a:prstGeom>
-          </p:spPr>
-          <p:txBody>
-            <a:bodyPr wrap="square">
-              <a:spAutoFit/>
-            </a:bodyPr>
-            <a:lstStyle/>
-            <a:p>
-              <a:pPr lvl="0" algn="ctr">
-                <a:defRPr/>
-              </a:pPr>
-              <a:r>
-                <a:rPr lang="pt-BR" sz="1300" dirty="0"/>
-                <a:t>API para integração com os mapas do Google.</a:t>
-              </a:r>
-            </a:p>
-          </p:txBody>
-        </p:sp>
-      </p:grpSp>
-      <p:grpSp>
-        <p:nvGrpSpPr>
-          <p:cNvPr id="12" name="Group 11">
-            <a:extLst>
-              <a:ext uri="{FF2B5EF4-FFF2-40B4-BE49-F238E27FC236}">
-                <a16:creationId xmlns:a16="http://schemas.microsoft.com/office/drawing/2014/main" id="{21C054C1-FE63-4013-A346-1CA1D1F79710}"/>
-              </a:ext>
-            </a:extLst>
-          </p:cNvPr>
-          <p:cNvGrpSpPr/>
-          <p:nvPr/>
-        </p:nvGrpSpPr>
-        <p:grpSpPr>
-          <a:xfrm>
-            <a:off x="11247044" y="5076951"/>
-            <a:ext cx="1875600" cy="1584000"/>
-            <a:chOff x="7486803" y="4907952"/>
-            <a:chExt cx="2620066" cy="2144551"/>
-          </a:xfrm>
-        </p:grpSpPr>
-        <p:grpSp>
-          <p:nvGrpSpPr>
-            <p:cNvPr id="76" name="Group 75">
-              <a:extLst>
-                <a:ext uri="{FF2B5EF4-FFF2-40B4-BE49-F238E27FC236}">
-                  <a16:creationId xmlns:a16="http://schemas.microsoft.com/office/drawing/2014/main" id="{6E75E514-261D-4C65-874F-12C6C5CFE6CE}"/>
-                </a:ext>
-              </a:extLst>
-            </p:cNvPr>
-            <p:cNvGrpSpPr/>
-            <p:nvPr/>
-          </p:nvGrpSpPr>
-          <p:grpSpPr>
-            <a:xfrm>
-              <a:off x="7486806" y="4907952"/>
-              <a:ext cx="2620063" cy="2144551"/>
-              <a:chOff x="8392958" y="3891083"/>
-              <a:chExt cx="3276202" cy="2212133"/>
-            </a:xfrm>
-          </p:grpSpPr>
-          <p:sp>
-            <p:nvSpPr>
-              <p:cNvPr id="81" name="Retângulo 6">
-                <a:extLst>
-                  <a:ext uri="{FF2B5EF4-FFF2-40B4-BE49-F238E27FC236}">
-                    <a16:creationId xmlns:a16="http://schemas.microsoft.com/office/drawing/2014/main" id="{3FCB07C2-F840-43DB-837E-F714D0BF42AB}"/>
-                  </a:ext>
-                </a:extLst>
-              </p:cNvPr>
-              <p:cNvSpPr/>
-              <p:nvPr/>
-            </p:nvSpPr>
-            <p:spPr>
-              <a:xfrm>
-                <a:off x="8392958" y="3891083"/>
-                <a:ext cx="3276202" cy="2212133"/>
-              </a:xfrm>
-              <a:prstGeom prst="rect">
-                <a:avLst/>
-              </a:prstGeom>
-              <a:solidFill>
-                <a:srgbClr val="32B9CD"/>
-              </a:solidFill>
-              <a:ln>
-                <a:solidFill>
-                  <a:schemeClr val="accent5">
-                    <a:lumMod val="75000"/>
-                  </a:schemeClr>
-                </a:solidFill>
-              </a:ln>
-            </p:spPr>
-            <p:style>
-              <a:lnRef idx="2">
-                <a:schemeClr val="accent1">
-                  <a:shade val="50000"/>
-                </a:schemeClr>
-              </a:lnRef>
-              <a:fillRef idx="1">
-                <a:schemeClr val="accent1"/>
-              </a:fillRef>
-              <a:effectRef idx="0">
-                <a:schemeClr val="accent1"/>
-              </a:effectRef>
-              <a:fontRef idx="minor">
-                <a:schemeClr val="lt1"/>
-              </a:fontRef>
-            </p:style>
-            <p:txBody>
-              <a:bodyPr rtlCol="0" anchor="ctr"/>
-              <a:lstStyle/>
-              <a:p>
-                <a:pPr algn="ctr"/>
-                <a:endParaRPr lang="pt-BR" dirty="0">
-                  <a:solidFill>
-                    <a:prstClr val="white"/>
-                  </a:solidFill>
-                  <a:latin typeface="Calibri"/>
-                </a:endParaRPr>
-              </a:p>
-            </p:txBody>
-          </p:sp>
-          <p:sp>
-            <p:nvSpPr>
-              <p:cNvPr id="87" name="Retângulo 6">
-                <a:extLst>
-                  <a:ext uri="{FF2B5EF4-FFF2-40B4-BE49-F238E27FC236}">
-                    <a16:creationId xmlns:a16="http://schemas.microsoft.com/office/drawing/2014/main" id="{B946B93B-E733-42C6-89C0-B32C227D291B}"/>
-                  </a:ext>
-                </a:extLst>
-              </p:cNvPr>
-              <p:cNvSpPr/>
-              <p:nvPr/>
-            </p:nvSpPr>
-            <p:spPr>
-              <a:xfrm>
-                <a:off x="8464949" y="3959113"/>
-                <a:ext cx="2577005" cy="226901"/>
-              </a:xfrm>
-              <a:prstGeom prst="rect">
-                <a:avLst/>
-              </a:prstGeom>
-              <a:noFill/>
-              <a:ln>
-                <a:solidFill>
-                  <a:schemeClr val="accent5">
-                    <a:lumMod val="75000"/>
-                  </a:schemeClr>
-                </a:solidFill>
-              </a:ln>
-            </p:spPr>
-            <p:style>
-              <a:lnRef idx="2">
-                <a:schemeClr val="accent1">
-                  <a:shade val="50000"/>
-                </a:schemeClr>
-              </a:lnRef>
-              <a:fillRef idx="1">
-                <a:schemeClr val="accent1"/>
-              </a:fillRef>
-              <a:effectRef idx="0">
-                <a:schemeClr val="accent1"/>
-              </a:effectRef>
-              <a:fontRef idx="minor">
-                <a:schemeClr val="lt1"/>
-              </a:fontRef>
-            </p:style>
-            <p:txBody>
-              <a:bodyPr rtlCol="0" anchor="ctr"/>
-              <a:lstStyle/>
-              <a:p>
-                <a:pPr algn="ctr"/>
-                <a:endParaRPr lang="pt-BR" dirty="0">
-                  <a:solidFill>
-                    <a:prstClr val="white"/>
-                  </a:solidFill>
-                  <a:latin typeface="Calibri"/>
-                </a:endParaRPr>
-              </a:p>
-            </p:txBody>
-          </p:sp>
-          <p:sp>
-            <p:nvSpPr>
-              <p:cNvPr id="88" name="Multiply 18">
-                <a:extLst>
-                  <a:ext uri="{FF2B5EF4-FFF2-40B4-BE49-F238E27FC236}">
-                    <a16:creationId xmlns:a16="http://schemas.microsoft.com/office/drawing/2014/main" id="{8F79FD67-13B1-457E-BBD3-AF7F03BE999B}"/>
-                  </a:ext>
-                </a:extLst>
-              </p:cNvPr>
-              <p:cNvSpPr/>
-              <p:nvPr/>
-            </p:nvSpPr>
-            <p:spPr>
-              <a:xfrm>
-                <a:off x="11309204" y="3924647"/>
-                <a:ext cx="288032" cy="295831"/>
-              </a:xfrm>
-              <a:prstGeom prst="mathMultiply">
-                <a:avLst/>
-              </a:prstGeom>
-              <a:noFill/>
-              <a:ln>
-                <a:solidFill>
-                  <a:schemeClr val="accent5">
-                    <a:lumMod val="75000"/>
-                  </a:schemeClr>
-                </a:solidFill>
-              </a:ln>
-            </p:spPr>
-            <p:style>
-              <a:lnRef idx="2">
-                <a:schemeClr val="accent1">
-                  <a:shade val="50000"/>
-                </a:schemeClr>
-              </a:lnRef>
-              <a:fillRef idx="1">
-                <a:schemeClr val="accent1"/>
-              </a:fillRef>
-              <a:effectRef idx="0">
-                <a:schemeClr val="accent1"/>
-              </a:effectRef>
-              <a:fontRef idx="minor">
-                <a:schemeClr val="lt1"/>
-              </a:fontRef>
-            </p:style>
-            <p:txBody>
-              <a:bodyPr rtlCol="0" anchor="ctr"/>
-              <a:lstStyle/>
-              <a:p>
-                <a:pPr algn="ctr"/>
-                <a:endParaRPr lang="pt-BR" dirty="0"/>
-              </a:p>
-            </p:txBody>
-          </p:sp>
-          <p:sp>
-            <p:nvSpPr>
-              <p:cNvPr id="89" name="Circular Arrow 19">
-                <a:extLst>
-                  <a:ext uri="{FF2B5EF4-FFF2-40B4-BE49-F238E27FC236}">
-                    <a16:creationId xmlns:a16="http://schemas.microsoft.com/office/drawing/2014/main" id="{C2635B30-5259-429D-A42A-A06D748AE99C}"/>
-                  </a:ext>
-                </a:extLst>
-              </p:cNvPr>
-              <p:cNvSpPr/>
-              <p:nvPr/>
-            </p:nvSpPr>
-            <p:spPr>
-              <a:xfrm rot="16500000">
-                <a:off x="11158829" y="3927941"/>
-                <a:ext cx="216000" cy="288000"/>
-              </a:xfrm>
-              <a:prstGeom prst="circularArrow">
-                <a:avLst/>
-              </a:prstGeom>
-              <a:noFill/>
-              <a:ln>
-                <a:solidFill>
-                  <a:schemeClr val="accent5">
-                    <a:lumMod val="75000"/>
-                  </a:schemeClr>
-                </a:solidFill>
-              </a:ln>
-            </p:spPr>
-            <p:style>
-              <a:lnRef idx="2">
-                <a:schemeClr val="accent1">
-                  <a:shade val="50000"/>
-                </a:schemeClr>
-              </a:lnRef>
-              <a:fillRef idx="1">
-                <a:schemeClr val="accent1"/>
-              </a:fillRef>
-              <a:effectRef idx="0">
-                <a:schemeClr val="accent1"/>
-              </a:effectRef>
-              <a:fontRef idx="minor">
-                <a:schemeClr val="lt1"/>
-              </a:fontRef>
-            </p:style>
-            <p:txBody>
-              <a:bodyPr rtlCol="0" anchor="ctr"/>
-              <a:lstStyle/>
-              <a:p>
-                <a:pPr algn="ctr"/>
-                <a:endParaRPr lang="pt-BR" dirty="0">
-                  <a:solidFill>
-                    <a:schemeClr val="tx1"/>
-                  </a:solidFill>
-                </a:endParaRPr>
-              </a:p>
-            </p:txBody>
-          </p:sp>
-        </p:grpSp>
-        <p:sp>
-          <p:nvSpPr>
-            <p:cNvPr id="77" name="Retângulo 20">
-              <a:extLst>
-                <a:ext uri="{FF2B5EF4-FFF2-40B4-BE49-F238E27FC236}">
-                  <a16:creationId xmlns:a16="http://schemas.microsoft.com/office/drawing/2014/main" id="{05F3A07C-92FF-4E57-9580-2FB03C87EFAF}"/>
-                </a:ext>
-              </a:extLst>
-            </p:cNvPr>
-            <p:cNvSpPr/>
-            <p:nvPr/>
-          </p:nvSpPr>
-          <p:spPr>
-            <a:xfrm>
-              <a:off x="7486803" y="5271066"/>
-              <a:ext cx="2620063" cy="750049"/>
-            </a:xfrm>
-            <a:prstGeom prst="rect">
-              <a:avLst/>
-            </a:prstGeom>
-          </p:spPr>
-          <p:txBody>
-            <a:bodyPr wrap="square">
-              <a:spAutoFit/>
-            </a:bodyPr>
-            <a:lstStyle/>
-            <a:p>
-              <a:pPr lvl="0" algn="ctr">
-                <a:defRPr/>
-              </a:pPr>
-              <a:r>
-                <a:rPr lang="pt-BR" sz="1600" b="1" dirty="0" err="1">
-                  <a:solidFill>
-                    <a:prstClr val="white"/>
-                  </a:solidFill>
-                </a:rPr>
-                <a:t>Client</a:t>
-              </a:r>
-              <a:r>
-                <a:rPr lang="pt-BR" sz="1600" b="1" dirty="0">
-                  <a:solidFill>
-                    <a:prstClr val="white"/>
-                  </a:solidFill>
-                </a:rPr>
-                <a:t> </a:t>
-              </a:r>
-              <a:r>
-                <a:rPr lang="pt-BR" sz="1600" b="1" dirty="0" err="1">
-                  <a:solidFill>
-                    <a:prstClr val="white"/>
-                  </a:solidFill>
-                </a:rPr>
-                <a:t>Side</a:t>
-              </a:r>
-              <a:r>
-                <a:rPr lang="pt-BR" sz="1600" b="1" dirty="0">
-                  <a:solidFill>
-                    <a:prstClr val="white"/>
-                  </a:solidFill>
-                </a:rPr>
-                <a:t> Web</a:t>
-              </a:r>
-            </a:p>
-            <a:p>
-              <a:pPr lvl="0" algn="ctr">
-                <a:defRPr/>
-              </a:pPr>
-              <a:r>
-                <a:rPr lang="pt-BR" sz="1400" dirty="0">
-                  <a:solidFill>
-                    <a:prstClr val="white"/>
-                  </a:solidFill>
-                </a:rPr>
-                <a:t>[Container: </a:t>
-              </a:r>
-              <a:r>
-                <a:rPr lang="pt-BR" sz="1400" dirty="0" err="1">
-                  <a:solidFill>
-                    <a:prstClr val="white"/>
-                  </a:solidFill>
-                </a:rPr>
-                <a:t>React</a:t>
-              </a:r>
-              <a:r>
-                <a:rPr lang="pt-BR" sz="1400" dirty="0">
-                  <a:solidFill>
-                    <a:prstClr val="white"/>
-                  </a:solidFill>
-                </a:rPr>
-                <a:t>]</a:t>
-              </a:r>
-            </a:p>
-          </p:txBody>
-        </p:sp>
-        <p:sp>
-          <p:nvSpPr>
-            <p:cNvPr id="79" name="Retângulo 20">
-              <a:extLst>
-                <a:ext uri="{FF2B5EF4-FFF2-40B4-BE49-F238E27FC236}">
-                  <a16:creationId xmlns:a16="http://schemas.microsoft.com/office/drawing/2014/main" id="{6B51B3AF-165E-4439-8725-9B6773505A10}"/>
-                </a:ext>
-              </a:extLst>
-            </p:cNvPr>
-            <p:cNvSpPr/>
-            <p:nvPr/>
-          </p:nvSpPr>
-          <p:spPr>
-            <a:xfrm>
-              <a:off x="7486803" y="6147599"/>
-              <a:ext cx="2620063" cy="666710"/>
-            </a:xfrm>
-            <a:prstGeom prst="rect">
-              <a:avLst/>
-            </a:prstGeom>
-          </p:spPr>
-          <p:txBody>
-            <a:bodyPr wrap="square">
-              <a:spAutoFit/>
-            </a:bodyPr>
-            <a:lstStyle/>
-            <a:p>
-              <a:pPr lvl="0" algn="ctr">
-                <a:defRPr/>
-              </a:pPr>
-              <a:r>
-                <a:rPr lang="pt-BR" sz="1300" dirty="0">
-                  <a:solidFill>
-                    <a:prstClr val="white"/>
-                  </a:solidFill>
-                </a:rPr>
-                <a:t>Home institucional e Tela de Artigos</a:t>
-              </a:r>
-            </a:p>
-          </p:txBody>
-        </p:sp>
-      </p:grpSp>
-      <p:cxnSp>
-        <p:nvCxnSpPr>
-          <p:cNvPr id="90" name="Conector de Seta Reta 107">
-            <a:extLst>
-              <a:ext uri="{FF2B5EF4-FFF2-40B4-BE49-F238E27FC236}">
-                <a16:creationId xmlns:a16="http://schemas.microsoft.com/office/drawing/2014/main" id="{7987BB83-595B-41EE-B049-6CF2F2A5EBFE}"/>
-              </a:ext>
-            </a:extLst>
-          </p:cNvPr>
-          <p:cNvCxnSpPr>
-            <a:cxnSpLocks/>
-            <a:stCxn id="52" idx="1"/>
-            <a:endCxn id="59" idx="4"/>
-          </p:cNvCxnSpPr>
-          <p:nvPr/>
-        </p:nvCxnSpPr>
-        <p:spPr>
-          <a:xfrm flipH="1" flipV="1">
-            <a:off x="2147706" y="1352125"/>
-            <a:ext cx="5005817" cy="0"/>
-          </a:xfrm>
-          <a:prstGeom prst="straightConnector1">
-            <a:avLst/>
-          </a:prstGeom>
-          <a:ln w="19050">
-            <a:solidFill>
-              <a:schemeClr val="accent5">
-                <a:lumMod val="75000"/>
-              </a:schemeClr>
-            </a:solidFill>
-            <a:prstDash val="sysDash"/>
-            <a:headEnd type="none" w="lg" len="lg"/>
-            <a:tailEnd type="triangle" w="lg" len="lg"/>
-          </a:ln>
-        </p:spPr>
-        <p:style>
-          <a:lnRef idx="1">
-            <a:schemeClr val="accent1"/>
-          </a:lnRef>
-          <a:fillRef idx="0">
-            <a:schemeClr val="accent1"/>
-          </a:fillRef>
-          <a:effectRef idx="0">
-            <a:schemeClr val="accent1"/>
-          </a:effectRef>
-          <a:fontRef idx="minor">
-            <a:schemeClr val="tx1"/>
-          </a:fontRef>
-        </p:style>
-      </p:cxnSp>
-      <p:cxnSp>
-        <p:nvCxnSpPr>
-          <p:cNvPr id="95" name="Conector de Seta Reta 107">
-            <a:extLst>
-              <a:ext uri="{FF2B5EF4-FFF2-40B4-BE49-F238E27FC236}">
-                <a16:creationId xmlns:a16="http://schemas.microsoft.com/office/drawing/2014/main" id="{1CB85DBD-8E58-41F8-A7B7-E0C54906459D}"/>
-              </a:ext>
-            </a:extLst>
-          </p:cNvPr>
-          <p:cNvCxnSpPr>
-            <a:cxnSpLocks/>
-            <a:stCxn id="81" idx="0"/>
-            <a:endCxn id="149" idx="2"/>
-          </p:cNvCxnSpPr>
-          <p:nvPr/>
-        </p:nvCxnSpPr>
-        <p:spPr>
-          <a:xfrm flipV="1">
-            <a:off x="12184845" y="4380018"/>
-            <a:ext cx="0" cy="696933"/>
-          </a:xfrm>
-          <a:prstGeom prst="straightConnector1">
-            <a:avLst/>
-          </a:prstGeom>
-          <a:ln w="19050">
-            <a:solidFill>
-              <a:schemeClr val="accent5">
-                <a:lumMod val="75000"/>
-              </a:schemeClr>
-            </a:solidFill>
-            <a:prstDash val="sysDash"/>
-            <a:headEnd type="none" w="lg" len="lg"/>
-            <a:tailEnd type="triangle" w="lg" len="lg"/>
-          </a:ln>
-        </p:spPr>
-        <p:style>
-          <a:lnRef idx="1">
-            <a:schemeClr val="accent1"/>
-          </a:lnRef>
-          <a:fillRef idx="0">
-            <a:schemeClr val="accent1"/>
-          </a:fillRef>
-          <a:effectRef idx="0">
-            <a:schemeClr val="accent1"/>
-          </a:effectRef>
-          <a:fontRef idx="minor">
-            <a:schemeClr val="tx1"/>
-          </a:fontRef>
-        </p:style>
-      </p:cxnSp>
-      <p:grpSp>
-        <p:nvGrpSpPr>
-          <p:cNvPr id="11" name="Group 10">
-            <a:extLst>
-              <a:ext uri="{FF2B5EF4-FFF2-40B4-BE49-F238E27FC236}">
-                <a16:creationId xmlns:a16="http://schemas.microsoft.com/office/drawing/2014/main" id="{3B8AD8F7-5E71-4D38-A2BF-CB858EF03109}"/>
-              </a:ext>
-            </a:extLst>
-          </p:cNvPr>
-          <p:cNvGrpSpPr/>
-          <p:nvPr/>
-        </p:nvGrpSpPr>
-        <p:grpSpPr>
-          <a:xfrm>
-            <a:off x="7158717" y="5064891"/>
-            <a:ext cx="1875600" cy="1608120"/>
-            <a:chOff x="4593132" y="4929646"/>
-            <a:chExt cx="2620064" cy="2177207"/>
-          </a:xfrm>
-        </p:grpSpPr>
-        <p:grpSp>
-          <p:nvGrpSpPr>
-            <p:cNvPr id="97" name="Group 96">
-              <a:extLst>
-                <a:ext uri="{FF2B5EF4-FFF2-40B4-BE49-F238E27FC236}">
-                  <a16:creationId xmlns:a16="http://schemas.microsoft.com/office/drawing/2014/main" id="{8A7B7EF5-F0AA-4383-9C07-CD4973B440FF}"/>
-                </a:ext>
-              </a:extLst>
-            </p:cNvPr>
-            <p:cNvGrpSpPr/>
-            <p:nvPr/>
-          </p:nvGrpSpPr>
-          <p:grpSpPr>
-            <a:xfrm>
-              <a:off x="4593133" y="4929646"/>
-              <a:ext cx="2620063" cy="2144551"/>
-              <a:chOff x="8392958" y="3891083"/>
-              <a:chExt cx="3276202" cy="2212133"/>
-            </a:xfrm>
-          </p:grpSpPr>
-          <p:sp>
-            <p:nvSpPr>
-              <p:cNvPr id="104" name="Retângulo 6">
-                <a:extLst>
-                  <a:ext uri="{FF2B5EF4-FFF2-40B4-BE49-F238E27FC236}">
-                    <a16:creationId xmlns:a16="http://schemas.microsoft.com/office/drawing/2014/main" id="{B9E2CB4F-D5F3-4D26-A3C4-31BA36A53487}"/>
-                  </a:ext>
-                </a:extLst>
-              </p:cNvPr>
-              <p:cNvSpPr/>
-              <p:nvPr/>
-            </p:nvSpPr>
-            <p:spPr>
-              <a:xfrm>
-                <a:off x="8392958" y="3891083"/>
-                <a:ext cx="3276202" cy="2212133"/>
-              </a:xfrm>
-              <a:prstGeom prst="rect">
-                <a:avLst/>
-              </a:prstGeom>
-              <a:solidFill>
-                <a:srgbClr val="32B9CD"/>
-              </a:solidFill>
-              <a:ln>
-                <a:solidFill>
-                  <a:schemeClr val="accent5">
-                    <a:lumMod val="75000"/>
-                  </a:schemeClr>
-                </a:solidFill>
-              </a:ln>
-            </p:spPr>
-            <p:style>
-              <a:lnRef idx="2">
-                <a:schemeClr val="accent1">
-                  <a:shade val="50000"/>
-                </a:schemeClr>
-              </a:lnRef>
-              <a:fillRef idx="1">
-                <a:schemeClr val="accent1"/>
-              </a:fillRef>
-              <a:effectRef idx="0">
-                <a:schemeClr val="accent1"/>
-              </a:effectRef>
-              <a:fontRef idx="minor">
-                <a:schemeClr val="lt1"/>
-              </a:fontRef>
-            </p:style>
-            <p:txBody>
-              <a:bodyPr rtlCol="0" anchor="ctr"/>
-              <a:lstStyle/>
-              <a:p>
-                <a:pPr algn="ctr"/>
-                <a:endParaRPr lang="pt-BR" dirty="0">
-                  <a:solidFill>
-                    <a:prstClr val="white"/>
-                  </a:solidFill>
-                  <a:latin typeface="Calibri"/>
-                </a:endParaRPr>
-              </a:p>
-            </p:txBody>
-          </p:sp>
-          <p:sp>
-            <p:nvSpPr>
-              <p:cNvPr id="106" name="Retângulo 6">
-                <a:extLst>
-                  <a:ext uri="{FF2B5EF4-FFF2-40B4-BE49-F238E27FC236}">
-                    <a16:creationId xmlns:a16="http://schemas.microsoft.com/office/drawing/2014/main" id="{EA444193-79E6-4677-81AC-915C479C46DA}"/>
-                  </a:ext>
-                </a:extLst>
-              </p:cNvPr>
-              <p:cNvSpPr/>
-              <p:nvPr/>
-            </p:nvSpPr>
-            <p:spPr>
-              <a:xfrm>
-                <a:off x="8464949" y="3959113"/>
-                <a:ext cx="2577005" cy="226901"/>
-              </a:xfrm>
-              <a:prstGeom prst="rect">
-                <a:avLst/>
-              </a:prstGeom>
-              <a:noFill/>
-              <a:ln>
-                <a:solidFill>
-                  <a:schemeClr val="accent5">
-                    <a:lumMod val="75000"/>
-                  </a:schemeClr>
-                </a:solidFill>
-              </a:ln>
-            </p:spPr>
-            <p:style>
-              <a:lnRef idx="2">
-                <a:schemeClr val="accent1">
-                  <a:shade val="50000"/>
-                </a:schemeClr>
-              </a:lnRef>
-              <a:fillRef idx="1">
-                <a:schemeClr val="accent1"/>
-              </a:fillRef>
-              <a:effectRef idx="0">
-                <a:schemeClr val="accent1"/>
-              </a:effectRef>
-              <a:fontRef idx="minor">
-                <a:schemeClr val="lt1"/>
-              </a:fontRef>
-            </p:style>
-            <p:txBody>
-              <a:bodyPr rtlCol="0" anchor="ctr"/>
-              <a:lstStyle/>
-              <a:p>
-                <a:pPr algn="ctr"/>
-                <a:endParaRPr lang="pt-BR" dirty="0">
-                  <a:solidFill>
-                    <a:prstClr val="white"/>
-                  </a:solidFill>
-                  <a:latin typeface="Calibri"/>
-                </a:endParaRPr>
-              </a:p>
-            </p:txBody>
-          </p:sp>
-          <p:sp>
-            <p:nvSpPr>
-              <p:cNvPr id="109" name="Multiply 18">
-                <a:extLst>
-                  <a:ext uri="{FF2B5EF4-FFF2-40B4-BE49-F238E27FC236}">
-                    <a16:creationId xmlns:a16="http://schemas.microsoft.com/office/drawing/2014/main" id="{98D608EF-2AB8-49F3-8043-F70F113132F6}"/>
-                  </a:ext>
-                </a:extLst>
-              </p:cNvPr>
-              <p:cNvSpPr/>
-              <p:nvPr/>
-            </p:nvSpPr>
-            <p:spPr>
-              <a:xfrm>
-                <a:off x="11309204" y="3924647"/>
-                <a:ext cx="288032" cy="295831"/>
-              </a:xfrm>
-              <a:prstGeom prst="mathMultiply">
-                <a:avLst/>
-              </a:prstGeom>
-              <a:noFill/>
-              <a:ln>
-                <a:solidFill>
-                  <a:schemeClr val="accent5">
-                    <a:lumMod val="75000"/>
-                  </a:schemeClr>
-                </a:solidFill>
-              </a:ln>
-            </p:spPr>
-            <p:style>
-              <a:lnRef idx="2">
-                <a:schemeClr val="accent1">
-                  <a:shade val="50000"/>
-                </a:schemeClr>
-              </a:lnRef>
-              <a:fillRef idx="1">
-                <a:schemeClr val="accent1"/>
-              </a:fillRef>
-              <a:effectRef idx="0">
-                <a:schemeClr val="accent1"/>
-              </a:effectRef>
-              <a:fontRef idx="minor">
-                <a:schemeClr val="lt1"/>
-              </a:fontRef>
-            </p:style>
-            <p:txBody>
-              <a:bodyPr rtlCol="0" anchor="ctr"/>
-              <a:lstStyle/>
-              <a:p>
-                <a:pPr algn="ctr"/>
-                <a:endParaRPr lang="pt-BR" dirty="0"/>
-              </a:p>
-            </p:txBody>
-          </p:sp>
-          <p:sp>
-            <p:nvSpPr>
-              <p:cNvPr id="110" name="Circular Arrow 19">
-                <a:extLst>
-                  <a:ext uri="{FF2B5EF4-FFF2-40B4-BE49-F238E27FC236}">
-                    <a16:creationId xmlns:a16="http://schemas.microsoft.com/office/drawing/2014/main" id="{91C115C9-0450-4B5E-A42E-9820DCB77AD2}"/>
-                  </a:ext>
-                </a:extLst>
-              </p:cNvPr>
-              <p:cNvSpPr/>
-              <p:nvPr/>
-            </p:nvSpPr>
-            <p:spPr>
-              <a:xfrm rot="16500000">
-                <a:off x="11158829" y="3927941"/>
-                <a:ext cx="216000" cy="288000"/>
-              </a:xfrm>
-              <a:prstGeom prst="circularArrow">
-                <a:avLst/>
-              </a:prstGeom>
-              <a:noFill/>
-              <a:ln>
-                <a:solidFill>
-                  <a:schemeClr val="accent5">
-                    <a:lumMod val="75000"/>
-                  </a:schemeClr>
-                </a:solidFill>
-              </a:ln>
-            </p:spPr>
-            <p:style>
-              <a:lnRef idx="2">
-                <a:schemeClr val="accent1">
-                  <a:shade val="50000"/>
-                </a:schemeClr>
-              </a:lnRef>
-              <a:fillRef idx="1">
-                <a:schemeClr val="accent1"/>
-              </a:fillRef>
-              <a:effectRef idx="0">
-                <a:schemeClr val="accent1"/>
-              </a:effectRef>
-              <a:fontRef idx="minor">
-                <a:schemeClr val="lt1"/>
-              </a:fontRef>
-            </p:style>
-            <p:txBody>
-              <a:bodyPr rtlCol="0" anchor="ctr"/>
-              <a:lstStyle/>
-              <a:p>
-                <a:pPr algn="ctr"/>
-                <a:endParaRPr lang="pt-BR" dirty="0">
-                  <a:solidFill>
-                    <a:schemeClr val="tx1"/>
-                  </a:solidFill>
-                </a:endParaRPr>
-              </a:p>
-            </p:txBody>
-          </p:sp>
-        </p:grpSp>
-        <p:sp>
-          <p:nvSpPr>
-            <p:cNvPr id="98" name="Retângulo 20">
-              <a:extLst>
-                <a:ext uri="{FF2B5EF4-FFF2-40B4-BE49-F238E27FC236}">
-                  <a16:creationId xmlns:a16="http://schemas.microsoft.com/office/drawing/2014/main" id="{9367D8B0-D165-4A9C-B042-E4DCC56427B4}"/>
-                </a:ext>
-              </a:extLst>
-            </p:cNvPr>
-            <p:cNvSpPr/>
-            <p:nvPr/>
-          </p:nvSpPr>
-          <p:spPr>
-            <a:xfrm>
-              <a:off x="4593132" y="5292760"/>
-              <a:ext cx="2620063" cy="1041733"/>
-            </a:xfrm>
-            <a:prstGeom prst="rect">
-              <a:avLst/>
-            </a:prstGeom>
-          </p:spPr>
-          <p:txBody>
-            <a:bodyPr wrap="square">
-              <a:spAutoFit/>
-            </a:bodyPr>
-            <a:lstStyle/>
-            <a:p>
-              <a:pPr lvl="0" algn="ctr">
-                <a:defRPr/>
-              </a:pPr>
-              <a:r>
-                <a:rPr lang="pt-BR" sz="1600" b="1" dirty="0" err="1">
-                  <a:solidFill>
-                    <a:prstClr val="white"/>
-                  </a:solidFill>
-                </a:rPr>
-                <a:t>Client</a:t>
-              </a:r>
-              <a:r>
-                <a:rPr lang="pt-BR" sz="1600" b="1" dirty="0">
-                  <a:solidFill>
-                    <a:prstClr val="white"/>
-                  </a:solidFill>
-                </a:rPr>
-                <a:t> </a:t>
-              </a:r>
-              <a:r>
-                <a:rPr lang="pt-BR" sz="1600" b="1" dirty="0" err="1">
-                  <a:solidFill>
-                    <a:prstClr val="white"/>
-                  </a:solidFill>
-                </a:rPr>
-                <a:t>Side</a:t>
-              </a:r>
-              <a:r>
-                <a:rPr lang="pt-BR" sz="1600" b="1" dirty="0">
-                  <a:solidFill>
-                    <a:prstClr val="white"/>
-                  </a:solidFill>
-                </a:rPr>
-                <a:t> Web</a:t>
-              </a:r>
-            </a:p>
-            <a:p>
-              <a:pPr lvl="0" algn="ctr">
-                <a:defRPr/>
-              </a:pPr>
-              <a:r>
-                <a:rPr lang="pt-BR" sz="1400" dirty="0">
-                  <a:solidFill>
-                    <a:prstClr val="white"/>
-                  </a:solidFill>
-                </a:rPr>
-                <a:t>[Container: JS, HTML, CSS]</a:t>
-              </a:r>
-            </a:p>
-          </p:txBody>
-        </p:sp>
-        <p:sp>
-          <p:nvSpPr>
-            <p:cNvPr id="102" name="Retângulo 20">
-              <a:extLst>
-                <a:ext uri="{FF2B5EF4-FFF2-40B4-BE49-F238E27FC236}">
-                  <a16:creationId xmlns:a16="http://schemas.microsoft.com/office/drawing/2014/main" id="{2A77C046-02B1-4788-801E-278007FCC457}"/>
-                </a:ext>
-              </a:extLst>
-            </p:cNvPr>
-            <p:cNvSpPr/>
-            <p:nvPr/>
-          </p:nvSpPr>
-          <p:spPr>
-            <a:xfrm>
-              <a:off x="4593132" y="6169293"/>
-              <a:ext cx="2620063" cy="937560"/>
-            </a:xfrm>
-            <a:prstGeom prst="rect">
-              <a:avLst/>
-            </a:prstGeom>
-          </p:spPr>
-          <p:txBody>
-            <a:bodyPr wrap="square">
-              <a:spAutoFit/>
-            </a:bodyPr>
-            <a:lstStyle/>
-            <a:p>
-              <a:pPr lvl="0" algn="ctr">
-                <a:defRPr/>
-              </a:pPr>
-              <a:r>
-                <a:rPr lang="pt-BR" sz="1300" dirty="0">
-                  <a:solidFill>
-                    <a:prstClr val="white"/>
-                  </a:solidFill>
-                </a:rPr>
-                <a:t>Plataforma para </a:t>
-              </a:r>
-              <a:r>
-                <a:rPr lang="pt-BR" sz="1300" dirty="0" err="1">
-                  <a:solidFill>
-                    <a:prstClr val="white"/>
-                  </a:solidFill>
-                </a:rPr>
-                <a:t>proto-personas</a:t>
-              </a:r>
-              <a:r>
-                <a:rPr lang="pt-BR" sz="1300" dirty="0">
-                  <a:solidFill>
-                    <a:prstClr val="white"/>
-                  </a:solidFill>
-                </a:rPr>
-                <a:t> (adotante e ONG), cadastro e login</a:t>
-              </a:r>
-            </a:p>
-          </p:txBody>
-        </p:sp>
-      </p:grpSp>
-      <p:grpSp>
-        <p:nvGrpSpPr>
-          <p:cNvPr id="26" name="Group 25">
-            <a:extLst>
-              <a:ext uri="{FF2B5EF4-FFF2-40B4-BE49-F238E27FC236}">
-                <a16:creationId xmlns:a16="http://schemas.microsoft.com/office/drawing/2014/main" id="{5A1DD681-3C86-4DFD-8FAA-80B83BE71707}"/>
-              </a:ext>
-            </a:extLst>
-          </p:cNvPr>
-          <p:cNvGrpSpPr/>
-          <p:nvPr/>
-        </p:nvGrpSpPr>
-        <p:grpSpPr>
-          <a:xfrm>
-            <a:off x="230352" y="5076951"/>
-            <a:ext cx="1875601" cy="1584000"/>
-            <a:chOff x="10643667" y="4907952"/>
-            <a:chExt cx="1824413" cy="1584000"/>
-          </a:xfrm>
-        </p:grpSpPr>
-        <p:sp>
-          <p:nvSpPr>
-            <p:cNvPr id="116" name="Retângulo 29">
-              <a:extLst>
-                <a:ext uri="{FF2B5EF4-FFF2-40B4-BE49-F238E27FC236}">
-                  <a16:creationId xmlns:a16="http://schemas.microsoft.com/office/drawing/2014/main" id="{E5249170-0DF0-4F85-BEB7-914ED38B71B7}"/>
-                </a:ext>
-              </a:extLst>
-            </p:cNvPr>
-            <p:cNvSpPr/>
-            <p:nvPr/>
-          </p:nvSpPr>
-          <p:spPr>
-            <a:xfrm>
-              <a:off x="10643668" y="4907952"/>
-              <a:ext cx="1824412" cy="1584000"/>
-            </a:xfrm>
-            <a:prstGeom prst="rect">
-              <a:avLst/>
-            </a:prstGeom>
-            <a:solidFill>
-              <a:schemeClr val="bg1">
-                <a:lumMod val="85000"/>
-              </a:schemeClr>
-            </a:solidFill>
-            <a:ln>
-              <a:solidFill>
-                <a:srgbClr val="253746"/>
-              </a:solidFill>
-              <a:prstDash val="dash"/>
-            </a:ln>
-          </p:spPr>
-          <p:style>
-            <a:lnRef idx="2">
-              <a:schemeClr val="accent1">
-                <a:shade val="50000"/>
-              </a:schemeClr>
-            </a:lnRef>
-            <a:fillRef idx="1">
-              <a:schemeClr val="accent1"/>
-            </a:fillRef>
-            <a:effectRef idx="0">
-              <a:schemeClr val="accent1"/>
-            </a:effectRef>
-            <a:fontRef idx="minor">
-              <a:schemeClr val="lt1"/>
-            </a:fontRef>
-          </p:style>
-          <p:txBody>
-            <a:bodyPr rtlCol="0" anchor="ctr"/>
-            <a:lstStyle/>
-            <a:p>
-              <a:pPr algn="ctr"/>
-              <a:endParaRPr lang="pt-BR" sz="1800" dirty="0">
-                <a:solidFill>
-                  <a:prstClr val="white"/>
-                </a:solidFill>
-                <a:latin typeface="Calibri"/>
-              </a:endParaRPr>
-            </a:p>
-          </p:txBody>
-        </p:sp>
-        <p:sp>
-          <p:nvSpPr>
-            <p:cNvPr id="117" name="Retângulo 20">
-              <a:extLst>
-                <a:ext uri="{FF2B5EF4-FFF2-40B4-BE49-F238E27FC236}">
-                  <a16:creationId xmlns:a16="http://schemas.microsoft.com/office/drawing/2014/main" id="{BCF648C4-4A60-4667-B81C-61C792C1ED0F}"/>
-                </a:ext>
-              </a:extLst>
-            </p:cNvPr>
-            <p:cNvSpPr/>
-            <p:nvPr/>
-          </p:nvSpPr>
-          <p:spPr>
-            <a:xfrm>
-              <a:off x="10643667" y="5016204"/>
-              <a:ext cx="1807347" cy="769441"/>
-            </a:xfrm>
-            <a:prstGeom prst="rect">
-              <a:avLst/>
-            </a:prstGeom>
-          </p:spPr>
-          <p:txBody>
-            <a:bodyPr wrap="square">
-              <a:spAutoFit/>
-            </a:bodyPr>
-            <a:lstStyle/>
-            <a:p>
-              <a:pPr lvl="0" algn="ctr">
-                <a:defRPr/>
-              </a:pPr>
-              <a:r>
-                <a:rPr lang="pt-BR" sz="1500" b="1" dirty="0"/>
-                <a:t>ViaCEP Application</a:t>
-              </a:r>
-            </a:p>
-            <a:p>
-              <a:pPr lvl="0" algn="ctr">
-                <a:defRPr/>
-              </a:pPr>
-              <a:r>
-                <a:rPr lang="pt-BR" sz="1400" dirty="0"/>
-                <a:t>[Container: </a:t>
-              </a:r>
-            </a:p>
-            <a:p>
-              <a:pPr lvl="0" algn="ctr">
-                <a:defRPr/>
-              </a:pPr>
-              <a:r>
-                <a:rPr lang="pt-BR" sz="1400" dirty="0"/>
-                <a:t>API ViaCEP]</a:t>
-              </a:r>
-            </a:p>
-          </p:txBody>
-        </p:sp>
-        <p:sp>
-          <p:nvSpPr>
-            <p:cNvPr id="118" name="Retângulo 20">
-              <a:extLst>
-                <a:ext uri="{FF2B5EF4-FFF2-40B4-BE49-F238E27FC236}">
-                  <a16:creationId xmlns:a16="http://schemas.microsoft.com/office/drawing/2014/main" id="{38D819C9-C641-4CCD-AC6D-4800F51F0A9D}"/>
-                </a:ext>
-              </a:extLst>
-            </p:cNvPr>
-            <p:cNvSpPr/>
-            <p:nvPr/>
-          </p:nvSpPr>
-          <p:spPr>
-            <a:xfrm>
-              <a:off x="10660733" y="5880476"/>
-              <a:ext cx="1807347" cy="492443"/>
-            </a:xfrm>
-            <a:prstGeom prst="rect">
-              <a:avLst/>
-            </a:prstGeom>
-          </p:spPr>
-          <p:txBody>
-            <a:bodyPr wrap="square">
-              <a:spAutoFit/>
-            </a:bodyPr>
-            <a:lstStyle/>
-            <a:p>
-              <a:pPr lvl="0" algn="ctr">
-                <a:defRPr/>
-              </a:pPr>
-              <a:r>
-                <a:rPr lang="pt-BR" sz="1300" dirty="0"/>
-                <a:t>API para consulta de endereço via CEP</a:t>
-              </a:r>
-            </a:p>
-          </p:txBody>
-        </p:sp>
-      </p:grpSp>
-      <p:cxnSp>
-        <p:nvCxnSpPr>
-          <p:cNvPr id="120" name="Conector de Seta Reta 107">
-            <a:extLst>
-              <a:ext uri="{FF2B5EF4-FFF2-40B4-BE49-F238E27FC236}">
-                <a16:creationId xmlns:a16="http://schemas.microsoft.com/office/drawing/2014/main" id="{918EA926-67E7-4D2D-9FF2-763819C51CB0}"/>
-              </a:ext>
-            </a:extLst>
-          </p:cNvPr>
-          <p:cNvCxnSpPr>
-            <a:cxnSpLocks/>
-            <a:stCxn id="104" idx="1"/>
-            <a:endCxn id="116" idx="3"/>
-          </p:cNvCxnSpPr>
-          <p:nvPr/>
-        </p:nvCxnSpPr>
-        <p:spPr>
-          <a:xfrm flipH="1">
-            <a:off x="2105953" y="5856891"/>
-            <a:ext cx="5052765" cy="0"/>
-          </a:xfrm>
-          <a:prstGeom prst="straightConnector1">
-            <a:avLst/>
-          </a:prstGeom>
-          <a:ln w="19050">
-            <a:solidFill>
-              <a:schemeClr val="accent5">
-                <a:lumMod val="75000"/>
-              </a:schemeClr>
-            </a:solidFill>
-            <a:prstDash val="sysDash"/>
-            <a:headEnd type="none" w="lg" len="lg"/>
-            <a:tailEnd type="triangle" w="lg" len="lg"/>
-          </a:ln>
-        </p:spPr>
-        <p:style>
-          <a:lnRef idx="1">
-            <a:schemeClr val="accent1"/>
-          </a:lnRef>
-          <a:fillRef idx="0">
-            <a:schemeClr val="accent1"/>
-          </a:fillRef>
-          <a:effectRef idx="0">
-            <a:schemeClr val="accent1"/>
-          </a:effectRef>
-          <a:fontRef idx="minor">
-            <a:schemeClr val="tx1"/>
-          </a:fontRef>
-        </p:style>
-      </p:cxnSp>
-      <p:cxnSp>
-        <p:nvCxnSpPr>
-          <p:cNvPr id="121" name="Conector de Seta Reta 107">
-            <a:extLst>
-              <a:ext uri="{FF2B5EF4-FFF2-40B4-BE49-F238E27FC236}">
-                <a16:creationId xmlns:a16="http://schemas.microsoft.com/office/drawing/2014/main" id="{85E21764-A5F9-4361-84CB-B3A05DB61715}"/>
-              </a:ext>
-            </a:extLst>
-          </p:cNvPr>
-          <p:cNvCxnSpPr>
-            <a:cxnSpLocks/>
-            <a:stCxn id="107" idx="1"/>
-            <a:endCxn id="70" idx="3"/>
-          </p:cNvCxnSpPr>
-          <p:nvPr/>
-        </p:nvCxnSpPr>
-        <p:spPr>
-          <a:xfrm flipH="1" flipV="1">
-            <a:off x="2091997" y="3564695"/>
-            <a:ext cx="957071" cy="0"/>
-          </a:xfrm>
-          <a:prstGeom prst="straightConnector1">
-            <a:avLst/>
-          </a:prstGeom>
-          <a:ln w="19050">
-            <a:solidFill>
-              <a:schemeClr val="accent5">
-                <a:lumMod val="75000"/>
-              </a:schemeClr>
-            </a:solidFill>
-            <a:prstDash val="sysDash"/>
-            <a:headEnd type="none" w="lg" len="lg"/>
-            <a:tailEnd type="triangle" w="lg" len="lg"/>
-          </a:ln>
-        </p:spPr>
-        <p:style>
-          <a:lnRef idx="1">
-            <a:schemeClr val="accent1"/>
-          </a:lnRef>
-          <a:fillRef idx="0">
-            <a:schemeClr val="accent1"/>
-          </a:fillRef>
-          <a:effectRef idx="0">
-            <a:schemeClr val="accent1"/>
-          </a:effectRef>
-          <a:fontRef idx="minor">
-            <a:schemeClr val="tx1"/>
-          </a:fontRef>
-        </p:style>
-      </p:cxnSp>
-      <p:sp>
-        <p:nvSpPr>
-          <p:cNvPr id="47" name="Retângulo 29">
-            <a:extLst>
-              <a:ext uri="{FF2B5EF4-FFF2-40B4-BE49-F238E27FC236}">
-                <a16:creationId xmlns:a16="http://schemas.microsoft.com/office/drawing/2014/main" id="{0A63E38E-69BA-4826-AA90-25CB1A746F60}"/>
-              </a:ext>
-            </a:extLst>
-          </p:cNvPr>
-          <p:cNvSpPr/>
-          <p:nvPr/>
-        </p:nvSpPr>
-        <p:spPr>
-          <a:xfrm>
-            <a:off x="2839584" y="340974"/>
-            <a:ext cx="10386970" cy="4266224"/>
-          </a:xfrm>
-          <a:prstGeom prst="rect">
-            <a:avLst/>
-          </a:prstGeom>
-          <a:solidFill>
-            <a:srgbClr val="445E93">
-              <a:alpha val="30196"/>
-            </a:srgbClr>
-          </a:solidFill>
-          <a:ln>
-            <a:solidFill>
-              <a:srgbClr val="445E93"/>
-            </a:solidFill>
-            <a:prstDash val="dash"/>
-          </a:ln>
-        </p:spPr>
-        <p:style>
-          <a:lnRef idx="2">
-            <a:schemeClr val="accent1">
-              <a:shade val="50000"/>
-            </a:schemeClr>
-          </a:lnRef>
-          <a:fillRef idx="1">
-            <a:schemeClr val="accent1"/>
-          </a:fillRef>
-          <a:effectRef idx="0">
-            <a:schemeClr val="accent1"/>
-          </a:effectRef>
-          <a:fontRef idx="minor">
-            <a:schemeClr val="lt1"/>
-          </a:fontRef>
-        </p:style>
-        <p:txBody>
-          <a:bodyPr rtlCol="0" anchor="ctr"/>
-          <a:lstStyle/>
-          <a:p>
-            <a:pPr algn="ctr"/>
-            <a:endParaRPr lang="pt-BR" sz="1800">
-              <a:solidFill>
-                <a:prstClr val="white"/>
-              </a:solidFill>
-              <a:latin typeface="Calibri"/>
-            </a:endParaRPr>
-          </a:p>
-        </p:txBody>
-      </p:sp>
-      <p:grpSp>
-        <p:nvGrpSpPr>
-          <p:cNvPr id="15" name="Group 14">
-            <a:extLst>
-              <a:ext uri="{FF2B5EF4-FFF2-40B4-BE49-F238E27FC236}">
-                <a16:creationId xmlns:a16="http://schemas.microsoft.com/office/drawing/2014/main" id="{BA515160-279B-4CBE-A0AF-C4F130221761}"/>
-              </a:ext>
-            </a:extLst>
-          </p:cNvPr>
-          <p:cNvGrpSpPr/>
-          <p:nvPr/>
-        </p:nvGrpSpPr>
-        <p:grpSpPr>
-          <a:xfrm>
-            <a:off x="7153522" y="612279"/>
-            <a:ext cx="1866809" cy="1583957"/>
-            <a:chOff x="3777031" y="343888"/>
-            <a:chExt cx="1866809" cy="1583957"/>
-          </a:xfrm>
-        </p:grpSpPr>
-        <p:sp>
-          <p:nvSpPr>
-            <p:cNvPr id="52" name="Retângulo 17">
-              <a:extLst>
-                <a:ext uri="{FF2B5EF4-FFF2-40B4-BE49-F238E27FC236}">
-                  <a16:creationId xmlns:a16="http://schemas.microsoft.com/office/drawing/2014/main" id="{F0833080-7A53-4BB5-9E8C-E4671AD669B5}"/>
-                </a:ext>
-              </a:extLst>
-            </p:cNvPr>
-            <p:cNvSpPr/>
-            <p:nvPr/>
-          </p:nvSpPr>
-          <p:spPr>
-            <a:xfrm>
-              <a:off x="3777032" y="343888"/>
-              <a:ext cx="1866807" cy="1583957"/>
-            </a:xfrm>
-            <a:prstGeom prst="rect">
-              <a:avLst/>
-            </a:prstGeom>
-            <a:ln/>
-          </p:spPr>
-          <p:style>
-            <a:lnRef idx="2">
-              <a:schemeClr val="accent5">
-                <a:shade val="50000"/>
-              </a:schemeClr>
-            </a:lnRef>
-            <a:fillRef idx="1">
-              <a:schemeClr val="accent5"/>
-            </a:fillRef>
-            <a:effectRef idx="0">
-              <a:schemeClr val="accent5"/>
-            </a:effectRef>
-            <a:fontRef idx="minor">
-              <a:schemeClr val="lt1"/>
-            </a:fontRef>
-          </p:style>
-          <p:txBody>
-            <a:bodyPr rtlCol="0" anchor="ctr"/>
-            <a:lstStyle/>
-            <a:p>
-              <a:pPr algn="ctr"/>
-              <a:endParaRPr lang="pt-BR" sz="1800" dirty="0">
-                <a:solidFill>
-                  <a:prstClr val="white"/>
-                </a:solidFill>
-                <a:latin typeface="Calibri"/>
-              </a:endParaRPr>
-            </a:p>
-          </p:txBody>
-        </p:sp>
-        <p:sp>
-          <p:nvSpPr>
-            <p:cNvPr id="53" name="Retângulo 20">
-              <a:extLst>
-                <a:ext uri="{FF2B5EF4-FFF2-40B4-BE49-F238E27FC236}">
-                  <a16:creationId xmlns:a16="http://schemas.microsoft.com/office/drawing/2014/main" id="{C39C1F8B-21DB-4243-9A74-33406AFE748B}"/>
-                </a:ext>
-              </a:extLst>
-            </p:cNvPr>
-            <p:cNvSpPr/>
-            <p:nvPr/>
-          </p:nvSpPr>
-          <p:spPr>
-            <a:xfrm>
-              <a:off x="3777031" y="408153"/>
-              <a:ext cx="1857340" cy="553998"/>
-            </a:xfrm>
-            <a:prstGeom prst="rect">
-              <a:avLst/>
-            </a:prstGeom>
-          </p:spPr>
-          <p:txBody>
-            <a:bodyPr wrap="square">
-              <a:spAutoFit/>
-            </a:bodyPr>
-            <a:lstStyle/>
-            <a:p>
-              <a:pPr lvl="0" algn="ctr">
-                <a:defRPr/>
-              </a:pPr>
-              <a:r>
-                <a:rPr lang="pt-BR" sz="1600" b="1" dirty="0">
-                  <a:solidFill>
-                    <a:prstClr val="white"/>
-                  </a:solidFill>
-                </a:rPr>
-                <a:t>ORM</a:t>
-              </a:r>
-            </a:p>
-            <a:p>
-              <a:pPr lvl="0" algn="ctr">
-                <a:defRPr/>
-              </a:pPr>
-              <a:r>
-                <a:rPr lang="pt-BR" sz="1400" dirty="0">
-                  <a:solidFill>
-                    <a:prstClr val="white"/>
-                  </a:solidFill>
-                </a:rPr>
-                <a:t>[Component: JPA]</a:t>
-              </a:r>
-            </a:p>
-          </p:txBody>
-        </p:sp>
-        <p:sp>
-          <p:nvSpPr>
-            <p:cNvPr id="54" name="Retângulo 20">
-              <a:extLst>
-                <a:ext uri="{FF2B5EF4-FFF2-40B4-BE49-F238E27FC236}">
-                  <a16:creationId xmlns:a16="http://schemas.microsoft.com/office/drawing/2014/main" id="{6BBACDBC-A223-45DB-AE53-5748C0DE9D21}"/>
-                </a:ext>
-              </a:extLst>
-            </p:cNvPr>
-            <p:cNvSpPr/>
-            <p:nvPr/>
-          </p:nvSpPr>
-          <p:spPr>
-            <a:xfrm>
-              <a:off x="3786500" y="949125"/>
-              <a:ext cx="1857340" cy="892552"/>
-            </a:xfrm>
-            <a:prstGeom prst="rect">
-              <a:avLst/>
-            </a:prstGeom>
-          </p:spPr>
-          <p:txBody>
-            <a:bodyPr wrap="square">
-              <a:spAutoFit/>
-            </a:bodyPr>
-            <a:lstStyle/>
-            <a:p>
-              <a:pPr lvl="0" algn="ctr">
-                <a:defRPr/>
-              </a:pPr>
-              <a:r>
-                <a:rPr lang="pt-BR" sz="1300" dirty="0">
-                  <a:solidFill>
-                    <a:prstClr val="white"/>
-                  </a:solidFill>
-                </a:rPr>
-                <a:t>Componente que gerencia as conexões e transações com o Banco de Dados</a:t>
-              </a:r>
-            </a:p>
-          </p:txBody>
-        </p:sp>
-      </p:grpSp>
-      <p:grpSp>
-        <p:nvGrpSpPr>
-          <p:cNvPr id="16" name="Group 15">
-            <a:extLst>
-              <a:ext uri="{FF2B5EF4-FFF2-40B4-BE49-F238E27FC236}">
-                <a16:creationId xmlns:a16="http://schemas.microsoft.com/office/drawing/2014/main" id="{291DFC32-0C57-4B29-8751-9C61568972A7}"/>
-              </a:ext>
-            </a:extLst>
-          </p:cNvPr>
-          <p:cNvGrpSpPr/>
-          <p:nvPr/>
-        </p:nvGrpSpPr>
-        <p:grpSpPr>
-          <a:xfrm>
-            <a:off x="3049067" y="2796062"/>
-            <a:ext cx="1876275" cy="1583957"/>
-            <a:chOff x="3777031" y="2546698"/>
-            <a:chExt cx="1876275" cy="1583957"/>
-          </a:xfrm>
-        </p:grpSpPr>
-        <p:sp>
-          <p:nvSpPr>
-            <p:cNvPr id="107" name="Retângulo 17">
-              <a:extLst>
-                <a:ext uri="{FF2B5EF4-FFF2-40B4-BE49-F238E27FC236}">
-                  <a16:creationId xmlns:a16="http://schemas.microsoft.com/office/drawing/2014/main" id="{8F8C0881-FC59-4E5A-A142-5088AB6A44FD}"/>
-                </a:ext>
-              </a:extLst>
-            </p:cNvPr>
-            <p:cNvSpPr/>
-            <p:nvPr/>
-          </p:nvSpPr>
-          <p:spPr>
-            <a:xfrm>
-              <a:off x="3777032" y="2546698"/>
-              <a:ext cx="1866807" cy="1583957"/>
-            </a:xfrm>
-            <a:prstGeom prst="rect">
-              <a:avLst/>
-            </a:prstGeom>
-            <a:ln/>
-          </p:spPr>
-          <p:style>
-            <a:lnRef idx="2">
-              <a:schemeClr val="accent5">
-                <a:shade val="50000"/>
-              </a:schemeClr>
-            </a:lnRef>
-            <a:fillRef idx="1">
-              <a:schemeClr val="accent5"/>
-            </a:fillRef>
-            <a:effectRef idx="0">
-              <a:schemeClr val="accent5"/>
-            </a:effectRef>
-            <a:fontRef idx="minor">
-              <a:schemeClr val="lt1"/>
-            </a:fontRef>
-          </p:style>
-          <p:txBody>
-            <a:bodyPr rtlCol="0" anchor="ctr"/>
-            <a:lstStyle/>
-            <a:p>
-              <a:pPr algn="ctr"/>
-              <a:endParaRPr lang="pt-BR" sz="1800" dirty="0">
-                <a:solidFill>
-                  <a:prstClr val="white"/>
-                </a:solidFill>
-                <a:latin typeface="Calibri"/>
-              </a:endParaRPr>
-            </a:p>
-          </p:txBody>
-        </p:sp>
-        <p:sp>
-          <p:nvSpPr>
-            <p:cNvPr id="108" name="Retângulo 20">
-              <a:extLst>
-                <a:ext uri="{FF2B5EF4-FFF2-40B4-BE49-F238E27FC236}">
-                  <a16:creationId xmlns:a16="http://schemas.microsoft.com/office/drawing/2014/main" id="{CEC8EAE6-08D4-4FBD-951B-57D49BDC7FB9}"/>
-                </a:ext>
-              </a:extLst>
-            </p:cNvPr>
-            <p:cNvSpPr/>
-            <p:nvPr/>
-          </p:nvSpPr>
-          <p:spPr>
-            <a:xfrm>
-              <a:off x="3777031" y="2610963"/>
               <a:ext cx="1876275" cy="769441"/>
             </a:xfrm>
             <a:prstGeom prst="rect">
@@ -27957,8 +28448,21 @@
                     <a:prstClr val="white"/>
                   </a:solidFill>
                 </a:rPr>
-                <a:t>Endereco Controller</a:t>
+                <a:t>Ong </a:t>
               </a:r>
+              <a:r>
+                <a:rPr lang="pt-BR" sz="1600" b="1" dirty="0" err="1">
+                  <a:solidFill>
+                    <a:prstClr val="white"/>
+                  </a:solidFill>
+                </a:rPr>
+                <a:t>Controller</a:t>
+              </a:r>
+              <a:endParaRPr lang="pt-BR" sz="1600" b="1" dirty="0">
+                <a:solidFill>
+                  <a:prstClr val="white"/>
+                </a:solidFill>
+              </a:endParaRPr>
             </a:p>
             <a:p>
               <a:pPr lvl="0" algn="ctr">
@@ -27970,17 +28474,65 @@
                     <a:prstClr val="white"/>
                   </a:solidFill>
                 </a:rPr>
-                <a:t>[Component: Spring MVC Rest Controller]</a:t>
+                <a:t>[</a:t>
+              </a:r>
+              <a:r>
+                <a:rPr lang="pt-BR" sz="1400" dirty="0" err="1">
+                  <a:solidFill>
+                    <a:prstClr val="white"/>
+                  </a:solidFill>
+                </a:rPr>
+                <a:t>Component</a:t>
+              </a:r>
+              <a:r>
+                <a:rPr lang="pt-BR" sz="1400" dirty="0">
+                  <a:solidFill>
+                    <a:prstClr val="white"/>
+                  </a:solidFill>
+                </a:rPr>
+                <a:t>: Spring MVC </a:t>
+              </a:r>
+              <a:r>
+                <a:rPr lang="pt-BR" sz="1400" dirty="0" err="1">
+                  <a:solidFill>
+                    <a:prstClr val="white"/>
+                  </a:solidFill>
+                </a:rPr>
+                <a:t>Rest</a:t>
+              </a:r>
+              <a:r>
+                <a:rPr lang="pt-BR" sz="1400" dirty="0">
+                  <a:solidFill>
+                    <a:prstClr val="white"/>
+                  </a:solidFill>
+                </a:rPr>
+                <a:t> </a:t>
+              </a:r>
+              <a:r>
+                <a:rPr lang="pt-BR" sz="1400" dirty="0" err="1">
+                  <a:solidFill>
+                    <a:prstClr val="white"/>
+                  </a:solidFill>
+                </a:rPr>
+                <a:t>Controller</a:t>
+              </a:r>
+              <a:r>
+                <a:rPr lang="pt-BR" sz="1400" dirty="0">
+                  <a:solidFill>
+                    <a:prstClr val="white"/>
+                  </a:solidFill>
+                </a:rPr>
+                <a:t>]</a:t>
               </a:r>
             </a:p>
           </p:txBody>
         </p:sp>
         <p:sp>
           <p:nvSpPr>
-            <p:cNvPr id="111" name="Retângulo 20">
+            <p:cNvPr id="155" name="Retângulo 20">
               <a:extLst>
                 <a:ext uri="{FF2B5EF4-FFF2-40B4-BE49-F238E27FC236}">
-                  <a16:creationId xmlns:a16="http://schemas.microsoft.com/office/drawing/2014/main" id="{BD27A263-D89C-4ADF-80B4-F652605E0368}"/>
+                  <a16:creationId xmlns:a16="http://schemas.microsoft.com/office/drawing/2014/main" id="{03D84B51-0E59-465D-85E9-67286CA4F0DA}"/>
                 </a:ext>
               </a:extLst>
             </p:cNvPr>
@@ -27989,175 +28541,7 @@
           </p:nvSpPr>
           <p:spPr>
             <a:xfrm>
-              <a:off x="3786500" y="3353643"/>
-              <a:ext cx="1834790" cy="692497"/>
-            </a:xfrm>
-            <a:prstGeom prst="rect">
-              <a:avLst/>
-            </a:prstGeom>
-          </p:spPr>
-          <p:txBody>
-            <a:bodyPr wrap="square">
-              <a:spAutoFit/>
-            </a:bodyPr>
-            <a:lstStyle/>
-            <a:p>
-              <a:pPr lvl="0" algn="ctr">
-                <a:defRPr/>
-              </a:pPr>
-              <a:r>
-                <a:rPr lang="pt-BR" sz="1300" dirty="0">
-                  <a:solidFill>
-                    <a:prstClr val="white"/>
-                  </a:solidFill>
-                </a:rPr>
-                <a:t>Resgata latitude e longitude a partir do CEP via API do Google</a:t>
-              </a:r>
-            </a:p>
-          </p:txBody>
-        </p:sp>
-      </p:grpSp>
-      <p:grpSp>
-        <p:nvGrpSpPr>
-          <p:cNvPr id="131" name="Group 130">
-            <a:extLst>
-              <a:ext uri="{FF2B5EF4-FFF2-40B4-BE49-F238E27FC236}">
-                <a16:creationId xmlns:a16="http://schemas.microsoft.com/office/drawing/2014/main" id="{66D62EA0-59C7-4177-8773-6EFE80997487}"/>
-              </a:ext>
-            </a:extLst>
-          </p:cNvPr>
-          <p:cNvGrpSpPr/>
-          <p:nvPr/>
-        </p:nvGrpSpPr>
-        <p:grpSpPr>
-          <a:xfrm>
-            <a:off x="5101295" y="2796062"/>
-            <a:ext cx="1876275" cy="1583957"/>
-            <a:chOff x="3777031" y="2546698"/>
-            <a:chExt cx="1876275" cy="1583957"/>
-          </a:xfrm>
-        </p:grpSpPr>
-        <p:sp>
-          <p:nvSpPr>
-            <p:cNvPr id="132" name="Retângulo 17">
-              <a:extLst>
-                <a:ext uri="{FF2B5EF4-FFF2-40B4-BE49-F238E27FC236}">
-                  <a16:creationId xmlns:a16="http://schemas.microsoft.com/office/drawing/2014/main" id="{87A997FF-1F38-4315-BD74-EBB522B9C1CE}"/>
-                </a:ext>
-              </a:extLst>
-            </p:cNvPr>
-            <p:cNvSpPr/>
-            <p:nvPr/>
-          </p:nvSpPr>
-          <p:spPr>
-            <a:xfrm>
-              <a:off x="3777032" y="2546698"/>
-              <a:ext cx="1866807" cy="1583957"/>
-            </a:xfrm>
-            <a:prstGeom prst="rect">
-              <a:avLst/>
-            </a:prstGeom>
-            <a:ln/>
-          </p:spPr>
-          <p:style>
-            <a:lnRef idx="2">
-              <a:schemeClr val="accent5">
-                <a:shade val="50000"/>
-              </a:schemeClr>
-            </a:lnRef>
-            <a:fillRef idx="1">
-              <a:schemeClr val="accent5"/>
-            </a:fillRef>
-            <a:effectRef idx="0">
-              <a:schemeClr val="accent5"/>
-            </a:effectRef>
-            <a:fontRef idx="minor">
-              <a:schemeClr val="lt1"/>
-            </a:fontRef>
-          </p:style>
-          <p:txBody>
-            <a:bodyPr rtlCol="0" anchor="ctr"/>
-            <a:lstStyle/>
-            <a:p>
-              <a:pPr algn="ctr"/>
-              <a:endParaRPr lang="pt-BR" sz="1800" dirty="0">
-                <a:solidFill>
-                  <a:prstClr val="white"/>
-                </a:solidFill>
-                <a:latin typeface="Calibri"/>
-              </a:endParaRPr>
-            </a:p>
-          </p:txBody>
-        </p:sp>
-        <p:sp>
-          <p:nvSpPr>
-            <p:cNvPr id="133" name="Retângulo 20">
-              <a:extLst>
-                <a:ext uri="{FF2B5EF4-FFF2-40B4-BE49-F238E27FC236}">
-                  <a16:creationId xmlns:a16="http://schemas.microsoft.com/office/drawing/2014/main" id="{DD3151C2-A61B-4DFF-BEAF-685D6DB8F05A}"/>
-                </a:ext>
-              </a:extLst>
-            </p:cNvPr>
-            <p:cNvSpPr/>
-            <p:nvPr/>
-          </p:nvSpPr>
-          <p:spPr>
-            <a:xfrm>
-              <a:off x="3777031" y="2610963"/>
-              <a:ext cx="1876275" cy="769441"/>
-            </a:xfrm>
-            <a:prstGeom prst="rect">
-              <a:avLst/>
-            </a:prstGeom>
-          </p:spPr>
-          <p:txBody>
-            <a:bodyPr wrap="square">
-              <a:spAutoFit/>
-            </a:bodyPr>
-            <a:lstStyle/>
-            <a:p>
-              <a:pPr lvl="0" algn="ctr">
-                <a:defRPr/>
-              </a:pPr>
-              <a:r>
-                <a:rPr lang="pt-BR" sz="1600" b="1" dirty="0">
-                  <a:solidFill>
-                    <a:prstClr val="white"/>
-                  </a:solidFill>
-                </a:rPr>
-                <a:t>Ong Controller</a:t>
-              </a:r>
-            </a:p>
-            <a:p>
-              <a:pPr lvl="0" algn="ctr">
-                <a:defRPr/>
-              </a:pPr>
-              <a:r>
-                <a:rPr lang="pt-BR" sz="1400" dirty="0">
-                  <a:solidFill>
-                    <a:prstClr val="white"/>
-                  </a:solidFill>
-                </a:rPr>
-                <a:t>[Component: Spring MVC Rest Controller]</a:t>
-              </a:r>
-            </a:p>
-          </p:txBody>
-        </p:sp>
-        <p:sp>
-          <p:nvSpPr>
-            <p:cNvPr id="134" name="Retângulo 20">
-              <a:extLst>
-                <a:ext uri="{FF2B5EF4-FFF2-40B4-BE49-F238E27FC236}">
-                  <a16:creationId xmlns:a16="http://schemas.microsoft.com/office/drawing/2014/main" id="{1F6011CD-7BDB-4266-BACA-E4DF341B6F4E}"/>
-                </a:ext>
-              </a:extLst>
-            </p:cNvPr>
-            <p:cNvSpPr/>
-            <p:nvPr/>
-          </p:nvSpPr>
-          <p:spPr>
-            <a:xfrm>
-              <a:off x="3786501" y="3439577"/>
+              <a:off x="3793040" y="3583292"/>
               <a:ext cx="1834790" cy="292388"/>
             </a:xfrm>
             <a:prstGeom prst="rect">
@@ -28180,569 +28564,6 @@
                   </a:solidFill>
                 </a:rPr>
                 <a:t>CRUD das ONGs</a:t>
-              </a:r>
-            </a:p>
-          </p:txBody>
-        </p:sp>
-      </p:grpSp>
-      <p:grpSp>
-        <p:nvGrpSpPr>
-          <p:cNvPr id="143" name="Group 142">
-            <a:extLst>
-              <a:ext uri="{FF2B5EF4-FFF2-40B4-BE49-F238E27FC236}">
-                <a16:creationId xmlns:a16="http://schemas.microsoft.com/office/drawing/2014/main" id="{0BE12075-18B7-4944-AF8C-2789908A77B8}"/>
-              </a:ext>
-            </a:extLst>
-          </p:cNvPr>
-          <p:cNvGrpSpPr/>
-          <p:nvPr/>
-        </p:nvGrpSpPr>
-        <p:grpSpPr>
-          <a:xfrm>
-            <a:off x="9205751" y="2790958"/>
-            <a:ext cx="1876275" cy="1583957"/>
-            <a:chOff x="3777031" y="2546698"/>
-            <a:chExt cx="1876275" cy="1583957"/>
-          </a:xfrm>
-        </p:grpSpPr>
-        <p:sp>
-          <p:nvSpPr>
-            <p:cNvPr id="144" name="Retângulo 17">
-              <a:extLst>
-                <a:ext uri="{FF2B5EF4-FFF2-40B4-BE49-F238E27FC236}">
-                  <a16:creationId xmlns:a16="http://schemas.microsoft.com/office/drawing/2014/main" id="{E87C77A9-1A9B-4AAB-AC33-83C6ABF1F03A}"/>
-                </a:ext>
-              </a:extLst>
-            </p:cNvPr>
-            <p:cNvSpPr/>
-            <p:nvPr/>
-          </p:nvSpPr>
-          <p:spPr>
-            <a:xfrm>
-              <a:off x="3777032" y="2546698"/>
-              <a:ext cx="1866807" cy="1583957"/>
-            </a:xfrm>
-            <a:prstGeom prst="rect">
-              <a:avLst/>
-            </a:prstGeom>
-            <a:ln/>
-          </p:spPr>
-          <p:style>
-            <a:lnRef idx="2">
-              <a:schemeClr val="accent5">
-                <a:shade val="50000"/>
-              </a:schemeClr>
-            </a:lnRef>
-            <a:fillRef idx="1">
-              <a:schemeClr val="accent5"/>
-            </a:fillRef>
-            <a:effectRef idx="0">
-              <a:schemeClr val="accent5"/>
-            </a:effectRef>
-            <a:fontRef idx="minor">
-              <a:schemeClr val="lt1"/>
-            </a:fontRef>
-          </p:style>
-          <p:txBody>
-            <a:bodyPr rtlCol="0" anchor="ctr"/>
-            <a:lstStyle/>
-            <a:p>
-              <a:pPr algn="ctr"/>
-              <a:endParaRPr lang="pt-BR" sz="1800" dirty="0">
-                <a:solidFill>
-                  <a:prstClr val="white"/>
-                </a:solidFill>
-                <a:latin typeface="Calibri"/>
-              </a:endParaRPr>
-            </a:p>
-          </p:txBody>
-        </p:sp>
-        <p:sp>
-          <p:nvSpPr>
-            <p:cNvPr id="145" name="Retângulo 20">
-              <a:extLst>
-                <a:ext uri="{FF2B5EF4-FFF2-40B4-BE49-F238E27FC236}">
-                  <a16:creationId xmlns:a16="http://schemas.microsoft.com/office/drawing/2014/main" id="{F05286B5-0719-4810-A58A-E72E406AF1A9}"/>
-                </a:ext>
-              </a:extLst>
-            </p:cNvPr>
-            <p:cNvSpPr/>
-            <p:nvPr/>
-          </p:nvSpPr>
-          <p:spPr>
-            <a:xfrm>
-              <a:off x="3777031" y="2610963"/>
-              <a:ext cx="1876275" cy="769441"/>
-            </a:xfrm>
-            <a:prstGeom prst="rect">
-              <a:avLst/>
-            </a:prstGeom>
-          </p:spPr>
-          <p:txBody>
-            <a:bodyPr wrap="square">
-              <a:spAutoFit/>
-            </a:bodyPr>
-            <a:lstStyle/>
-            <a:p>
-              <a:pPr lvl="0" algn="ctr">
-                <a:defRPr/>
-              </a:pPr>
-              <a:r>
-                <a:rPr lang="pt-BR" sz="1600" b="1" dirty="0">
-                  <a:solidFill>
-                    <a:prstClr val="white"/>
-                  </a:solidFill>
-                </a:rPr>
-                <a:t>Adotante Controller</a:t>
-              </a:r>
-            </a:p>
-            <a:p>
-              <a:pPr lvl="0" algn="ctr">
-                <a:defRPr/>
-              </a:pPr>
-              <a:r>
-                <a:rPr lang="pt-BR" sz="1400" dirty="0">
-                  <a:solidFill>
-                    <a:prstClr val="white"/>
-                  </a:solidFill>
-                </a:rPr>
-                <a:t>[Component: Spring MVC Rest Controller]</a:t>
-              </a:r>
-            </a:p>
-          </p:txBody>
-        </p:sp>
-        <p:sp>
-          <p:nvSpPr>
-            <p:cNvPr id="146" name="Retângulo 20">
-              <a:extLst>
-                <a:ext uri="{FF2B5EF4-FFF2-40B4-BE49-F238E27FC236}">
-                  <a16:creationId xmlns:a16="http://schemas.microsoft.com/office/drawing/2014/main" id="{D39BAFFF-817C-4E09-8D8F-C99837072509}"/>
-                </a:ext>
-              </a:extLst>
-            </p:cNvPr>
-            <p:cNvSpPr/>
-            <p:nvPr/>
-          </p:nvSpPr>
-          <p:spPr>
-            <a:xfrm>
-              <a:off x="3786501" y="3439577"/>
-              <a:ext cx="1834790" cy="292388"/>
-            </a:xfrm>
-            <a:prstGeom prst="rect">
-              <a:avLst/>
-            </a:prstGeom>
-          </p:spPr>
-          <p:txBody>
-            <a:bodyPr wrap="square">
-              <a:spAutoFit/>
-            </a:bodyPr>
-            <a:lstStyle/>
-            <a:p>
-              <a:pPr lvl="0" algn="ctr">
-                <a:defRPr/>
-              </a:pPr>
-              <a:r>
-                <a:rPr lang="pt-BR" sz="1300" dirty="0">
-                  <a:solidFill>
-                    <a:prstClr val="white"/>
-                  </a:solidFill>
-                </a:rPr>
-                <a:t>CRUD dos adotantes</a:t>
-              </a:r>
-            </a:p>
-          </p:txBody>
-        </p:sp>
-      </p:grpSp>
-      <p:sp>
-        <p:nvSpPr>
-          <p:cNvPr id="147" name="Retângulo 41">
-            <a:extLst>
-              <a:ext uri="{FF2B5EF4-FFF2-40B4-BE49-F238E27FC236}">
-                <a16:creationId xmlns:a16="http://schemas.microsoft.com/office/drawing/2014/main" id="{1A4BF65C-7D82-43F3-8027-3DAF2F6480EF}"/>
-              </a:ext>
-            </a:extLst>
-          </p:cNvPr>
-          <p:cNvSpPr/>
-          <p:nvPr/>
-        </p:nvSpPr>
-        <p:spPr>
-          <a:xfrm>
-            <a:off x="6182553" y="167660"/>
-            <a:ext cx="4123660" cy="352319"/>
-          </a:xfrm>
-          <a:prstGeom prst="rect">
-            <a:avLst/>
-          </a:prstGeom>
-          <a:solidFill>
-            <a:srgbClr val="445E93"/>
-          </a:solidFill>
-          <a:ln>
-            <a:noFill/>
-          </a:ln>
-          <a:effectLst/>
-        </p:spPr>
-        <p:style>
-          <a:lnRef idx="1">
-            <a:schemeClr val="accent3"/>
-          </a:lnRef>
-          <a:fillRef idx="3">
-            <a:schemeClr val="accent3"/>
-          </a:fillRef>
-          <a:effectRef idx="2">
-            <a:schemeClr val="accent3"/>
-          </a:effectRef>
-          <a:fontRef idx="minor">
-            <a:schemeClr val="lt1"/>
-          </a:fontRef>
-        </p:style>
-        <p:txBody>
-          <a:bodyPr rtlCol="0" anchor="ctr"/>
-          <a:lstStyle/>
-          <a:p>
-            <a:pPr algn="ctr"/>
-            <a:r>
-              <a:rPr lang="pt-BR" sz="1800" b="1" dirty="0">
-                <a:solidFill>
-                  <a:schemeClr val="bg1"/>
-                </a:solidFill>
-                <a:latin typeface="Exo 2" panose="00000500000000000000" pitchFamily="50" charset="0"/>
-              </a:rPr>
-              <a:t>MICROSERVICE</a:t>
-            </a:r>
-          </a:p>
-        </p:txBody>
-      </p:sp>
-      <p:grpSp>
-        <p:nvGrpSpPr>
-          <p:cNvPr id="148" name="Group 147">
-            <a:extLst>
-              <a:ext uri="{FF2B5EF4-FFF2-40B4-BE49-F238E27FC236}">
-                <a16:creationId xmlns:a16="http://schemas.microsoft.com/office/drawing/2014/main" id="{3319DC28-0311-4A25-AE51-4D91374F6F9D}"/>
-              </a:ext>
-            </a:extLst>
-          </p:cNvPr>
-          <p:cNvGrpSpPr/>
-          <p:nvPr/>
-        </p:nvGrpSpPr>
-        <p:grpSpPr>
-          <a:xfrm>
-            <a:off x="11257979" y="2796061"/>
-            <a:ext cx="1876275" cy="1583957"/>
-            <a:chOff x="3777031" y="2546698"/>
-            <a:chExt cx="1876275" cy="1583957"/>
-          </a:xfrm>
-        </p:grpSpPr>
-        <p:sp>
-          <p:nvSpPr>
-            <p:cNvPr id="149" name="Retângulo 17">
-              <a:extLst>
-                <a:ext uri="{FF2B5EF4-FFF2-40B4-BE49-F238E27FC236}">
-                  <a16:creationId xmlns:a16="http://schemas.microsoft.com/office/drawing/2014/main" id="{46F3E470-5407-43CD-8928-E74231B91F7F}"/>
-                </a:ext>
-              </a:extLst>
-            </p:cNvPr>
-            <p:cNvSpPr/>
-            <p:nvPr/>
-          </p:nvSpPr>
-          <p:spPr>
-            <a:xfrm>
-              <a:off x="3777032" y="2546698"/>
-              <a:ext cx="1866807" cy="1583957"/>
-            </a:xfrm>
-            <a:prstGeom prst="rect">
-              <a:avLst/>
-            </a:prstGeom>
-            <a:ln/>
-          </p:spPr>
-          <p:style>
-            <a:lnRef idx="2">
-              <a:schemeClr val="accent5">
-                <a:shade val="50000"/>
-              </a:schemeClr>
-            </a:lnRef>
-            <a:fillRef idx="1">
-              <a:schemeClr val="accent5"/>
-            </a:fillRef>
-            <a:effectRef idx="0">
-              <a:schemeClr val="accent5"/>
-            </a:effectRef>
-            <a:fontRef idx="minor">
-              <a:schemeClr val="lt1"/>
-            </a:fontRef>
-          </p:style>
-          <p:txBody>
-            <a:bodyPr rtlCol="0" anchor="ctr"/>
-            <a:lstStyle/>
-            <a:p>
-              <a:pPr algn="ctr"/>
-              <a:endParaRPr lang="pt-BR" sz="1800" dirty="0">
-                <a:solidFill>
-                  <a:prstClr val="white"/>
-                </a:solidFill>
-                <a:latin typeface="Calibri"/>
-              </a:endParaRPr>
-            </a:p>
-          </p:txBody>
-        </p:sp>
-        <p:sp>
-          <p:nvSpPr>
-            <p:cNvPr id="150" name="Retângulo 20">
-              <a:extLst>
-                <a:ext uri="{FF2B5EF4-FFF2-40B4-BE49-F238E27FC236}">
-                  <a16:creationId xmlns:a16="http://schemas.microsoft.com/office/drawing/2014/main" id="{8AB72AAF-F8EA-40B8-A83F-1BA426CB4175}"/>
-                </a:ext>
-              </a:extLst>
-            </p:cNvPr>
-            <p:cNvSpPr/>
-            <p:nvPr/>
-          </p:nvSpPr>
-          <p:spPr>
-            <a:xfrm>
-              <a:off x="3777031" y="2610963"/>
-              <a:ext cx="1876275" cy="769441"/>
-            </a:xfrm>
-            <a:prstGeom prst="rect">
-              <a:avLst/>
-            </a:prstGeom>
-          </p:spPr>
-          <p:txBody>
-            <a:bodyPr wrap="square">
-              <a:spAutoFit/>
-            </a:bodyPr>
-            <a:lstStyle/>
-            <a:p>
-              <a:pPr lvl="0" algn="ctr">
-                <a:defRPr/>
-              </a:pPr>
-              <a:r>
-                <a:rPr lang="pt-BR" sz="1600" b="1" dirty="0">
-                  <a:solidFill>
-                    <a:prstClr val="white"/>
-                  </a:solidFill>
-                </a:rPr>
-                <a:t>Animal Controller</a:t>
-              </a:r>
-            </a:p>
-            <a:p>
-              <a:pPr lvl="0" algn="ctr">
-                <a:defRPr/>
-              </a:pPr>
-              <a:r>
-                <a:rPr lang="pt-BR" sz="1400" dirty="0">
-                  <a:solidFill>
-                    <a:prstClr val="white"/>
-                  </a:solidFill>
-                </a:rPr>
-                <a:t>[Component: Spring MVC Rest Controller]</a:t>
-              </a:r>
-            </a:p>
-          </p:txBody>
-        </p:sp>
-        <p:sp>
-          <p:nvSpPr>
-            <p:cNvPr id="151" name="Retângulo 20">
-              <a:extLst>
-                <a:ext uri="{FF2B5EF4-FFF2-40B4-BE49-F238E27FC236}">
-                  <a16:creationId xmlns:a16="http://schemas.microsoft.com/office/drawing/2014/main" id="{6AB73B9F-C958-4E60-A84E-A6E6833FC4B8}"/>
-                </a:ext>
-              </a:extLst>
-            </p:cNvPr>
-            <p:cNvSpPr/>
-            <p:nvPr/>
-          </p:nvSpPr>
-          <p:spPr>
-            <a:xfrm>
-              <a:off x="3786501" y="3439577"/>
-              <a:ext cx="1834790" cy="292388"/>
-            </a:xfrm>
-            <a:prstGeom prst="rect">
-              <a:avLst/>
-            </a:prstGeom>
-          </p:spPr>
-          <p:txBody>
-            <a:bodyPr wrap="square">
-              <a:spAutoFit/>
-            </a:bodyPr>
-            <a:lstStyle/>
-            <a:p>
-              <a:pPr lvl="0" algn="ctr">
-                <a:defRPr/>
-              </a:pPr>
-              <a:r>
-                <a:rPr lang="pt-BR" sz="1300" dirty="0">
-                  <a:solidFill>
-                    <a:prstClr val="white"/>
-                  </a:solidFill>
-                </a:rPr>
-                <a:t>CRUD dos animais</a:t>
-              </a:r>
-            </a:p>
-          </p:txBody>
-        </p:sp>
-      </p:grpSp>
-      <p:grpSp>
-        <p:nvGrpSpPr>
-          <p:cNvPr id="152" name="Group 151">
-            <a:extLst>
-              <a:ext uri="{FF2B5EF4-FFF2-40B4-BE49-F238E27FC236}">
-                <a16:creationId xmlns:a16="http://schemas.microsoft.com/office/drawing/2014/main" id="{25675A40-4951-4982-96C1-23BD20B97D16}"/>
-              </a:ext>
-            </a:extLst>
-          </p:cNvPr>
-          <p:cNvGrpSpPr/>
-          <p:nvPr/>
-        </p:nvGrpSpPr>
-        <p:grpSpPr>
-          <a:xfrm>
-            <a:off x="7153523" y="2796060"/>
-            <a:ext cx="1876275" cy="1583957"/>
-            <a:chOff x="3777031" y="2546698"/>
-            <a:chExt cx="1876275" cy="1583957"/>
-          </a:xfrm>
-        </p:grpSpPr>
-        <p:sp>
-          <p:nvSpPr>
-            <p:cNvPr id="153" name="Retângulo 17">
-              <a:extLst>
-                <a:ext uri="{FF2B5EF4-FFF2-40B4-BE49-F238E27FC236}">
-                  <a16:creationId xmlns:a16="http://schemas.microsoft.com/office/drawing/2014/main" id="{736D63E8-81C9-474B-9316-0AF197992D93}"/>
-                </a:ext>
-              </a:extLst>
-            </p:cNvPr>
-            <p:cNvSpPr/>
-            <p:nvPr/>
-          </p:nvSpPr>
-          <p:spPr>
-            <a:xfrm>
-              <a:off x="3777032" y="2546698"/>
-              <a:ext cx="1866807" cy="1583957"/>
-            </a:xfrm>
-            <a:prstGeom prst="rect">
-              <a:avLst/>
-            </a:prstGeom>
-            <a:ln/>
-          </p:spPr>
-          <p:style>
-            <a:lnRef idx="2">
-              <a:schemeClr val="accent5">
-                <a:shade val="50000"/>
-              </a:schemeClr>
-            </a:lnRef>
-            <a:fillRef idx="1">
-              <a:schemeClr val="accent5"/>
-            </a:fillRef>
-            <a:effectRef idx="0">
-              <a:schemeClr val="accent5"/>
-            </a:effectRef>
-            <a:fontRef idx="minor">
-              <a:schemeClr val="lt1"/>
-            </a:fontRef>
-          </p:style>
-          <p:txBody>
-            <a:bodyPr rtlCol="0" anchor="ctr"/>
-            <a:lstStyle/>
-            <a:p>
-              <a:pPr algn="ctr"/>
-              <a:endParaRPr lang="pt-BR" sz="1800" dirty="0">
-                <a:solidFill>
-                  <a:prstClr val="white"/>
-                </a:solidFill>
-                <a:latin typeface="Calibri"/>
-              </a:endParaRPr>
-            </a:p>
-          </p:txBody>
-        </p:sp>
-        <p:sp>
-          <p:nvSpPr>
-            <p:cNvPr id="154" name="Retângulo 20">
-              <a:extLst>
-                <a:ext uri="{FF2B5EF4-FFF2-40B4-BE49-F238E27FC236}">
-                  <a16:creationId xmlns:a16="http://schemas.microsoft.com/office/drawing/2014/main" id="{83FAF479-0AEC-4F5B-9B5B-1CD08A1B7C7F}"/>
-                </a:ext>
-              </a:extLst>
-            </p:cNvPr>
-            <p:cNvSpPr/>
-            <p:nvPr/>
-          </p:nvSpPr>
-          <p:spPr>
-            <a:xfrm>
-              <a:off x="3777031" y="2610963"/>
-              <a:ext cx="1876275" cy="1015663"/>
-            </a:xfrm>
-            <a:prstGeom prst="rect">
-              <a:avLst/>
-            </a:prstGeom>
-          </p:spPr>
-          <p:txBody>
-            <a:bodyPr wrap="square">
-              <a:spAutoFit/>
-            </a:bodyPr>
-            <a:lstStyle/>
-            <a:p>
-              <a:pPr lvl="0" algn="ctr">
-                <a:defRPr/>
-              </a:pPr>
-              <a:r>
-                <a:rPr lang="pt-BR" sz="1600" b="1" dirty="0">
-                  <a:solidFill>
-                    <a:prstClr val="white"/>
-                  </a:solidFill>
-                </a:rPr>
-                <a:t>ProcessoAdocao Controller</a:t>
-              </a:r>
-            </a:p>
-            <a:p>
-              <a:pPr lvl="0" algn="ctr">
-                <a:defRPr/>
-              </a:pPr>
-              <a:r>
-                <a:rPr lang="pt-BR" sz="1400" dirty="0">
-                  <a:solidFill>
-                    <a:prstClr val="white"/>
-                  </a:solidFill>
-                </a:rPr>
-                <a:t>[Component: Spring MVC Rest Controller]</a:t>
-              </a:r>
-            </a:p>
-          </p:txBody>
-        </p:sp>
-        <p:sp>
-          <p:nvSpPr>
-            <p:cNvPr id="155" name="Retângulo 20">
-              <a:extLst>
-                <a:ext uri="{FF2B5EF4-FFF2-40B4-BE49-F238E27FC236}">
-                  <a16:creationId xmlns:a16="http://schemas.microsoft.com/office/drawing/2014/main" id="{03D84B51-0E59-465D-85E9-67286CA4F0DA}"/>
-                </a:ext>
-              </a:extLst>
-            </p:cNvPr>
-            <p:cNvSpPr/>
-            <p:nvPr/>
-          </p:nvSpPr>
-          <p:spPr>
-            <a:xfrm>
-              <a:off x="3793040" y="3583292"/>
-              <a:ext cx="1834790" cy="492443"/>
-            </a:xfrm>
-            <a:prstGeom prst="rect">
-              <a:avLst/>
-            </a:prstGeom>
-          </p:spPr>
-          <p:txBody>
-            <a:bodyPr wrap="square">
-              <a:spAutoFit/>
-            </a:bodyPr>
-            <a:lstStyle/>
-            <a:p>
-              <a:pPr lvl="0" algn="ctr">
-                <a:defRPr/>
-              </a:pPr>
-              <a:r>
-                <a:rPr lang="pt-BR" sz="1300" dirty="0">
-                  <a:solidFill>
-                    <a:prstClr val="white"/>
-                  </a:solidFill>
-                </a:rPr>
-                <a:t>Gerenciamento de adoções </a:t>
               </a:r>
             </a:p>
           </p:txBody>
@@ -28959,15 +28780,15 @@
           </p:cNvPr>
           <p:cNvCxnSpPr>
             <a:cxnSpLocks/>
-            <a:stCxn id="107" idx="0"/>
-            <a:endCxn id="52" idx="2"/>
+            <a:stCxn id="70" idx="0"/>
+            <a:endCxn id="144" idx="2"/>
           </p:cNvCxnSpPr>
           <p:nvPr/>
         </p:nvCxnSpPr>
         <p:spPr>
           <a:xfrm flipV="1">
-            <a:off x="3982472" y="2196236"/>
-            <a:ext cx="4104455" cy="599826"/>
+            <a:off x="10113321" y="4374915"/>
+            <a:ext cx="0" cy="714010"/>
           </a:xfrm>
           <a:prstGeom prst="straightConnector1">
             <a:avLst/>
@@ -29018,6 +28839,56 @@
           <a:xfrm flipV="1">
             <a:off x="6034700" y="2196236"/>
             <a:ext cx="2052227" cy="599826"/>
+          </a:xfrm>
+          <a:prstGeom prst="straightConnector1">
+            <a:avLst/>
+          </a:prstGeom>
+          <a:ln w="19050">
+            <a:solidFill>
+              <a:schemeClr val="accent5">
+                <a:lumMod val="75000"/>
+              </a:schemeClr>
+            </a:solidFill>
+            <a:prstDash val="sysDash"/>
+            <a:headEnd type="none" w="lg" len="lg"/>
+            <a:tailEnd type="triangle" w="lg" len="lg"/>
+          </a:ln>
+        </p:spPr>
+        <p:style>
+          <a:lnRef idx="1">
+            <a:schemeClr val="accent1"/>
+          </a:lnRef>
+          <a:fillRef idx="0">
+            <a:schemeClr val="accent1"/>
+          </a:fillRef>
+          <a:effectRef idx="0">
+            <a:schemeClr val="accent1"/>
+          </a:effectRef>
+          <a:fontRef idx="minor">
+            <a:schemeClr val="tx1"/>
+          </a:fontRef>
+        </p:style>
+      </p:cxnSp>
+      <p:cxnSp>
+        <p:nvCxnSpPr>
+          <p:cNvPr id="80" name="Conector de Seta Reta 107">
+            <a:extLst>
+              <a:ext uri="{FF2B5EF4-FFF2-40B4-BE49-F238E27FC236}">
+                <a16:creationId xmlns:a16="http://schemas.microsoft.com/office/drawing/2014/main" id="{2FA11E5D-29D1-4F58-AB47-FA02AEE14004}"/>
+              </a:ext>
+            </a:extLst>
+          </p:cNvPr>
+          <p:cNvCxnSpPr>
+            <a:cxnSpLocks/>
+            <a:stCxn id="70" idx="0"/>
+            <a:endCxn id="153" idx="2"/>
+          </p:cNvCxnSpPr>
+          <p:nvPr/>
+        </p:nvCxnSpPr>
+        <p:spPr>
+          <a:xfrm flipH="1" flipV="1">
+            <a:off x="8086928" y="4380017"/>
+            <a:ext cx="2026393" cy="708908"/>
           </a:xfrm>
           <a:prstGeom prst="straightConnector1">
             <a:avLst/>
@@ -30477,21 +30348,6 @@
 </file>
 
 <file path=customXml/item1.xml><?xml version="1.0" encoding="utf-8"?>
-<p:properties xmlns:p="http://schemas.microsoft.com/office/2006/metadata/properties" xmlns:xsi="http://www.w3.org/2001/XMLSchema-instance" xmlns:pc="http://schemas.microsoft.com/office/infopath/2007/PartnerControls">
-  <documentManagement/>
-</p:properties>
-</file>
-
-<file path=customXml/item2.xml><?xml version="1.0" encoding="utf-8"?>
-<?mso-contentType ?>
-<FormTemplates xmlns="http://schemas.microsoft.com/sharepoint/v3/contenttype/forms">
-  <Display>DocumentLibraryForm</Display>
-  <Edit>DocumentLibraryForm</Edit>
-  <New>DocumentLibraryForm</New>
-</FormTemplates>
-</file>
-
-<file path=customXml/item3.xml><?xml version="1.0" encoding="utf-8"?>
 <ct:contentTypeSchema xmlns:ct="http://schemas.microsoft.com/office/2006/metadata/contentType" xmlns:ma="http://schemas.microsoft.com/office/2006/metadata/properties/metaAttributes" ct:_="" ma:_="" ma:contentTypeName="Document" ma:contentTypeID="0x0101001132905C37EA9847A7207C4BBCCCD8F4" ma:contentTypeVersion="13" ma:contentTypeDescription="Create a new document." ma:contentTypeScope="" ma:versionID="0fa59793b99d27e1e0b856ab72ac2f0d">
   <xsd:schema xmlns:xsd="http://www.w3.org/2001/XMLSchema" xmlns:xs="http://www.w3.org/2001/XMLSchema" xmlns:p="http://schemas.microsoft.com/office/2006/metadata/properties" xmlns:ns3="4327b14a-fe89-488e-9f6d-9658cacf372b" xmlns:ns4="bbcd8c33-6940-4d4c-a587-bbc736ca1e4d" targetNamespace="http://schemas.microsoft.com/office/2006/metadata/properties" ma:root="true" ma:fieldsID="01494effa1b4414faf4d9851fe547c93" ns3:_="" ns4:_="">
     <xsd:import namespace="4327b14a-fe89-488e-9f6d-9658cacf372b"/>
@@ -30714,32 +30570,22 @@
 </ct:contentTypeSchema>
 </file>
 
-<file path=customXml/itemProps1.xml><?xml version="1.0" encoding="utf-8"?>
-<ds:datastoreItem xmlns:ds="http://schemas.openxmlformats.org/officeDocument/2006/customXml" ds:itemID="{30D3F7B2-E865-49C4-B6C4-1C3489F322E5}">
-  <ds:schemaRefs>
-    <ds:schemaRef ds:uri="http://purl.org/dc/elements/1.1/"/>
-    <ds:schemaRef ds:uri="http://purl.org/dc/terms/"/>
-    <ds:schemaRef ds:uri="http://schemas.microsoft.com/office/2006/documentManagement/types"/>
-    <ds:schemaRef ds:uri="http://www.w3.org/XML/1998/namespace"/>
-    <ds:schemaRef ds:uri="http://schemas.openxmlformats.org/package/2006/metadata/core-properties"/>
-    <ds:schemaRef ds:uri="http://schemas.microsoft.com/office/2006/metadata/properties"/>
-    <ds:schemaRef ds:uri="http://purl.org/dc/dcmitype/"/>
-    <ds:schemaRef ds:uri="http://schemas.microsoft.com/office/infopath/2007/PartnerControls"/>
-    <ds:schemaRef ds:uri="bbcd8c33-6940-4d4c-a587-bbc736ca1e4d"/>
-    <ds:schemaRef ds:uri="4327b14a-fe89-488e-9f6d-9658cacf372b"/>
-  </ds:schemaRefs>
-</ds:datastoreItem>
+<file path=customXml/item2.xml><?xml version="1.0" encoding="utf-8"?>
+<?mso-contentType ?>
+<FormTemplates xmlns="http://schemas.microsoft.com/sharepoint/v3/contenttype/forms">
+  <Display>DocumentLibraryForm</Display>
+  <Edit>DocumentLibraryForm</Edit>
+  <New>DocumentLibraryForm</New>
+</FormTemplates>
 </file>
 
-<file path=customXml/itemProps2.xml><?xml version="1.0" encoding="utf-8"?>
-<ds:datastoreItem xmlns:ds="http://schemas.openxmlformats.org/officeDocument/2006/customXml" ds:itemID="{B2402960-8EF3-4234-B7C9-25E125FD4CA5}">
-  <ds:schemaRefs>
-    <ds:schemaRef ds:uri="http://schemas.microsoft.com/sharepoint/v3/contenttype/forms"/>
-  </ds:schemaRefs>
-</ds:datastoreItem>
+<file path=customXml/item3.xml><?xml version="1.0" encoding="utf-8"?>
+<p:properties xmlns:p="http://schemas.microsoft.com/office/2006/metadata/properties" xmlns:xsi="http://www.w3.org/2001/XMLSchema-instance" xmlns:pc="http://schemas.microsoft.com/office/infopath/2007/PartnerControls">
+  <documentManagement/>
+</p:properties>
 </file>
 
-<file path=customXml/itemProps3.xml><?xml version="1.0" encoding="utf-8"?>
+<file path=customXml/itemProps1.xml><?xml version="1.0" encoding="utf-8"?>
 <ds:datastoreItem xmlns:ds="http://schemas.openxmlformats.org/officeDocument/2006/customXml" ds:itemID="{5B58B9C8-0155-43AB-B381-4C0241D252D3}">
   <ds:schemaRefs>
     <ds:schemaRef ds:uri="http://schemas.microsoft.com/office/2006/metadata/contentType"/>
@@ -30756,4 +30602,29 @@
     <ds:schemaRef ds:uri="http://schemas.microsoft.com/internal/obd"/>
   </ds:schemaRefs>
 </ds:datastoreItem>
+</file>
+
+<file path=customXml/itemProps2.xml><?xml version="1.0" encoding="utf-8"?>
+<ds:datastoreItem xmlns:ds="http://schemas.openxmlformats.org/officeDocument/2006/customXml" ds:itemID="{B2402960-8EF3-4234-B7C9-25E125FD4CA5}">
+  <ds:schemaRefs>
+    <ds:schemaRef ds:uri="http://schemas.microsoft.com/sharepoint/v3/contenttype/forms"/>
+  </ds:schemaRefs>
+</ds:datastoreItem>
+</file>
+
+<file path=customXml/itemProps3.xml><?xml version="1.0" encoding="utf-8"?>
+<ds:datastoreItem xmlns:ds="http://schemas.openxmlformats.org/officeDocument/2006/customXml" ds:itemID="{30D3F7B2-E865-49C4-B6C4-1C3489F322E5}">
+  <ds:schemaRefs>
+    <ds:schemaRef ds:uri="http://purl.org/dc/elements/1.1/"/>
+    <ds:schemaRef ds:uri="http://purl.org/dc/terms/"/>
+    <ds:schemaRef ds:uri="http://schemas.microsoft.com/office/2006/documentManagement/types"/>
+    <ds:schemaRef ds:uri="http://www.w3.org/XML/1998/namespace"/>
+    <ds:schemaRef ds:uri="http://schemas.openxmlformats.org/package/2006/metadata/core-properties"/>
+    <ds:schemaRef ds:uri="http://schemas.microsoft.com/office/2006/metadata/properties"/>
+    <ds:schemaRef ds:uri="http://purl.org/dc/dcmitype/"/>
+    <ds:schemaRef ds:uri="http://schemas.microsoft.com/office/infopath/2007/PartnerControls"/>
+    <ds:schemaRef ds:uri="bbcd8c33-6940-4d4c-a587-bbc736ca1e4d"/>
+    <ds:schemaRef ds:uri="4327b14a-fe89-488e-9f6d-9658cacf372b"/>
+  </ds:schemaRefs>
+</ds:datastoreItem>
 </file>
--- a/Documentos/Arquitetura/Arquitetura_MiauDote.pptx
+++ b/Documentos/Arquitetura/Arquitetura_MiauDote.pptx
@@ -220,7 +220,7 @@
             <a:fld id="{C3CD65D1-5C11-455D-9F9A-0E035F00A0DA}" type="datetimeFigureOut">
               <a:rPr lang="pt-BR" smtClean="0"/>
               <a:pPr/>
-              <a:t>08/11/2021</a:t>
+              <a:t>21/11/2021</a:t>
             </a:fld>
             <a:endParaRPr lang="pt-BR" dirty="0"/>
           </a:p>
@@ -287,7 +287,7 @@
             <a:fld id="{CA8E3B7C-E4AE-4E9E-8479-7C668141D483}" type="slidenum">
               <a:rPr lang="pt-BR" smtClean="0"/>
               <a:pPr/>
-              <a:t>‹nº›</a:t>
+              <a:t>‹#›</a:t>
             </a:fld>
             <a:endParaRPr lang="pt-BR" dirty="0"/>
           </a:p>
@@ -388,7 +388,7 @@
             <a:fld id="{A05DA3EF-18EA-43DE-B1BB-402A3C558822}" type="datetimeFigureOut">
               <a:rPr lang="pt-BR" smtClean="0"/>
               <a:pPr/>
-              <a:t>08/11/2021</a:t>
+              <a:t>21/11/2021</a:t>
             </a:fld>
             <a:endParaRPr lang="pt-BR" dirty="0"/>
           </a:p>
@@ -549,7 +549,7 @@
             <a:fld id="{75B3645A-D0AE-4F6E-A17E-E0036A9041AF}" type="slidenum">
               <a:rPr lang="pt-BR" smtClean="0"/>
               <a:pPr/>
-              <a:t>‹nº›</a:t>
+              <a:t>‹#›</a:t>
             </a:fld>
             <a:endParaRPr lang="pt-BR" dirty="0"/>
           </a:p>
@@ -14912,7 +14912,7 @@
         </p:blipFill>
         <p:spPr>
           <a:xfrm>
-            <a:off x="4558973" y="2990549"/>
+            <a:off x="4529824" y="2150314"/>
             <a:ext cx="4325004" cy="1611614"/>
           </a:xfrm>
           <a:prstGeom prst="rect">
@@ -20915,6 +20915,131 @@
           <a:chExt cx="0" cy="0"/>
         </a:xfrm>
       </p:grpSpPr>
+      <p:sp>
+        <p:nvSpPr>
+          <p:cNvPr id="2" name="TextBox 1">
+            <a:extLst>
+              <a:ext uri="{FF2B5EF4-FFF2-40B4-BE49-F238E27FC236}">
+                <a16:creationId xmlns:a16="http://schemas.microsoft.com/office/drawing/2014/main" id="{335CE846-D759-4107-8F2E-F093C7688D6A}"/>
+              </a:ext>
+            </a:extLst>
+          </p:cNvPr>
+          <p:cNvSpPr txBox="1"/>
+          <p:nvPr/>
+        </p:nvSpPr>
+        <p:spPr>
+          <a:xfrm>
+            <a:off x="4499387" y="3924647"/>
+            <a:ext cx="4032448" cy="415498"/>
+          </a:xfrm>
+          <a:prstGeom prst="rect">
+            <a:avLst/>
+          </a:prstGeom>
+          <a:noFill/>
+        </p:spPr>
+        <p:txBody>
+          <a:bodyPr wrap="square" rtlCol="0">
+            <a:spAutoFit/>
+          </a:bodyPr>
+          <a:lstStyle/>
+          <a:p>
+            <a:r>
+              <a:rPr lang="en-US" dirty="0"/>
+              <a:t>Grupo 6 - </a:t>
+            </a:r>
+            <a:r>
+              <a:rPr lang="en-US" dirty="0" err="1"/>
+              <a:t>MiAuDote</a:t>
+            </a:r>
+            <a:endParaRPr lang="en-US" dirty="0"/>
+          </a:p>
+        </p:txBody>
+      </p:sp>
+      <p:sp>
+        <p:nvSpPr>
+          <p:cNvPr id="3" name="TextBox 2">
+            <a:extLst>
+              <a:ext uri="{FF2B5EF4-FFF2-40B4-BE49-F238E27FC236}">
+                <a16:creationId xmlns:a16="http://schemas.microsoft.com/office/drawing/2014/main" id="{4517A953-1540-4E0E-993D-74B177EF300C}"/>
+              </a:ext>
+            </a:extLst>
+          </p:cNvPr>
+          <p:cNvSpPr txBox="1"/>
+          <p:nvPr/>
+        </p:nvSpPr>
+        <p:spPr>
+          <a:xfrm>
+            <a:off x="4499387" y="4340145"/>
+            <a:ext cx="4670360" cy="584775"/>
+          </a:xfrm>
+          <a:prstGeom prst="rect">
+            <a:avLst/>
+          </a:prstGeom>
+          <a:noFill/>
+        </p:spPr>
+        <p:txBody>
+          <a:bodyPr wrap="square" rtlCol="0">
+            <a:spAutoFit/>
+          </a:bodyPr>
+          <a:lstStyle/>
+          <a:p>
+            <a:r>
+              <a:rPr lang="en-US" sz="1600" dirty="0"/>
+              <a:t>Bruno Pinheiro | Isabella Pires | Luan </a:t>
+            </a:r>
+            <a:r>
+              <a:rPr lang="en-US" sz="1600" dirty="0" err="1"/>
+              <a:t>Collyns</a:t>
+            </a:r>
+            <a:endParaRPr lang="en-US" sz="1600" dirty="0"/>
+          </a:p>
+          <a:p>
+            <a:r>
+              <a:rPr lang="en-US" sz="1600" dirty="0"/>
+              <a:t>Matheus Pinheiro | Priscila Choi | Victor Pederzini</a:t>
+            </a:r>
+          </a:p>
+        </p:txBody>
+      </p:sp>
+      <p:pic>
+        <p:nvPicPr>
+          <p:cNvPr id="5" name="Graphic 4">
+            <a:extLst>
+              <a:ext uri="{FF2B5EF4-FFF2-40B4-BE49-F238E27FC236}">
+                <a16:creationId xmlns:a16="http://schemas.microsoft.com/office/drawing/2014/main" id="{70A1DA04-0CD7-416E-944C-439B2284B48F}"/>
+              </a:ext>
+            </a:extLst>
+          </p:cNvPr>
+          <p:cNvPicPr>
+            <a:picLocks noChangeAspect="1"/>
+          </p:cNvPicPr>
+          <p:nvPr/>
+        </p:nvPicPr>
+        <p:blipFill>
+          <a:blip r:embed="rId2">
+            <a:extLst>
+              <a:ext uri="{28A0092B-C50C-407E-A947-70E740481C1C}">
+                <a14:useLocalDpi xmlns:a14="http://schemas.microsoft.com/office/drawing/2010/main" val="0"/>
+              </a:ext>
+              <a:ext uri="{96DAC541-7B7A-43D3-8B79-37D633B846F1}">
+                <asvg:svgBlip xmlns:asvg="http://schemas.microsoft.com/office/drawing/2016/SVG/main" r:embed="rId3"/>
+              </a:ext>
+            </a:extLst>
+          </a:blip>
+          <a:stretch>
+            <a:fillRect/>
+          </a:stretch>
+        </p:blipFill>
+        <p:spPr>
+          <a:xfrm>
+            <a:off x="11446484" y="7015875"/>
+            <a:ext cx="1676158" cy="448082"/>
+          </a:xfrm>
+          <a:prstGeom prst="rect">
+            <a:avLst/>
+          </a:prstGeom>
+        </p:spPr>
+      </p:pic>
     </p:spTree>
   </p:cSld>
   <p:clrMapOvr>
@@ -23047,3121 +23172,6 @@
       </p:grpSp>
       <p:grpSp>
         <p:nvGrpSpPr>
-          <p:cNvPr id="12" name="Group 11">
-            <a:extLst>
-              <a:ext uri="{FF2B5EF4-FFF2-40B4-BE49-F238E27FC236}">
-                <a16:creationId xmlns:a16="http://schemas.microsoft.com/office/drawing/2014/main" id="{21C054C1-FE63-4013-A346-1CA1D1F79710}"/>
-              </a:ext>
-            </a:extLst>
-          </p:cNvPr>
-          <p:cNvGrpSpPr/>
-          <p:nvPr/>
-        </p:nvGrpSpPr>
-        <p:grpSpPr>
-          <a:xfrm>
-            <a:off x="11247044" y="5076951"/>
-            <a:ext cx="1875600" cy="1584000"/>
-            <a:chOff x="7486803" y="4907952"/>
-            <a:chExt cx="2620066" cy="2144551"/>
-          </a:xfrm>
-        </p:grpSpPr>
-        <p:grpSp>
-          <p:nvGrpSpPr>
-            <p:cNvPr id="76" name="Group 75">
-              <a:extLst>
-                <a:ext uri="{FF2B5EF4-FFF2-40B4-BE49-F238E27FC236}">
-                  <a16:creationId xmlns:a16="http://schemas.microsoft.com/office/drawing/2014/main" id="{6E75E514-261D-4C65-874F-12C6C5CFE6CE}"/>
-                </a:ext>
-              </a:extLst>
-            </p:cNvPr>
-            <p:cNvGrpSpPr/>
-            <p:nvPr/>
-          </p:nvGrpSpPr>
-          <p:grpSpPr>
-            <a:xfrm>
-              <a:off x="7486806" y="4907952"/>
-              <a:ext cx="2620063" cy="2144551"/>
-              <a:chOff x="8392958" y="3891083"/>
-              <a:chExt cx="3276202" cy="2212133"/>
-            </a:xfrm>
-          </p:grpSpPr>
-          <p:sp>
-            <p:nvSpPr>
-              <p:cNvPr id="81" name="Retângulo 6">
-                <a:extLst>
-                  <a:ext uri="{FF2B5EF4-FFF2-40B4-BE49-F238E27FC236}">
-                    <a16:creationId xmlns:a16="http://schemas.microsoft.com/office/drawing/2014/main" id="{3FCB07C2-F840-43DB-837E-F714D0BF42AB}"/>
-                  </a:ext>
-                </a:extLst>
-              </p:cNvPr>
-              <p:cNvSpPr/>
-              <p:nvPr/>
-            </p:nvSpPr>
-            <p:spPr>
-              <a:xfrm>
-                <a:off x="8392958" y="3891083"/>
-                <a:ext cx="3276202" cy="2212133"/>
-              </a:xfrm>
-              <a:prstGeom prst="rect">
-                <a:avLst/>
-              </a:prstGeom>
-              <a:solidFill>
-                <a:srgbClr val="32B9CD"/>
-              </a:solidFill>
-              <a:ln>
-                <a:solidFill>
-                  <a:schemeClr val="accent5">
-                    <a:lumMod val="75000"/>
-                  </a:schemeClr>
-                </a:solidFill>
-              </a:ln>
-            </p:spPr>
-            <p:style>
-              <a:lnRef idx="2">
-                <a:schemeClr val="accent1">
-                  <a:shade val="50000"/>
-                </a:schemeClr>
-              </a:lnRef>
-              <a:fillRef idx="1">
-                <a:schemeClr val="accent1"/>
-              </a:fillRef>
-              <a:effectRef idx="0">
-                <a:schemeClr val="accent1"/>
-              </a:effectRef>
-              <a:fontRef idx="minor">
-                <a:schemeClr val="lt1"/>
-              </a:fontRef>
-            </p:style>
-            <p:txBody>
-              <a:bodyPr rtlCol="0" anchor="ctr"/>
-              <a:lstStyle/>
-              <a:p>
-                <a:pPr algn="ctr"/>
-                <a:endParaRPr lang="pt-BR" dirty="0">
-                  <a:solidFill>
-                    <a:prstClr val="white"/>
-                  </a:solidFill>
-                  <a:latin typeface="Calibri"/>
-                </a:endParaRPr>
-              </a:p>
-            </p:txBody>
-          </p:sp>
-          <p:sp>
-            <p:nvSpPr>
-              <p:cNvPr id="87" name="Retângulo 6">
-                <a:extLst>
-                  <a:ext uri="{FF2B5EF4-FFF2-40B4-BE49-F238E27FC236}">
-                    <a16:creationId xmlns:a16="http://schemas.microsoft.com/office/drawing/2014/main" id="{B946B93B-E733-42C6-89C0-B32C227D291B}"/>
-                  </a:ext>
-                </a:extLst>
-              </p:cNvPr>
-              <p:cNvSpPr/>
-              <p:nvPr/>
-            </p:nvSpPr>
-            <p:spPr>
-              <a:xfrm>
-                <a:off x="8464949" y="3959113"/>
-                <a:ext cx="2577005" cy="226901"/>
-              </a:xfrm>
-              <a:prstGeom prst="rect">
-                <a:avLst/>
-              </a:prstGeom>
-              <a:noFill/>
-              <a:ln>
-                <a:solidFill>
-                  <a:schemeClr val="accent5">
-                    <a:lumMod val="75000"/>
-                  </a:schemeClr>
-                </a:solidFill>
-              </a:ln>
-            </p:spPr>
-            <p:style>
-              <a:lnRef idx="2">
-                <a:schemeClr val="accent1">
-                  <a:shade val="50000"/>
-                </a:schemeClr>
-              </a:lnRef>
-              <a:fillRef idx="1">
-                <a:schemeClr val="accent1"/>
-              </a:fillRef>
-              <a:effectRef idx="0">
-                <a:schemeClr val="accent1"/>
-              </a:effectRef>
-              <a:fontRef idx="minor">
-                <a:schemeClr val="lt1"/>
-              </a:fontRef>
-            </p:style>
-            <p:txBody>
-              <a:bodyPr rtlCol="0" anchor="ctr"/>
-              <a:lstStyle/>
-              <a:p>
-                <a:pPr algn="ctr"/>
-                <a:endParaRPr lang="pt-BR" dirty="0">
-                  <a:solidFill>
-                    <a:prstClr val="white"/>
-                  </a:solidFill>
-                  <a:latin typeface="Calibri"/>
-                </a:endParaRPr>
-              </a:p>
-            </p:txBody>
-          </p:sp>
-          <p:sp>
-            <p:nvSpPr>
-              <p:cNvPr id="88" name="Multiply 18">
-                <a:extLst>
-                  <a:ext uri="{FF2B5EF4-FFF2-40B4-BE49-F238E27FC236}">
-                    <a16:creationId xmlns:a16="http://schemas.microsoft.com/office/drawing/2014/main" id="{8F79FD67-13B1-457E-BBD3-AF7F03BE999B}"/>
-                  </a:ext>
-                </a:extLst>
-              </p:cNvPr>
-              <p:cNvSpPr/>
-              <p:nvPr/>
-            </p:nvSpPr>
-            <p:spPr>
-              <a:xfrm>
-                <a:off x="11309204" y="3924647"/>
-                <a:ext cx="288032" cy="295831"/>
-              </a:xfrm>
-              <a:prstGeom prst="mathMultiply">
-                <a:avLst/>
-              </a:prstGeom>
-              <a:noFill/>
-              <a:ln>
-                <a:solidFill>
-                  <a:schemeClr val="accent5">
-                    <a:lumMod val="75000"/>
-                  </a:schemeClr>
-                </a:solidFill>
-              </a:ln>
-            </p:spPr>
-            <p:style>
-              <a:lnRef idx="2">
-                <a:schemeClr val="accent1">
-                  <a:shade val="50000"/>
-                </a:schemeClr>
-              </a:lnRef>
-              <a:fillRef idx="1">
-                <a:schemeClr val="accent1"/>
-              </a:fillRef>
-              <a:effectRef idx="0">
-                <a:schemeClr val="accent1"/>
-              </a:effectRef>
-              <a:fontRef idx="minor">
-                <a:schemeClr val="lt1"/>
-              </a:fontRef>
-            </p:style>
-            <p:txBody>
-              <a:bodyPr rtlCol="0" anchor="ctr"/>
-              <a:lstStyle/>
-              <a:p>
-                <a:pPr algn="ctr"/>
-                <a:endParaRPr lang="pt-BR" dirty="0"/>
-              </a:p>
-            </p:txBody>
-          </p:sp>
-          <p:sp>
-            <p:nvSpPr>
-              <p:cNvPr id="89" name="Circular Arrow 19">
-                <a:extLst>
-                  <a:ext uri="{FF2B5EF4-FFF2-40B4-BE49-F238E27FC236}">
-                    <a16:creationId xmlns:a16="http://schemas.microsoft.com/office/drawing/2014/main" id="{C2635B30-5259-429D-A42A-A06D748AE99C}"/>
-                  </a:ext>
-                </a:extLst>
-              </p:cNvPr>
-              <p:cNvSpPr/>
-              <p:nvPr/>
-            </p:nvSpPr>
-            <p:spPr>
-              <a:xfrm rot="16500000">
-                <a:off x="11158829" y="3927941"/>
-                <a:ext cx="216000" cy="288000"/>
-              </a:xfrm>
-              <a:prstGeom prst="circularArrow">
-                <a:avLst/>
-              </a:prstGeom>
-              <a:noFill/>
-              <a:ln>
-                <a:solidFill>
-                  <a:schemeClr val="accent5">
-                    <a:lumMod val="75000"/>
-                  </a:schemeClr>
-                </a:solidFill>
-              </a:ln>
-            </p:spPr>
-            <p:style>
-              <a:lnRef idx="2">
-                <a:schemeClr val="accent1">
-                  <a:shade val="50000"/>
-                </a:schemeClr>
-              </a:lnRef>
-              <a:fillRef idx="1">
-                <a:schemeClr val="accent1"/>
-              </a:fillRef>
-              <a:effectRef idx="0">
-                <a:schemeClr val="accent1"/>
-              </a:effectRef>
-              <a:fontRef idx="minor">
-                <a:schemeClr val="lt1"/>
-              </a:fontRef>
-            </p:style>
-            <p:txBody>
-              <a:bodyPr rtlCol="0" anchor="ctr"/>
-              <a:lstStyle/>
-              <a:p>
-                <a:pPr algn="ctr"/>
-                <a:endParaRPr lang="pt-BR" dirty="0">
-                  <a:solidFill>
-                    <a:schemeClr val="tx1"/>
-                  </a:solidFill>
-                </a:endParaRPr>
-              </a:p>
-            </p:txBody>
-          </p:sp>
-        </p:grpSp>
-        <p:sp>
-          <p:nvSpPr>
-            <p:cNvPr id="77" name="Retângulo 20">
-              <a:extLst>
-                <a:ext uri="{FF2B5EF4-FFF2-40B4-BE49-F238E27FC236}">
-                  <a16:creationId xmlns:a16="http://schemas.microsoft.com/office/drawing/2014/main" id="{05F3A07C-92FF-4E57-9580-2FB03C87EFAF}"/>
-                </a:ext>
-              </a:extLst>
-            </p:cNvPr>
-            <p:cNvSpPr/>
-            <p:nvPr/>
-          </p:nvSpPr>
-          <p:spPr>
-            <a:xfrm>
-              <a:off x="7486803" y="5271066"/>
-              <a:ext cx="2620063" cy="750049"/>
-            </a:xfrm>
-            <a:prstGeom prst="rect">
-              <a:avLst/>
-            </a:prstGeom>
-          </p:spPr>
-          <p:txBody>
-            <a:bodyPr wrap="square">
-              <a:spAutoFit/>
-            </a:bodyPr>
-            <a:lstStyle/>
-            <a:p>
-              <a:pPr lvl="0" algn="ctr">
-                <a:defRPr/>
-              </a:pPr>
-              <a:r>
-                <a:rPr lang="pt-BR" sz="1600" b="1" dirty="0" err="1">
-                  <a:solidFill>
-                    <a:prstClr val="white"/>
-                  </a:solidFill>
-                </a:rPr>
-                <a:t>Client</a:t>
-              </a:r>
-              <a:r>
-                <a:rPr lang="pt-BR" sz="1600" b="1" dirty="0">
-                  <a:solidFill>
-                    <a:prstClr val="white"/>
-                  </a:solidFill>
-                </a:rPr>
-                <a:t> </a:t>
-              </a:r>
-              <a:r>
-                <a:rPr lang="pt-BR" sz="1600" b="1" dirty="0" err="1">
-                  <a:solidFill>
-                    <a:prstClr val="white"/>
-                  </a:solidFill>
-                </a:rPr>
-                <a:t>Side</a:t>
-              </a:r>
-              <a:r>
-                <a:rPr lang="pt-BR" sz="1600" b="1" dirty="0">
-                  <a:solidFill>
-                    <a:prstClr val="white"/>
-                  </a:solidFill>
-                </a:rPr>
-                <a:t> Web</a:t>
-              </a:r>
-            </a:p>
-            <a:p>
-              <a:pPr lvl="0" algn="ctr">
-                <a:defRPr/>
-              </a:pPr>
-              <a:r>
-                <a:rPr lang="pt-BR" sz="1400" dirty="0">
-                  <a:solidFill>
-                    <a:prstClr val="white"/>
-                  </a:solidFill>
-                </a:rPr>
-                <a:t>[Container: </a:t>
-              </a:r>
-              <a:r>
-                <a:rPr lang="pt-BR" sz="1400" dirty="0" err="1">
-                  <a:solidFill>
-                    <a:prstClr val="white"/>
-                  </a:solidFill>
-                </a:rPr>
-                <a:t>React</a:t>
-              </a:r>
-              <a:r>
-                <a:rPr lang="pt-BR" sz="1400" dirty="0">
-                  <a:solidFill>
-                    <a:prstClr val="white"/>
-                  </a:solidFill>
-                </a:rPr>
-                <a:t>]</a:t>
-              </a:r>
-            </a:p>
-          </p:txBody>
-        </p:sp>
-        <p:sp>
-          <p:nvSpPr>
-            <p:cNvPr id="79" name="Retângulo 20">
-              <a:extLst>
-                <a:ext uri="{FF2B5EF4-FFF2-40B4-BE49-F238E27FC236}">
-                  <a16:creationId xmlns:a16="http://schemas.microsoft.com/office/drawing/2014/main" id="{6B51B3AF-165E-4439-8725-9B6773505A10}"/>
-                </a:ext>
-              </a:extLst>
-            </p:cNvPr>
-            <p:cNvSpPr/>
-            <p:nvPr/>
-          </p:nvSpPr>
-          <p:spPr>
-            <a:xfrm>
-              <a:off x="7486803" y="6147599"/>
-              <a:ext cx="2620063" cy="666710"/>
-            </a:xfrm>
-            <a:prstGeom prst="rect">
-              <a:avLst/>
-            </a:prstGeom>
-          </p:spPr>
-          <p:txBody>
-            <a:bodyPr wrap="square">
-              <a:spAutoFit/>
-            </a:bodyPr>
-            <a:lstStyle/>
-            <a:p>
-              <a:pPr lvl="0" algn="ctr">
-                <a:defRPr/>
-              </a:pPr>
-              <a:r>
-                <a:rPr lang="pt-BR" sz="1300" dirty="0">
-                  <a:solidFill>
-                    <a:prstClr val="white"/>
-                  </a:solidFill>
-                </a:rPr>
-                <a:t>Home institucional e Tela de Artigos</a:t>
-              </a:r>
-            </a:p>
-          </p:txBody>
-        </p:sp>
-      </p:grpSp>
-      <p:cxnSp>
-        <p:nvCxnSpPr>
-          <p:cNvPr id="90" name="Conector de Seta Reta 107">
-            <a:extLst>
-              <a:ext uri="{FF2B5EF4-FFF2-40B4-BE49-F238E27FC236}">
-                <a16:creationId xmlns:a16="http://schemas.microsoft.com/office/drawing/2014/main" id="{7987BB83-595B-41EE-B049-6CF2F2A5EBFE}"/>
-              </a:ext>
-            </a:extLst>
-          </p:cNvPr>
-          <p:cNvCxnSpPr>
-            <a:cxnSpLocks/>
-            <a:stCxn id="52" idx="1"/>
-            <a:endCxn id="59" idx="4"/>
-          </p:cNvCxnSpPr>
-          <p:nvPr/>
-        </p:nvCxnSpPr>
-        <p:spPr>
-          <a:xfrm flipH="1" flipV="1">
-            <a:off x="2147706" y="1352125"/>
-            <a:ext cx="5005817" cy="0"/>
-          </a:xfrm>
-          <a:prstGeom prst="straightConnector1">
-            <a:avLst/>
-          </a:prstGeom>
-          <a:ln w="19050">
-            <a:solidFill>
-              <a:schemeClr val="accent5">
-                <a:lumMod val="75000"/>
-              </a:schemeClr>
-            </a:solidFill>
-            <a:prstDash val="sysDash"/>
-            <a:headEnd type="none" w="lg" len="lg"/>
-            <a:tailEnd type="triangle" w="lg" len="lg"/>
-          </a:ln>
-        </p:spPr>
-        <p:style>
-          <a:lnRef idx="1">
-            <a:schemeClr val="accent1"/>
-          </a:lnRef>
-          <a:fillRef idx="0">
-            <a:schemeClr val="accent1"/>
-          </a:fillRef>
-          <a:effectRef idx="0">
-            <a:schemeClr val="accent1"/>
-          </a:effectRef>
-          <a:fontRef idx="minor">
-            <a:schemeClr val="tx1"/>
-          </a:fontRef>
-        </p:style>
-      </p:cxnSp>
-      <p:cxnSp>
-        <p:nvCxnSpPr>
-          <p:cNvPr id="95" name="Conector de Seta Reta 107">
-            <a:extLst>
-              <a:ext uri="{FF2B5EF4-FFF2-40B4-BE49-F238E27FC236}">
-                <a16:creationId xmlns:a16="http://schemas.microsoft.com/office/drawing/2014/main" id="{1CB85DBD-8E58-41F8-A7B7-E0C54906459D}"/>
-              </a:ext>
-            </a:extLst>
-          </p:cNvPr>
-          <p:cNvCxnSpPr>
-            <a:cxnSpLocks/>
-            <a:stCxn id="81" idx="0"/>
-            <a:endCxn id="149" idx="2"/>
-          </p:cNvCxnSpPr>
-          <p:nvPr/>
-        </p:nvCxnSpPr>
-        <p:spPr>
-          <a:xfrm flipV="1">
-            <a:off x="12184845" y="4380018"/>
-            <a:ext cx="0" cy="696933"/>
-          </a:xfrm>
-          <a:prstGeom prst="straightConnector1">
-            <a:avLst/>
-          </a:prstGeom>
-          <a:ln w="19050">
-            <a:solidFill>
-              <a:schemeClr val="accent5">
-                <a:lumMod val="75000"/>
-              </a:schemeClr>
-            </a:solidFill>
-            <a:prstDash val="sysDash"/>
-            <a:headEnd type="none" w="lg" len="lg"/>
-            <a:tailEnd type="triangle" w="lg" len="lg"/>
-          </a:ln>
-        </p:spPr>
-        <p:style>
-          <a:lnRef idx="1">
-            <a:schemeClr val="accent1"/>
-          </a:lnRef>
-          <a:fillRef idx="0">
-            <a:schemeClr val="accent1"/>
-          </a:fillRef>
-          <a:effectRef idx="0">
-            <a:schemeClr val="accent1"/>
-          </a:effectRef>
-          <a:fontRef idx="minor">
-            <a:schemeClr val="tx1"/>
-          </a:fontRef>
-        </p:style>
-      </p:cxnSp>
-      <p:grpSp>
-        <p:nvGrpSpPr>
-          <p:cNvPr id="11" name="Group 10">
-            <a:extLst>
-              <a:ext uri="{FF2B5EF4-FFF2-40B4-BE49-F238E27FC236}">
-                <a16:creationId xmlns:a16="http://schemas.microsoft.com/office/drawing/2014/main" id="{3B8AD8F7-5E71-4D38-A2BF-CB858EF03109}"/>
-              </a:ext>
-            </a:extLst>
-          </p:cNvPr>
-          <p:cNvGrpSpPr/>
-          <p:nvPr/>
-        </p:nvGrpSpPr>
-        <p:grpSpPr>
-          <a:xfrm>
-            <a:off x="7158717" y="5064891"/>
-            <a:ext cx="1875600" cy="1608120"/>
-            <a:chOff x="4593132" y="4929646"/>
-            <a:chExt cx="2620064" cy="2177207"/>
-          </a:xfrm>
-        </p:grpSpPr>
-        <p:grpSp>
-          <p:nvGrpSpPr>
-            <p:cNvPr id="97" name="Group 96">
-              <a:extLst>
-                <a:ext uri="{FF2B5EF4-FFF2-40B4-BE49-F238E27FC236}">
-                  <a16:creationId xmlns:a16="http://schemas.microsoft.com/office/drawing/2014/main" id="{8A7B7EF5-F0AA-4383-9C07-CD4973B440FF}"/>
-                </a:ext>
-              </a:extLst>
-            </p:cNvPr>
-            <p:cNvGrpSpPr/>
-            <p:nvPr/>
-          </p:nvGrpSpPr>
-          <p:grpSpPr>
-            <a:xfrm>
-              <a:off x="4593133" y="4929646"/>
-              <a:ext cx="2620063" cy="2144551"/>
-              <a:chOff x="8392958" y="3891083"/>
-              <a:chExt cx="3276202" cy="2212133"/>
-            </a:xfrm>
-          </p:grpSpPr>
-          <p:sp>
-            <p:nvSpPr>
-              <p:cNvPr id="104" name="Retângulo 6">
-                <a:extLst>
-                  <a:ext uri="{FF2B5EF4-FFF2-40B4-BE49-F238E27FC236}">
-                    <a16:creationId xmlns:a16="http://schemas.microsoft.com/office/drawing/2014/main" id="{B9E2CB4F-D5F3-4D26-A3C4-31BA36A53487}"/>
-                  </a:ext>
-                </a:extLst>
-              </p:cNvPr>
-              <p:cNvSpPr/>
-              <p:nvPr/>
-            </p:nvSpPr>
-            <p:spPr>
-              <a:xfrm>
-                <a:off x="8392958" y="3891083"/>
-                <a:ext cx="3276202" cy="2212133"/>
-              </a:xfrm>
-              <a:prstGeom prst="rect">
-                <a:avLst/>
-              </a:prstGeom>
-              <a:solidFill>
-                <a:srgbClr val="32B9CD"/>
-              </a:solidFill>
-              <a:ln>
-                <a:solidFill>
-                  <a:schemeClr val="accent5">
-                    <a:lumMod val="75000"/>
-                  </a:schemeClr>
-                </a:solidFill>
-              </a:ln>
-            </p:spPr>
-            <p:style>
-              <a:lnRef idx="2">
-                <a:schemeClr val="accent1">
-                  <a:shade val="50000"/>
-                </a:schemeClr>
-              </a:lnRef>
-              <a:fillRef idx="1">
-                <a:schemeClr val="accent1"/>
-              </a:fillRef>
-              <a:effectRef idx="0">
-                <a:schemeClr val="accent1"/>
-              </a:effectRef>
-              <a:fontRef idx="minor">
-                <a:schemeClr val="lt1"/>
-              </a:fontRef>
-            </p:style>
-            <p:txBody>
-              <a:bodyPr rtlCol="0" anchor="ctr"/>
-              <a:lstStyle/>
-              <a:p>
-                <a:pPr algn="ctr"/>
-                <a:endParaRPr lang="pt-BR" dirty="0">
-                  <a:solidFill>
-                    <a:prstClr val="white"/>
-                  </a:solidFill>
-                  <a:latin typeface="Calibri"/>
-                </a:endParaRPr>
-              </a:p>
-            </p:txBody>
-          </p:sp>
-          <p:sp>
-            <p:nvSpPr>
-              <p:cNvPr id="106" name="Retângulo 6">
-                <a:extLst>
-                  <a:ext uri="{FF2B5EF4-FFF2-40B4-BE49-F238E27FC236}">
-                    <a16:creationId xmlns:a16="http://schemas.microsoft.com/office/drawing/2014/main" id="{EA444193-79E6-4677-81AC-915C479C46DA}"/>
-                  </a:ext>
-                </a:extLst>
-              </p:cNvPr>
-              <p:cNvSpPr/>
-              <p:nvPr/>
-            </p:nvSpPr>
-            <p:spPr>
-              <a:xfrm>
-                <a:off x="8464949" y="3959113"/>
-                <a:ext cx="2577005" cy="226901"/>
-              </a:xfrm>
-              <a:prstGeom prst="rect">
-                <a:avLst/>
-              </a:prstGeom>
-              <a:noFill/>
-              <a:ln>
-                <a:solidFill>
-                  <a:schemeClr val="accent5">
-                    <a:lumMod val="75000"/>
-                  </a:schemeClr>
-                </a:solidFill>
-              </a:ln>
-            </p:spPr>
-            <p:style>
-              <a:lnRef idx="2">
-                <a:schemeClr val="accent1">
-                  <a:shade val="50000"/>
-                </a:schemeClr>
-              </a:lnRef>
-              <a:fillRef idx="1">
-                <a:schemeClr val="accent1"/>
-              </a:fillRef>
-              <a:effectRef idx="0">
-                <a:schemeClr val="accent1"/>
-              </a:effectRef>
-              <a:fontRef idx="minor">
-                <a:schemeClr val="lt1"/>
-              </a:fontRef>
-            </p:style>
-            <p:txBody>
-              <a:bodyPr rtlCol="0" anchor="ctr"/>
-              <a:lstStyle/>
-              <a:p>
-                <a:pPr algn="ctr"/>
-                <a:endParaRPr lang="pt-BR" dirty="0">
-                  <a:solidFill>
-                    <a:prstClr val="white"/>
-                  </a:solidFill>
-                  <a:latin typeface="Calibri"/>
-                </a:endParaRPr>
-              </a:p>
-            </p:txBody>
-          </p:sp>
-          <p:sp>
-            <p:nvSpPr>
-              <p:cNvPr id="109" name="Multiply 18">
-                <a:extLst>
-                  <a:ext uri="{FF2B5EF4-FFF2-40B4-BE49-F238E27FC236}">
-                    <a16:creationId xmlns:a16="http://schemas.microsoft.com/office/drawing/2014/main" id="{98D608EF-2AB8-49F3-8043-F70F113132F6}"/>
-                  </a:ext>
-                </a:extLst>
-              </p:cNvPr>
-              <p:cNvSpPr/>
-              <p:nvPr/>
-            </p:nvSpPr>
-            <p:spPr>
-              <a:xfrm>
-                <a:off x="11309204" y="3924647"/>
-                <a:ext cx="288032" cy="295831"/>
-              </a:xfrm>
-              <a:prstGeom prst="mathMultiply">
-                <a:avLst/>
-              </a:prstGeom>
-              <a:noFill/>
-              <a:ln>
-                <a:solidFill>
-                  <a:schemeClr val="accent5">
-                    <a:lumMod val="75000"/>
-                  </a:schemeClr>
-                </a:solidFill>
-              </a:ln>
-            </p:spPr>
-            <p:style>
-              <a:lnRef idx="2">
-                <a:schemeClr val="accent1">
-                  <a:shade val="50000"/>
-                </a:schemeClr>
-              </a:lnRef>
-              <a:fillRef idx="1">
-                <a:schemeClr val="accent1"/>
-              </a:fillRef>
-              <a:effectRef idx="0">
-                <a:schemeClr val="accent1"/>
-              </a:effectRef>
-              <a:fontRef idx="minor">
-                <a:schemeClr val="lt1"/>
-              </a:fontRef>
-            </p:style>
-            <p:txBody>
-              <a:bodyPr rtlCol="0" anchor="ctr"/>
-              <a:lstStyle/>
-              <a:p>
-                <a:pPr algn="ctr"/>
-                <a:endParaRPr lang="pt-BR" dirty="0"/>
-              </a:p>
-            </p:txBody>
-          </p:sp>
-          <p:sp>
-            <p:nvSpPr>
-              <p:cNvPr id="110" name="Circular Arrow 19">
-                <a:extLst>
-                  <a:ext uri="{FF2B5EF4-FFF2-40B4-BE49-F238E27FC236}">
-                    <a16:creationId xmlns:a16="http://schemas.microsoft.com/office/drawing/2014/main" id="{91C115C9-0450-4B5E-A42E-9820DCB77AD2}"/>
-                  </a:ext>
-                </a:extLst>
-              </p:cNvPr>
-              <p:cNvSpPr/>
-              <p:nvPr/>
-            </p:nvSpPr>
-            <p:spPr>
-              <a:xfrm rot="16500000">
-                <a:off x="11158829" y="3927941"/>
-                <a:ext cx="216000" cy="288000"/>
-              </a:xfrm>
-              <a:prstGeom prst="circularArrow">
-                <a:avLst/>
-              </a:prstGeom>
-              <a:noFill/>
-              <a:ln>
-                <a:solidFill>
-                  <a:schemeClr val="accent5">
-                    <a:lumMod val="75000"/>
-                  </a:schemeClr>
-                </a:solidFill>
-              </a:ln>
-            </p:spPr>
-            <p:style>
-              <a:lnRef idx="2">
-                <a:schemeClr val="accent1">
-                  <a:shade val="50000"/>
-                </a:schemeClr>
-              </a:lnRef>
-              <a:fillRef idx="1">
-                <a:schemeClr val="accent1"/>
-              </a:fillRef>
-              <a:effectRef idx="0">
-                <a:schemeClr val="accent1"/>
-              </a:effectRef>
-              <a:fontRef idx="minor">
-                <a:schemeClr val="lt1"/>
-              </a:fontRef>
-            </p:style>
-            <p:txBody>
-              <a:bodyPr rtlCol="0" anchor="ctr"/>
-              <a:lstStyle/>
-              <a:p>
-                <a:pPr algn="ctr"/>
-                <a:endParaRPr lang="pt-BR" dirty="0">
-                  <a:solidFill>
-                    <a:schemeClr val="tx1"/>
-                  </a:solidFill>
-                </a:endParaRPr>
-              </a:p>
-            </p:txBody>
-          </p:sp>
-        </p:grpSp>
-        <p:sp>
-          <p:nvSpPr>
-            <p:cNvPr id="98" name="Retângulo 20">
-              <a:extLst>
-                <a:ext uri="{FF2B5EF4-FFF2-40B4-BE49-F238E27FC236}">
-                  <a16:creationId xmlns:a16="http://schemas.microsoft.com/office/drawing/2014/main" id="{9367D8B0-D165-4A9C-B042-E4DCC56427B4}"/>
-                </a:ext>
-              </a:extLst>
-            </p:cNvPr>
-            <p:cNvSpPr/>
-            <p:nvPr/>
-          </p:nvSpPr>
-          <p:spPr>
-            <a:xfrm>
-              <a:off x="4593132" y="5292760"/>
-              <a:ext cx="2620063" cy="1041733"/>
-            </a:xfrm>
-            <a:prstGeom prst="rect">
-              <a:avLst/>
-            </a:prstGeom>
-          </p:spPr>
-          <p:txBody>
-            <a:bodyPr wrap="square">
-              <a:spAutoFit/>
-            </a:bodyPr>
-            <a:lstStyle/>
-            <a:p>
-              <a:pPr lvl="0" algn="ctr">
-                <a:defRPr/>
-              </a:pPr>
-              <a:r>
-                <a:rPr lang="pt-BR" sz="1600" b="1" dirty="0" err="1">
-                  <a:solidFill>
-                    <a:prstClr val="white"/>
-                  </a:solidFill>
-                </a:rPr>
-                <a:t>Client</a:t>
-              </a:r>
-              <a:r>
-                <a:rPr lang="pt-BR" sz="1600" b="1" dirty="0">
-                  <a:solidFill>
-                    <a:prstClr val="white"/>
-                  </a:solidFill>
-                </a:rPr>
-                <a:t> </a:t>
-              </a:r>
-              <a:r>
-                <a:rPr lang="pt-BR" sz="1600" b="1" dirty="0" err="1">
-                  <a:solidFill>
-                    <a:prstClr val="white"/>
-                  </a:solidFill>
-                </a:rPr>
-                <a:t>Side</a:t>
-              </a:r>
-              <a:r>
-                <a:rPr lang="pt-BR" sz="1600" b="1" dirty="0">
-                  <a:solidFill>
-                    <a:prstClr val="white"/>
-                  </a:solidFill>
-                </a:rPr>
-                <a:t> Web</a:t>
-              </a:r>
-            </a:p>
-            <a:p>
-              <a:pPr lvl="0" algn="ctr">
-                <a:defRPr/>
-              </a:pPr>
-              <a:r>
-                <a:rPr lang="pt-BR" sz="1400" dirty="0">
-                  <a:solidFill>
-                    <a:prstClr val="white"/>
-                  </a:solidFill>
-                </a:rPr>
-                <a:t>[Container: JS, HTML, CSS]</a:t>
-              </a:r>
-            </a:p>
-          </p:txBody>
-        </p:sp>
-        <p:sp>
-          <p:nvSpPr>
-            <p:cNvPr id="102" name="Retângulo 20">
-              <a:extLst>
-                <a:ext uri="{FF2B5EF4-FFF2-40B4-BE49-F238E27FC236}">
-                  <a16:creationId xmlns:a16="http://schemas.microsoft.com/office/drawing/2014/main" id="{2A77C046-02B1-4788-801E-278007FCC457}"/>
-                </a:ext>
-              </a:extLst>
-            </p:cNvPr>
-            <p:cNvSpPr/>
-            <p:nvPr/>
-          </p:nvSpPr>
-          <p:spPr>
-            <a:xfrm>
-              <a:off x="4593132" y="6169293"/>
-              <a:ext cx="2620063" cy="937560"/>
-            </a:xfrm>
-            <a:prstGeom prst="rect">
-              <a:avLst/>
-            </a:prstGeom>
-          </p:spPr>
-          <p:txBody>
-            <a:bodyPr wrap="square">
-              <a:spAutoFit/>
-            </a:bodyPr>
-            <a:lstStyle/>
-            <a:p>
-              <a:pPr lvl="0" algn="ctr">
-                <a:defRPr/>
-              </a:pPr>
-              <a:r>
-                <a:rPr lang="pt-BR" sz="1300" dirty="0">
-                  <a:solidFill>
-                    <a:prstClr val="white"/>
-                  </a:solidFill>
-                </a:rPr>
-                <a:t>Plataforma para </a:t>
-              </a:r>
-              <a:r>
-                <a:rPr lang="pt-BR" sz="1300" dirty="0" err="1">
-                  <a:solidFill>
-                    <a:prstClr val="white"/>
-                  </a:solidFill>
-                </a:rPr>
-                <a:t>proto-personas</a:t>
-              </a:r>
-              <a:r>
-                <a:rPr lang="pt-BR" sz="1300" dirty="0">
-                  <a:solidFill>
-                    <a:prstClr val="white"/>
-                  </a:solidFill>
-                </a:rPr>
-                <a:t> (adotante e ONG), cadastro e login</a:t>
-              </a:r>
-            </a:p>
-          </p:txBody>
-        </p:sp>
-      </p:grpSp>
-      <p:grpSp>
-        <p:nvGrpSpPr>
-          <p:cNvPr id="26" name="Group 25">
-            <a:extLst>
-              <a:ext uri="{FF2B5EF4-FFF2-40B4-BE49-F238E27FC236}">
-                <a16:creationId xmlns:a16="http://schemas.microsoft.com/office/drawing/2014/main" id="{5A1DD681-3C86-4DFD-8FAA-80B83BE71707}"/>
-              </a:ext>
-            </a:extLst>
-          </p:cNvPr>
-          <p:cNvGrpSpPr/>
-          <p:nvPr/>
-        </p:nvGrpSpPr>
-        <p:grpSpPr>
-          <a:xfrm>
-            <a:off x="230352" y="5076951"/>
-            <a:ext cx="1875601" cy="1584000"/>
-            <a:chOff x="10643667" y="4907952"/>
-            <a:chExt cx="1824413" cy="1584000"/>
-          </a:xfrm>
-        </p:grpSpPr>
-        <p:sp>
-          <p:nvSpPr>
-            <p:cNvPr id="116" name="Retângulo 29">
-              <a:extLst>
-                <a:ext uri="{FF2B5EF4-FFF2-40B4-BE49-F238E27FC236}">
-                  <a16:creationId xmlns:a16="http://schemas.microsoft.com/office/drawing/2014/main" id="{E5249170-0DF0-4F85-BEB7-914ED38B71B7}"/>
-                </a:ext>
-              </a:extLst>
-            </p:cNvPr>
-            <p:cNvSpPr/>
-            <p:nvPr/>
-          </p:nvSpPr>
-          <p:spPr>
-            <a:xfrm>
-              <a:off x="10643668" y="4907952"/>
-              <a:ext cx="1824412" cy="1584000"/>
-            </a:xfrm>
-            <a:prstGeom prst="rect">
-              <a:avLst/>
-            </a:prstGeom>
-            <a:solidFill>
-              <a:schemeClr val="bg1">
-                <a:lumMod val="85000"/>
-              </a:schemeClr>
-            </a:solidFill>
-            <a:ln>
-              <a:solidFill>
-                <a:srgbClr val="253746"/>
-              </a:solidFill>
-              <a:prstDash val="dash"/>
-            </a:ln>
-          </p:spPr>
-          <p:style>
-            <a:lnRef idx="2">
-              <a:schemeClr val="accent1">
-                <a:shade val="50000"/>
-              </a:schemeClr>
-            </a:lnRef>
-            <a:fillRef idx="1">
-              <a:schemeClr val="accent1"/>
-            </a:fillRef>
-            <a:effectRef idx="0">
-              <a:schemeClr val="accent1"/>
-            </a:effectRef>
-            <a:fontRef idx="minor">
-              <a:schemeClr val="lt1"/>
-            </a:fontRef>
-          </p:style>
-          <p:txBody>
-            <a:bodyPr rtlCol="0" anchor="ctr"/>
-            <a:lstStyle/>
-            <a:p>
-              <a:pPr algn="ctr"/>
-              <a:endParaRPr lang="pt-BR" sz="1800" dirty="0">
-                <a:solidFill>
-                  <a:prstClr val="white"/>
-                </a:solidFill>
-                <a:latin typeface="Calibri"/>
-              </a:endParaRPr>
-            </a:p>
-          </p:txBody>
-        </p:sp>
-        <p:sp>
-          <p:nvSpPr>
-            <p:cNvPr id="117" name="Retângulo 20">
-              <a:extLst>
-                <a:ext uri="{FF2B5EF4-FFF2-40B4-BE49-F238E27FC236}">
-                  <a16:creationId xmlns:a16="http://schemas.microsoft.com/office/drawing/2014/main" id="{BCF648C4-4A60-4667-B81C-61C792C1ED0F}"/>
-                </a:ext>
-              </a:extLst>
-            </p:cNvPr>
-            <p:cNvSpPr/>
-            <p:nvPr/>
-          </p:nvSpPr>
-          <p:spPr>
-            <a:xfrm>
-              <a:off x="10643667" y="5016204"/>
-              <a:ext cx="1807347" cy="769441"/>
-            </a:xfrm>
-            <a:prstGeom prst="rect">
-              <a:avLst/>
-            </a:prstGeom>
-          </p:spPr>
-          <p:txBody>
-            <a:bodyPr wrap="square">
-              <a:spAutoFit/>
-            </a:bodyPr>
-            <a:lstStyle/>
-            <a:p>
-              <a:pPr lvl="0" algn="ctr">
-                <a:defRPr/>
-              </a:pPr>
-              <a:r>
-                <a:rPr lang="pt-BR" sz="1500" b="1" dirty="0"/>
-                <a:t>ViaCEP Application</a:t>
-              </a:r>
-            </a:p>
-            <a:p>
-              <a:pPr lvl="0" algn="ctr">
-                <a:defRPr/>
-              </a:pPr>
-              <a:r>
-                <a:rPr lang="pt-BR" sz="1400" dirty="0"/>
-                <a:t>[Container: </a:t>
-              </a:r>
-            </a:p>
-            <a:p>
-              <a:pPr lvl="0" algn="ctr">
-                <a:defRPr/>
-              </a:pPr>
-              <a:r>
-                <a:rPr lang="pt-BR" sz="1400" dirty="0"/>
-                <a:t>API ViaCEP]</a:t>
-              </a:r>
-            </a:p>
-          </p:txBody>
-        </p:sp>
-        <p:sp>
-          <p:nvSpPr>
-            <p:cNvPr id="118" name="Retângulo 20">
-              <a:extLst>
-                <a:ext uri="{FF2B5EF4-FFF2-40B4-BE49-F238E27FC236}">
-                  <a16:creationId xmlns:a16="http://schemas.microsoft.com/office/drawing/2014/main" id="{38D819C9-C641-4CCD-AC6D-4800F51F0A9D}"/>
-                </a:ext>
-              </a:extLst>
-            </p:cNvPr>
-            <p:cNvSpPr/>
-            <p:nvPr/>
-          </p:nvSpPr>
-          <p:spPr>
-            <a:xfrm>
-              <a:off x="10660733" y="5880476"/>
-              <a:ext cx="1807347" cy="492443"/>
-            </a:xfrm>
-            <a:prstGeom prst="rect">
-              <a:avLst/>
-            </a:prstGeom>
-          </p:spPr>
-          <p:txBody>
-            <a:bodyPr wrap="square">
-              <a:spAutoFit/>
-            </a:bodyPr>
-            <a:lstStyle/>
-            <a:p>
-              <a:pPr lvl="0" algn="ctr">
-                <a:defRPr/>
-              </a:pPr>
-              <a:r>
-                <a:rPr lang="pt-BR" sz="1300" dirty="0"/>
-                <a:t>API para consulta de endereço via CEP</a:t>
-              </a:r>
-            </a:p>
-          </p:txBody>
-        </p:sp>
-      </p:grpSp>
-      <p:cxnSp>
-        <p:nvCxnSpPr>
-          <p:cNvPr id="120" name="Conector de Seta Reta 107">
-            <a:extLst>
-              <a:ext uri="{FF2B5EF4-FFF2-40B4-BE49-F238E27FC236}">
-                <a16:creationId xmlns:a16="http://schemas.microsoft.com/office/drawing/2014/main" id="{918EA926-67E7-4D2D-9FF2-763819C51CB0}"/>
-              </a:ext>
-            </a:extLst>
-          </p:cNvPr>
-          <p:cNvCxnSpPr>
-            <a:cxnSpLocks/>
-            <a:stCxn id="104" idx="1"/>
-            <a:endCxn id="116" idx="3"/>
-          </p:cNvCxnSpPr>
-          <p:nvPr/>
-        </p:nvCxnSpPr>
-        <p:spPr>
-          <a:xfrm flipH="1">
-            <a:off x="2105953" y="5856891"/>
-            <a:ext cx="5052765" cy="0"/>
-          </a:xfrm>
-          <a:prstGeom prst="straightConnector1">
-            <a:avLst/>
-          </a:prstGeom>
-          <a:ln w="19050">
-            <a:solidFill>
-              <a:schemeClr val="accent5">
-                <a:lumMod val="75000"/>
-              </a:schemeClr>
-            </a:solidFill>
-            <a:prstDash val="sysDash"/>
-            <a:headEnd type="none" w="lg" len="lg"/>
-            <a:tailEnd type="triangle" w="lg" len="lg"/>
-          </a:ln>
-        </p:spPr>
-        <p:style>
-          <a:lnRef idx="1">
-            <a:schemeClr val="accent1"/>
-          </a:lnRef>
-          <a:fillRef idx="0">
-            <a:schemeClr val="accent1"/>
-          </a:fillRef>
-          <a:effectRef idx="0">
-            <a:schemeClr val="accent1"/>
-          </a:effectRef>
-          <a:fontRef idx="minor">
-            <a:schemeClr val="tx1"/>
-          </a:fontRef>
-        </p:style>
-      </p:cxnSp>
-      <p:sp>
-        <p:nvSpPr>
-          <p:cNvPr id="47" name="Retângulo 29">
-            <a:extLst>
-              <a:ext uri="{FF2B5EF4-FFF2-40B4-BE49-F238E27FC236}">
-                <a16:creationId xmlns:a16="http://schemas.microsoft.com/office/drawing/2014/main" id="{0A63E38E-69BA-4826-AA90-25CB1A746F60}"/>
-              </a:ext>
-            </a:extLst>
-          </p:cNvPr>
-          <p:cNvSpPr/>
-          <p:nvPr/>
-        </p:nvSpPr>
-        <p:spPr>
-          <a:xfrm>
-            <a:off x="2839584" y="340974"/>
-            <a:ext cx="10386970" cy="4266224"/>
-          </a:xfrm>
-          <a:prstGeom prst="rect">
-            <a:avLst/>
-          </a:prstGeom>
-          <a:solidFill>
-            <a:srgbClr val="445E93">
-              <a:alpha val="30196"/>
-            </a:srgbClr>
-          </a:solidFill>
-          <a:ln>
-            <a:solidFill>
-              <a:srgbClr val="445E93"/>
-            </a:solidFill>
-            <a:prstDash val="dash"/>
-          </a:ln>
-        </p:spPr>
-        <p:style>
-          <a:lnRef idx="2">
-            <a:schemeClr val="accent1">
-              <a:shade val="50000"/>
-            </a:schemeClr>
-          </a:lnRef>
-          <a:fillRef idx="1">
-            <a:schemeClr val="accent1"/>
-          </a:fillRef>
-          <a:effectRef idx="0">
-            <a:schemeClr val="accent1"/>
-          </a:effectRef>
-          <a:fontRef idx="minor">
-            <a:schemeClr val="lt1"/>
-          </a:fontRef>
-        </p:style>
-        <p:txBody>
-          <a:bodyPr rtlCol="0" anchor="ctr"/>
-          <a:lstStyle/>
-          <a:p>
-            <a:pPr algn="ctr"/>
-            <a:endParaRPr lang="pt-BR" sz="1800">
-              <a:solidFill>
-                <a:prstClr val="white"/>
-              </a:solidFill>
-              <a:latin typeface="Calibri"/>
-            </a:endParaRPr>
-          </a:p>
-        </p:txBody>
-      </p:sp>
-      <p:grpSp>
-        <p:nvGrpSpPr>
-          <p:cNvPr id="15" name="Group 14">
-            <a:extLst>
-              <a:ext uri="{FF2B5EF4-FFF2-40B4-BE49-F238E27FC236}">
-                <a16:creationId xmlns:a16="http://schemas.microsoft.com/office/drawing/2014/main" id="{BA515160-279B-4CBE-A0AF-C4F130221761}"/>
-              </a:ext>
-            </a:extLst>
-          </p:cNvPr>
-          <p:cNvGrpSpPr/>
-          <p:nvPr/>
-        </p:nvGrpSpPr>
-        <p:grpSpPr>
-          <a:xfrm>
-            <a:off x="7153522" y="612279"/>
-            <a:ext cx="1866809" cy="1583957"/>
-            <a:chOff x="3777031" y="343888"/>
-            <a:chExt cx="1866809" cy="1583957"/>
-          </a:xfrm>
-        </p:grpSpPr>
-        <p:sp>
-          <p:nvSpPr>
-            <p:cNvPr id="52" name="Retângulo 17">
-              <a:extLst>
-                <a:ext uri="{FF2B5EF4-FFF2-40B4-BE49-F238E27FC236}">
-                  <a16:creationId xmlns:a16="http://schemas.microsoft.com/office/drawing/2014/main" id="{F0833080-7A53-4BB5-9E8C-E4671AD669B5}"/>
-                </a:ext>
-              </a:extLst>
-            </p:cNvPr>
-            <p:cNvSpPr/>
-            <p:nvPr/>
-          </p:nvSpPr>
-          <p:spPr>
-            <a:xfrm>
-              <a:off x="3777032" y="343888"/>
-              <a:ext cx="1866807" cy="1583957"/>
-            </a:xfrm>
-            <a:prstGeom prst="rect">
-              <a:avLst/>
-            </a:prstGeom>
-            <a:ln/>
-          </p:spPr>
-          <p:style>
-            <a:lnRef idx="2">
-              <a:schemeClr val="accent5">
-                <a:shade val="50000"/>
-              </a:schemeClr>
-            </a:lnRef>
-            <a:fillRef idx="1">
-              <a:schemeClr val="accent5"/>
-            </a:fillRef>
-            <a:effectRef idx="0">
-              <a:schemeClr val="accent5"/>
-            </a:effectRef>
-            <a:fontRef idx="minor">
-              <a:schemeClr val="lt1"/>
-            </a:fontRef>
-          </p:style>
-          <p:txBody>
-            <a:bodyPr rtlCol="0" anchor="ctr"/>
-            <a:lstStyle/>
-            <a:p>
-              <a:pPr algn="ctr"/>
-              <a:endParaRPr lang="pt-BR" sz="1800" dirty="0">
-                <a:solidFill>
-                  <a:prstClr val="white"/>
-                </a:solidFill>
-                <a:latin typeface="Calibri"/>
-              </a:endParaRPr>
-            </a:p>
-          </p:txBody>
-        </p:sp>
-        <p:sp>
-          <p:nvSpPr>
-            <p:cNvPr id="53" name="Retângulo 20">
-              <a:extLst>
-                <a:ext uri="{FF2B5EF4-FFF2-40B4-BE49-F238E27FC236}">
-                  <a16:creationId xmlns:a16="http://schemas.microsoft.com/office/drawing/2014/main" id="{C39C1F8B-21DB-4243-9A74-33406AFE748B}"/>
-                </a:ext>
-              </a:extLst>
-            </p:cNvPr>
-            <p:cNvSpPr/>
-            <p:nvPr/>
-          </p:nvSpPr>
-          <p:spPr>
-            <a:xfrm>
-              <a:off x="3777031" y="408153"/>
-              <a:ext cx="1857340" cy="553998"/>
-            </a:xfrm>
-            <a:prstGeom prst="rect">
-              <a:avLst/>
-            </a:prstGeom>
-          </p:spPr>
-          <p:txBody>
-            <a:bodyPr wrap="square">
-              <a:spAutoFit/>
-            </a:bodyPr>
-            <a:lstStyle/>
-            <a:p>
-              <a:pPr lvl="0" algn="ctr">
-                <a:defRPr/>
-              </a:pPr>
-              <a:r>
-                <a:rPr lang="pt-BR" sz="1600" b="1" dirty="0">
-                  <a:solidFill>
-                    <a:prstClr val="white"/>
-                  </a:solidFill>
-                </a:rPr>
-                <a:t>ORM</a:t>
-              </a:r>
-            </a:p>
-            <a:p>
-              <a:pPr lvl="0" algn="ctr">
-                <a:defRPr/>
-              </a:pPr>
-              <a:r>
-                <a:rPr lang="pt-BR" sz="1400" dirty="0">
-                  <a:solidFill>
-                    <a:prstClr val="white"/>
-                  </a:solidFill>
-                </a:rPr>
-                <a:t>[Component: JPA]</a:t>
-              </a:r>
-            </a:p>
-          </p:txBody>
-        </p:sp>
-        <p:sp>
-          <p:nvSpPr>
-            <p:cNvPr id="54" name="Retângulo 20">
-              <a:extLst>
-                <a:ext uri="{FF2B5EF4-FFF2-40B4-BE49-F238E27FC236}">
-                  <a16:creationId xmlns:a16="http://schemas.microsoft.com/office/drawing/2014/main" id="{6BBACDBC-A223-45DB-AE53-5748C0DE9D21}"/>
-                </a:ext>
-              </a:extLst>
-            </p:cNvPr>
-            <p:cNvSpPr/>
-            <p:nvPr/>
-          </p:nvSpPr>
-          <p:spPr>
-            <a:xfrm>
-              <a:off x="3786500" y="949125"/>
-              <a:ext cx="1857340" cy="892552"/>
-            </a:xfrm>
-            <a:prstGeom prst="rect">
-              <a:avLst/>
-            </a:prstGeom>
-          </p:spPr>
-          <p:txBody>
-            <a:bodyPr wrap="square">
-              <a:spAutoFit/>
-            </a:bodyPr>
-            <a:lstStyle/>
-            <a:p>
-              <a:pPr lvl="0" algn="ctr">
-                <a:defRPr/>
-              </a:pPr>
-              <a:r>
-                <a:rPr lang="pt-BR" sz="1300" dirty="0">
-                  <a:solidFill>
-                    <a:prstClr val="white"/>
-                  </a:solidFill>
-                </a:rPr>
-                <a:t>Componente que gerencia as conexões e transações com o Banco de Dados</a:t>
-              </a:r>
-            </a:p>
-          </p:txBody>
-        </p:sp>
-      </p:grpSp>
-      <p:grpSp>
-        <p:nvGrpSpPr>
-          <p:cNvPr id="143" name="Group 142">
-            <a:extLst>
-              <a:ext uri="{FF2B5EF4-FFF2-40B4-BE49-F238E27FC236}">
-                <a16:creationId xmlns:a16="http://schemas.microsoft.com/office/drawing/2014/main" id="{0BE12075-18B7-4944-AF8C-2789908A77B8}"/>
-              </a:ext>
-            </a:extLst>
-          </p:cNvPr>
-          <p:cNvGrpSpPr/>
-          <p:nvPr/>
-        </p:nvGrpSpPr>
-        <p:grpSpPr>
-          <a:xfrm>
-            <a:off x="9205751" y="2790958"/>
-            <a:ext cx="1876275" cy="1583957"/>
-            <a:chOff x="3777031" y="2546698"/>
-            <a:chExt cx="1876275" cy="1583957"/>
-          </a:xfrm>
-        </p:grpSpPr>
-        <p:sp>
-          <p:nvSpPr>
-            <p:cNvPr id="144" name="Retângulo 17">
-              <a:extLst>
-                <a:ext uri="{FF2B5EF4-FFF2-40B4-BE49-F238E27FC236}">
-                  <a16:creationId xmlns:a16="http://schemas.microsoft.com/office/drawing/2014/main" id="{E87C77A9-1A9B-4AAB-AC33-83C6ABF1F03A}"/>
-                </a:ext>
-              </a:extLst>
-            </p:cNvPr>
-            <p:cNvSpPr/>
-            <p:nvPr/>
-          </p:nvSpPr>
-          <p:spPr>
-            <a:xfrm>
-              <a:off x="3777032" y="2546698"/>
-              <a:ext cx="1866807" cy="1583957"/>
-            </a:xfrm>
-            <a:prstGeom prst="rect">
-              <a:avLst/>
-            </a:prstGeom>
-            <a:ln/>
-          </p:spPr>
-          <p:style>
-            <a:lnRef idx="2">
-              <a:schemeClr val="accent5">
-                <a:shade val="50000"/>
-              </a:schemeClr>
-            </a:lnRef>
-            <a:fillRef idx="1">
-              <a:schemeClr val="accent5"/>
-            </a:fillRef>
-            <a:effectRef idx="0">
-              <a:schemeClr val="accent5"/>
-            </a:effectRef>
-            <a:fontRef idx="minor">
-              <a:schemeClr val="lt1"/>
-            </a:fontRef>
-          </p:style>
-          <p:txBody>
-            <a:bodyPr rtlCol="0" anchor="ctr"/>
-            <a:lstStyle/>
-            <a:p>
-              <a:pPr algn="ctr"/>
-              <a:endParaRPr lang="pt-BR" sz="1800" dirty="0">
-                <a:solidFill>
-                  <a:prstClr val="white"/>
-                </a:solidFill>
-                <a:latin typeface="Calibri"/>
-              </a:endParaRPr>
-            </a:p>
-          </p:txBody>
-        </p:sp>
-        <p:sp>
-          <p:nvSpPr>
-            <p:cNvPr id="145" name="Retângulo 20">
-              <a:extLst>
-                <a:ext uri="{FF2B5EF4-FFF2-40B4-BE49-F238E27FC236}">
-                  <a16:creationId xmlns:a16="http://schemas.microsoft.com/office/drawing/2014/main" id="{F05286B5-0719-4810-A58A-E72E406AF1A9}"/>
-                </a:ext>
-              </a:extLst>
-            </p:cNvPr>
-            <p:cNvSpPr/>
-            <p:nvPr/>
-          </p:nvSpPr>
-          <p:spPr>
-            <a:xfrm>
-              <a:off x="3777031" y="2610963"/>
-              <a:ext cx="1876275" cy="769441"/>
-            </a:xfrm>
-            <a:prstGeom prst="rect">
-              <a:avLst/>
-            </a:prstGeom>
-          </p:spPr>
-          <p:txBody>
-            <a:bodyPr wrap="square">
-              <a:spAutoFit/>
-            </a:bodyPr>
-            <a:lstStyle/>
-            <a:p>
-              <a:pPr lvl="0" algn="ctr">
-                <a:defRPr/>
-              </a:pPr>
-              <a:r>
-                <a:rPr lang="pt-BR" sz="1600" b="1" dirty="0">
-                  <a:solidFill>
-                    <a:prstClr val="white"/>
-                  </a:solidFill>
-                </a:rPr>
-                <a:t>Adotante Controller</a:t>
-              </a:r>
-            </a:p>
-            <a:p>
-              <a:pPr lvl="0" algn="ctr">
-                <a:defRPr/>
-              </a:pPr>
-              <a:r>
-                <a:rPr lang="pt-BR" sz="1400" dirty="0">
-                  <a:solidFill>
-                    <a:prstClr val="white"/>
-                  </a:solidFill>
-                </a:rPr>
-                <a:t>[Component: Spring MVC Rest Controller]</a:t>
-              </a:r>
-            </a:p>
-          </p:txBody>
-        </p:sp>
-        <p:sp>
-          <p:nvSpPr>
-            <p:cNvPr id="146" name="Retângulo 20">
-              <a:extLst>
-                <a:ext uri="{FF2B5EF4-FFF2-40B4-BE49-F238E27FC236}">
-                  <a16:creationId xmlns:a16="http://schemas.microsoft.com/office/drawing/2014/main" id="{D39BAFFF-817C-4E09-8D8F-C99837072509}"/>
-                </a:ext>
-              </a:extLst>
-            </p:cNvPr>
-            <p:cNvSpPr/>
-            <p:nvPr/>
-          </p:nvSpPr>
-          <p:spPr>
-            <a:xfrm>
-              <a:off x="3786501" y="3439577"/>
-              <a:ext cx="1834790" cy="292388"/>
-            </a:xfrm>
-            <a:prstGeom prst="rect">
-              <a:avLst/>
-            </a:prstGeom>
-          </p:spPr>
-          <p:txBody>
-            <a:bodyPr wrap="square">
-              <a:spAutoFit/>
-            </a:bodyPr>
-            <a:lstStyle/>
-            <a:p>
-              <a:pPr lvl="0" algn="ctr">
-                <a:defRPr/>
-              </a:pPr>
-              <a:r>
-                <a:rPr lang="pt-BR" sz="1300" dirty="0">
-                  <a:solidFill>
-                    <a:prstClr val="white"/>
-                  </a:solidFill>
-                </a:rPr>
-                <a:t>CRUD dos adotantes</a:t>
-              </a:r>
-            </a:p>
-          </p:txBody>
-        </p:sp>
-      </p:grpSp>
-      <p:sp>
-        <p:nvSpPr>
-          <p:cNvPr id="147" name="Retângulo 41">
-            <a:extLst>
-              <a:ext uri="{FF2B5EF4-FFF2-40B4-BE49-F238E27FC236}">
-                <a16:creationId xmlns:a16="http://schemas.microsoft.com/office/drawing/2014/main" id="{1A4BF65C-7D82-43F3-8027-3DAF2F6480EF}"/>
-              </a:ext>
-            </a:extLst>
-          </p:cNvPr>
-          <p:cNvSpPr/>
-          <p:nvPr/>
-        </p:nvSpPr>
-        <p:spPr>
-          <a:xfrm>
-            <a:off x="6182553" y="167660"/>
-            <a:ext cx="4123660" cy="352319"/>
-          </a:xfrm>
-          <a:prstGeom prst="rect">
-            <a:avLst/>
-          </a:prstGeom>
-          <a:solidFill>
-            <a:srgbClr val="445E93"/>
-          </a:solidFill>
-          <a:ln>
-            <a:noFill/>
-          </a:ln>
-          <a:effectLst/>
-        </p:spPr>
-        <p:style>
-          <a:lnRef idx="1">
-            <a:schemeClr val="accent3"/>
-          </a:lnRef>
-          <a:fillRef idx="3">
-            <a:schemeClr val="accent3"/>
-          </a:fillRef>
-          <a:effectRef idx="2">
-            <a:schemeClr val="accent3"/>
-          </a:effectRef>
-          <a:fontRef idx="minor">
-            <a:schemeClr val="lt1"/>
-          </a:fontRef>
-        </p:style>
-        <p:txBody>
-          <a:bodyPr rtlCol="0" anchor="ctr"/>
-          <a:lstStyle/>
-          <a:p>
-            <a:pPr algn="ctr"/>
-            <a:r>
-              <a:rPr lang="pt-BR" sz="1800" b="1" dirty="0">
-                <a:solidFill>
-                  <a:schemeClr val="bg1"/>
-                </a:solidFill>
-                <a:latin typeface="Exo 2" panose="00000500000000000000" pitchFamily="50" charset="0"/>
-              </a:rPr>
-              <a:t>MICROSERVICE</a:t>
-            </a:r>
-          </a:p>
-        </p:txBody>
-      </p:sp>
-      <p:grpSp>
-        <p:nvGrpSpPr>
-          <p:cNvPr id="148" name="Group 147">
-            <a:extLst>
-              <a:ext uri="{FF2B5EF4-FFF2-40B4-BE49-F238E27FC236}">
-                <a16:creationId xmlns:a16="http://schemas.microsoft.com/office/drawing/2014/main" id="{3319DC28-0311-4A25-AE51-4D91374F6F9D}"/>
-              </a:ext>
-            </a:extLst>
-          </p:cNvPr>
-          <p:cNvGrpSpPr/>
-          <p:nvPr/>
-        </p:nvGrpSpPr>
-        <p:grpSpPr>
-          <a:xfrm>
-            <a:off x="11257979" y="2796061"/>
-            <a:ext cx="1876275" cy="1583957"/>
-            <a:chOff x="3777031" y="2546698"/>
-            <a:chExt cx="1876275" cy="1583957"/>
-          </a:xfrm>
-        </p:grpSpPr>
-        <p:sp>
-          <p:nvSpPr>
-            <p:cNvPr id="149" name="Retângulo 17">
-              <a:extLst>
-                <a:ext uri="{FF2B5EF4-FFF2-40B4-BE49-F238E27FC236}">
-                  <a16:creationId xmlns:a16="http://schemas.microsoft.com/office/drawing/2014/main" id="{46F3E470-5407-43CD-8928-E74231B91F7F}"/>
-                </a:ext>
-              </a:extLst>
-            </p:cNvPr>
-            <p:cNvSpPr/>
-            <p:nvPr/>
-          </p:nvSpPr>
-          <p:spPr>
-            <a:xfrm>
-              <a:off x="3777032" y="2546698"/>
-              <a:ext cx="1866807" cy="1583957"/>
-            </a:xfrm>
-            <a:prstGeom prst="rect">
-              <a:avLst/>
-            </a:prstGeom>
-            <a:ln/>
-          </p:spPr>
-          <p:style>
-            <a:lnRef idx="2">
-              <a:schemeClr val="accent5">
-                <a:shade val="50000"/>
-              </a:schemeClr>
-            </a:lnRef>
-            <a:fillRef idx="1">
-              <a:schemeClr val="accent5"/>
-            </a:fillRef>
-            <a:effectRef idx="0">
-              <a:schemeClr val="accent5"/>
-            </a:effectRef>
-            <a:fontRef idx="minor">
-              <a:schemeClr val="lt1"/>
-            </a:fontRef>
-          </p:style>
-          <p:txBody>
-            <a:bodyPr rtlCol="0" anchor="ctr"/>
-            <a:lstStyle/>
-            <a:p>
-              <a:pPr algn="ctr"/>
-              <a:endParaRPr lang="pt-BR" sz="1800" dirty="0">
-                <a:solidFill>
-                  <a:prstClr val="white"/>
-                </a:solidFill>
-                <a:latin typeface="Calibri"/>
-              </a:endParaRPr>
-            </a:p>
-          </p:txBody>
-        </p:sp>
-        <p:sp>
-          <p:nvSpPr>
-            <p:cNvPr id="150" name="Retângulo 20">
-              <a:extLst>
-                <a:ext uri="{FF2B5EF4-FFF2-40B4-BE49-F238E27FC236}">
-                  <a16:creationId xmlns:a16="http://schemas.microsoft.com/office/drawing/2014/main" id="{8AB72AAF-F8EA-40B8-A83F-1BA426CB4175}"/>
-                </a:ext>
-              </a:extLst>
-            </p:cNvPr>
-            <p:cNvSpPr/>
-            <p:nvPr/>
-          </p:nvSpPr>
-          <p:spPr>
-            <a:xfrm>
-              <a:off x="3777031" y="2610963"/>
-              <a:ext cx="1876275" cy="769441"/>
-            </a:xfrm>
-            <a:prstGeom prst="rect">
-              <a:avLst/>
-            </a:prstGeom>
-          </p:spPr>
-          <p:txBody>
-            <a:bodyPr wrap="square">
-              <a:spAutoFit/>
-            </a:bodyPr>
-            <a:lstStyle/>
-            <a:p>
-              <a:pPr lvl="0" algn="ctr">
-                <a:defRPr/>
-              </a:pPr>
-              <a:r>
-                <a:rPr lang="pt-BR" sz="1600" b="1" dirty="0">
-                  <a:solidFill>
-                    <a:prstClr val="white"/>
-                  </a:solidFill>
-                </a:rPr>
-                <a:t>Animal Controller</a:t>
-              </a:r>
-            </a:p>
-            <a:p>
-              <a:pPr lvl="0" algn="ctr">
-                <a:defRPr/>
-              </a:pPr>
-              <a:r>
-                <a:rPr lang="pt-BR" sz="1400" dirty="0">
-                  <a:solidFill>
-                    <a:prstClr val="white"/>
-                  </a:solidFill>
-                </a:rPr>
-                <a:t>[Component: Spring MVC Rest Controller]</a:t>
-              </a:r>
-            </a:p>
-          </p:txBody>
-        </p:sp>
-        <p:sp>
-          <p:nvSpPr>
-            <p:cNvPr id="151" name="Retângulo 20">
-              <a:extLst>
-                <a:ext uri="{FF2B5EF4-FFF2-40B4-BE49-F238E27FC236}">
-                  <a16:creationId xmlns:a16="http://schemas.microsoft.com/office/drawing/2014/main" id="{6AB73B9F-C958-4E60-A84E-A6E6833FC4B8}"/>
-                </a:ext>
-              </a:extLst>
-            </p:cNvPr>
-            <p:cNvSpPr/>
-            <p:nvPr/>
-          </p:nvSpPr>
-          <p:spPr>
-            <a:xfrm>
-              <a:off x="3786501" y="3439577"/>
-              <a:ext cx="1834790" cy="292388"/>
-            </a:xfrm>
-            <a:prstGeom prst="rect">
-              <a:avLst/>
-            </a:prstGeom>
-          </p:spPr>
-          <p:txBody>
-            <a:bodyPr wrap="square">
-              <a:spAutoFit/>
-            </a:bodyPr>
-            <a:lstStyle/>
-            <a:p>
-              <a:pPr lvl="0" algn="ctr">
-                <a:defRPr/>
-              </a:pPr>
-              <a:r>
-                <a:rPr lang="pt-BR" sz="1300" dirty="0">
-                  <a:solidFill>
-                    <a:prstClr val="white"/>
-                  </a:solidFill>
-                </a:rPr>
-                <a:t>CRUD dos animais</a:t>
-              </a:r>
-            </a:p>
-          </p:txBody>
-        </p:sp>
-      </p:grpSp>
-      <p:cxnSp>
-        <p:nvCxnSpPr>
-          <p:cNvPr id="69" name="Conector de Seta Reta 107">
-            <a:extLst>
-              <a:ext uri="{FF2B5EF4-FFF2-40B4-BE49-F238E27FC236}">
-                <a16:creationId xmlns:a16="http://schemas.microsoft.com/office/drawing/2014/main" id="{3AF9C43E-1840-4006-84E1-832D0B890C76}"/>
-              </a:ext>
-            </a:extLst>
-          </p:cNvPr>
-          <p:cNvCxnSpPr>
-            <a:cxnSpLocks/>
-            <a:stCxn id="104" idx="0"/>
-            <a:endCxn id="149" idx="2"/>
-          </p:cNvCxnSpPr>
-          <p:nvPr/>
-        </p:nvCxnSpPr>
-        <p:spPr>
-          <a:xfrm flipV="1">
-            <a:off x="8096518" y="4380018"/>
-            <a:ext cx="4094866" cy="684873"/>
-          </a:xfrm>
-          <a:prstGeom prst="straightConnector1">
-            <a:avLst/>
-          </a:prstGeom>
-          <a:ln w="19050">
-            <a:solidFill>
-              <a:schemeClr val="accent5">
-                <a:lumMod val="75000"/>
-              </a:schemeClr>
-            </a:solidFill>
-            <a:prstDash val="sysDash"/>
-            <a:headEnd type="none" w="lg" len="lg"/>
-            <a:tailEnd type="triangle" w="lg" len="lg"/>
-          </a:ln>
-        </p:spPr>
-        <p:style>
-          <a:lnRef idx="1">
-            <a:schemeClr val="accent1"/>
-          </a:lnRef>
-          <a:fillRef idx="0">
-            <a:schemeClr val="accent1"/>
-          </a:fillRef>
-          <a:effectRef idx="0">
-            <a:schemeClr val="accent1"/>
-          </a:effectRef>
-          <a:fontRef idx="minor">
-            <a:schemeClr val="tx1"/>
-          </a:fontRef>
-        </p:style>
-      </p:cxnSp>
-      <p:cxnSp>
-        <p:nvCxnSpPr>
-          <p:cNvPr id="73" name="Conector de Seta Reta 107">
-            <a:extLst>
-              <a:ext uri="{FF2B5EF4-FFF2-40B4-BE49-F238E27FC236}">
-                <a16:creationId xmlns:a16="http://schemas.microsoft.com/office/drawing/2014/main" id="{E5ABD69C-647E-4D8E-8BCE-B05C7F1ABD96}"/>
-              </a:ext>
-            </a:extLst>
-          </p:cNvPr>
-          <p:cNvCxnSpPr>
-            <a:cxnSpLocks/>
-            <a:stCxn id="104" idx="0"/>
-          </p:cNvCxnSpPr>
-          <p:nvPr/>
-        </p:nvCxnSpPr>
-        <p:spPr>
-          <a:xfrm flipV="1">
-            <a:off x="8096518" y="4374915"/>
-            <a:ext cx="1577285" cy="689976"/>
-          </a:xfrm>
-          <a:prstGeom prst="straightConnector1">
-            <a:avLst/>
-          </a:prstGeom>
-          <a:ln w="19050">
-            <a:solidFill>
-              <a:schemeClr val="accent5">
-                <a:lumMod val="75000"/>
-              </a:schemeClr>
-            </a:solidFill>
-            <a:prstDash val="sysDash"/>
-            <a:headEnd type="none" w="lg" len="lg"/>
-            <a:tailEnd type="triangle" w="lg" len="lg"/>
-          </a:ln>
-        </p:spPr>
-        <p:style>
-          <a:lnRef idx="1">
-            <a:schemeClr val="accent1"/>
-          </a:lnRef>
-          <a:fillRef idx="0">
-            <a:schemeClr val="accent1"/>
-          </a:fillRef>
-          <a:effectRef idx="0">
-            <a:schemeClr val="accent1"/>
-          </a:effectRef>
-          <a:fontRef idx="minor">
-            <a:schemeClr val="tx1"/>
-          </a:fontRef>
-        </p:style>
-      </p:cxnSp>
-      <p:cxnSp>
-        <p:nvCxnSpPr>
-          <p:cNvPr id="75" name="Conector de Seta Reta 107">
-            <a:extLst>
-              <a:ext uri="{FF2B5EF4-FFF2-40B4-BE49-F238E27FC236}">
-                <a16:creationId xmlns:a16="http://schemas.microsoft.com/office/drawing/2014/main" id="{CB0C9A71-C41E-4507-B049-421360AE0F84}"/>
-              </a:ext>
-            </a:extLst>
-          </p:cNvPr>
-          <p:cNvCxnSpPr>
-            <a:cxnSpLocks/>
-            <a:stCxn id="104" idx="0"/>
-            <a:endCxn id="94" idx="2"/>
-          </p:cNvCxnSpPr>
-          <p:nvPr/>
-        </p:nvCxnSpPr>
-        <p:spPr>
-          <a:xfrm flipH="1" flipV="1">
-            <a:off x="8086928" y="4380017"/>
-            <a:ext cx="9590" cy="684874"/>
-          </a:xfrm>
-          <a:prstGeom prst="straightConnector1">
-            <a:avLst/>
-          </a:prstGeom>
-          <a:ln w="19050">
-            <a:solidFill>
-              <a:schemeClr val="accent5">
-                <a:lumMod val="75000"/>
-              </a:schemeClr>
-            </a:solidFill>
-            <a:prstDash val="sysDash"/>
-            <a:headEnd type="none" w="lg" len="lg"/>
-            <a:tailEnd type="triangle" w="lg" len="lg"/>
-          </a:ln>
-        </p:spPr>
-        <p:style>
-          <a:lnRef idx="1">
-            <a:schemeClr val="accent1"/>
-          </a:lnRef>
-          <a:fillRef idx="0">
-            <a:schemeClr val="accent1"/>
-          </a:fillRef>
-          <a:effectRef idx="0">
-            <a:schemeClr val="accent1"/>
-          </a:effectRef>
-          <a:fontRef idx="minor">
-            <a:schemeClr val="tx1"/>
-          </a:fontRef>
-        </p:style>
-      </p:cxnSp>
-      <p:cxnSp>
-        <p:nvCxnSpPr>
-          <p:cNvPr id="78" name="Conector de Seta Reta 107">
-            <a:extLst>
-              <a:ext uri="{FF2B5EF4-FFF2-40B4-BE49-F238E27FC236}">
-                <a16:creationId xmlns:a16="http://schemas.microsoft.com/office/drawing/2014/main" id="{70B1CDCD-1CEB-4F52-B5A9-4AE8F3CE8ECB}"/>
-              </a:ext>
-            </a:extLst>
-          </p:cNvPr>
-          <p:cNvCxnSpPr>
-            <a:cxnSpLocks/>
-            <a:stCxn id="104" idx="0"/>
-            <a:endCxn id="80" idx="2"/>
-          </p:cNvCxnSpPr>
-          <p:nvPr/>
-        </p:nvCxnSpPr>
-        <p:spPr>
-          <a:xfrm flipH="1" flipV="1">
-            <a:off x="6034700" y="4380019"/>
-            <a:ext cx="2061818" cy="684872"/>
-          </a:xfrm>
-          <a:prstGeom prst="straightConnector1">
-            <a:avLst/>
-          </a:prstGeom>
-          <a:ln w="19050">
-            <a:solidFill>
-              <a:schemeClr val="accent5">
-                <a:lumMod val="75000"/>
-              </a:schemeClr>
-            </a:solidFill>
-            <a:prstDash val="sysDash"/>
-            <a:headEnd type="none" w="lg" len="lg"/>
-            <a:tailEnd type="triangle" w="lg" len="lg"/>
-          </a:ln>
-        </p:spPr>
-        <p:style>
-          <a:lnRef idx="1">
-            <a:schemeClr val="accent1"/>
-          </a:lnRef>
-          <a:fillRef idx="0">
-            <a:schemeClr val="accent1"/>
-          </a:fillRef>
-          <a:effectRef idx="0">
-            <a:schemeClr val="accent1"/>
-          </a:effectRef>
-          <a:fontRef idx="minor">
-            <a:schemeClr val="tx1"/>
-          </a:fontRef>
-        </p:style>
-      </p:cxnSp>
-      <p:cxnSp>
-        <p:nvCxnSpPr>
-          <p:cNvPr id="84" name="Conector de Seta Reta 107">
-            <a:extLst>
-              <a:ext uri="{FF2B5EF4-FFF2-40B4-BE49-F238E27FC236}">
-                <a16:creationId xmlns:a16="http://schemas.microsoft.com/office/drawing/2014/main" id="{857D7B1D-5A40-4937-8118-84B108815463}"/>
-              </a:ext>
-            </a:extLst>
-          </p:cNvPr>
-          <p:cNvCxnSpPr>
-            <a:cxnSpLocks/>
-            <a:stCxn id="94" idx="0"/>
-            <a:endCxn id="52" idx="2"/>
-          </p:cNvCxnSpPr>
-          <p:nvPr/>
-        </p:nvCxnSpPr>
-        <p:spPr>
-          <a:xfrm flipH="1" flipV="1">
-            <a:off x="8086927" y="2196236"/>
-            <a:ext cx="1" cy="599824"/>
-          </a:xfrm>
-          <a:prstGeom prst="straightConnector1">
-            <a:avLst/>
-          </a:prstGeom>
-          <a:ln w="19050">
-            <a:solidFill>
-              <a:schemeClr val="accent5">
-                <a:lumMod val="75000"/>
-              </a:schemeClr>
-            </a:solidFill>
-            <a:prstDash val="sysDash"/>
-            <a:headEnd type="none" w="lg" len="lg"/>
-            <a:tailEnd type="triangle" w="lg" len="lg"/>
-          </a:ln>
-        </p:spPr>
-        <p:style>
-          <a:lnRef idx="1">
-            <a:schemeClr val="accent1"/>
-          </a:lnRef>
-          <a:fillRef idx="0">
-            <a:schemeClr val="accent1"/>
-          </a:fillRef>
-          <a:effectRef idx="0">
-            <a:schemeClr val="accent1"/>
-          </a:effectRef>
-          <a:fontRef idx="minor">
-            <a:schemeClr val="tx1"/>
-          </a:fontRef>
-        </p:style>
-      </p:cxnSp>
-      <p:cxnSp>
-        <p:nvCxnSpPr>
-          <p:cNvPr id="91" name="Conector de Seta Reta 107">
-            <a:extLst>
-              <a:ext uri="{FF2B5EF4-FFF2-40B4-BE49-F238E27FC236}">
-                <a16:creationId xmlns:a16="http://schemas.microsoft.com/office/drawing/2014/main" id="{D3C8F14A-3915-4AFA-AEBB-C22A2E3DC11C}"/>
-              </a:ext>
-            </a:extLst>
-          </p:cNvPr>
-          <p:cNvCxnSpPr>
-            <a:cxnSpLocks/>
-            <a:stCxn id="144" idx="0"/>
-            <a:endCxn id="52" idx="2"/>
-          </p:cNvCxnSpPr>
-          <p:nvPr/>
-        </p:nvCxnSpPr>
-        <p:spPr>
-          <a:xfrm flipH="1" flipV="1">
-            <a:off x="8086927" y="2196236"/>
-            <a:ext cx="2052229" cy="594722"/>
-          </a:xfrm>
-          <a:prstGeom prst="straightConnector1">
-            <a:avLst/>
-          </a:prstGeom>
-          <a:ln w="19050">
-            <a:solidFill>
-              <a:schemeClr val="accent5">
-                <a:lumMod val="75000"/>
-              </a:schemeClr>
-            </a:solidFill>
-            <a:prstDash val="sysDash"/>
-            <a:headEnd type="none" w="lg" len="lg"/>
-            <a:tailEnd type="triangle" w="lg" len="lg"/>
-          </a:ln>
-        </p:spPr>
-        <p:style>
-          <a:lnRef idx="1">
-            <a:schemeClr val="accent1"/>
-          </a:lnRef>
-          <a:fillRef idx="0">
-            <a:schemeClr val="accent1"/>
-          </a:fillRef>
-          <a:effectRef idx="0">
-            <a:schemeClr val="accent1"/>
-          </a:effectRef>
-          <a:fontRef idx="minor">
-            <a:schemeClr val="tx1"/>
-          </a:fontRef>
-        </p:style>
-      </p:cxnSp>
-      <p:cxnSp>
-        <p:nvCxnSpPr>
-          <p:cNvPr id="92" name="Conector de Seta Reta 107">
-            <a:extLst>
-              <a:ext uri="{FF2B5EF4-FFF2-40B4-BE49-F238E27FC236}">
-                <a16:creationId xmlns:a16="http://schemas.microsoft.com/office/drawing/2014/main" id="{71433949-AC20-4FC9-B0A8-88DF082F1A73}"/>
-              </a:ext>
-            </a:extLst>
-          </p:cNvPr>
-          <p:cNvCxnSpPr>
-            <a:cxnSpLocks/>
-            <a:stCxn id="149" idx="0"/>
-            <a:endCxn id="52" idx="2"/>
-          </p:cNvCxnSpPr>
-          <p:nvPr/>
-        </p:nvCxnSpPr>
-        <p:spPr>
-          <a:xfrm flipH="1" flipV="1">
-            <a:off x="8086927" y="2196236"/>
-            <a:ext cx="4104457" cy="599825"/>
-          </a:xfrm>
-          <a:prstGeom prst="straightConnector1">
-            <a:avLst/>
-          </a:prstGeom>
-          <a:ln w="19050">
-            <a:solidFill>
-              <a:schemeClr val="accent5">
-                <a:lumMod val="75000"/>
-              </a:schemeClr>
-            </a:solidFill>
-            <a:prstDash val="sysDash"/>
-            <a:headEnd type="none" w="lg" len="lg"/>
-            <a:tailEnd type="triangle" w="lg" len="lg"/>
-          </a:ln>
-        </p:spPr>
-        <p:style>
-          <a:lnRef idx="1">
-            <a:schemeClr val="accent1"/>
-          </a:lnRef>
-          <a:fillRef idx="0">
-            <a:schemeClr val="accent1"/>
-          </a:fillRef>
-          <a:effectRef idx="0">
-            <a:schemeClr val="accent1"/>
-          </a:effectRef>
-          <a:fontRef idx="minor">
-            <a:schemeClr val="tx1"/>
-          </a:fontRef>
-        </p:style>
-      </p:cxnSp>
-      <p:cxnSp>
-        <p:nvCxnSpPr>
-          <p:cNvPr id="96" name="Conector de Seta Reta 107">
-            <a:extLst>
-              <a:ext uri="{FF2B5EF4-FFF2-40B4-BE49-F238E27FC236}">
-                <a16:creationId xmlns:a16="http://schemas.microsoft.com/office/drawing/2014/main" id="{933F0C5D-A438-4D1A-A50B-505F20A41AB7}"/>
-              </a:ext>
-            </a:extLst>
-          </p:cNvPr>
-          <p:cNvCxnSpPr>
-            <a:cxnSpLocks/>
-            <a:stCxn id="83" idx="0"/>
-            <a:endCxn id="52" idx="2"/>
-          </p:cNvCxnSpPr>
-          <p:nvPr/>
-        </p:nvCxnSpPr>
-        <p:spPr>
-          <a:xfrm flipV="1">
-            <a:off x="6039433" y="2196236"/>
-            <a:ext cx="2047494" cy="576283"/>
-          </a:xfrm>
-          <a:prstGeom prst="straightConnector1">
-            <a:avLst/>
-          </a:prstGeom>
-          <a:ln w="19050">
-            <a:solidFill>
-              <a:schemeClr val="accent5">
-                <a:lumMod val="75000"/>
-              </a:schemeClr>
-            </a:solidFill>
-            <a:prstDash val="sysDash"/>
-            <a:headEnd type="none" w="lg" len="lg"/>
-            <a:tailEnd type="triangle" w="lg" len="lg"/>
-          </a:ln>
-        </p:spPr>
-        <p:style>
-          <a:lnRef idx="1">
-            <a:schemeClr val="accent1"/>
-          </a:lnRef>
-          <a:fillRef idx="0">
-            <a:schemeClr val="accent1"/>
-          </a:fillRef>
-          <a:effectRef idx="0">
-            <a:schemeClr val="accent1"/>
-          </a:effectRef>
-          <a:fontRef idx="minor">
-            <a:schemeClr val="tx1"/>
-          </a:fontRef>
-        </p:style>
-      </p:cxnSp>
-      <p:grpSp>
-        <p:nvGrpSpPr>
-          <p:cNvPr id="74" name="Group 130">
-            <a:extLst>
-              <a:ext uri="{FF2B5EF4-FFF2-40B4-BE49-F238E27FC236}">
-                <a16:creationId xmlns:a16="http://schemas.microsoft.com/office/drawing/2014/main" id="{FF469E54-B88B-4777-9954-9721346CEA5A}"/>
-              </a:ext>
-            </a:extLst>
-          </p:cNvPr>
-          <p:cNvGrpSpPr/>
-          <p:nvPr/>
-        </p:nvGrpSpPr>
-        <p:grpSpPr>
-          <a:xfrm>
-            <a:off x="5101295" y="2772519"/>
-            <a:ext cx="1876275" cy="1607500"/>
-            <a:chOff x="3777031" y="2523155"/>
-            <a:chExt cx="1876275" cy="1607500"/>
-          </a:xfrm>
-        </p:grpSpPr>
-        <p:sp>
-          <p:nvSpPr>
-            <p:cNvPr id="80" name="Retângulo 17">
-              <a:extLst>
-                <a:ext uri="{FF2B5EF4-FFF2-40B4-BE49-F238E27FC236}">
-                  <a16:creationId xmlns:a16="http://schemas.microsoft.com/office/drawing/2014/main" id="{60DA7EBE-7211-46DE-8D25-3FDABA2E84A2}"/>
-                </a:ext>
-              </a:extLst>
-            </p:cNvPr>
-            <p:cNvSpPr/>
-            <p:nvPr/>
-          </p:nvSpPr>
-          <p:spPr>
-            <a:xfrm>
-              <a:off x="3777032" y="2546698"/>
-              <a:ext cx="1866807" cy="1583957"/>
-            </a:xfrm>
-            <a:prstGeom prst="rect">
-              <a:avLst/>
-            </a:prstGeom>
-            <a:ln/>
-          </p:spPr>
-          <p:style>
-            <a:lnRef idx="2">
-              <a:schemeClr val="accent5">
-                <a:shade val="50000"/>
-              </a:schemeClr>
-            </a:lnRef>
-            <a:fillRef idx="1">
-              <a:schemeClr val="accent5"/>
-            </a:fillRef>
-            <a:effectRef idx="0">
-              <a:schemeClr val="accent5"/>
-            </a:effectRef>
-            <a:fontRef idx="minor">
-              <a:schemeClr val="lt1"/>
-            </a:fontRef>
-          </p:style>
-          <p:txBody>
-            <a:bodyPr rtlCol="0" anchor="ctr"/>
-            <a:lstStyle/>
-            <a:p>
-              <a:pPr algn="ctr"/>
-              <a:endParaRPr lang="pt-BR" sz="1800" dirty="0">
-                <a:solidFill>
-                  <a:prstClr val="white"/>
-                </a:solidFill>
-                <a:latin typeface="Calibri"/>
-              </a:endParaRPr>
-            </a:p>
-          </p:txBody>
-        </p:sp>
-        <p:sp>
-          <p:nvSpPr>
-            <p:cNvPr id="83" name="Retângulo 20">
-              <a:extLst>
-                <a:ext uri="{FF2B5EF4-FFF2-40B4-BE49-F238E27FC236}">
-                  <a16:creationId xmlns:a16="http://schemas.microsoft.com/office/drawing/2014/main" id="{6CE6B529-E58B-4C27-B8C5-AA1A4D5737FF}"/>
-                </a:ext>
-              </a:extLst>
-            </p:cNvPr>
-            <p:cNvSpPr/>
-            <p:nvPr/>
-          </p:nvSpPr>
-          <p:spPr>
-            <a:xfrm>
-              <a:off x="3777031" y="2523155"/>
-              <a:ext cx="1876275" cy="1015663"/>
-            </a:xfrm>
-            <a:prstGeom prst="rect">
-              <a:avLst/>
-            </a:prstGeom>
-          </p:spPr>
-          <p:txBody>
-            <a:bodyPr wrap="square">
-              <a:spAutoFit/>
-            </a:bodyPr>
-            <a:lstStyle/>
-            <a:p>
-              <a:pPr lvl="0" algn="ctr">
-                <a:defRPr/>
-              </a:pPr>
-              <a:r>
-                <a:rPr lang="pt-BR" sz="1600" b="1" dirty="0" err="1">
-                  <a:solidFill>
-                    <a:prstClr val="white"/>
-                  </a:solidFill>
-                </a:rPr>
-                <a:t>ProcessoAdocao</a:t>
-              </a:r>
-              <a:r>
-                <a:rPr lang="pt-BR" sz="1600" b="1" dirty="0">
-                  <a:solidFill>
-                    <a:prstClr val="white"/>
-                  </a:solidFill>
-                </a:rPr>
-                <a:t> </a:t>
-              </a:r>
-              <a:r>
-                <a:rPr lang="pt-BR" sz="1600" b="1" dirty="0" err="1">
-                  <a:solidFill>
-                    <a:prstClr val="white"/>
-                  </a:solidFill>
-                </a:rPr>
-                <a:t>Controller</a:t>
-              </a:r>
-              <a:endParaRPr lang="pt-BR" sz="1600" b="1" dirty="0">
-                <a:solidFill>
-                  <a:prstClr val="white"/>
-                </a:solidFill>
-              </a:endParaRPr>
-            </a:p>
-            <a:p>
-              <a:pPr lvl="0" algn="ctr">
-                <a:defRPr/>
-              </a:pPr>
-              <a:r>
-                <a:rPr lang="pt-BR" sz="1400" dirty="0">
-                  <a:solidFill>
-                    <a:prstClr val="white"/>
-                  </a:solidFill>
-                </a:rPr>
-                <a:t>[</a:t>
-              </a:r>
-              <a:r>
-                <a:rPr lang="pt-BR" sz="1400" dirty="0" err="1">
-                  <a:solidFill>
-                    <a:prstClr val="white"/>
-                  </a:solidFill>
-                </a:rPr>
-                <a:t>Component</a:t>
-              </a:r>
-              <a:r>
-                <a:rPr lang="pt-BR" sz="1400" dirty="0">
-                  <a:solidFill>
-                    <a:prstClr val="white"/>
-                  </a:solidFill>
-                </a:rPr>
-                <a:t>: Spring MVC </a:t>
-              </a:r>
-              <a:r>
-                <a:rPr lang="pt-BR" sz="1400" dirty="0" err="1">
-                  <a:solidFill>
-                    <a:prstClr val="white"/>
-                  </a:solidFill>
-                </a:rPr>
-                <a:t>Rest</a:t>
-              </a:r>
-              <a:r>
-                <a:rPr lang="pt-BR" sz="1400" dirty="0">
-                  <a:solidFill>
-                    <a:prstClr val="white"/>
-                  </a:solidFill>
-                </a:rPr>
-                <a:t> </a:t>
-              </a:r>
-              <a:r>
-                <a:rPr lang="pt-BR" sz="1400" dirty="0" err="1">
-                  <a:solidFill>
-                    <a:prstClr val="white"/>
-                  </a:solidFill>
-                </a:rPr>
-                <a:t>Controller</a:t>
-              </a:r>
-              <a:r>
-                <a:rPr lang="pt-BR" sz="1400" dirty="0">
-                  <a:solidFill>
-                    <a:prstClr val="white"/>
-                  </a:solidFill>
-                </a:rPr>
-                <a:t>]</a:t>
-              </a:r>
-            </a:p>
-          </p:txBody>
-        </p:sp>
-        <p:sp>
-          <p:nvSpPr>
-            <p:cNvPr id="85" name="Retângulo 20">
-              <a:extLst>
-                <a:ext uri="{FF2B5EF4-FFF2-40B4-BE49-F238E27FC236}">
-                  <a16:creationId xmlns:a16="http://schemas.microsoft.com/office/drawing/2014/main" id="{BC52F4A4-472B-4EE0-B846-2342969C4C2C}"/>
-                </a:ext>
-              </a:extLst>
-            </p:cNvPr>
-            <p:cNvSpPr/>
-            <p:nvPr/>
-          </p:nvSpPr>
-          <p:spPr>
-            <a:xfrm>
-              <a:off x="3786501" y="3531267"/>
-              <a:ext cx="1834790" cy="492443"/>
-            </a:xfrm>
-            <a:prstGeom prst="rect">
-              <a:avLst/>
-            </a:prstGeom>
-          </p:spPr>
-          <p:txBody>
-            <a:bodyPr wrap="square">
-              <a:spAutoFit/>
-            </a:bodyPr>
-            <a:lstStyle/>
-            <a:p>
-              <a:pPr lvl="0" algn="ctr">
-                <a:defRPr/>
-              </a:pPr>
-              <a:r>
-                <a:rPr lang="pt-BR" sz="1300" dirty="0">
-                  <a:solidFill>
-                    <a:prstClr val="white"/>
-                  </a:solidFill>
-                </a:rPr>
-                <a:t>Gerenciamento de adoções </a:t>
-              </a:r>
-            </a:p>
-          </p:txBody>
-        </p:sp>
-      </p:grpSp>
-      <p:grpSp>
-        <p:nvGrpSpPr>
-          <p:cNvPr id="86" name="Group 151">
-            <a:extLst>
-              <a:ext uri="{FF2B5EF4-FFF2-40B4-BE49-F238E27FC236}">
-                <a16:creationId xmlns:a16="http://schemas.microsoft.com/office/drawing/2014/main" id="{8C5654D0-8A9F-48A6-8440-362BCC9771AC}"/>
-              </a:ext>
-            </a:extLst>
-          </p:cNvPr>
-          <p:cNvGrpSpPr/>
-          <p:nvPr/>
-        </p:nvGrpSpPr>
-        <p:grpSpPr>
-          <a:xfrm>
-            <a:off x="7153523" y="2796060"/>
-            <a:ext cx="1876275" cy="1583957"/>
-            <a:chOff x="3777031" y="2546698"/>
-            <a:chExt cx="1876275" cy="1583957"/>
-          </a:xfrm>
-        </p:grpSpPr>
-        <p:sp>
-          <p:nvSpPr>
-            <p:cNvPr id="94" name="Retângulo 17">
-              <a:extLst>
-                <a:ext uri="{FF2B5EF4-FFF2-40B4-BE49-F238E27FC236}">
-                  <a16:creationId xmlns:a16="http://schemas.microsoft.com/office/drawing/2014/main" id="{737D65FE-767C-451E-9F7D-3C39924F9C82}"/>
-                </a:ext>
-              </a:extLst>
-            </p:cNvPr>
-            <p:cNvSpPr/>
-            <p:nvPr/>
-          </p:nvSpPr>
-          <p:spPr>
-            <a:xfrm>
-              <a:off x="3777032" y="2546698"/>
-              <a:ext cx="1866807" cy="1583957"/>
-            </a:xfrm>
-            <a:prstGeom prst="rect">
-              <a:avLst/>
-            </a:prstGeom>
-            <a:ln/>
-          </p:spPr>
-          <p:style>
-            <a:lnRef idx="2">
-              <a:schemeClr val="accent5">
-                <a:shade val="50000"/>
-              </a:schemeClr>
-            </a:lnRef>
-            <a:fillRef idx="1">
-              <a:schemeClr val="accent5"/>
-            </a:fillRef>
-            <a:effectRef idx="0">
-              <a:schemeClr val="accent5"/>
-            </a:effectRef>
-            <a:fontRef idx="minor">
-              <a:schemeClr val="lt1"/>
-            </a:fontRef>
-          </p:style>
-          <p:txBody>
-            <a:bodyPr rtlCol="0" anchor="ctr"/>
-            <a:lstStyle/>
-            <a:p>
-              <a:pPr algn="ctr"/>
-              <a:endParaRPr lang="pt-BR" sz="1800" dirty="0">
-                <a:solidFill>
-                  <a:prstClr val="white"/>
-                </a:solidFill>
-                <a:latin typeface="Calibri"/>
-              </a:endParaRPr>
-            </a:p>
-          </p:txBody>
-        </p:sp>
-        <p:sp>
-          <p:nvSpPr>
-            <p:cNvPr id="99" name="Retângulo 20">
-              <a:extLst>
-                <a:ext uri="{FF2B5EF4-FFF2-40B4-BE49-F238E27FC236}">
-                  <a16:creationId xmlns:a16="http://schemas.microsoft.com/office/drawing/2014/main" id="{79CB7665-F23C-4CF3-B86C-D3156BEBA500}"/>
-                </a:ext>
-              </a:extLst>
-            </p:cNvPr>
-            <p:cNvSpPr/>
-            <p:nvPr/>
-          </p:nvSpPr>
-          <p:spPr>
-            <a:xfrm>
-              <a:off x="3777031" y="2610963"/>
-              <a:ext cx="1876275" cy="769441"/>
-            </a:xfrm>
-            <a:prstGeom prst="rect">
-              <a:avLst/>
-            </a:prstGeom>
-          </p:spPr>
-          <p:txBody>
-            <a:bodyPr wrap="square">
-              <a:spAutoFit/>
-            </a:bodyPr>
-            <a:lstStyle/>
-            <a:p>
-              <a:pPr lvl="0" algn="ctr">
-                <a:defRPr/>
-              </a:pPr>
-              <a:r>
-                <a:rPr lang="pt-BR" sz="1600" b="1" dirty="0">
-                  <a:solidFill>
-                    <a:prstClr val="white"/>
-                  </a:solidFill>
-                </a:rPr>
-                <a:t>Ong </a:t>
-              </a:r>
-              <a:r>
-                <a:rPr lang="pt-BR" sz="1600" b="1" dirty="0" err="1">
-                  <a:solidFill>
-                    <a:prstClr val="white"/>
-                  </a:solidFill>
-                </a:rPr>
-                <a:t>Controller</a:t>
-              </a:r>
-              <a:endParaRPr lang="pt-BR" sz="1600" b="1" dirty="0">
-                <a:solidFill>
-                  <a:prstClr val="white"/>
-                </a:solidFill>
-              </a:endParaRPr>
-            </a:p>
-            <a:p>
-              <a:pPr lvl="0" algn="ctr">
-                <a:defRPr/>
-              </a:pPr>
-              <a:r>
-                <a:rPr lang="pt-BR" sz="1400" dirty="0">
-                  <a:solidFill>
-                    <a:prstClr val="white"/>
-                  </a:solidFill>
-                </a:rPr>
-                <a:t>[</a:t>
-              </a:r>
-              <a:r>
-                <a:rPr lang="pt-BR" sz="1400" dirty="0" err="1">
-                  <a:solidFill>
-                    <a:prstClr val="white"/>
-                  </a:solidFill>
-                </a:rPr>
-                <a:t>Component</a:t>
-              </a:r>
-              <a:r>
-                <a:rPr lang="pt-BR" sz="1400" dirty="0">
-                  <a:solidFill>
-                    <a:prstClr val="white"/>
-                  </a:solidFill>
-                </a:rPr>
-                <a:t>: Spring MVC </a:t>
-              </a:r>
-              <a:r>
-                <a:rPr lang="pt-BR" sz="1400" dirty="0" err="1">
-                  <a:solidFill>
-                    <a:prstClr val="white"/>
-                  </a:solidFill>
-                </a:rPr>
-                <a:t>Rest</a:t>
-              </a:r>
-              <a:r>
-                <a:rPr lang="pt-BR" sz="1400" dirty="0">
-                  <a:solidFill>
-                    <a:prstClr val="white"/>
-                  </a:solidFill>
-                </a:rPr>
-                <a:t> </a:t>
-              </a:r>
-              <a:r>
-                <a:rPr lang="pt-BR" sz="1400" dirty="0" err="1">
-                  <a:solidFill>
-                    <a:prstClr val="white"/>
-                  </a:solidFill>
-                </a:rPr>
-                <a:t>Controller</a:t>
-              </a:r>
-              <a:r>
-                <a:rPr lang="pt-BR" sz="1400" dirty="0">
-                  <a:solidFill>
-                    <a:prstClr val="white"/>
-                  </a:solidFill>
-                </a:rPr>
-                <a:t>]</a:t>
-              </a:r>
-            </a:p>
-          </p:txBody>
-        </p:sp>
-        <p:sp>
-          <p:nvSpPr>
-            <p:cNvPr id="100" name="Retângulo 20">
-              <a:extLst>
-                <a:ext uri="{FF2B5EF4-FFF2-40B4-BE49-F238E27FC236}">
-                  <a16:creationId xmlns:a16="http://schemas.microsoft.com/office/drawing/2014/main" id="{916D2C58-CFC0-49C0-AFAD-1457EEEAE1AF}"/>
-                </a:ext>
-              </a:extLst>
-            </p:cNvPr>
-            <p:cNvSpPr/>
-            <p:nvPr/>
-          </p:nvSpPr>
-          <p:spPr>
-            <a:xfrm>
-              <a:off x="3793040" y="3583292"/>
-              <a:ext cx="1834790" cy="292388"/>
-            </a:xfrm>
-            <a:prstGeom prst="rect">
-              <a:avLst/>
-            </a:prstGeom>
-          </p:spPr>
-          <p:txBody>
-            <a:bodyPr wrap="square">
-              <a:spAutoFit/>
-            </a:bodyPr>
-            <a:lstStyle/>
-            <a:p>
-              <a:pPr lvl="0" algn="ctr">
-                <a:defRPr/>
-              </a:pPr>
-              <a:r>
-                <a:rPr lang="pt-BR" sz="1300" dirty="0">
-                  <a:solidFill>
-                    <a:prstClr val="white"/>
-                  </a:solidFill>
-                </a:rPr>
-                <a:t>CRUD das ONGs</a:t>
-              </a:r>
-            </a:p>
-          </p:txBody>
-        </p:sp>
-      </p:grpSp>
-      <p:grpSp>
-        <p:nvGrpSpPr>
-          <p:cNvPr id="101" name="Group 9">
-            <a:extLst>
-              <a:ext uri="{FF2B5EF4-FFF2-40B4-BE49-F238E27FC236}">
-                <a16:creationId xmlns:a16="http://schemas.microsoft.com/office/drawing/2014/main" id="{155C9EFF-9403-433C-A585-E1722FAD8278}"/>
-              </a:ext>
-            </a:extLst>
-          </p:cNvPr>
-          <p:cNvGrpSpPr/>
-          <p:nvPr/>
-        </p:nvGrpSpPr>
-        <p:grpSpPr>
-          <a:xfrm>
-            <a:off x="9175521" y="5088925"/>
-            <a:ext cx="1875600" cy="1584000"/>
-            <a:chOff x="561681" y="4929649"/>
-            <a:chExt cx="2697441" cy="2144548"/>
-          </a:xfrm>
-        </p:grpSpPr>
-        <p:sp>
-          <p:nvSpPr>
-            <p:cNvPr id="103" name="Retângulo 29">
-              <a:extLst>
-                <a:ext uri="{FF2B5EF4-FFF2-40B4-BE49-F238E27FC236}">
-                  <a16:creationId xmlns:a16="http://schemas.microsoft.com/office/drawing/2014/main" id="{AA6DDFB8-177D-4D97-8349-96408CAC41AB}"/>
-                </a:ext>
-              </a:extLst>
-            </p:cNvPr>
-            <p:cNvSpPr/>
-            <p:nvPr/>
-          </p:nvSpPr>
-          <p:spPr>
-            <a:xfrm>
-              <a:off x="561681" y="4929649"/>
-              <a:ext cx="2697441" cy="2144548"/>
-            </a:xfrm>
-            <a:prstGeom prst="rect">
-              <a:avLst/>
-            </a:prstGeom>
-            <a:solidFill>
-              <a:schemeClr val="bg1">
-                <a:lumMod val="85000"/>
-              </a:schemeClr>
-            </a:solidFill>
-            <a:ln>
-              <a:solidFill>
-                <a:srgbClr val="253746"/>
-              </a:solidFill>
-              <a:prstDash val="dash"/>
-            </a:ln>
-          </p:spPr>
-          <p:style>
-            <a:lnRef idx="2">
-              <a:schemeClr val="accent1">
-                <a:shade val="50000"/>
-              </a:schemeClr>
-            </a:lnRef>
-            <a:fillRef idx="1">
-              <a:schemeClr val="accent1"/>
-            </a:fillRef>
-            <a:effectRef idx="0">
-              <a:schemeClr val="accent1"/>
-            </a:effectRef>
-            <a:fontRef idx="minor">
-              <a:schemeClr val="lt1"/>
-            </a:fontRef>
-          </p:style>
-          <p:txBody>
-            <a:bodyPr rtlCol="0" anchor="ctr"/>
-            <a:lstStyle/>
-            <a:p>
-              <a:pPr algn="ctr"/>
-              <a:endParaRPr lang="pt-BR" sz="1800" dirty="0">
-                <a:solidFill>
-                  <a:prstClr val="white"/>
-                </a:solidFill>
-                <a:latin typeface="Calibri"/>
-              </a:endParaRPr>
-            </a:p>
-          </p:txBody>
-        </p:sp>
-        <p:sp>
-          <p:nvSpPr>
-            <p:cNvPr id="105" name="Retângulo 20">
-              <a:extLst>
-                <a:ext uri="{FF2B5EF4-FFF2-40B4-BE49-F238E27FC236}">
-                  <a16:creationId xmlns:a16="http://schemas.microsoft.com/office/drawing/2014/main" id="{8F1639EA-628E-4304-8E2C-59BE7C17D327}"/>
-                </a:ext>
-              </a:extLst>
-            </p:cNvPr>
-            <p:cNvSpPr/>
-            <p:nvPr/>
-          </p:nvSpPr>
-          <p:spPr>
-            <a:xfrm>
-              <a:off x="566843" y="5076209"/>
-              <a:ext cx="2692279" cy="1020898"/>
-            </a:xfrm>
-            <a:prstGeom prst="rect">
-              <a:avLst/>
-            </a:prstGeom>
-          </p:spPr>
-          <p:txBody>
-            <a:bodyPr wrap="square">
-              <a:spAutoFit/>
-            </a:bodyPr>
-            <a:lstStyle/>
-            <a:p>
-              <a:pPr lvl="0" algn="ctr">
-                <a:defRPr/>
-              </a:pPr>
-              <a:r>
-                <a:rPr lang="pt-BR" sz="1500" b="1" dirty="0"/>
-                <a:t>GOOGLE Application</a:t>
-              </a:r>
-            </a:p>
-            <a:p>
-              <a:pPr lvl="0" algn="ctr">
-                <a:defRPr/>
-              </a:pPr>
-              <a:r>
-                <a:rPr lang="pt-BR" sz="1400" dirty="0"/>
-                <a:t>[Container: </a:t>
-              </a:r>
-            </a:p>
-            <a:p>
-              <a:pPr lvl="0" algn="ctr">
-                <a:defRPr/>
-              </a:pPr>
-              <a:r>
-                <a:rPr lang="pt-BR" sz="1400" dirty="0"/>
-                <a:t>GeoCoding API]</a:t>
-              </a:r>
-            </a:p>
-          </p:txBody>
-        </p:sp>
-        <p:sp>
-          <p:nvSpPr>
-            <p:cNvPr id="112" name="Retângulo 20">
-              <a:extLst>
-                <a:ext uri="{FF2B5EF4-FFF2-40B4-BE49-F238E27FC236}">
-                  <a16:creationId xmlns:a16="http://schemas.microsoft.com/office/drawing/2014/main" id="{4211C7C6-DF4D-48F3-A172-DBF92CB31088}"/>
-                </a:ext>
-              </a:extLst>
-            </p:cNvPr>
-            <p:cNvSpPr/>
-            <p:nvPr/>
-          </p:nvSpPr>
-          <p:spPr>
-            <a:xfrm>
-              <a:off x="561681" y="6035624"/>
-              <a:ext cx="2692279" cy="666709"/>
-            </a:xfrm>
-            <a:prstGeom prst="rect">
-              <a:avLst/>
-            </a:prstGeom>
-          </p:spPr>
-          <p:txBody>
-            <a:bodyPr wrap="square">
-              <a:spAutoFit/>
-            </a:bodyPr>
-            <a:lstStyle/>
-            <a:p>
-              <a:pPr lvl="0" algn="ctr">
-                <a:defRPr/>
-              </a:pPr>
-              <a:r>
-                <a:rPr lang="pt-BR" sz="1300" dirty="0"/>
-                <a:t>API para integração com os mapas do Google.</a:t>
-              </a:r>
-            </a:p>
-          </p:txBody>
-        </p:sp>
-      </p:grpSp>
-      <p:cxnSp>
-        <p:nvCxnSpPr>
-          <p:cNvPr id="113" name="Conector de Seta Reta 107">
-            <a:extLst>
-              <a:ext uri="{FF2B5EF4-FFF2-40B4-BE49-F238E27FC236}">
-                <a16:creationId xmlns:a16="http://schemas.microsoft.com/office/drawing/2014/main" id="{EE7E5211-8A8E-49C8-9C30-EAB0A0EF2ECA}"/>
-              </a:ext>
-            </a:extLst>
-          </p:cNvPr>
-          <p:cNvCxnSpPr>
-            <a:cxnSpLocks/>
-            <a:stCxn id="103" idx="0"/>
-          </p:cNvCxnSpPr>
-          <p:nvPr/>
-        </p:nvCxnSpPr>
-        <p:spPr>
-          <a:xfrm flipV="1">
-            <a:off x="10113321" y="4374915"/>
-            <a:ext cx="0" cy="714010"/>
-          </a:xfrm>
-          <a:prstGeom prst="straightConnector1">
-            <a:avLst/>
-          </a:prstGeom>
-          <a:ln w="19050">
-            <a:solidFill>
-              <a:schemeClr val="accent5">
-                <a:lumMod val="75000"/>
-              </a:schemeClr>
-            </a:solidFill>
-            <a:prstDash val="sysDash"/>
-            <a:headEnd type="none" w="lg" len="lg"/>
-            <a:tailEnd type="triangle" w="lg" len="lg"/>
-          </a:ln>
-        </p:spPr>
-        <p:style>
-          <a:lnRef idx="1">
-            <a:schemeClr val="accent1"/>
-          </a:lnRef>
-          <a:fillRef idx="0">
-            <a:schemeClr val="accent1"/>
-          </a:fillRef>
-          <a:effectRef idx="0">
-            <a:schemeClr val="accent1"/>
-          </a:effectRef>
-          <a:fontRef idx="minor">
-            <a:schemeClr val="tx1"/>
-          </a:fontRef>
-        </p:style>
-      </p:cxnSp>
-      <p:cxnSp>
-        <p:nvCxnSpPr>
-          <p:cNvPr id="114" name="Conector de Seta Reta 107">
-            <a:extLst>
-              <a:ext uri="{FF2B5EF4-FFF2-40B4-BE49-F238E27FC236}">
-                <a16:creationId xmlns:a16="http://schemas.microsoft.com/office/drawing/2014/main" id="{D5BA87C9-0D81-4709-A84D-ED1C45E74995}"/>
-              </a:ext>
-            </a:extLst>
-          </p:cNvPr>
-          <p:cNvCxnSpPr>
-            <a:cxnSpLocks/>
-            <a:stCxn id="103" idx="0"/>
-          </p:cNvCxnSpPr>
-          <p:nvPr/>
-        </p:nvCxnSpPr>
-        <p:spPr>
-          <a:xfrm flipH="1" flipV="1">
-            <a:off x="8593683" y="4374915"/>
-            <a:ext cx="1519638" cy="714010"/>
-          </a:xfrm>
-          <a:prstGeom prst="straightConnector1">
-            <a:avLst/>
-          </a:prstGeom>
-          <a:ln w="19050">
-            <a:solidFill>
-              <a:schemeClr val="accent5">
-                <a:lumMod val="75000"/>
-              </a:schemeClr>
-            </a:solidFill>
-            <a:prstDash val="sysDash"/>
-            <a:headEnd type="none" w="lg" len="lg"/>
-            <a:tailEnd type="triangle" w="lg" len="lg"/>
-          </a:ln>
-        </p:spPr>
-        <p:style>
-          <a:lnRef idx="1">
-            <a:schemeClr val="accent1"/>
-          </a:lnRef>
-          <a:fillRef idx="0">
-            <a:schemeClr val="accent1"/>
-          </a:fillRef>
-          <a:effectRef idx="0">
-            <a:schemeClr val="accent1"/>
-          </a:effectRef>
-          <a:fontRef idx="minor">
-            <a:schemeClr val="tx1"/>
-          </a:fontRef>
-        </p:style>
-      </p:cxnSp>
-    </p:spTree>
-    <p:extLst>
-      <p:ext uri="{BB962C8B-B14F-4D97-AF65-F5344CB8AC3E}">
-        <p14:creationId xmlns:p14="http://schemas.microsoft.com/office/powerpoint/2010/main" val="3572179518"/>
-      </p:ext>
-    </p:extLst>
-  </p:cSld>
-  <p:clrMapOvr>
-    <a:masterClrMapping/>
-  </p:clrMapOvr>
-</p:sld>
-</file>
-
-<file path=ppt/slides/slide4.xml><?xml version="1.0" encoding="utf-8"?>
-<p:sld xmlns:a="http://schemas.openxmlformats.org/drawingml/2006/main" xmlns:r="http://schemas.openxmlformats.org/officeDocument/2006/relationships" xmlns:p="http://schemas.openxmlformats.org/presentationml/2006/main">
-  <p:cSld>
-    <p:spTree>
-      <p:nvGrpSpPr>
-        <p:cNvPr id="1" name=""/>
-        <p:cNvGrpSpPr/>
-        <p:nvPr/>
-      </p:nvGrpSpPr>
-      <p:grpSpPr>
-        <a:xfrm>
-          <a:off x="0" y="0"/>
-          <a:ext cx="0" cy="0"/>
-          <a:chOff x="0" y="0"/>
-          <a:chExt cx="0" cy="0"/>
-        </a:xfrm>
-      </p:grpSpPr>
-      <p:grpSp>
-        <p:nvGrpSpPr>
-          <p:cNvPr id="18" name="Group 17">
-            <a:extLst>
-              <a:ext uri="{FF2B5EF4-FFF2-40B4-BE49-F238E27FC236}">
-                <a16:creationId xmlns:a16="http://schemas.microsoft.com/office/drawing/2014/main" id="{898EAD33-34A6-4747-9CD6-A9FB7A1E34BD}"/>
-              </a:ext>
-            </a:extLst>
-          </p:cNvPr>
-          <p:cNvGrpSpPr/>
-          <p:nvPr/>
-        </p:nvGrpSpPr>
-        <p:grpSpPr>
-          <a:xfrm>
-            <a:off x="179131" y="507795"/>
-            <a:ext cx="1978043" cy="1688660"/>
-            <a:chOff x="216397" y="677072"/>
-            <a:chExt cx="1978043" cy="1688660"/>
-          </a:xfrm>
-        </p:grpSpPr>
-        <p:sp>
-          <p:nvSpPr>
-            <p:cNvPr id="59" name="Fluxograma: Disco Magnético 5">
-              <a:extLst>
-                <a:ext uri="{FF2B5EF4-FFF2-40B4-BE49-F238E27FC236}">
-                  <a16:creationId xmlns:a16="http://schemas.microsoft.com/office/drawing/2014/main" id="{2EBDFFB5-65B1-40B4-90A0-C6556F918E28}"/>
-                </a:ext>
-              </a:extLst>
-            </p:cNvPr>
-            <p:cNvSpPr>
-              <a:spLocks noChangeAspect="1"/>
-            </p:cNvSpPr>
-            <p:nvPr/>
-          </p:nvSpPr>
-          <p:spPr>
-            <a:xfrm>
-              <a:off x="216398" y="677072"/>
-              <a:ext cx="1968574" cy="1688660"/>
-            </a:xfrm>
-            <a:prstGeom prst="flowChartMagneticDisk">
-              <a:avLst/>
-            </a:prstGeom>
-            <a:solidFill>
-              <a:schemeClr val="bg1">
-                <a:lumMod val="50000"/>
-              </a:schemeClr>
-            </a:solidFill>
-            <a:ln>
-              <a:solidFill>
-                <a:srgbClr val="253746"/>
-              </a:solidFill>
-            </a:ln>
-          </p:spPr>
-          <p:style>
-            <a:lnRef idx="2">
-              <a:schemeClr val="accent1">
-                <a:shade val="50000"/>
-              </a:schemeClr>
-            </a:lnRef>
-            <a:fillRef idx="1">
-              <a:schemeClr val="accent1"/>
-            </a:fillRef>
-            <a:effectRef idx="0">
-              <a:schemeClr val="accent1"/>
-            </a:effectRef>
-            <a:fontRef idx="minor">
-              <a:schemeClr val="lt1"/>
-            </a:fontRef>
-          </p:style>
-          <p:txBody>
-            <a:bodyPr rtlCol="0" anchor="ctr"/>
-            <a:lstStyle/>
-            <a:p>
-              <a:pPr algn="ctr"/>
-              <a:endParaRPr lang="pt-BR" sz="1800" dirty="0">
-                <a:solidFill>
-                  <a:prstClr val="white"/>
-                </a:solidFill>
-                <a:latin typeface="Calibri"/>
-              </a:endParaRPr>
-            </a:p>
-          </p:txBody>
-        </p:sp>
-        <p:sp>
-          <p:nvSpPr>
-            <p:cNvPr id="62" name="Retângulo 20">
-              <a:extLst>
-                <a:ext uri="{FF2B5EF4-FFF2-40B4-BE49-F238E27FC236}">
-                  <a16:creationId xmlns:a16="http://schemas.microsoft.com/office/drawing/2014/main" id="{815EF645-82AE-4337-8700-AA9F1A6C8E22}"/>
-                </a:ext>
-              </a:extLst>
-            </p:cNvPr>
-            <p:cNvSpPr/>
-            <p:nvPr/>
-          </p:nvSpPr>
-          <p:spPr>
-            <a:xfrm>
-              <a:off x="216397" y="1241187"/>
-              <a:ext cx="1978043" cy="523220"/>
-            </a:xfrm>
-            <a:prstGeom prst="rect">
-              <a:avLst/>
-            </a:prstGeom>
-          </p:spPr>
-          <p:txBody>
-            <a:bodyPr wrap="square">
-              <a:spAutoFit/>
-            </a:bodyPr>
-            <a:lstStyle/>
-            <a:p>
-              <a:pPr lvl="0" algn="ctr">
-                <a:defRPr/>
-              </a:pPr>
-              <a:r>
-                <a:rPr lang="pt-BR" sz="1400" b="1" dirty="0">
-                  <a:solidFill>
-                    <a:prstClr val="white"/>
-                  </a:solidFill>
-                </a:rPr>
-                <a:t>Database</a:t>
-              </a:r>
-            </a:p>
-            <a:p>
-              <a:pPr lvl="0" algn="ctr">
-                <a:defRPr/>
-              </a:pPr>
-              <a:r>
-                <a:rPr lang="pt-BR" sz="1400" dirty="0">
-                  <a:solidFill>
-                    <a:prstClr val="white"/>
-                  </a:solidFill>
-                </a:rPr>
-                <a:t>[Container: SQL Server]</a:t>
-              </a:r>
-            </a:p>
-          </p:txBody>
-        </p:sp>
-        <p:sp>
-          <p:nvSpPr>
-            <p:cNvPr id="68" name="Retângulo 20">
-              <a:extLst>
-                <a:ext uri="{FF2B5EF4-FFF2-40B4-BE49-F238E27FC236}">
-                  <a16:creationId xmlns:a16="http://schemas.microsoft.com/office/drawing/2014/main" id="{1782754A-C6CA-43DC-95D3-7ED72819E626}"/>
-                </a:ext>
-              </a:extLst>
-            </p:cNvPr>
-            <p:cNvSpPr/>
-            <p:nvPr/>
-          </p:nvSpPr>
-          <p:spPr>
-            <a:xfrm>
-              <a:off x="216398" y="1692399"/>
-              <a:ext cx="1968574" cy="492443"/>
-            </a:xfrm>
-            <a:prstGeom prst="rect">
-              <a:avLst/>
-            </a:prstGeom>
-          </p:spPr>
-          <p:txBody>
-            <a:bodyPr wrap="square">
-              <a:spAutoFit/>
-            </a:bodyPr>
-            <a:lstStyle/>
-            <a:p>
-              <a:pPr lvl="0" algn="ctr">
-                <a:defRPr/>
-              </a:pPr>
-              <a:r>
-                <a:rPr lang="pt-BR" sz="1300" dirty="0">
-                  <a:solidFill>
-                    <a:prstClr val="white"/>
-                  </a:solidFill>
-                </a:rPr>
-                <a:t>Armazena os dados das máquinas e dos cadastros.</a:t>
-              </a:r>
-            </a:p>
-          </p:txBody>
-        </p:sp>
-      </p:grpSp>
-      <p:grpSp>
-        <p:nvGrpSpPr>
           <p:cNvPr id="10" name="Group 9">
             <a:extLst>
               <a:ext uri="{FF2B5EF4-FFF2-40B4-BE49-F238E27FC236}">
@@ -26174,7 +23184,7 @@
         </p:nvGrpSpPr>
         <p:grpSpPr>
           <a:xfrm>
-            <a:off x="9175521" y="5088925"/>
+            <a:off x="216397" y="2772695"/>
             <a:ext cx="1875600" cy="1584000"/>
             <a:chOff x="561681" y="4929649"/>
             <a:chExt cx="2697441" cy="2144548"/>
@@ -27478,6 +24488,56 @@
           </a:fontRef>
         </p:style>
       </p:cxnSp>
+      <p:cxnSp>
+        <p:nvCxnSpPr>
+          <p:cNvPr id="121" name="Conector de Seta Reta 107">
+            <a:extLst>
+              <a:ext uri="{FF2B5EF4-FFF2-40B4-BE49-F238E27FC236}">
+                <a16:creationId xmlns:a16="http://schemas.microsoft.com/office/drawing/2014/main" id="{85E21764-A5F9-4361-84CB-B3A05DB61715}"/>
+              </a:ext>
+            </a:extLst>
+          </p:cNvPr>
+          <p:cNvCxnSpPr>
+            <a:cxnSpLocks/>
+            <a:stCxn id="107" idx="1"/>
+            <a:endCxn id="70" idx="3"/>
+          </p:cNvCxnSpPr>
+          <p:nvPr/>
+        </p:nvCxnSpPr>
+        <p:spPr>
+          <a:xfrm flipH="1" flipV="1">
+            <a:off x="2091997" y="3564695"/>
+            <a:ext cx="957071" cy="0"/>
+          </a:xfrm>
+          <a:prstGeom prst="straightConnector1">
+            <a:avLst/>
+          </a:prstGeom>
+          <a:ln w="19050">
+            <a:solidFill>
+              <a:schemeClr val="accent5">
+                <a:lumMod val="75000"/>
+              </a:schemeClr>
+            </a:solidFill>
+            <a:prstDash val="sysDash"/>
+            <a:headEnd type="none" w="lg" len="lg"/>
+            <a:tailEnd type="triangle" w="lg" len="lg"/>
+          </a:ln>
+        </p:spPr>
+        <p:style>
+          <a:lnRef idx="1">
+            <a:schemeClr val="accent1"/>
+          </a:lnRef>
+          <a:fillRef idx="0">
+            <a:schemeClr val="accent1"/>
+          </a:fillRef>
+          <a:effectRef idx="0">
+            <a:schemeClr val="accent1"/>
+          </a:effectRef>
+          <a:fontRef idx="minor">
+            <a:schemeClr val="tx1"/>
+          </a:fontRef>
+        </p:style>
+      </p:cxnSp>
       <p:sp>
         <p:nvSpPr>
           <p:cNvPr id="47" name="Retângulo 29">
@@ -27710,6 +24770,174 @@
       </p:grpSp>
       <p:grpSp>
         <p:nvGrpSpPr>
+          <p:cNvPr id="16" name="Group 15">
+            <a:extLst>
+              <a:ext uri="{FF2B5EF4-FFF2-40B4-BE49-F238E27FC236}">
+                <a16:creationId xmlns:a16="http://schemas.microsoft.com/office/drawing/2014/main" id="{291DFC32-0C57-4B29-8751-9C61568972A7}"/>
+              </a:ext>
+            </a:extLst>
+          </p:cNvPr>
+          <p:cNvGrpSpPr/>
+          <p:nvPr/>
+        </p:nvGrpSpPr>
+        <p:grpSpPr>
+          <a:xfrm>
+            <a:off x="3049067" y="2796062"/>
+            <a:ext cx="1876275" cy="1583957"/>
+            <a:chOff x="3777031" y="2546698"/>
+            <a:chExt cx="1876275" cy="1583957"/>
+          </a:xfrm>
+        </p:grpSpPr>
+        <p:sp>
+          <p:nvSpPr>
+            <p:cNvPr id="107" name="Retângulo 17">
+              <a:extLst>
+                <a:ext uri="{FF2B5EF4-FFF2-40B4-BE49-F238E27FC236}">
+                  <a16:creationId xmlns:a16="http://schemas.microsoft.com/office/drawing/2014/main" id="{8F8C0881-FC59-4E5A-A142-5088AB6A44FD}"/>
+                </a:ext>
+              </a:extLst>
+            </p:cNvPr>
+            <p:cNvSpPr/>
+            <p:nvPr/>
+          </p:nvSpPr>
+          <p:spPr>
+            <a:xfrm>
+              <a:off x="3777032" y="2546698"/>
+              <a:ext cx="1866807" cy="1583957"/>
+            </a:xfrm>
+            <a:prstGeom prst="rect">
+              <a:avLst/>
+            </a:prstGeom>
+            <a:ln/>
+          </p:spPr>
+          <p:style>
+            <a:lnRef idx="2">
+              <a:schemeClr val="accent5">
+                <a:shade val="50000"/>
+              </a:schemeClr>
+            </a:lnRef>
+            <a:fillRef idx="1">
+              <a:schemeClr val="accent5"/>
+            </a:fillRef>
+            <a:effectRef idx="0">
+              <a:schemeClr val="accent5"/>
+            </a:effectRef>
+            <a:fontRef idx="minor">
+              <a:schemeClr val="lt1"/>
+            </a:fontRef>
+          </p:style>
+          <p:txBody>
+            <a:bodyPr rtlCol="0" anchor="ctr"/>
+            <a:lstStyle/>
+            <a:p>
+              <a:pPr algn="ctr"/>
+              <a:endParaRPr lang="pt-BR" sz="1800" dirty="0">
+                <a:solidFill>
+                  <a:prstClr val="white"/>
+                </a:solidFill>
+                <a:latin typeface="Calibri"/>
+              </a:endParaRPr>
+            </a:p>
+          </p:txBody>
+        </p:sp>
+        <p:sp>
+          <p:nvSpPr>
+            <p:cNvPr id="108" name="Retângulo 20">
+              <a:extLst>
+                <a:ext uri="{FF2B5EF4-FFF2-40B4-BE49-F238E27FC236}">
+                  <a16:creationId xmlns:a16="http://schemas.microsoft.com/office/drawing/2014/main" id="{CEC8EAE6-08D4-4FBD-951B-57D49BDC7FB9}"/>
+                </a:ext>
+              </a:extLst>
+            </p:cNvPr>
+            <p:cNvSpPr/>
+            <p:nvPr/>
+          </p:nvSpPr>
+          <p:spPr>
+            <a:xfrm>
+              <a:off x="3777031" y="2610963"/>
+              <a:ext cx="1876275" cy="769441"/>
+            </a:xfrm>
+            <a:prstGeom prst="rect">
+              <a:avLst/>
+            </a:prstGeom>
+          </p:spPr>
+          <p:txBody>
+            <a:bodyPr wrap="square">
+              <a:spAutoFit/>
+            </a:bodyPr>
+            <a:lstStyle/>
+            <a:p>
+              <a:pPr lvl="0" algn="ctr">
+                <a:defRPr/>
+              </a:pPr>
+              <a:r>
+                <a:rPr lang="pt-BR" sz="1600" b="1" dirty="0">
+                  <a:solidFill>
+                    <a:prstClr val="white"/>
+                  </a:solidFill>
+                </a:rPr>
+                <a:t>Endereco Controller</a:t>
+              </a:r>
+            </a:p>
+            <a:p>
+              <a:pPr lvl="0" algn="ctr">
+                <a:defRPr/>
+              </a:pPr>
+              <a:r>
+                <a:rPr lang="pt-BR" sz="1400" dirty="0">
+                  <a:solidFill>
+                    <a:prstClr val="white"/>
+                  </a:solidFill>
+                </a:rPr>
+                <a:t>[Component: Spring MVC Rest Controller]</a:t>
+              </a:r>
+            </a:p>
+          </p:txBody>
+        </p:sp>
+        <p:sp>
+          <p:nvSpPr>
+            <p:cNvPr id="111" name="Retângulo 20">
+              <a:extLst>
+                <a:ext uri="{FF2B5EF4-FFF2-40B4-BE49-F238E27FC236}">
+                  <a16:creationId xmlns:a16="http://schemas.microsoft.com/office/drawing/2014/main" id="{BD27A263-D89C-4ADF-80B4-F652605E0368}"/>
+                </a:ext>
+              </a:extLst>
+            </p:cNvPr>
+            <p:cNvSpPr/>
+            <p:nvPr/>
+          </p:nvSpPr>
+          <p:spPr>
+            <a:xfrm>
+              <a:off x="3786500" y="3353643"/>
+              <a:ext cx="1834790" cy="692497"/>
+            </a:xfrm>
+            <a:prstGeom prst="rect">
+              <a:avLst/>
+            </a:prstGeom>
+          </p:spPr>
+          <p:txBody>
+            <a:bodyPr wrap="square">
+              <a:spAutoFit/>
+            </a:bodyPr>
+            <a:lstStyle/>
+            <a:p>
+              <a:pPr lvl="0" algn="ctr">
+                <a:defRPr/>
+              </a:pPr>
+              <a:r>
+                <a:rPr lang="pt-BR" sz="1300" dirty="0">
+                  <a:solidFill>
+                    <a:prstClr val="white"/>
+                  </a:solidFill>
+                </a:rPr>
+                <a:t>Resgata latitude e longitude a partir do CEP via API do Google</a:t>
+              </a:r>
+            </a:p>
+          </p:txBody>
+        </p:sp>
+      </p:grpSp>
+      <p:grpSp>
+        <p:nvGrpSpPr>
           <p:cNvPr id="131" name="Group 130">
             <a:extLst>
               <a:ext uri="{FF2B5EF4-FFF2-40B4-BE49-F238E27FC236}">
@@ -27722,10 +24950,10 @@
         </p:nvGrpSpPr>
         <p:grpSpPr>
           <a:xfrm>
-            <a:off x="5101295" y="2772519"/>
-            <a:ext cx="1876275" cy="1607500"/>
-            <a:chOff x="3777031" y="2523155"/>
-            <a:chExt cx="1876275" cy="1607500"/>
+            <a:off x="5101295" y="2796062"/>
+            <a:ext cx="1876275" cy="1583957"/>
+            <a:chOff x="3777031" y="2546698"/>
+            <a:chExt cx="1876275" cy="1583957"/>
           </a:xfrm>
         </p:grpSpPr>
         <p:sp>
@@ -27794,8 +25022,8 @@
           </p:nvSpPr>
           <p:spPr>
             <a:xfrm>
-              <a:off x="3777031" y="2523155"/>
-              <a:ext cx="1876275" cy="1015663"/>
+              <a:off x="3777031" y="2610963"/>
+              <a:ext cx="1876275" cy="769441"/>
             </a:xfrm>
             <a:prstGeom prst="rect">
               <a:avLst/>
@@ -27811,34 +25039,13 @@
                 <a:defRPr/>
               </a:pPr>
               <a:r>
-                <a:rPr lang="pt-BR" sz="1600" b="1" dirty="0" err="1">
-                  <a:solidFill>
-                    <a:prstClr val="white"/>
-                  </a:solidFill>
-                </a:rPr>
-                <a:t>ProcessoAdocao</a:t>
-              </a:r>
-              <a:r>
                 <a:rPr lang="pt-BR" sz="1600" b="1" dirty="0">
                   <a:solidFill>
                     <a:prstClr val="white"/>
                   </a:solidFill>
                 </a:rPr>
-                <a:t> </a:t>
+                <a:t>Ong Controller</a:t>
               </a:r>
-              <a:r>
-                <a:rPr lang="pt-BR" sz="1600" b="1" dirty="0" err="1">
-                  <a:solidFill>
-                    <a:prstClr val="white"/>
-                  </a:solidFill>
-                </a:rPr>
-                <a:t>Controller</a:t>
-              </a:r>
-              <a:endParaRPr lang="pt-BR" sz="1600" b="1" dirty="0">
-                <a:solidFill>
-                  <a:prstClr val="white"/>
-                </a:solidFill>
-              </a:endParaRPr>
             </a:p>
             <a:p>
               <a:pPr lvl="0" algn="ctr">
@@ -27850,55 +25057,7 @@
                     <a:prstClr val="white"/>
                   </a:solidFill>
                 </a:rPr>
-                <a:t>[</a:t>
-              </a:r>
-              <a:r>
-                <a:rPr lang="pt-BR" sz="1400" dirty="0" err="1">
-                  <a:solidFill>
-                    <a:prstClr val="white"/>
-                  </a:solidFill>
-                </a:rPr>
-                <a:t>Component</a:t>
-              </a:r>
-              <a:r>
-                <a:rPr lang="pt-BR" sz="1400" dirty="0">
-                  <a:solidFill>
-                    <a:prstClr val="white"/>
-                  </a:solidFill>
-                </a:rPr>
-                <a:t>: Spring MVC </a:t>
-              </a:r>
-              <a:r>
-                <a:rPr lang="pt-BR" sz="1400" dirty="0" err="1">
-                  <a:solidFill>
-                    <a:prstClr val="white"/>
-                  </a:solidFill>
-                </a:rPr>
-                <a:t>Rest</a:t>
-              </a:r>
-              <a:r>
-                <a:rPr lang="pt-BR" sz="1400" dirty="0">
-                  <a:solidFill>
-                    <a:prstClr val="white"/>
-                  </a:solidFill>
-                </a:rPr>
-                <a:t> </a:t>
-              </a:r>
-              <a:r>
-                <a:rPr lang="pt-BR" sz="1400" dirty="0" err="1">
-                  <a:solidFill>
-                    <a:prstClr val="white"/>
-                  </a:solidFill>
-                </a:rPr>
-                <a:t>Controller</a:t>
-              </a:r>
-              <a:r>
-                <a:rPr lang="pt-BR" sz="1400" dirty="0">
-                  <a:solidFill>
-                    <a:prstClr val="white"/>
-                  </a:solidFill>
-                </a:rPr>
-                <a:t>]</a:t>
+                <a:t>[Component: Spring MVC Rest Controller]</a:t>
               </a:r>
             </a:p>
           </p:txBody>
@@ -27917,8 +25076,8 @@
           </p:nvSpPr>
           <p:spPr>
             <a:xfrm>
-              <a:off x="3786501" y="3531267"/>
-              <a:ext cx="1834790" cy="492443"/>
+              <a:off x="3786501" y="3439577"/>
+              <a:ext cx="1834790" cy="292388"/>
             </a:xfrm>
             <a:prstGeom prst="rect">
               <a:avLst/>
@@ -27939,7 +25098,7 @@
                     <a:prstClr val="white"/>
                   </a:solidFill>
                 </a:rPr>
-                <a:t>Gerenciamento de adoções </a:t>
+                <a:t>CRUD das ONGs</a:t>
               </a:r>
             </a:p>
           </p:txBody>
@@ -28427,6 +25586,2520 @@
           <p:spPr>
             <a:xfrm>
               <a:off x="3777031" y="2610963"/>
+              <a:ext cx="1876275" cy="1015663"/>
+            </a:xfrm>
+            <a:prstGeom prst="rect">
+              <a:avLst/>
+            </a:prstGeom>
+          </p:spPr>
+          <p:txBody>
+            <a:bodyPr wrap="square">
+              <a:spAutoFit/>
+            </a:bodyPr>
+            <a:lstStyle/>
+            <a:p>
+              <a:pPr lvl="0" algn="ctr">
+                <a:defRPr/>
+              </a:pPr>
+              <a:r>
+                <a:rPr lang="pt-BR" sz="1600" b="1" dirty="0">
+                  <a:solidFill>
+                    <a:prstClr val="white"/>
+                  </a:solidFill>
+                </a:rPr>
+                <a:t>ProcessoAdocao Controller</a:t>
+              </a:r>
+            </a:p>
+            <a:p>
+              <a:pPr lvl="0" algn="ctr">
+                <a:defRPr/>
+              </a:pPr>
+              <a:r>
+                <a:rPr lang="pt-BR" sz="1400" dirty="0">
+                  <a:solidFill>
+                    <a:prstClr val="white"/>
+                  </a:solidFill>
+                </a:rPr>
+                <a:t>[Component: Spring MVC Rest Controller]</a:t>
+              </a:r>
+            </a:p>
+          </p:txBody>
+        </p:sp>
+        <p:sp>
+          <p:nvSpPr>
+            <p:cNvPr id="155" name="Retângulo 20">
+              <a:extLst>
+                <a:ext uri="{FF2B5EF4-FFF2-40B4-BE49-F238E27FC236}">
+                  <a16:creationId xmlns:a16="http://schemas.microsoft.com/office/drawing/2014/main" id="{03D84B51-0E59-465D-85E9-67286CA4F0DA}"/>
+                </a:ext>
+              </a:extLst>
+            </p:cNvPr>
+            <p:cNvSpPr/>
+            <p:nvPr/>
+          </p:nvSpPr>
+          <p:spPr>
+            <a:xfrm>
+              <a:off x="3793040" y="3583292"/>
+              <a:ext cx="1834790" cy="492443"/>
+            </a:xfrm>
+            <a:prstGeom prst="rect">
+              <a:avLst/>
+            </a:prstGeom>
+          </p:spPr>
+          <p:txBody>
+            <a:bodyPr wrap="square">
+              <a:spAutoFit/>
+            </a:bodyPr>
+            <a:lstStyle/>
+            <a:p>
+              <a:pPr lvl="0" algn="ctr">
+                <a:defRPr/>
+              </a:pPr>
+              <a:r>
+                <a:rPr lang="pt-BR" sz="1300" dirty="0">
+                  <a:solidFill>
+                    <a:prstClr val="white"/>
+                  </a:solidFill>
+                </a:rPr>
+                <a:t>Gerenciamento de adoções </a:t>
+              </a:r>
+            </a:p>
+          </p:txBody>
+        </p:sp>
+      </p:grpSp>
+      <p:cxnSp>
+        <p:nvCxnSpPr>
+          <p:cNvPr id="69" name="Conector de Seta Reta 107">
+            <a:extLst>
+              <a:ext uri="{FF2B5EF4-FFF2-40B4-BE49-F238E27FC236}">
+                <a16:creationId xmlns:a16="http://schemas.microsoft.com/office/drawing/2014/main" id="{3AF9C43E-1840-4006-84E1-832D0B890C76}"/>
+              </a:ext>
+            </a:extLst>
+          </p:cNvPr>
+          <p:cNvCxnSpPr>
+            <a:cxnSpLocks/>
+            <a:stCxn id="104" idx="0"/>
+            <a:endCxn id="149" idx="2"/>
+          </p:cNvCxnSpPr>
+          <p:nvPr/>
+        </p:nvCxnSpPr>
+        <p:spPr>
+          <a:xfrm flipV="1">
+            <a:off x="8096518" y="4380018"/>
+            <a:ext cx="4094866" cy="684873"/>
+          </a:xfrm>
+          <a:prstGeom prst="straightConnector1">
+            <a:avLst/>
+          </a:prstGeom>
+          <a:ln w="19050">
+            <a:solidFill>
+              <a:schemeClr val="accent5">
+                <a:lumMod val="75000"/>
+              </a:schemeClr>
+            </a:solidFill>
+            <a:prstDash val="sysDash"/>
+            <a:headEnd type="none" w="lg" len="lg"/>
+            <a:tailEnd type="triangle" w="lg" len="lg"/>
+          </a:ln>
+        </p:spPr>
+        <p:style>
+          <a:lnRef idx="1">
+            <a:schemeClr val="accent1"/>
+          </a:lnRef>
+          <a:fillRef idx="0">
+            <a:schemeClr val="accent1"/>
+          </a:fillRef>
+          <a:effectRef idx="0">
+            <a:schemeClr val="accent1"/>
+          </a:effectRef>
+          <a:fontRef idx="minor">
+            <a:schemeClr val="tx1"/>
+          </a:fontRef>
+        </p:style>
+      </p:cxnSp>
+      <p:cxnSp>
+        <p:nvCxnSpPr>
+          <p:cNvPr id="73" name="Conector de Seta Reta 107">
+            <a:extLst>
+              <a:ext uri="{FF2B5EF4-FFF2-40B4-BE49-F238E27FC236}">
+                <a16:creationId xmlns:a16="http://schemas.microsoft.com/office/drawing/2014/main" id="{E5ABD69C-647E-4D8E-8BCE-B05C7F1ABD96}"/>
+              </a:ext>
+            </a:extLst>
+          </p:cNvPr>
+          <p:cNvCxnSpPr>
+            <a:cxnSpLocks/>
+            <a:stCxn id="104" idx="0"/>
+            <a:endCxn id="144" idx="2"/>
+          </p:cNvCxnSpPr>
+          <p:nvPr/>
+        </p:nvCxnSpPr>
+        <p:spPr>
+          <a:xfrm flipV="1">
+            <a:off x="8096518" y="4374915"/>
+            <a:ext cx="2042638" cy="689976"/>
+          </a:xfrm>
+          <a:prstGeom prst="straightConnector1">
+            <a:avLst/>
+          </a:prstGeom>
+          <a:ln w="19050">
+            <a:solidFill>
+              <a:schemeClr val="accent5">
+                <a:lumMod val="75000"/>
+              </a:schemeClr>
+            </a:solidFill>
+            <a:prstDash val="sysDash"/>
+            <a:headEnd type="none" w="lg" len="lg"/>
+            <a:tailEnd type="triangle" w="lg" len="lg"/>
+          </a:ln>
+        </p:spPr>
+        <p:style>
+          <a:lnRef idx="1">
+            <a:schemeClr val="accent1"/>
+          </a:lnRef>
+          <a:fillRef idx="0">
+            <a:schemeClr val="accent1"/>
+          </a:fillRef>
+          <a:effectRef idx="0">
+            <a:schemeClr val="accent1"/>
+          </a:effectRef>
+          <a:fontRef idx="minor">
+            <a:schemeClr val="tx1"/>
+          </a:fontRef>
+        </p:style>
+      </p:cxnSp>
+      <p:cxnSp>
+        <p:nvCxnSpPr>
+          <p:cNvPr id="75" name="Conector de Seta Reta 107">
+            <a:extLst>
+              <a:ext uri="{FF2B5EF4-FFF2-40B4-BE49-F238E27FC236}">
+                <a16:creationId xmlns:a16="http://schemas.microsoft.com/office/drawing/2014/main" id="{CB0C9A71-C41E-4507-B049-421360AE0F84}"/>
+              </a:ext>
+            </a:extLst>
+          </p:cNvPr>
+          <p:cNvCxnSpPr>
+            <a:cxnSpLocks/>
+            <a:stCxn id="104" idx="0"/>
+            <a:endCxn id="153" idx="2"/>
+          </p:cNvCxnSpPr>
+          <p:nvPr/>
+        </p:nvCxnSpPr>
+        <p:spPr>
+          <a:xfrm flipH="1" flipV="1">
+            <a:off x="8086928" y="4380017"/>
+            <a:ext cx="0" cy="684874"/>
+          </a:xfrm>
+          <a:prstGeom prst="straightConnector1">
+            <a:avLst/>
+          </a:prstGeom>
+          <a:ln w="19050">
+            <a:solidFill>
+              <a:schemeClr val="accent5">
+                <a:lumMod val="75000"/>
+              </a:schemeClr>
+            </a:solidFill>
+            <a:prstDash val="sysDash"/>
+            <a:headEnd type="none" w="lg" len="lg"/>
+            <a:tailEnd type="triangle" w="lg" len="lg"/>
+          </a:ln>
+        </p:spPr>
+        <p:style>
+          <a:lnRef idx="1">
+            <a:schemeClr val="accent1"/>
+          </a:lnRef>
+          <a:fillRef idx="0">
+            <a:schemeClr val="accent1"/>
+          </a:fillRef>
+          <a:effectRef idx="0">
+            <a:schemeClr val="accent1"/>
+          </a:effectRef>
+          <a:fontRef idx="minor">
+            <a:schemeClr val="tx1"/>
+          </a:fontRef>
+        </p:style>
+      </p:cxnSp>
+      <p:cxnSp>
+        <p:nvCxnSpPr>
+          <p:cNvPr id="78" name="Conector de Seta Reta 107">
+            <a:extLst>
+              <a:ext uri="{FF2B5EF4-FFF2-40B4-BE49-F238E27FC236}">
+                <a16:creationId xmlns:a16="http://schemas.microsoft.com/office/drawing/2014/main" id="{70B1CDCD-1CEB-4F52-B5A9-4AE8F3CE8ECB}"/>
+              </a:ext>
+            </a:extLst>
+          </p:cNvPr>
+          <p:cNvCxnSpPr>
+            <a:cxnSpLocks/>
+            <a:stCxn id="104" idx="0"/>
+            <a:endCxn id="132" idx="2"/>
+          </p:cNvCxnSpPr>
+          <p:nvPr/>
+        </p:nvCxnSpPr>
+        <p:spPr>
+          <a:xfrm flipH="1" flipV="1">
+            <a:off x="6034700" y="4380019"/>
+            <a:ext cx="2061818" cy="684872"/>
+          </a:xfrm>
+          <a:prstGeom prst="straightConnector1">
+            <a:avLst/>
+          </a:prstGeom>
+          <a:ln w="19050">
+            <a:solidFill>
+              <a:schemeClr val="accent5">
+                <a:lumMod val="75000"/>
+              </a:schemeClr>
+            </a:solidFill>
+            <a:prstDash val="sysDash"/>
+            <a:headEnd type="none" w="lg" len="lg"/>
+            <a:tailEnd type="triangle" w="lg" len="lg"/>
+          </a:ln>
+        </p:spPr>
+        <p:style>
+          <a:lnRef idx="1">
+            <a:schemeClr val="accent1"/>
+          </a:lnRef>
+          <a:fillRef idx="0">
+            <a:schemeClr val="accent1"/>
+          </a:fillRef>
+          <a:effectRef idx="0">
+            <a:schemeClr val="accent1"/>
+          </a:effectRef>
+          <a:fontRef idx="minor">
+            <a:schemeClr val="tx1"/>
+          </a:fontRef>
+        </p:style>
+      </p:cxnSp>
+      <p:cxnSp>
+        <p:nvCxnSpPr>
+          <p:cNvPr id="82" name="Conector de Seta Reta 107">
+            <a:extLst>
+              <a:ext uri="{FF2B5EF4-FFF2-40B4-BE49-F238E27FC236}">
+                <a16:creationId xmlns:a16="http://schemas.microsoft.com/office/drawing/2014/main" id="{37AE7A24-C2E0-4F3E-9D1B-DF6DAF1267E3}"/>
+              </a:ext>
+            </a:extLst>
+          </p:cNvPr>
+          <p:cNvCxnSpPr>
+            <a:cxnSpLocks/>
+            <a:stCxn id="104" idx="0"/>
+            <a:endCxn id="107" idx="2"/>
+          </p:cNvCxnSpPr>
+          <p:nvPr/>
+        </p:nvCxnSpPr>
+        <p:spPr>
+          <a:xfrm flipH="1" flipV="1">
+            <a:off x="3982472" y="4380019"/>
+            <a:ext cx="4114046" cy="684872"/>
+          </a:xfrm>
+          <a:prstGeom prst="straightConnector1">
+            <a:avLst/>
+          </a:prstGeom>
+          <a:ln w="19050">
+            <a:solidFill>
+              <a:schemeClr val="accent5">
+                <a:lumMod val="75000"/>
+              </a:schemeClr>
+            </a:solidFill>
+            <a:prstDash val="sysDash"/>
+            <a:headEnd type="none" w="lg" len="lg"/>
+            <a:tailEnd type="triangle" w="lg" len="lg"/>
+          </a:ln>
+        </p:spPr>
+        <p:style>
+          <a:lnRef idx="1">
+            <a:schemeClr val="accent1"/>
+          </a:lnRef>
+          <a:fillRef idx="0">
+            <a:schemeClr val="accent1"/>
+          </a:fillRef>
+          <a:effectRef idx="0">
+            <a:schemeClr val="accent1"/>
+          </a:effectRef>
+          <a:fontRef idx="minor">
+            <a:schemeClr val="tx1"/>
+          </a:fontRef>
+        </p:style>
+      </p:cxnSp>
+      <p:cxnSp>
+        <p:nvCxnSpPr>
+          <p:cNvPr id="84" name="Conector de Seta Reta 107">
+            <a:extLst>
+              <a:ext uri="{FF2B5EF4-FFF2-40B4-BE49-F238E27FC236}">
+                <a16:creationId xmlns:a16="http://schemas.microsoft.com/office/drawing/2014/main" id="{857D7B1D-5A40-4937-8118-84B108815463}"/>
+              </a:ext>
+            </a:extLst>
+          </p:cNvPr>
+          <p:cNvCxnSpPr>
+            <a:cxnSpLocks/>
+            <a:stCxn id="153" idx="0"/>
+            <a:endCxn id="52" idx="2"/>
+          </p:cNvCxnSpPr>
+          <p:nvPr/>
+        </p:nvCxnSpPr>
+        <p:spPr>
+          <a:xfrm flipH="1" flipV="1">
+            <a:off x="8086927" y="2196236"/>
+            <a:ext cx="1" cy="599824"/>
+          </a:xfrm>
+          <a:prstGeom prst="straightConnector1">
+            <a:avLst/>
+          </a:prstGeom>
+          <a:ln w="19050">
+            <a:solidFill>
+              <a:schemeClr val="accent5">
+                <a:lumMod val="75000"/>
+              </a:schemeClr>
+            </a:solidFill>
+            <a:prstDash val="sysDash"/>
+            <a:headEnd type="none" w="lg" len="lg"/>
+            <a:tailEnd type="triangle" w="lg" len="lg"/>
+          </a:ln>
+        </p:spPr>
+        <p:style>
+          <a:lnRef idx="1">
+            <a:schemeClr val="accent1"/>
+          </a:lnRef>
+          <a:fillRef idx="0">
+            <a:schemeClr val="accent1"/>
+          </a:fillRef>
+          <a:effectRef idx="0">
+            <a:schemeClr val="accent1"/>
+          </a:effectRef>
+          <a:fontRef idx="minor">
+            <a:schemeClr val="tx1"/>
+          </a:fontRef>
+        </p:style>
+      </p:cxnSp>
+      <p:cxnSp>
+        <p:nvCxnSpPr>
+          <p:cNvPr id="91" name="Conector de Seta Reta 107">
+            <a:extLst>
+              <a:ext uri="{FF2B5EF4-FFF2-40B4-BE49-F238E27FC236}">
+                <a16:creationId xmlns:a16="http://schemas.microsoft.com/office/drawing/2014/main" id="{D3C8F14A-3915-4AFA-AEBB-C22A2E3DC11C}"/>
+              </a:ext>
+            </a:extLst>
+          </p:cNvPr>
+          <p:cNvCxnSpPr>
+            <a:cxnSpLocks/>
+            <a:stCxn id="144" idx="0"/>
+            <a:endCxn id="52" idx="2"/>
+          </p:cNvCxnSpPr>
+          <p:nvPr/>
+        </p:nvCxnSpPr>
+        <p:spPr>
+          <a:xfrm flipH="1" flipV="1">
+            <a:off x="8086927" y="2196236"/>
+            <a:ext cx="2052229" cy="594722"/>
+          </a:xfrm>
+          <a:prstGeom prst="straightConnector1">
+            <a:avLst/>
+          </a:prstGeom>
+          <a:ln w="19050">
+            <a:solidFill>
+              <a:schemeClr val="accent5">
+                <a:lumMod val="75000"/>
+              </a:schemeClr>
+            </a:solidFill>
+            <a:prstDash val="sysDash"/>
+            <a:headEnd type="none" w="lg" len="lg"/>
+            <a:tailEnd type="triangle" w="lg" len="lg"/>
+          </a:ln>
+        </p:spPr>
+        <p:style>
+          <a:lnRef idx="1">
+            <a:schemeClr val="accent1"/>
+          </a:lnRef>
+          <a:fillRef idx="0">
+            <a:schemeClr val="accent1"/>
+          </a:fillRef>
+          <a:effectRef idx="0">
+            <a:schemeClr val="accent1"/>
+          </a:effectRef>
+          <a:fontRef idx="minor">
+            <a:schemeClr val="tx1"/>
+          </a:fontRef>
+        </p:style>
+      </p:cxnSp>
+      <p:cxnSp>
+        <p:nvCxnSpPr>
+          <p:cNvPr id="92" name="Conector de Seta Reta 107">
+            <a:extLst>
+              <a:ext uri="{FF2B5EF4-FFF2-40B4-BE49-F238E27FC236}">
+                <a16:creationId xmlns:a16="http://schemas.microsoft.com/office/drawing/2014/main" id="{71433949-AC20-4FC9-B0A8-88DF082F1A73}"/>
+              </a:ext>
+            </a:extLst>
+          </p:cNvPr>
+          <p:cNvCxnSpPr>
+            <a:cxnSpLocks/>
+            <a:stCxn id="149" idx="0"/>
+            <a:endCxn id="52" idx="2"/>
+          </p:cNvCxnSpPr>
+          <p:nvPr/>
+        </p:nvCxnSpPr>
+        <p:spPr>
+          <a:xfrm flipH="1" flipV="1">
+            <a:off x="8086927" y="2196236"/>
+            <a:ext cx="4104457" cy="599825"/>
+          </a:xfrm>
+          <a:prstGeom prst="straightConnector1">
+            <a:avLst/>
+          </a:prstGeom>
+          <a:ln w="19050">
+            <a:solidFill>
+              <a:schemeClr val="accent5">
+                <a:lumMod val="75000"/>
+              </a:schemeClr>
+            </a:solidFill>
+            <a:prstDash val="sysDash"/>
+            <a:headEnd type="none" w="lg" len="lg"/>
+            <a:tailEnd type="triangle" w="lg" len="lg"/>
+          </a:ln>
+        </p:spPr>
+        <p:style>
+          <a:lnRef idx="1">
+            <a:schemeClr val="accent1"/>
+          </a:lnRef>
+          <a:fillRef idx="0">
+            <a:schemeClr val="accent1"/>
+          </a:fillRef>
+          <a:effectRef idx="0">
+            <a:schemeClr val="accent1"/>
+          </a:effectRef>
+          <a:fontRef idx="minor">
+            <a:schemeClr val="tx1"/>
+          </a:fontRef>
+        </p:style>
+      </p:cxnSp>
+      <p:cxnSp>
+        <p:nvCxnSpPr>
+          <p:cNvPr id="93" name="Conector de Seta Reta 107">
+            <a:extLst>
+              <a:ext uri="{FF2B5EF4-FFF2-40B4-BE49-F238E27FC236}">
+                <a16:creationId xmlns:a16="http://schemas.microsoft.com/office/drawing/2014/main" id="{05C3CF80-0FF6-4059-B88A-DF4121C87C6D}"/>
+              </a:ext>
+            </a:extLst>
+          </p:cNvPr>
+          <p:cNvCxnSpPr>
+            <a:cxnSpLocks/>
+            <a:stCxn id="107" idx="0"/>
+            <a:endCxn id="52" idx="2"/>
+          </p:cNvCxnSpPr>
+          <p:nvPr/>
+        </p:nvCxnSpPr>
+        <p:spPr>
+          <a:xfrm flipV="1">
+            <a:off x="3982472" y="2196236"/>
+            <a:ext cx="4104455" cy="599826"/>
+          </a:xfrm>
+          <a:prstGeom prst="straightConnector1">
+            <a:avLst/>
+          </a:prstGeom>
+          <a:ln w="19050">
+            <a:solidFill>
+              <a:schemeClr val="accent5">
+                <a:lumMod val="75000"/>
+              </a:schemeClr>
+            </a:solidFill>
+            <a:prstDash val="sysDash"/>
+            <a:headEnd type="none" w="lg" len="lg"/>
+            <a:tailEnd type="triangle" w="lg" len="lg"/>
+          </a:ln>
+        </p:spPr>
+        <p:style>
+          <a:lnRef idx="1">
+            <a:schemeClr val="accent1"/>
+          </a:lnRef>
+          <a:fillRef idx="0">
+            <a:schemeClr val="accent1"/>
+          </a:fillRef>
+          <a:effectRef idx="0">
+            <a:schemeClr val="accent1"/>
+          </a:effectRef>
+          <a:fontRef idx="minor">
+            <a:schemeClr val="tx1"/>
+          </a:fontRef>
+        </p:style>
+      </p:cxnSp>
+      <p:cxnSp>
+        <p:nvCxnSpPr>
+          <p:cNvPr id="96" name="Conector de Seta Reta 107">
+            <a:extLst>
+              <a:ext uri="{FF2B5EF4-FFF2-40B4-BE49-F238E27FC236}">
+                <a16:creationId xmlns:a16="http://schemas.microsoft.com/office/drawing/2014/main" id="{933F0C5D-A438-4D1A-A50B-505F20A41AB7}"/>
+              </a:ext>
+            </a:extLst>
+          </p:cNvPr>
+          <p:cNvCxnSpPr>
+            <a:cxnSpLocks/>
+            <a:stCxn id="132" idx="0"/>
+            <a:endCxn id="52" idx="2"/>
+          </p:cNvCxnSpPr>
+          <p:nvPr/>
+        </p:nvCxnSpPr>
+        <p:spPr>
+          <a:xfrm flipV="1">
+            <a:off x="6034700" y="2196236"/>
+            <a:ext cx="2052227" cy="599826"/>
+          </a:xfrm>
+          <a:prstGeom prst="straightConnector1">
+            <a:avLst/>
+          </a:prstGeom>
+          <a:ln w="19050">
+            <a:solidFill>
+              <a:schemeClr val="accent5">
+                <a:lumMod val="75000"/>
+              </a:schemeClr>
+            </a:solidFill>
+            <a:prstDash val="sysDash"/>
+            <a:headEnd type="none" w="lg" len="lg"/>
+            <a:tailEnd type="triangle" w="lg" len="lg"/>
+          </a:ln>
+        </p:spPr>
+        <p:style>
+          <a:lnRef idx="1">
+            <a:schemeClr val="accent1"/>
+          </a:lnRef>
+          <a:fillRef idx="0">
+            <a:schemeClr val="accent1"/>
+          </a:fillRef>
+          <a:effectRef idx="0">
+            <a:schemeClr val="accent1"/>
+          </a:effectRef>
+          <a:fontRef idx="minor">
+            <a:schemeClr val="tx1"/>
+          </a:fontRef>
+        </p:style>
+      </p:cxnSp>
+      <p:pic>
+        <p:nvPicPr>
+          <p:cNvPr id="74" name="Graphic 73">
+            <a:extLst>
+              <a:ext uri="{FF2B5EF4-FFF2-40B4-BE49-F238E27FC236}">
+                <a16:creationId xmlns:a16="http://schemas.microsoft.com/office/drawing/2014/main" id="{B4F803A4-316D-41A3-94B0-050CD20CF5C3}"/>
+              </a:ext>
+            </a:extLst>
+          </p:cNvPr>
+          <p:cNvPicPr>
+            <a:picLocks noChangeAspect="1"/>
+          </p:cNvPicPr>
+          <p:nvPr/>
+        </p:nvPicPr>
+        <p:blipFill>
+          <a:blip r:embed="rId3">
+            <a:extLst>
+              <a:ext uri="{28A0092B-C50C-407E-A947-70E740481C1C}">
+                <a14:useLocalDpi xmlns:a14="http://schemas.microsoft.com/office/drawing/2010/main" val="0"/>
+              </a:ext>
+              <a:ext uri="{96DAC541-7B7A-43D3-8B79-37D633B846F1}">
+                <asvg:svgBlip xmlns:asvg="http://schemas.microsoft.com/office/drawing/2016/SVG/main" r:embed="rId4"/>
+              </a:ext>
+            </a:extLst>
+          </a:blip>
+          <a:stretch>
+            <a:fillRect/>
+          </a:stretch>
+        </p:blipFill>
+        <p:spPr>
+          <a:xfrm>
+            <a:off x="11446484" y="7015875"/>
+            <a:ext cx="1676158" cy="448082"/>
+          </a:xfrm>
+          <a:prstGeom prst="rect">
+            <a:avLst/>
+          </a:prstGeom>
+        </p:spPr>
+      </p:pic>
+    </p:spTree>
+    <p:extLst>
+      <p:ext uri="{BB962C8B-B14F-4D97-AF65-F5344CB8AC3E}">
+        <p14:creationId xmlns:p14="http://schemas.microsoft.com/office/powerpoint/2010/main" val="3572179518"/>
+      </p:ext>
+    </p:extLst>
+  </p:cSld>
+  <p:clrMapOvr>
+    <a:masterClrMapping/>
+  </p:clrMapOvr>
+</p:sld>
+</file>
+
+<file path=ppt/slides/slide4.xml><?xml version="1.0" encoding="utf-8"?>
+<p:sld xmlns:a="http://schemas.openxmlformats.org/drawingml/2006/main" xmlns:r="http://schemas.openxmlformats.org/officeDocument/2006/relationships" xmlns:p="http://schemas.openxmlformats.org/presentationml/2006/main">
+  <p:cSld>
+    <p:spTree>
+      <p:nvGrpSpPr>
+        <p:cNvPr id="1" name=""/>
+        <p:cNvGrpSpPr/>
+        <p:nvPr/>
+      </p:nvGrpSpPr>
+      <p:grpSpPr>
+        <a:xfrm>
+          <a:off x="0" y="0"/>
+          <a:ext cx="0" cy="0"/>
+          <a:chOff x="0" y="0"/>
+          <a:chExt cx="0" cy="0"/>
+        </a:xfrm>
+      </p:grpSpPr>
+      <p:grpSp>
+        <p:nvGrpSpPr>
+          <p:cNvPr id="18" name="Group 17">
+            <a:extLst>
+              <a:ext uri="{FF2B5EF4-FFF2-40B4-BE49-F238E27FC236}">
+                <a16:creationId xmlns:a16="http://schemas.microsoft.com/office/drawing/2014/main" id="{898EAD33-34A6-4747-9CD6-A9FB7A1E34BD}"/>
+              </a:ext>
+            </a:extLst>
+          </p:cNvPr>
+          <p:cNvGrpSpPr/>
+          <p:nvPr/>
+        </p:nvGrpSpPr>
+        <p:grpSpPr>
+          <a:xfrm>
+            <a:off x="179131" y="507795"/>
+            <a:ext cx="1978043" cy="1688660"/>
+            <a:chOff x="216397" y="677072"/>
+            <a:chExt cx="1978043" cy="1688660"/>
+          </a:xfrm>
+        </p:grpSpPr>
+        <p:sp>
+          <p:nvSpPr>
+            <p:cNvPr id="59" name="Fluxograma: Disco Magnético 5">
+              <a:extLst>
+                <a:ext uri="{FF2B5EF4-FFF2-40B4-BE49-F238E27FC236}">
+                  <a16:creationId xmlns:a16="http://schemas.microsoft.com/office/drawing/2014/main" id="{2EBDFFB5-65B1-40B4-90A0-C6556F918E28}"/>
+                </a:ext>
+              </a:extLst>
+            </p:cNvPr>
+            <p:cNvSpPr>
+              <a:spLocks noChangeAspect="1"/>
+            </p:cNvSpPr>
+            <p:nvPr/>
+          </p:nvSpPr>
+          <p:spPr>
+            <a:xfrm>
+              <a:off x="216398" y="677072"/>
+              <a:ext cx="1968574" cy="1688660"/>
+            </a:xfrm>
+            <a:prstGeom prst="flowChartMagneticDisk">
+              <a:avLst/>
+            </a:prstGeom>
+            <a:solidFill>
+              <a:schemeClr val="bg1">
+                <a:lumMod val="50000"/>
+              </a:schemeClr>
+            </a:solidFill>
+            <a:ln>
+              <a:solidFill>
+                <a:srgbClr val="253746"/>
+              </a:solidFill>
+            </a:ln>
+          </p:spPr>
+          <p:style>
+            <a:lnRef idx="2">
+              <a:schemeClr val="accent1">
+                <a:shade val="50000"/>
+              </a:schemeClr>
+            </a:lnRef>
+            <a:fillRef idx="1">
+              <a:schemeClr val="accent1"/>
+            </a:fillRef>
+            <a:effectRef idx="0">
+              <a:schemeClr val="accent1"/>
+            </a:effectRef>
+            <a:fontRef idx="minor">
+              <a:schemeClr val="lt1"/>
+            </a:fontRef>
+          </p:style>
+          <p:txBody>
+            <a:bodyPr rtlCol="0" anchor="ctr"/>
+            <a:lstStyle/>
+            <a:p>
+              <a:pPr algn="ctr"/>
+              <a:endParaRPr lang="pt-BR" sz="1800" dirty="0">
+                <a:solidFill>
+                  <a:prstClr val="white"/>
+                </a:solidFill>
+                <a:latin typeface="Calibri"/>
+              </a:endParaRPr>
+            </a:p>
+          </p:txBody>
+        </p:sp>
+        <p:sp>
+          <p:nvSpPr>
+            <p:cNvPr id="62" name="Retângulo 20">
+              <a:extLst>
+                <a:ext uri="{FF2B5EF4-FFF2-40B4-BE49-F238E27FC236}">
+                  <a16:creationId xmlns:a16="http://schemas.microsoft.com/office/drawing/2014/main" id="{815EF645-82AE-4337-8700-AA9F1A6C8E22}"/>
+                </a:ext>
+              </a:extLst>
+            </p:cNvPr>
+            <p:cNvSpPr/>
+            <p:nvPr/>
+          </p:nvSpPr>
+          <p:spPr>
+            <a:xfrm>
+              <a:off x="216397" y="1241187"/>
+              <a:ext cx="1978043" cy="523220"/>
+            </a:xfrm>
+            <a:prstGeom prst="rect">
+              <a:avLst/>
+            </a:prstGeom>
+          </p:spPr>
+          <p:txBody>
+            <a:bodyPr wrap="square">
+              <a:spAutoFit/>
+            </a:bodyPr>
+            <a:lstStyle/>
+            <a:p>
+              <a:pPr lvl="0" algn="ctr">
+                <a:defRPr/>
+              </a:pPr>
+              <a:r>
+                <a:rPr lang="pt-BR" sz="1400" b="1" dirty="0">
+                  <a:solidFill>
+                    <a:prstClr val="white"/>
+                  </a:solidFill>
+                </a:rPr>
+                <a:t>Database</a:t>
+              </a:r>
+            </a:p>
+            <a:p>
+              <a:pPr lvl="0" algn="ctr">
+                <a:defRPr/>
+              </a:pPr>
+              <a:r>
+                <a:rPr lang="pt-BR" sz="1400" dirty="0">
+                  <a:solidFill>
+                    <a:prstClr val="white"/>
+                  </a:solidFill>
+                </a:rPr>
+                <a:t>[Container: SQL Server]</a:t>
+              </a:r>
+            </a:p>
+          </p:txBody>
+        </p:sp>
+        <p:sp>
+          <p:nvSpPr>
+            <p:cNvPr id="68" name="Retângulo 20">
+              <a:extLst>
+                <a:ext uri="{FF2B5EF4-FFF2-40B4-BE49-F238E27FC236}">
+                  <a16:creationId xmlns:a16="http://schemas.microsoft.com/office/drawing/2014/main" id="{1782754A-C6CA-43DC-95D3-7ED72819E626}"/>
+                </a:ext>
+              </a:extLst>
+            </p:cNvPr>
+            <p:cNvSpPr/>
+            <p:nvPr/>
+          </p:nvSpPr>
+          <p:spPr>
+            <a:xfrm>
+              <a:off x="216398" y="1692399"/>
+              <a:ext cx="1968574" cy="492443"/>
+            </a:xfrm>
+            <a:prstGeom prst="rect">
+              <a:avLst/>
+            </a:prstGeom>
+          </p:spPr>
+          <p:txBody>
+            <a:bodyPr wrap="square">
+              <a:spAutoFit/>
+            </a:bodyPr>
+            <a:lstStyle/>
+            <a:p>
+              <a:pPr lvl="0" algn="ctr">
+                <a:defRPr/>
+              </a:pPr>
+              <a:r>
+                <a:rPr lang="pt-BR" sz="1300" dirty="0">
+                  <a:solidFill>
+                    <a:prstClr val="white"/>
+                  </a:solidFill>
+                </a:rPr>
+                <a:t>Armazena os dados das máquinas e dos cadastros.</a:t>
+              </a:r>
+            </a:p>
+          </p:txBody>
+        </p:sp>
+      </p:grpSp>
+      <p:grpSp>
+        <p:nvGrpSpPr>
+          <p:cNvPr id="10" name="Group 9">
+            <a:extLst>
+              <a:ext uri="{FF2B5EF4-FFF2-40B4-BE49-F238E27FC236}">
+                <a16:creationId xmlns:a16="http://schemas.microsoft.com/office/drawing/2014/main" id="{183C24E2-F505-4489-B0D4-7293CE66A349}"/>
+              </a:ext>
+            </a:extLst>
+          </p:cNvPr>
+          <p:cNvGrpSpPr/>
+          <p:nvPr/>
+        </p:nvGrpSpPr>
+        <p:grpSpPr>
+          <a:xfrm>
+            <a:off x="216397" y="2772695"/>
+            <a:ext cx="1875600" cy="1584000"/>
+            <a:chOff x="561681" y="4929649"/>
+            <a:chExt cx="2697441" cy="2144548"/>
+          </a:xfrm>
+        </p:grpSpPr>
+        <p:sp>
+          <p:nvSpPr>
+            <p:cNvPr id="70" name="Retângulo 29">
+              <a:extLst>
+                <a:ext uri="{FF2B5EF4-FFF2-40B4-BE49-F238E27FC236}">
+                  <a16:creationId xmlns:a16="http://schemas.microsoft.com/office/drawing/2014/main" id="{A1AA79BC-35E8-40D6-A4F5-43492D9675D6}"/>
+                </a:ext>
+              </a:extLst>
+            </p:cNvPr>
+            <p:cNvSpPr/>
+            <p:nvPr/>
+          </p:nvSpPr>
+          <p:spPr>
+            <a:xfrm>
+              <a:off x="561681" y="4929649"/>
+              <a:ext cx="2697441" cy="2144548"/>
+            </a:xfrm>
+            <a:prstGeom prst="rect">
+              <a:avLst/>
+            </a:prstGeom>
+            <a:solidFill>
+              <a:schemeClr val="bg1">
+                <a:lumMod val="85000"/>
+              </a:schemeClr>
+            </a:solidFill>
+            <a:ln>
+              <a:solidFill>
+                <a:srgbClr val="253746"/>
+              </a:solidFill>
+              <a:prstDash val="dash"/>
+            </a:ln>
+          </p:spPr>
+          <p:style>
+            <a:lnRef idx="2">
+              <a:schemeClr val="accent1">
+                <a:shade val="50000"/>
+              </a:schemeClr>
+            </a:lnRef>
+            <a:fillRef idx="1">
+              <a:schemeClr val="accent1"/>
+            </a:fillRef>
+            <a:effectRef idx="0">
+              <a:schemeClr val="accent1"/>
+            </a:effectRef>
+            <a:fontRef idx="minor">
+              <a:schemeClr val="lt1"/>
+            </a:fontRef>
+          </p:style>
+          <p:txBody>
+            <a:bodyPr rtlCol="0" anchor="ctr"/>
+            <a:lstStyle/>
+            <a:p>
+              <a:pPr algn="ctr"/>
+              <a:endParaRPr lang="pt-BR" sz="1800" dirty="0">
+                <a:solidFill>
+                  <a:prstClr val="white"/>
+                </a:solidFill>
+                <a:latin typeface="Calibri"/>
+              </a:endParaRPr>
+            </a:p>
+          </p:txBody>
+        </p:sp>
+        <p:sp>
+          <p:nvSpPr>
+            <p:cNvPr id="71" name="Retângulo 20">
+              <a:extLst>
+                <a:ext uri="{FF2B5EF4-FFF2-40B4-BE49-F238E27FC236}">
+                  <a16:creationId xmlns:a16="http://schemas.microsoft.com/office/drawing/2014/main" id="{BCA5C6BC-75FE-471E-98D5-2AEC02E773B6}"/>
+                </a:ext>
+              </a:extLst>
+            </p:cNvPr>
+            <p:cNvSpPr/>
+            <p:nvPr/>
+          </p:nvSpPr>
+          <p:spPr>
+            <a:xfrm>
+              <a:off x="566843" y="5076209"/>
+              <a:ext cx="2692279" cy="1020898"/>
+            </a:xfrm>
+            <a:prstGeom prst="rect">
+              <a:avLst/>
+            </a:prstGeom>
+          </p:spPr>
+          <p:txBody>
+            <a:bodyPr wrap="square">
+              <a:spAutoFit/>
+            </a:bodyPr>
+            <a:lstStyle/>
+            <a:p>
+              <a:pPr lvl="0" algn="ctr">
+                <a:defRPr/>
+              </a:pPr>
+              <a:r>
+                <a:rPr lang="pt-BR" sz="1500" b="1" dirty="0"/>
+                <a:t>GOOGLE Application</a:t>
+              </a:r>
+            </a:p>
+            <a:p>
+              <a:pPr lvl="0" algn="ctr">
+                <a:defRPr/>
+              </a:pPr>
+              <a:r>
+                <a:rPr lang="pt-BR" sz="1400" dirty="0"/>
+                <a:t>[Container: </a:t>
+              </a:r>
+            </a:p>
+            <a:p>
+              <a:pPr lvl="0" algn="ctr">
+                <a:defRPr/>
+              </a:pPr>
+              <a:r>
+                <a:rPr lang="pt-BR" sz="1400" dirty="0"/>
+                <a:t>GeoCoding API]</a:t>
+              </a:r>
+            </a:p>
+          </p:txBody>
+        </p:sp>
+        <p:sp>
+          <p:nvSpPr>
+            <p:cNvPr id="72" name="Retângulo 20">
+              <a:extLst>
+                <a:ext uri="{FF2B5EF4-FFF2-40B4-BE49-F238E27FC236}">
+                  <a16:creationId xmlns:a16="http://schemas.microsoft.com/office/drawing/2014/main" id="{765D59F3-C09D-49AE-A075-CEED42A64093}"/>
+                </a:ext>
+              </a:extLst>
+            </p:cNvPr>
+            <p:cNvSpPr/>
+            <p:nvPr/>
+          </p:nvSpPr>
+          <p:spPr>
+            <a:xfrm>
+              <a:off x="561681" y="6035624"/>
+              <a:ext cx="2692279" cy="666709"/>
+            </a:xfrm>
+            <a:prstGeom prst="rect">
+              <a:avLst/>
+            </a:prstGeom>
+          </p:spPr>
+          <p:txBody>
+            <a:bodyPr wrap="square">
+              <a:spAutoFit/>
+            </a:bodyPr>
+            <a:lstStyle/>
+            <a:p>
+              <a:pPr lvl="0" algn="ctr">
+                <a:defRPr/>
+              </a:pPr>
+              <a:r>
+                <a:rPr lang="pt-BR" sz="1300" dirty="0"/>
+                <a:t>API para integração com os mapas do Google.</a:t>
+              </a:r>
+            </a:p>
+          </p:txBody>
+        </p:sp>
+      </p:grpSp>
+      <p:grpSp>
+        <p:nvGrpSpPr>
+          <p:cNvPr id="12" name="Group 11">
+            <a:extLst>
+              <a:ext uri="{FF2B5EF4-FFF2-40B4-BE49-F238E27FC236}">
+                <a16:creationId xmlns:a16="http://schemas.microsoft.com/office/drawing/2014/main" id="{21C054C1-FE63-4013-A346-1CA1D1F79710}"/>
+              </a:ext>
+            </a:extLst>
+          </p:cNvPr>
+          <p:cNvGrpSpPr/>
+          <p:nvPr/>
+        </p:nvGrpSpPr>
+        <p:grpSpPr>
+          <a:xfrm>
+            <a:off x="11247044" y="5076951"/>
+            <a:ext cx="1875600" cy="1584000"/>
+            <a:chOff x="7486803" y="4907952"/>
+            <a:chExt cx="2620066" cy="2144551"/>
+          </a:xfrm>
+        </p:grpSpPr>
+        <p:grpSp>
+          <p:nvGrpSpPr>
+            <p:cNvPr id="76" name="Group 75">
+              <a:extLst>
+                <a:ext uri="{FF2B5EF4-FFF2-40B4-BE49-F238E27FC236}">
+                  <a16:creationId xmlns:a16="http://schemas.microsoft.com/office/drawing/2014/main" id="{6E75E514-261D-4C65-874F-12C6C5CFE6CE}"/>
+                </a:ext>
+              </a:extLst>
+            </p:cNvPr>
+            <p:cNvGrpSpPr/>
+            <p:nvPr/>
+          </p:nvGrpSpPr>
+          <p:grpSpPr>
+            <a:xfrm>
+              <a:off x="7486806" y="4907952"/>
+              <a:ext cx="2620063" cy="2144551"/>
+              <a:chOff x="8392958" y="3891083"/>
+              <a:chExt cx="3276202" cy="2212133"/>
+            </a:xfrm>
+          </p:grpSpPr>
+          <p:sp>
+            <p:nvSpPr>
+              <p:cNvPr id="81" name="Retângulo 6">
+                <a:extLst>
+                  <a:ext uri="{FF2B5EF4-FFF2-40B4-BE49-F238E27FC236}">
+                    <a16:creationId xmlns:a16="http://schemas.microsoft.com/office/drawing/2014/main" id="{3FCB07C2-F840-43DB-837E-F714D0BF42AB}"/>
+                  </a:ext>
+                </a:extLst>
+              </p:cNvPr>
+              <p:cNvSpPr/>
+              <p:nvPr/>
+            </p:nvSpPr>
+            <p:spPr>
+              <a:xfrm>
+                <a:off x="8392958" y="3891083"/>
+                <a:ext cx="3276202" cy="2212133"/>
+              </a:xfrm>
+              <a:prstGeom prst="rect">
+                <a:avLst/>
+              </a:prstGeom>
+              <a:solidFill>
+                <a:srgbClr val="32B9CD"/>
+              </a:solidFill>
+              <a:ln>
+                <a:solidFill>
+                  <a:schemeClr val="accent5">
+                    <a:lumMod val="75000"/>
+                  </a:schemeClr>
+                </a:solidFill>
+              </a:ln>
+            </p:spPr>
+            <p:style>
+              <a:lnRef idx="2">
+                <a:schemeClr val="accent1">
+                  <a:shade val="50000"/>
+                </a:schemeClr>
+              </a:lnRef>
+              <a:fillRef idx="1">
+                <a:schemeClr val="accent1"/>
+              </a:fillRef>
+              <a:effectRef idx="0">
+                <a:schemeClr val="accent1"/>
+              </a:effectRef>
+              <a:fontRef idx="minor">
+                <a:schemeClr val="lt1"/>
+              </a:fontRef>
+            </p:style>
+            <p:txBody>
+              <a:bodyPr rtlCol="0" anchor="ctr"/>
+              <a:lstStyle/>
+              <a:p>
+                <a:pPr algn="ctr"/>
+                <a:endParaRPr lang="pt-BR" dirty="0">
+                  <a:solidFill>
+                    <a:prstClr val="white"/>
+                  </a:solidFill>
+                  <a:latin typeface="Calibri"/>
+                </a:endParaRPr>
+              </a:p>
+            </p:txBody>
+          </p:sp>
+          <p:sp>
+            <p:nvSpPr>
+              <p:cNvPr id="87" name="Retângulo 6">
+                <a:extLst>
+                  <a:ext uri="{FF2B5EF4-FFF2-40B4-BE49-F238E27FC236}">
+                    <a16:creationId xmlns:a16="http://schemas.microsoft.com/office/drawing/2014/main" id="{B946B93B-E733-42C6-89C0-B32C227D291B}"/>
+                  </a:ext>
+                </a:extLst>
+              </p:cNvPr>
+              <p:cNvSpPr/>
+              <p:nvPr/>
+            </p:nvSpPr>
+            <p:spPr>
+              <a:xfrm>
+                <a:off x="8464949" y="3959113"/>
+                <a:ext cx="2577005" cy="226901"/>
+              </a:xfrm>
+              <a:prstGeom prst="rect">
+                <a:avLst/>
+              </a:prstGeom>
+              <a:noFill/>
+              <a:ln>
+                <a:solidFill>
+                  <a:schemeClr val="accent5">
+                    <a:lumMod val="75000"/>
+                  </a:schemeClr>
+                </a:solidFill>
+              </a:ln>
+            </p:spPr>
+            <p:style>
+              <a:lnRef idx="2">
+                <a:schemeClr val="accent1">
+                  <a:shade val="50000"/>
+                </a:schemeClr>
+              </a:lnRef>
+              <a:fillRef idx="1">
+                <a:schemeClr val="accent1"/>
+              </a:fillRef>
+              <a:effectRef idx="0">
+                <a:schemeClr val="accent1"/>
+              </a:effectRef>
+              <a:fontRef idx="minor">
+                <a:schemeClr val="lt1"/>
+              </a:fontRef>
+            </p:style>
+            <p:txBody>
+              <a:bodyPr rtlCol="0" anchor="ctr"/>
+              <a:lstStyle/>
+              <a:p>
+                <a:pPr algn="ctr"/>
+                <a:endParaRPr lang="pt-BR" dirty="0">
+                  <a:solidFill>
+                    <a:prstClr val="white"/>
+                  </a:solidFill>
+                  <a:latin typeface="Calibri"/>
+                </a:endParaRPr>
+              </a:p>
+            </p:txBody>
+          </p:sp>
+          <p:sp>
+            <p:nvSpPr>
+              <p:cNvPr id="88" name="Multiply 18">
+                <a:extLst>
+                  <a:ext uri="{FF2B5EF4-FFF2-40B4-BE49-F238E27FC236}">
+                    <a16:creationId xmlns:a16="http://schemas.microsoft.com/office/drawing/2014/main" id="{8F79FD67-13B1-457E-BBD3-AF7F03BE999B}"/>
+                  </a:ext>
+                </a:extLst>
+              </p:cNvPr>
+              <p:cNvSpPr/>
+              <p:nvPr/>
+            </p:nvSpPr>
+            <p:spPr>
+              <a:xfrm>
+                <a:off x="11309204" y="3924647"/>
+                <a:ext cx="288032" cy="295831"/>
+              </a:xfrm>
+              <a:prstGeom prst="mathMultiply">
+                <a:avLst/>
+              </a:prstGeom>
+              <a:noFill/>
+              <a:ln>
+                <a:solidFill>
+                  <a:schemeClr val="accent5">
+                    <a:lumMod val="75000"/>
+                  </a:schemeClr>
+                </a:solidFill>
+              </a:ln>
+            </p:spPr>
+            <p:style>
+              <a:lnRef idx="2">
+                <a:schemeClr val="accent1">
+                  <a:shade val="50000"/>
+                </a:schemeClr>
+              </a:lnRef>
+              <a:fillRef idx="1">
+                <a:schemeClr val="accent1"/>
+              </a:fillRef>
+              <a:effectRef idx="0">
+                <a:schemeClr val="accent1"/>
+              </a:effectRef>
+              <a:fontRef idx="minor">
+                <a:schemeClr val="lt1"/>
+              </a:fontRef>
+            </p:style>
+            <p:txBody>
+              <a:bodyPr rtlCol="0" anchor="ctr"/>
+              <a:lstStyle/>
+              <a:p>
+                <a:pPr algn="ctr"/>
+                <a:endParaRPr lang="pt-BR" dirty="0"/>
+              </a:p>
+            </p:txBody>
+          </p:sp>
+          <p:sp>
+            <p:nvSpPr>
+              <p:cNvPr id="89" name="Circular Arrow 19">
+                <a:extLst>
+                  <a:ext uri="{FF2B5EF4-FFF2-40B4-BE49-F238E27FC236}">
+                    <a16:creationId xmlns:a16="http://schemas.microsoft.com/office/drawing/2014/main" id="{C2635B30-5259-429D-A42A-A06D748AE99C}"/>
+                  </a:ext>
+                </a:extLst>
+              </p:cNvPr>
+              <p:cNvSpPr/>
+              <p:nvPr/>
+            </p:nvSpPr>
+            <p:spPr>
+              <a:xfrm rot="16500000">
+                <a:off x="11158829" y="3927941"/>
+                <a:ext cx="216000" cy="288000"/>
+              </a:xfrm>
+              <a:prstGeom prst="circularArrow">
+                <a:avLst/>
+              </a:prstGeom>
+              <a:noFill/>
+              <a:ln>
+                <a:solidFill>
+                  <a:schemeClr val="accent5">
+                    <a:lumMod val="75000"/>
+                  </a:schemeClr>
+                </a:solidFill>
+              </a:ln>
+            </p:spPr>
+            <p:style>
+              <a:lnRef idx="2">
+                <a:schemeClr val="accent1">
+                  <a:shade val="50000"/>
+                </a:schemeClr>
+              </a:lnRef>
+              <a:fillRef idx="1">
+                <a:schemeClr val="accent1"/>
+              </a:fillRef>
+              <a:effectRef idx="0">
+                <a:schemeClr val="accent1"/>
+              </a:effectRef>
+              <a:fontRef idx="minor">
+                <a:schemeClr val="lt1"/>
+              </a:fontRef>
+            </p:style>
+            <p:txBody>
+              <a:bodyPr rtlCol="0" anchor="ctr"/>
+              <a:lstStyle/>
+              <a:p>
+                <a:pPr algn="ctr"/>
+                <a:endParaRPr lang="pt-BR" dirty="0">
+                  <a:solidFill>
+                    <a:schemeClr val="tx1"/>
+                  </a:solidFill>
+                </a:endParaRPr>
+              </a:p>
+            </p:txBody>
+          </p:sp>
+        </p:grpSp>
+        <p:sp>
+          <p:nvSpPr>
+            <p:cNvPr id="77" name="Retângulo 20">
+              <a:extLst>
+                <a:ext uri="{FF2B5EF4-FFF2-40B4-BE49-F238E27FC236}">
+                  <a16:creationId xmlns:a16="http://schemas.microsoft.com/office/drawing/2014/main" id="{05F3A07C-92FF-4E57-9580-2FB03C87EFAF}"/>
+                </a:ext>
+              </a:extLst>
+            </p:cNvPr>
+            <p:cNvSpPr/>
+            <p:nvPr/>
+          </p:nvSpPr>
+          <p:spPr>
+            <a:xfrm>
+              <a:off x="7486803" y="5271066"/>
+              <a:ext cx="2620063" cy="750049"/>
+            </a:xfrm>
+            <a:prstGeom prst="rect">
+              <a:avLst/>
+            </a:prstGeom>
+          </p:spPr>
+          <p:txBody>
+            <a:bodyPr wrap="square">
+              <a:spAutoFit/>
+            </a:bodyPr>
+            <a:lstStyle/>
+            <a:p>
+              <a:pPr lvl="0" algn="ctr">
+                <a:defRPr/>
+              </a:pPr>
+              <a:r>
+                <a:rPr lang="pt-BR" sz="1600" b="1" dirty="0" err="1">
+                  <a:solidFill>
+                    <a:prstClr val="white"/>
+                  </a:solidFill>
+                </a:rPr>
+                <a:t>Client</a:t>
+              </a:r>
+              <a:r>
+                <a:rPr lang="pt-BR" sz="1600" b="1" dirty="0">
+                  <a:solidFill>
+                    <a:prstClr val="white"/>
+                  </a:solidFill>
+                </a:rPr>
+                <a:t> </a:t>
+              </a:r>
+              <a:r>
+                <a:rPr lang="pt-BR" sz="1600" b="1" dirty="0" err="1">
+                  <a:solidFill>
+                    <a:prstClr val="white"/>
+                  </a:solidFill>
+                </a:rPr>
+                <a:t>Side</a:t>
+              </a:r>
+              <a:r>
+                <a:rPr lang="pt-BR" sz="1600" b="1" dirty="0">
+                  <a:solidFill>
+                    <a:prstClr val="white"/>
+                  </a:solidFill>
+                </a:rPr>
+                <a:t> Web</a:t>
+              </a:r>
+            </a:p>
+            <a:p>
+              <a:pPr lvl="0" algn="ctr">
+                <a:defRPr/>
+              </a:pPr>
+              <a:r>
+                <a:rPr lang="pt-BR" sz="1400" dirty="0">
+                  <a:solidFill>
+                    <a:prstClr val="white"/>
+                  </a:solidFill>
+                </a:rPr>
+                <a:t>[Container: </a:t>
+              </a:r>
+              <a:r>
+                <a:rPr lang="pt-BR" sz="1400" dirty="0" err="1">
+                  <a:solidFill>
+                    <a:prstClr val="white"/>
+                  </a:solidFill>
+                </a:rPr>
+                <a:t>React</a:t>
+              </a:r>
+              <a:r>
+                <a:rPr lang="pt-BR" sz="1400" dirty="0">
+                  <a:solidFill>
+                    <a:prstClr val="white"/>
+                  </a:solidFill>
+                </a:rPr>
+                <a:t>]</a:t>
+              </a:r>
+            </a:p>
+          </p:txBody>
+        </p:sp>
+        <p:sp>
+          <p:nvSpPr>
+            <p:cNvPr id="79" name="Retângulo 20">
+              <a:extLst>
+                <a:ext uri="{FF2B5EF4-FFF2-40B4-BE49-F238E27FC236}">
+                  <a16:creationId xmlns:a16="http://schemas.microsoft.com/office/drawing/2014/main" id="{6B51B3AF-165E-4439-8725-9B6773505A10}"/>
+                </a:ext>
+              </a:extLst>
+            </p:cNvPr>
+            <p:cNvSpPr/>
+            <p:nvPr/>
+          </p:nvSpPr>
+          <p:spPr>
+            <a:xfrm>
+              <a:off x="7486803" y="6147599"/>
+              <a:ext cx="2620063" cy="666710"/>
+            </a:xfrm>
+            <a:prstGeom prst="rect">
+              <a:avLst/>
+            </a:prstGeom>
+          </p:spPr>
+          <p:txBody>
+            <a:bodyPr wrap="square">
+              <a:spAutoFit/>
+            </a:bodyPr>
+            <a:lstStyle/>
+            <a:p>
+              <a:pPr lvl="0" algn="ctr">
+                <a:defRPr/>
+              </a:pPr>
+              <a:r>
+                <a:rPr lang="pt-BR" sz="1300" dirty="0">
+                  <a:solidFill>
+                    <a:prstClr val="white"/>
+                  </a:solidFill>
+                </a:rPr>
+                <a:t>Home institucional e Tela de Artigos</a:t>
+              </a:r>
+            </a:p>
+          </p:txBody>
+        </p:sp>
+      </p:grpSp>
+      <p:cxnSp>
+        <p:nvCxnSpPr>
+          <p:cNvPr id="90" name="Conector de Seta Reta 107">
+            <a:extLst>
+              <a:ext uri="{FF2B5EF4-FFF2-40B4-BE49-F238E27FC236}">
+                <a16:creationId xmlns:a16="http://schemas.microsoft.com/office/drawing/2014/main" id="{7987BB83-595B-41EE-B049-6CF2F2A5EBFE}"/>
+              </a:ext>
+            </a:extLst>
+          </p:cNvPr>
+          <p:cNvCxnSpPr>
+            <a:cxnSpLocks/>
+            <a:stCxn id="52" idx="1"/>
+            <a:endCxn id="59" idx="4"/>
+          </p:cNvCxnSpPr>
+          <p:nvPr/>
+        </p:nvCxnSpPr>
+        <p:spPr>
+          <a:xfrm flipH="1" flipV="1">
+            <a:off x="2147706" y="1352125"/>
+            <a:ext cx="5005817" cy="0"/>
+          </a:xfrm>
+          <a:prstGeom prst="straightConnector1">
+            <a:avLst/>
+          </a:prstGeom>
+          <a:ln w="19050">
+            <a:solidFill>
+              <a:schemeClr val="accent5">
+                <a:lumMod val="75000"/>
+              </a:schemeClr>
+            </a:solidFill>
+            <a:prstDash val="sysDash"/>
+            <a:headEnd type="none" w="lg" len="lg"/>
+            <a:tailEnd type="triangle" w="lg" len="lg"/>
+          </a:ln>
+        </p:spPr>
+        <p:style>
+          <a:lnRef idx="1">
+            <a:schemeClr val="accent1"/>
+          </a:lnRef>
+          <a:fillRef idx="0">
+            <a:schemeClr val="accent1"/>
+          </a:fillRef>
+          <a:effectRef idx="0">
+            <a:schemeClr val="accent1"/>
+          </a:effectRef>
+          <a:fontRef idx="minor">
+            <a:schemeClr val="tx1"/>
+          </a:fontRef>
+        </p:style>
+      </p:cxnSp>
+      <p:cxnSp>
+        <p:nvCxnSpPr>
+          <p:cNvPr id="95" name="Conector de Seta Reta 107">
+            <a:extLst>
+              <a:ext uri="{FF2B5EF4-FFF2-40B4-BE49-F238E27FC236}">
+                <a16:creationId xmlns:a16="http://schemas.microsoft.com/office/drawing/2014/main" id="{1CB85DBD-8E58-41F8-A7B7-E0C54906459D}"/>
+              </a:ext>
+            </a:extLst>
+          </p:cNvPr>
+          <p:cNvCxnSpPr>
+            <a:cxnSpLocks/>
+            <a:stCxn id="81" idx="0"/>
+            <a:endCxn id="149" idx="2"/>
+          </p:cNvCxnSpPr>
+          <p:nvPr/>
+        </p:nvCxnSpPr>
+        <p:spPr>
+          <a:xfrm flipV="1">
+            <a:off x="12184845" y="4380018"/>
+            <a:ext cx="0" cy="696933"/>
+          </a:xfrm>
+          <a:prstGeom prst="straightConnector1">
+            <a:avLst/>
+          </a:prstGeom>
+          <a:ln w="19050">
+            <a:solidFill>
+              <a:schemeClr val="accent5">
+                <a:lumMod val="75000"/>
+              </a:schemeClr>
+            </a:solidFill>
+            <a:prstDash val="sysDash"/>
+            <a:headEnd type="none" w="lg" len="lg"/>
+            <a:tailEnd type="triangle" w="lg" len="lg"/>
+          </a:ln>
+        </p:spPr>
+        <p:style>
+          <a:lnRef idx="1">
+            <a:schemeClr val="accent1"/>
+          </a:lnRef>
+          <a:fillRef idx="0">
+            <a:schemeClr val="accent1"/>
+          </a:fillRef>
+          <a:effectRef idx="0">
+            <a:schemeClr val="accent1"/>
+          </a:effectRef>
+          <a:fontRef idx="minor">
+            <a:schemeClr val="tx1"/>
+          </a:fontRef>
+        </p:style>
+      </p:cxnSp>
+      <p:grpSp>
+        <p:nvGrpSpPr>
+          <p:cNvPr id="11" name="Group 10">
+            <a:extLst>
+              <a:ext uri="{FF2B5EF4-FFF2-40B4-BE49-F238E27FC236}">
+                <a16:creationId xmlns:a16="http://schemas.microsoft.com/office/drawing/2014/main" id="{3B8AD8F7-5E71-4D38-A2BF-CB858EF03109}"/>
+              </a:ext>
+            </a:extLst>
+          </p:cNvPr>
+          <p:cNvGrpSpPr/>
+          <p:nvPr/>
+        </p:nvGrpSpPr>
+        <p:grpSpPr>
+          <a:xfrm>
+            <a:off x="7158717" y="5064891"/>
+            <a:ext cx="1875600" cy="1608120"/>
+            <a:chOff x="4593132" y="4929646"/>
+            <a:chExt cx="2620064" cy="2177207"/>
+          </a:xfrm>
+        </p:grpSpPr>
+        <p:grpSp>
+          <p:nvGrpSpPr>
+            <p:cNvPr id="97" name="Group 96">
+              <a:extLst>
+                <a:ext uri="{FF2B5EF4-FFF2-40B4-BE49-F238E27FC236}">
+                  <a16:creationId xmlns:a16="http://schemas.microsoft.com/office/drawing/2014/main" id="{8A7B7EF5-F0AA-4383-9C07-CD4973B440FF}"/>
+                </a:ext>
+              </a:extLst>
+            </p:cNvPr>
+            <p:cNvGrpSpPr/>
+            <p:nvPr/>
+          </p:nvGrpSpPr>
+          <p:grpSpPr>
+            <a:xfrm>
+              <a:off x="4593133" y="4929646"/>
+              <a:ext cx="2620063" cy="2144551"/>
+              <a:chOff x="8392958" y="3891083"/>
+              <a:chExt cx="3276202" cy="2212133"/>
+            </a:xfrm>
+          </p:grpSpPr>
+          <p:sp>
+            <p:nvSpPr>
+              <p:cNvPr id="104" name="Retângulo 6">
+                <a:extLst>
+                  <a:ext uri="{FF2B5EF4-FFF2-40B4-BE49-F238E27FC236}">
+                    <a16:creationId xmlns:a16="http://schemas.microsoft.com/office/drawing/2014/main" id="{B9E2CB4F-D5F3-4D26-A3C4-31BA36A53487}"/>
+                  </a:ext>
+                </a:extLst>
+              </p:cNvPr>
+              <p:cNvSpPr/>
+              <p:nvPr/>
+            </p:nvSpPr>
+            <p:spPr>
+              <a:xfrm>
+                <a:off x="8392958" y="3891083"/>
+                <a:ext cx="3276202" cy="2212133"/>
+              </a:xfrm>
+              <a:prstGeom prst="rect">
+                <a:avLst/>
+              </a:prstGeom>
+              <a:solidFill>
+                <a:srgbClr val="32B9CD"/>
+              </a:solidFill>
+              <a:ln>
+                <a:solidFill>
+                  <a:schemeClr val="accent5">
+                    <a:lumMod val="75000"/>
+                  </a:schemeClr>
+                </a:solidFill>
+              </a:ln>
+            </p:spPr>
+            <p:style>
+              <a:lnRef idx="2">
+                <a:schemeClr val="accent1">
+                  <a:shade val="50000"/>
+                </a:schemeClr>
+              </a:lnRef>
+              <a:fillRef idx="1">
+                <a:schemeClr val="accent1"/>
+              </a:fillRef>
+              <a:effectRef idx="0">
+                <a:schemeClr val="accent1"/>
+              </a:effectRef>
+              <a:fontRef idx="minor">
+                <a:schemeClr val="lt1"/>
+              </a:fontRef>
+            </p:style>
+            <p:txBody>
+              <a:bodyPr rtlCol="0" anchor="ctr"/>
+              <a:lstStyle/>
+              <a:p>
+                <a:pPr algn="ctr"/>
+                <a:endParaRPr lang="pt-BR" dirty="0">
+                  <a:solidFill>
+                    <a:prstClr val="white"/>
+                  </a:solidFill>
+                  <a:latin typeface="Calibri"/>
+                </a:endParaRPr>
+              </a:p>
+            </p:txBody>
+          </p:sp>
+          <p:sp>
+            <p:nvSpPr>
+              <p:cNvPr id="106" name="Retângulo 6">
+                <a:extLst>
+                  <a:ext uri="{FF2B5EF4-FFF2-40B4-BE49-F238E27FC236}">
+                    <a16:creationId xmlns:a16="http://schemas.microsoft.com/office/drawing/2014/main" id="{EA444193-79E6-4677-81AC-915C479C46DA}"/>
+                  </a:ext>
+                </a:extLst>
+              </p:cNvPr>
+              <p:cNvSpPr/>
+              <p:nvPr/>
+            </p:nvSpPr>
+            <p:spPr>
+              <a:xfrm>
+                <a:off x="8464949" y="3959113"/>
+                <a:ext cx="2577005" cy="226901"/>
+              </a:xfrm>
+              <a:prstGeom prst="rect">
+                <a:avLst/>
+              </a:prstGeom>
+              <a:noFill/>
+              <a:ln>
+                <a:solidFill>
+                  <a:schemeClr val="accent5">
+                    <a:lumMod val="75000"/>
+                  </a:schemeClr>
+                </a:solidFill>
+              </a:ln>
+            </p:spPr>
+            <p:style>
+              <a:lnRef idx="2">
+                <a:schemeClr val="accent1">
+                  <a:shade val="50000"/>
+                </a:schemeClr>
+              </a:lnRef>
+              <a:fillRef idx="1">
+                <a:schemeClr val="accent1"/>
+              </a:fillRef>
+              <a:effectRef idx="0">
+                <a:schemeClr val="accent1"/>
+              </a:effectRef>
+              <a:fontRef idx="minor">
+                <a:schemeClr val="lt1"/>
+              </a:fontRef>
+            </p:style>
+            <p:txBody>
+              <a:bodyPr rtlCol="0" anchor="ctr"/>
+              <a:lstStyle/>
+              <a:p>
+                <a:pPr algn="ctr"/>
+                <a:endParaRPr lang="pt-BR" dirty="0">
+                  <a:solidFill>
+                    <a:prstClr val="white"/>
+                  </a:solidFill>
+                  <a:latin typeface="Calibri"/>
+                </a:endParaRPr>
+              </a:p>
+            </p:txBody>
+          </p:sp>
+          <p:sp>
+            <p:nvSpPr>
+              <p:cNvPr id="109" name="Multiply 18">
+                <a:extLst>
+                  <a:ext uri="{FF2B5EF4-FFF2-40B4-BE49-F238E27FC236}">
+                    <a16:creationId xmlns:a16="http://schemas.microsoft.com/office/drawing/2014/main" id="{98D608EF-2AB8-49F3-8043-F70F113132F6}"/>
+                  </a:ext>
+                </a:extLst>
+              </p:cNvPr>
+              <p:cNvSpPr/>
+              <p:nvPr/>
+            </p:nvSpPr>
+            <p:spPr>
+              <a:xfrm>
+                <a:off x="11309204" y="3924647"/>
+                <a:ext cx="288032" cy="295831"/>
+              </a:xfrm>
+              <a:prstGeom prst="mathMultiply">
+                <a:avLst/>
+              </a:prstGeom>
+              <a:noFill/>
+              <a:ln>
+                <a:solidFill>
+                  <a:schemeClr val="accent5">
+                    <a:lumMod val="75000"/>
+                  </a:schemeClr>
+                </a:solidFill>
+              </a:ln>
+            </p:spPr>
+            <p:style>
+              <a:lnRef idx="2">
+                <a:schemeClr val="accent1">
+                  <a:shade val="50000"/>
+                </a:schemeClr>
+              </a:lnRef>
+              <a:fillRef idx="1">
+                <a:schemeClr val="accent1"/>
+              </a:fillRef>
+              <a:effectRef idx="0">
+                <a:schemeClr val="accent1"/>
+              </a:effectRef>
+              <a:fontRef idx="minor">
+                <a:schemeClr val="lt1"/>
+              </a:fontRef>
+            </p:style>
+            <p:txBody>
+              <a:bodyPr rtlCol="0" anchor="ctr"/>
+              <a:lstStyle/>
+              <a:p>
+                <a:pPr algn="ctr"/>
+                <a:endParaRPr lang="pt-BR" dirty="0"/>
+              </a:p>
+            </p:txBody>
+          </p:sp>
+          <p:sp>
+            <p:nvSpPr>
+              <p:cNvPr id="110" name="Circular Arrow 19">
+                <a:extLst>
+                  <a:ext uri="{FF2B5EF4-FFF2-40B4-BE49-F238E27FC236}">
+                    <a16:creationId xmlns:a16="http://schemas.microsoft.com/office/drawing/2014/main" id="{91C115C9-0450-4B5E-A42E-9820DCB77AD2}"/>
+                  </a:ext>
+                </a:extLst>
+              </p:cNvPr>
+              <p:cNvSpPr/>
+              <p:nvPr/>
+            </p:nvSpPr>
+            <p:spPr>
+              <a:xfrm rot="16500000">
+                <a:off x="11158829" y="3927941"/>
+                <a:ext cx="216000" cy="288000"/>
+              </a:xfrm>
+              <a:prstGeom prst="circularArrow">
+                <a:avLst/>
+              </a:prstGeom>
+              <a:noFill/>
+              <a:ln>
+                <a:solidFill>
+                  <a:schemeClr val="accent5">
+                    <a:lumMod val="75000"/>
+                  </a:schemeClr>
+                </a:solidFill>
+              </a:ln>
+            </p:spPr>
+            <p:style>
+              <a:lnRef idx="2">
+                <a:schemeClr val="accent1">
+                  <a:shade val="50000"/>
+                </a:schemeClr>
+              </a:lnRef>
+              <a:fillRef idx="1">
+                <a:schemeClr val="accent1"/>
+              </a:fillRef>
+              <a:effectRef idx="0">
+                <a:schemeClr val="accent1"/>
+              </a:effectRef>
+              <a:fontRef idx="minor">
+                <a:schemeClr val="lt1"/>
+              </a:fontRef>
+            </p:style>
+            <p:txBody>
+              <a:bodyPr rtlCol="0" anchor="ctr"/>
+              <a:lstStyle/>
+              <a:p>
+                <a:pPr algn="ctr"/>
+                <a:endParaRPr lang="pt-BR" dirty="0">
+                  <a:solidFill>
+                    <a:schemeClr val="tx1"/>
+                  </a:solidFill>
+                </a:endParaRPr>
+              </a:p>
+            </p:txBody>
+          </p:sp>
+        </p:grpSp>
+        <p:sp>
+          <p:nvSpPr>
+            <p:cNvPr id="98" name="Retângulo 20">
+              <a:extLst>
+                <a:ext uri="{FF2B5EF4-FFF2-40B4-BE49-F238E27FC236}">
+                  <a16:creationId xmlns:a16="http://schemas.microsoft.com/office/drawing/2014/main" id="{9367D8B0-D165-4A9C-B042-E4DCC56427B4}"/>
+                </a:ext>
+              </a:extLst>
+            </p:cNvPr>
+            <p:cNvSpPr/>
+            <p:nvPr/>
+          </p:nvSpPr>
+          <p:spPr>
+            <a:xfrm>
+              <a:off x="4593132" y="5292760"/>
+              <a:ext cx="2620063" cy="1041733"/>
+            </a:xfrm>
+            <a:prstGeom prst="rect">
+              <a:avLst/>
+            </a:prstGeom>
+          </p:spPr>
+          <p:txBody>
+            <a:bodyPr wrap="square">
+              <a:spAutoFit/>
+            </a:bodyPr>
+            <a:lstStyle/>
+            <a:p>
+              <a:pPr lvl="0" algn="ctr">
+                <a:defRPr/>
+              </a:pPr>
+              <a:r>
+                <a:rPr lang="pt-BR" sz="1600" b="1" dirty="0" err="1">
+                  <a:solidFill>
+                    <a:prstClr val="white"/>
+                  </a:solidFill>
+                </a:rPr>
+                <a:t>Client</a:t>
+              </a:r>
+              <a:r>
+                <a:rPr lang="pt-BR" sz="1600" b="1" dirty="0">
+                  <a:solidFill>
+                    <a:prstClr val="white"/>
+                  </a:solidFill>
+                </a:rPr>
+                <a:t> </a:t>
+              </a:r>
+              <a:r>
+                <a:rPr lang="pt-BR" sz="1600" b="1" dirty="0" err="1">
+                  <a:solidFill>
+                    <a:prstClr val="white"/>
+                  </a:solidFill>
+                </a:rPr>
+                <a:t>Side</a:t>
+              </a:r>
+              <a:r>
+                <a:rPr lang="pt-BR" sz="1600" b="1" dirty="0">
+                  <a:solidFill>
+                    <a:prstClr val="white"/>
+                  </a:solidFill>
+                </a:rPr>
+                <a:t> Web</a:t>
+              </a:r>
+            </a:p>
+            <a:p>
+              <a:pPr lvl="0" algn="ctr">
+                <a:defRPr/>
+              </a:pPr>
+              <a:r>
+                <a:rPr lang="pt-BR" sz="1400" dirty="0">
+                  <a:solidFill>
+                    <a:prstClr val="white"/>
+                  </a:solidFill>
+                </a:rPr>
+                <a:t>[Container: JS, HTML, CSS]</a:t>
+              </a:r>
+            </a:p>
+          </p:txBody>
+        </p:sp>
+        <p:sp>
+          <p:nvSpPr>
+            <p:cNvPr id="102" name="Retângulo 20">
+              <a:extLst>
+                <a:ext uri="{FF2B5EF4-FFF2-40B4-BE49-F238E27FC236}">
+                  <a16:creationId xmlns:a16="http://schemas.microsoft.com/office/drawing/2014/main" id="{2A77C046-02B1-4788-801E-278007FCC457}"/>
+                </a:ext>
+              </a:extLst>
+            </p:cNvPr>
+            <p:cNvSpPr/>
+            <p:nvPr/>
+          </p:nvSpPr>
+          <p:spPr>
+            <a:xfrm>
+              <a:off x="4593132" y="6169293"/>
+              <a:ext cx="2620063" cy="937560"/>
+            </a:xfrm>
+            <a:prstGeom prst="rect">
+              <a:avLst/>
+            </a:prstGeom>
+          </p:spPr>
+          <p:txBody>
+            <a:bodyPr wrap="square">
+              <a:spAutoFit/>
+            </a:bodyPr>
+            <a:lstStyle/>
+            <a:p>
+              <a:pPr lvl="0" algn="ctr">
+                <a:defRPr/>
+              </a:pPr>
+              <a:r>
+                <a:rPr lang="pt-BR" sz="1300" dirty="0">
+                  <a:solidFill>
+                    <a:prstClr val="white"/>
+                  </a:solidFill>
+                </a:rPr>
+                <a:t>Plataforma para </a:t>
+              </a:r>
+              <a:r>
+                <a:rPr lang="pt-BR" sz="1300" dirty="0" err="1">
+                  <a:solidFill>
+                    <a:prstClr val="white"/>
+                  </a:solidFill>
+                </a:rPr>
+                <a:t>proto-personas</a:t>
+              </a:r>
+              <a:r>
+                <a:rPr lang="pt-BR" sz="1300" dirty="0">
+                  <a:solidFill>
+                    <a:prstClr val="white"/>
+                  </a:solidFill>
+                </a:rPr>
+                <a:t> (adotante e ONG), cadastro e login</a:t>
+              </a:r>
+            </a:p>
+          </p:txBody>
+        </p:sp>
+      </p:grpSp>
+      <p:grpSp>
+        <p:nvGrpSpPr>
+          <p:cNvPr id="26" name="Group 25">
+            <a:extLst>
+              <a:ext uri="{FF2B5EF4-FFF2-40B4-BE49-F238E27FC236}">
+                <a16:creationId xmlns:a16="http://schemas.microsoft.com/office/drawing/2014/main" id="{5A1DD681-3C86-4DFD-8FAA-80B83BE71707}"/>
+              </a:ext>
+            </a:extLst>
+          </p:cNvPr>
+          <p:cNvGrpSpPr/>
+          <p:nvPr/>
+        </p:nvGrpSpPr>
+        <p:grpSpPr>
+          <a:xfrm>
+            <a:off x="230352" y="5076951"/>
+            <a:ext cx="1875601" cy="1584000"/>
+            <a:chOff x="10643667" y="4907952"/>
+            <a:chExt cx="1824413" cy="1584000"/>
+          </a:xfrm>
+        </p:grpSpPr>
+        <p:sp>
+          <p:nvSpPr>
+            <p:cNvPr id="116" name="Retângulo 29">
+              <a:extLst>
+                <a:ext uri="{FF2B5EF4-FFF2-40B4-BE49-F238E27FC236}">
+                  <a16:creationId xmlns:a16="http://schemas.microsoft.com/office/drawing/2014/main" id="{E5249170-0DF0-4F85-BEB7-914ED38B71B7}"/>
+                </a:ext>
+              </a:extLst>
+            </p:cNvPr>
+            <p:cNvSpPr/>
+            <p:nvPr/>
+          </p:nvSpPr>
+          <p:spPr>
+            <a:xfrm>
+              <a:off x="10643668" y="4907952"/>
+              <a:ext cx="1824412" cy="1584000"/>
+            </a:xfrm>
+            <a:prstGeom prst="rect">
+              <a:avLst/>
+            </a:prstGeom>
+            <a:solidFill>
+              <a:schemeClr val="bg1">
+                <a:lumMod val="85000"/>
+              </a:schemeClr>
+            </a:solidFill>
+            <a:ln>
+              <a:solidFill>
+                <a:srgbClr val="253746"/>
+              </a:solidFill>
+              <a:prstDash val="dash"/>
+            </a:ln>
+          </p:spPr>
+          <p:style>
+            <a:lnRef idx="2">
+              <a:schemeClr val="accent1">
+                <a:shade val="50000"/>
+              </a:schemeClr>
+            </a:lnRef>
+            <a:fillRef idx="1">
+              <a:schemeClr val="accent1"/>
+            </a:fillRef>
+            <a:effectRef idx="0">
+              <a:schemeClr val="accent1"/>
+            </a:effectRef>
+            <a:fontRef idx="minor">
+              <a:schemeClr val="lt1"/>
+            </a:fontRef>
+          </p:style>
+          <p:txBody>
+            <a:bodyPr rtlCol="0" anchor="ctr"/>
+            <a:lstStyle/>
+            <a:p>
+              <a:pPr algn="ctr"/>
+              <a:endParaRPr lang="pt-BR" sz="1800" dirty="0">
+                <a:solidFill>
+                  <a:prstClr val="white"/>
+                </a:solidFill>
+                <a:latin typeface="Calibri"/>
+              </a:endParaRPr>
+            </a:p>
+          </p:txBody>
+        </p:sp>
+        <p:sp>
+          <p:nvSpPr>
+            <p:cNvPr id="117" name="Retângulo 20">
+              <a:extLst>
+                <a:ext uri="{FF2B5EF4-FFF2-40B4-BE49-F238E27FC236}">
+                  <a16:creationId xmlns:a16="http://schemas.microsoft.com/office/drawing/2014/main" id="{BCF648C4-4A60-4667-B81C-61C792C1ED0F}"/>
+                </a:ext>
+              </a:extLst>
+            </p:cNvPr>
+            <p:cNvSpPr/>
+            <p:nvPr/>
+          </p:nvSpPr>
+          <p:spPr>
+            <a:xfrm>
+              <a:off x="10643667" y="5016204"/>
+              <a:ext cx="1807347" cy="769441"/>
+            </a:xfrm>
+            <a:prstGeom prst="rect">
+              <a:avLst/>
+            </a:prstGeom>
+          </p:spPr>
+          <p:txBody>
+            <a:bodyPr wrap="square">
+              <a:spAutoFit/>
+            </a:bodyPr>
+            <a:lstStyle/>
+            <a:p>
+              <a:pPr lvl="0" algn="ctr">
+                <a:defRPr/>
+              </a:pPr>
+              <a:r>
+                <a:rPr lang="pt-BR" sz="1500" b="1" dirty="0"/>
+                <a:t>ViaCEP Application</a:t>
+              </a:r>
+            </a:p>
+            <a:p>
+              <a:pPr lvl="0" algn="ctr">
+                <a:defRPr/>
+              </a:pPr>
+              <a:r>
+                <a:rPr lang="pt-BR" sz="1400" dirty="0"/>
+                <a:t>[Container: </a:t>
+              </a:r>
+            </a:p>
+            <a:p>
+              <a:pPr lvl="0" algn="ctr">
+                <a:defRPr/>
+              </a:pPr>
+              <a:r>
+                <a:rPr lang="pt-BR" sz="1400" dirty="0"/>
+                <a:t>API ViaCEP]</a:t>
+              </a:r>
+            </a:p>
+          </p:txBody>
+        </p:sp>
+        <p:sp>
+          <p:nvSpPr>
+            <p:cNvPr id="118" name="Retângulo 20">
+              <a:extLst>
+                <a:ext uri="{FF2B5EF4-FFF2-40B4-BE49-F238E27FC236}">
+                  <a16:creationId xmlns:a16="http://schemas.microsoft.com/office/drawing/2014/main" id="{38D819C9-C641-4CCD-AC6D-4800F51F0A9D}"/>
+                </a:ext>
+              </a:extLst>
+            </p:cNvPr>
+            <p:cNvSpPr/>
+            <p:nvPr/>
+          </p:nvSpPr>
+          <p:spPr>
+            <a:xfrm>
+              <a:off x="10660733" y="5880476"/>
+              <a:ext cx="1807347" cy="492443"/>
+            </a:xfrm>
+            <a:prstGeom prst="rect">
+              <a:avLst/>
+            </a:prstGeom>
+          </p:spPr>
+          <p:txBody>
+            <a:bodyPr wrap="square">
+              <a:spAutoFit/>
+            </a:bodyPr>
+            <a:lstStyle/>
+            <a:p>
+              <a:pPr lvl="0" algn="ctr">
+                <a:defRPr/>
+              </a:pPr>
+              <a:r>
+                <a:rPr lang="pt-BR" sz="1300" dirty="0"/>
+                <a:t>API para consulta de endereço via CEP</a:t>
+              </a:r>
+            </a:p>
+          </p:txBody>
+        </p:sp>
+      </p:grpSp>
+      <p:cxnSp>
+        <p:nvCxnSpPr>
+          <p:cNvPr id="120" name="Conector de Seta Reta 107">
+            <a:extLst>
+              <a:ext uri="{FF2B5EF4-FFF2-40B4-BE49-F238E27FC236}">
+                <a16:creationId xmlns:a16="http://schemas.microsoft.com/office/drawing/2014/main" id="{918EA926-67E7-4D2D-9FF2-763819C51CB0}"/>
+              </a:ext>
+            </a:extLst>
+          </p:cNvPr>
+          <p:cNvCxnSpPr>
+            <a:cxnSpLocks/>
+            <a:stCxn id="104" idx="1"/>
+            <a:endCxn id="116" idx="3"/>
+          </p:cNvCxnSpPr>
+          <p:nvPr/>
+        </p:nvCxnSpPr>
+        <p:spPr>
+          <a:xfrm flipH="1">
+            <a:off x="2105953" y="5856891"/>
+            <a:ext cx="5052765" cy="0"/>
+          </a:xfrm>
+          <a:prstGeom prst="straightConnector1">
+            <a:avLst/>
+          </a:prstGeom>
+          <a:ln w="19050">
+            <a:solidFill>
+              <a:schemeClr val="accent5">
+                <a:lumMod val="75000"/>
+              </a:schemeClr>
+            </a:solidFill>
+            <a:prstDash val="sysDash"/>
+            <a:headEnd type="none" w="lg" len="lg"/>
+            <a:tailEnd type="triangle" w="lg" len="lg"/>
+          </a:ln>
+        </p:spPr>
+        <p:style>
+          <a:lnRef idx="1">
+            <a:schemeClr val="accent1"/>
+          </a:lnRef>
+          <a:fillRef idx="0">
+            <a:schemeClr val="accent1"/>
+          </a:fillRef>
+          <a:effectRef idx="0">
+            <a:schemeClr val="accent1"/>
+          </a:effectRef>
+          <a:fontRef idx="minor">
+            <a:schemeClr val="tx1"/>
+          </a:fontRef>
+        </p:style>
+      </p:cxnSp>
+      <p:cxnSp>
+        <p:nvCxnSpPr>
+          <p:cNvPr id="121" name="Conector de Seta Reta 107">
+            <a:extLst>
+              <a:ext uri="{FF2B5EF4-FFF2-40B4-BE49-F238E27FC236}">
+                <a16:creationId xmlns:a16="http://schemas.microsoft.com/office/drawing/2014/main" id="{85E21764-A5F9-4361-84CB-B3A05DB61715}"/>
+              </a:ext>
+            </a:extLst>
+          </p:cNvPr>
+          <p:cNvCxnSpPr>
+            <a:cxnSpLocks/>
+            <a:stCxn id="107" idx="1"/>
+            <a:endCxn id="70" idx="3"/>
+          </p:cNvCxnSpPr>
+          <p:nvPr/>
+        </p:nvCxnSpPr>
+        <p:spPr>
+          <a:xfrm flipH="1" flipV="1">
+            <a:off x="2091997" y="3564695"/>
+            <a:ext cx="957071" cy="0"/>
+          </a:xfrm>
+          <a:prstGeom prst="straightConnector1">
+            <a:avLst/>
+          </a:prstGeom>
+          <a:ln w="19050">
+            <a:solidFill>
+              <a:schemeClr val="accent5">
+                <a:lumMod val="75000"/>
+              </a:schemeClr>
+            </a:solidFill>
+            <a:prstDash val="sysDash"/>
+            <a:headEnd type="none" w="lg" len="lg"/>
+            <a:tailEnd type="triangle" w="lg" len="lg"/>
+          </a:ln>
+        </p:spPr>
+        <p:style>
+          <a:lnRef idx="1">
+            <a:schemeClr val="accent1"/>
+          </a:lnRef>
+          <a:fillRef idx="0">
+            <a:schemeClr val="accent1"/>
+          </a:fillRef>
+          <a:effectRef idx="0">
+            <a:schemeClr val="accent1"/>
+          </a:effectRef>
+          <a:fontRef idx="minor">
+            <a:schemeClr val="tx1"/>
+          </a:fontRef>
+        </p:style>
+      </p:cxnSp>
+      <p:sp>
+        <p:nvSpPr>
+          <p:cNvPr id="47" name="Retângulo 29">
+            <a:extLst>
+              <a:ext uri="{FF2B5EF4-FFF2-40B4-BE49-F238E27FC236}">
+                <a16:creationId xmlns:a16="http://schemas.microsoft.com/office/drawing/2014/main" id="{0A63E38E-69BA-4826-AA90-25CB1A746F60}"/>
+              </a:ext>
+            </a:extLst>
+          </p:cNvPr>
+          <p:cNvSpPr/>
+          <p:nvPr/>
+        </p:nvSpPr>
+        <p:spPr>
+          <a:xfrm>
+            <a:off x="2839584" y="340974"/>
+            <a:ext cx="10386970" cy="4266224"/>
+          </a:xfrm>
+          <a:prstGeom prst="rect">
+            <a:avLst/>
+          </a:prstGeom>
+          <a:solidFill>
+            <a:srgbClr val="445E93">
+              <a:alpha val="30196"/>
+            </a:srgbClr>
+          </a:solidFill>
+          <a:ln>
+            <a:solidFill>
+              <a:srgbClr val="445E93"/>
+            </a:solidFill>
+            <a:prstDash val="dash"/>
+          </a:ln>
+        </p:spPr>
+        <p:style>
+          <a:lnRef idx="2">
+            <a:schemeClr val="accent1">
+              <a:shade val="50000"/>
+            </a:schemeClr>
+          </a:lnRef>
+          <a:fillRef idx="1">
+            <a:schemeClr val="accent1"/>
+          </a:fillRef>
+          <a:effectRef idx="0">
+            <a:schemeClr val="accent1"/>
+          </a:effectRef>
+          <a:fontRef idx="minor">
+            <a:schemeClr val="lt1"/>
+          </a:fontRef>
+        </p:style>
+        <p:txBody>
+          <a:bodyPr rtlCol="0" anchor="ctr"/>
+          <a:lstStyle/>
+          <a:p>
+            <a:pPr algn="ctr"/>
+            <a:endParaRPr lang="pt-BR" sz="1800">
+              <a:solidFill>
+                <a:prstClr val="white"/>
+              </a:solidFill>
+              <a:latin typeface="Calibri"/>
+            </a:endParaRPr>
+          </a:p>
+        </p:txBody>
+      </p:sp>
+      <p:grpSp>
+        <p:nvGrpSpPr>
+          <p:cNvPr id="15" name="Group 14">
+            <a:extLst>
+              <a:ext uri="{FF2B5EF4-FFF2-40B4-BE49-F238E27FC236}">
+                <a16:creationId xmlns:a16="http://schemas.microsoft.com/office/drawing/2014/main" id="{BA515160-279B-4CBE-A0AF-C4F130221761}"/>
+              </a:ext>
+            </a:extLst>
+          </p:cNvPr>
+          <p:cNvGrpSpPr/>
+          <p:nvPr/>
+        </p:nvGrpSpPr>
+        <p:grpSpPr>
+          <a:xfrm>
+            <a:off x="7153522" y="612279"/>
+            <a:ext cx="1866809" cy="1583957"/>
+            <a:chOff x="3777031" y="343888"/>
+            <a:chExt cx="1866809" cy="1583957"/>
+          </a:xfrm>
+        </p:grpSpPr>
+        <p:sp>
+          <p:nvSpPr>
+            <p:cNvPr id="52" name="Retângulo 17">
+              <a:extLst>
+                <a:ext uri="{FF2B5EF4-FFF2-40B4-BE49-F238E27FC236}">
+                  <a16:creationId xmlns:a16="http://schemas.microsoft.com/office/drawing/2014/main" id="{F0833080-7A53-4BB5-9E8C-E4671AD669B5}"/>
+                </a:ext>
+              </a:extLst>
+            </p:cNvPr>
+            <p:cNvSpPr/>
+            <p:nvPr/>
+          </p:nvSpPr>
+          <p:spPr>
+            <a:xfrm>
+              <a:off x="3777032" y="343888"/>
+              <a:ext cx="1866807" cy="1583957"/>
+            </a:xfrm>
+            <a:prstGeom prst="rect">
+              <a:avLst/>
+            </a:prstGeom>
+            <a:ln/>
+          </p:spPr>
+          <p:style>
+            <a:lnRef idx="2">
+              <a:schemeClr val="accent5">
+                <a:shade val="50000"/>
+              </a:schemeClr>
+            </a:lnRef>
+            <a:fillRef idx="1">
+              <a:schemeClr val="accent5"/>
+            </a:fillRef>
+            <a:effectRef idx="0">
+              <a:schemeClr val="accent5"/>
+            </a:effectRef>
+            <a:fontRef idx="minor">
+              <a:schemeClr val="lt1"/>
+            </a:fontRef>
+          </p:style>
+          <p:txBody>
+            <a:bodyPr rtlCol="0" anchor="ctr"/>
+            <a:lstStyle/>
+            <a:p>
+              <a:pPr algn="ctr"/>
+              <a:endParaRPr lang="pt-BR" sz="1800" dirty="0">
+                <a:solidFill>
+                  <a:prstClr val="white"/>
+                </a:solidFill>
+                <a:latin typeface="Calibri"/>
+              </a:endParaRPr>
+            </a:p>
+          </p:txBody>
+        </p:sp>
+        <p:sp>
+          <p:nvSpPr>
+            <p:cNvPr id="53" name="Retângulo 20">
+              <a:extLst>
+                <a:ext uri="{FF2B5EF4-FFF2-40B4-BE49-F238E27FC236}">
+                  <a16:creationId xmlns:a16="http://schemas.microsoft.com/office/drawing/2014/main" id="{C39C1F8B-21DB-4243-9A74-33406AFE748B}"/>
+                </a:ext>
+              </a:extLst>
+            </p:cNvPr>
+            <p:cNvSpPr/>
+            <p:nvPr/>
+          </p:nvSpPr>
+          <p:spPr>
+            <a:xfrm>
+              <a:off x="3777031" y="408153"/>
+              <a:ext cx="1857340" cy="553998"/>
+            </a:xfrm>
+            <a:prstGeom prst="rect">
+              <a:avLst/>
+            </a:prstGeom>
+          </p:spPr>
+          <p:txBody>
+            <a:bodyPr wrap="square">
+              <a:spAutoFit/>
+            </a:bodyPr>
+            <a:lstStyle/>
+            <a:p>
+              <a:pPr lvl="0" algn="ctr">
+                <a:defRPr/>
+              </a:pPr>
+              <a:r>
+                <a:rPr lang="pt-BR" sz="1600" b="1" dirty="0">
+                  <a:solidFill>
+                    <a:prstClr val="white"/>
+                  </a:solidFill>
+                </a:rPr>
+                <a:t>ORM</a:t>
+              </a:r>
+            </a:p>
+            <a:p>
+              <a:pPr lvl="0" algn="ctr">
+                <a:defRPr/>
+              </a:pPr>
+              <a:r>
+                <a:rPr lang="pt-BR" sz="1400" dirty="0">
+                  <a:solidFill>
+                    <a:prstClr val="white"/>
+                  </a:solidFill>
+                </a:rPr>
+                <a:t>[Component: JPA]</a:t>
+              </a:r>
+            </a:p>
+          </p:txBody>
+        </p:sp>
+        <p:sp>
+          <p:nvSpPr>
+            <p:cNvPr id="54" name="Retângulo 20">
+              <a:extLst>
+                <a:ext uri="{FF2B5EF4-FFF2-40B4-BE49-F238E27FC236}">
+                  <a16:creationId xmlns:a16="http://schemas.microsoft.com/office/drawing/2014/main" id="{6BBACDBC-A223-45DB-AE53-5748C0DE9D21}"/>
+                </a:ext>
+              </a:extLst>
+            </p:cNvPr>
+            <p:cNvSpPr/>
+            <p:nvPr/>
+          </p:nvSpPr>
+          <p:spPr>
+            <a:xfrm>
+              <a:off x="3786500" y="949125"/>
+              <a:ext cx="1857340" cy="892552"/>
+            </a:xfrm>
+            <a:prstGeom prst="rect">
+              <a:avLst/>
+            </a:prstGeom>
+          </p:spPr>
+          <p:txBody>
+            <a:bodyPr wrap="square">
+              <a:spAutoFit/>
+            </a:bodyPr>
+            <a:lstStyle/>
+            <a:p>
+              <a:pPr lvl="0" algn="ctr">
+                <a:defRPr/>
+              </a:pPr>
+              <a:r>
+                <a:rPr lang="pt-BR" sz="1300" dirty="0">
+                  <a:solidFill>
+                    <a:prstClr val="white"/>
+                  </a:solidFill>
+                </a:rPr>
+                <a:t>Componente que gerencia as conexões e transações com o Banco de Dados</a:t>
+              </a:r>
+            </a:p>
+          </p:txBody>
+        </p:sp>
+      </p:grpSp>
+      <p:grpSp>
+        <p:nvGrpSpPr>
+          <p:cNvPr id="16" name="Group 15">
+            <a:extLst>
+              <a:ext uri="{FF2B5EF4-FFF2-40B4-BE49-F238E27FC236}">
+                <a16:creationId xmlns:a16="http://schemas.microsoft.com/office/drawing/2014/main" id="{291DFC32-0C57-4B29-8751-9C61568972A7}"/>
+              </a:ext>
+            </a:extLst>
+          </p:cNvPr>
+          <p:cNvGrpSpPr/>
+          <p:nvPr/>
+        </p:nvGrpSpPr>
+        <p:grpSpPr>
+          <a:xfrm>
+            <a:off x="3049067" y="2796062"/>
+            <a:ext cx="1876275" cy="1583957"/>
+            <a:chOff x="3777031" y="2546698"/>
+            <a:chExt cx="1876275" cy="1583957"/>
+          </a:xfrm>
+        </p:grpSpPr>
+        <p:sp>
+          <p:nvSpPr>
+            <p:cNvPr id="107" name="Retângulo 17">
+              <a:extLst>
+                <a:ext uri="{FF2B5EF4-FFF2-40B4-BE49-F238E27FC236}">
+                  <a16:creationId xmlns:a16="http://schemas.microsoft.com/office/drawing/2014/main" id="{8F8C0881-FC59-4E5A-A142-5088AB6A44FD}"/>
+                </a:ext>
+              </a:extLst>
+            </p:cNvPr>
+            <p:cNvSpPr/>
+            <p:nvPr/>
+          </p:nvSpPr>
+          <p:spPr>
+            <a:xfrm>
+              <a:off x="3777032" y="2546698"/>
+              <a:ext cx="1866807" cy="1583957"/>
+            </a:xfrm>
+            <a:prstGeom prst="rect">
+              <a:avLst/>
+            </a:prstGeom>
+            <a:ln/>
+          </p:spPr>
+          <p:style>
+            <a:lnRef idx="2">
+              <a:schemeClr val="accent5">
+                <a:shade val="50000"/>
+              </a:schemeClr>
+            </a:lnRef>
+            <a:fillRef idx="1">
+              <a:schemeClr val="accent5"/>
+            </a:fillRef>
+            <a:effectRef idx="0">
+              <a:schemeClr val="accent5"/>
+            </a:effectRef>
+            <a:fontRef idx="minor">
+              <a:schemeClr val="lt1"/>
+            </a:fontRef>
+          </p:style>
+          <p:txBody>
+            <a:bodyPr rtlCol="0" anchor="ctr"/>
+            <a:lstStyle/>
+            <a:p>
+              <a:pPr algn="ctr"/>
+              <a:endParaRPr lang="pt-BR" sz="1800" dirty="0">
+                <a:solidFill>
+                  <a:prstClr val="white"/>
+                </a:solidFill>
+                <a:latin typeface="Calibri"/>
+              </a:endParaRPr>
+            </a:p>
+          </p:txBody>
+        </p:sp>
+        <p:sp>
+          <p:nvSpPr>
+            <p:cNvPr id="108" name="Retângulo 20">
+              <a:extLst>
+                <a:ext uri="{FF2B5EF4-FFF2-40B4-BE49-F238E27FC236}">
+                  <a16:creationId xmlns:a16="http://schemas.microsoft.com/office/drawing/2014/main" id="{CEC8EAE6-08D4-4FBD-951B-57D49BDC7FB9}"/>
+                </a:ext>
+              </a:extLst>
+            </p:cNvPr>
+            <p:cNvSpPr/>
+            <p:nvPr/>
+          </p:nvSpPr>
+          <p:spPr>
+            <a:xfrm>
+              <a:off x="3777031" y="2610963"/>
               <a:ext cx="1876275" cy="769441"/>
             </a:xfrm>
             <a:prstGeom prst="rect">
@@ -28448,21 +28121,8 @@
                     <a:prstClr val="white"/>
                   </a:solidFill>
                 </a:rPr>
-                <a:t>Ong </a:t>
+                <a:t>Endereco Controller</a:t>
               </a:r>
-              <a:r>
-                <a:rPr lang="pt-BR" sz="1600" b="1" dirty="0" err="1">
-                  <a:solidFill>
-                    <a:prstClr val="white"/>
-                  </a:solidFill>
-                </a:rPr>
-                <a:t>Controller</a:t>
-              </a:r>
-              <a:endParaRPr lang="pt-BR" sz="1600" b="1" dirty="0">
-                <a:solidFill>
-                  <a:prstClr val="white"/>
-                </a:solidFill>
-              </a:endParaRPr>
             </a:p>
             <a:p>
               <a:pPr lvl="0" algn="ctr">
@@ -28474,65 +28134,17 @@
                     <a:prstClr val="white"/>
                   </a:solidFill>
                 </a:rPr>
-                <a:t>[</a:t>
-              </a:r>
-              <a:r>
-                <a:rPr lang="pt-BR" sz="1400" dirty="0" err="1">
-                  <a:solidFill>
-                    <a:prstClr val="white"/>
-                  </a:solidFill>
-                </a:rPr>
-                <a:t>Component</a:t>
-              </a:r>
-              <a:r>
-                <a:rPr lang="pt-BR" sz="1400" dirty="0">
-                  <a:solidFill>
-                    <a:prstClr val="white"/>
-                  </a:solidFill>
-                </a:rPr>
-                <a:t>: Spring MVC </a:t>
-              </a:r>
-              <a:r>
-                <a:rPr lang="pt-BR" sz="1400" dirty="0" err="1">
-                  <a:solidFill>
-                    <a:prstClr val="white"/>
-                  </a:solidFill>
-                </a:rPr>
-                <a:t>Rest</a:t>
-              </a:r>
-              <a:r>
-                <a:rPr lang="pt-BR" sz="1400" dirty="0">
-                  <a:solidFill>
-                    <a:prstClr val="white"/>
-                  </a:solidFill>
-                </a:rPr>
-                <a:t> </a:t>
-              </a:r>
-              <a:r>
-                <a:rPr lang="pt-BR" sz="1400" dirty="0" err="1">
-                  <a:solidFill>
-                    <a:prstClr val="white"/>
-                  </a:solidFill>
-                </a:rPr>
-                <a:t>Controller</a:t>
-              </a:r>
-              <a:r>
-                <a:rPr lang="pt-BR" sz="1400" dirty="0">
-                  <a:solidFill>
-                    <a:prstClr val="white"/>
-                  </a:solidFill>
-                </a:rPr>
-                <a:t>]</a:t>
+                <a:t>[Component: Spring MVC Rest Controller]</a:t>
               </a:r>
             </a:p>
           </p:txBody>
         </p:sp>
         <p:sp>
           <p:nvSpPr>
-            <p:cNvPr id="155" name="Retângulo 20">
+            <p:cNvPr id="111" name="Retângulo 20">
               <a:extLst>
                 <a:ext uri="{FF2B5EF4-FFF2-40B4-BE49-F238E27FC236}">
-                  <a16:creationId xmlns:a16="http://schemas.microsoft.com/office/drawing/2014/main" id="{03D84B51-0E59-465D-85E9-67286CA4F0DA}"/>
+                  <a16:creationId xmlns:a16="http://schemas.microsoft.com/office/drawing/2014/main" id="{BD27A263-D89C-4ADF-80B4-F652605E0368}"/>
                 </a:ext>
               </a:extLst>
             </p:cNvPr>
@@ -28541,7 +28153,175 @@
           </p:nvSpPr>
           <p:spPr>
             <a:xfrm>
-              <a:off x="3793040" y="3583292"/>
+              <a:off x="3786500" y="3353643"/>
+              <a:ext cx="1834790" cy="692497"/>
+            </a:xfrm>
+            <a:prstGeom prst="rect">
+              <a:avLst/>
+            </a:prstGeom>
+          </p:spPr>
+          <p:txBody>
+            <a:bodyPr wrap="square">
+              <a:spAutoFit/>
+            </a:bodyPr>
+            <a:lstStyle/>
+            <a:p>
+              <a:pPr lvl="0" algn="ctr">
+                <a:defRPr/>
+              </a:pPr>
+              <a:r>
+                <a:rPr lang="pt-BR" sz="1300" dirty="0">
+                  <a:solidFill>
+                    <a:prstClr val="white"/>
+                  </a:solidFill>
+                </a:rPr>
+                <a:t>Resgata latitude e longitude a partir do CEP via API do Google</a:t>
+              </a:r>
+            </a:p>
+          </p:txBody>
+        </p:sp>
+      </p:grpSp>
+      <p:grpSp>
+        <p:nvGrpSpPr>
+          <p:cNvPr id="131" name="Group 130">
+            <a:extLst>
+              <a:ext uri="{FF2B5EF4-FFF2-40B4-BE49-F238E27FC236}">
+                <a16:creationId xmlns:a16="http://schemas.microsoft.com/office/drawing/2014/main" id="{66D62EA0-59C7-4177-8773-6EFE80997487}"/>
+              </a:ext>
+            </a:extLst>
+          </p:cNvPr>
+          <p:cNvGrpSpPr/>
+          <p:nvPr/>
+        </p:nvGrpSpPr>
+        <p:grpSpPr>
+          <a:xfrm>
+            <a:off x="5101295" y="2796062"/>
+            <a:ext cx="1876275" cy="1583957"/>
+            <a:chOff x="3777031" y="2546698"/>
+            <a:chExt cx="1876275" cy="1583957"/>
+          </a:xfrm>
+        </p:grpSpPr>
+        <p:sp>
+          <p:nvSpPr>
+            <p:cNvPr id="132" name="Retângulo 17">
+              <a:extLst>
+                <a:ext uri="{FF2B5EF4-FFF2-40B4-BE49-F238E27FC236}">
+                  <a16:creationId xmlns:a16="http://schemas.microsoft.com/office/drawing/2014/main" id="{87A997FF-1F38-4315-BD74-EBB522B9C1CE}"/>
+                </a:ext>
+              </a:extLst>
+            </p:cNvPr>
+            <p:cNvSpPr/>
+            <p:nvPr/>
+          </p:nvSpPr>
+          <p:spPr>
+            <a:xfrm>
+              <a:off x="3777032" y="2546698"/>
+              <a:ext cx="1866807" cy="1583957"/>
+            </a:xfrm>
+            <a:prstGeom prst="rect">
+              <a:avLst/>
+            </a:prstGeom>
+            <a:ln/>
+          </p:spPr>
+          <p:style>
+            <a:lnRef idx="2">
+              <a:schemeClr val="accent5">
+                <a:shade val="50000"/>
+              </a:schemeClr>
+            </a:lnRef>
+            <a:fillRef idx="1">
+              <a:schemeClr val="accent5"/>
+            </a:fillRef>
+            <a:effectRef idx="0">
+              <a:schemeClr val="accent5"/>
+            </a:effectRef>
+            <a:fontRef idx="minor">
+              <a:schemeClr val="lt1"/>
+            </a:fontRef>
+          </p:style>
+          <p:txBody>
+            <a:bodyPr rtlCol="0" anchor="ctr"/>
+            <a:lstStyle/>
+            <a:p>
+              <a:pPr algn="ctr"/>
+              <a:endParaRPr lang="pt-BR" sz="1800" dirty="0">
+                <a:solidFill>
+                  <a:prstClr val="white"/>
+                </a:solidFill>
+                <a:latin typeface="Calibri"/>
+              </a:endParaRPr>
+            </a:p>
+          </p:txBody>
+        </p:sp>
+        <p:sp>
+          <p:nvSpPr>
+            <p:cNvPr id="133" name="Retângulo 20">
+              <a:extLst>
+                <a:ext uri="{FF2B5EF4-FFF2-40B4-BE49-F238E27FC236}">
+                  <a16:creationId xmlns:a16="http://schemas.microsoft.com/office/drawing/2014/main" id="{DD3151C2-A61B-4DFF-BEAF-685D6DB8F05A}"/>
+                </a:ext>
+              </a:extLst>
+            </p:cNvPr>
+            <p:cNvSpPr/>
+            <p:nvPr/>
+          </p:nvSpPr>
+          <p:spPr>
+            <a:xfrm>
+              <a:off x="3777031" y="2610963"/>
+              <a:ext cx="1876275" cy="769441"/>
+            </a:xfrm>
+            <a:prstGeom prst="rect">
+              <a:avLst/>
+            </a:prstGeom>
+          </p:spPr>
+          <p:txBody>
+            <a:bodyPr wrap="square">
+              <a:spAutoFit/>
+            </a:bodyPr>
+            <a:lstStyle/>
+            <a:p>
+              <a:pPr lvl="0" algn="ctr">
+                <a:defRPr/>
+              </a:pPr>
+              <a:r>
+                <a:rPr lang="pt-BR" sz="1600" b="1" dirty="0">
+                  <a:solidFill>
+                    <a:prstClr val="white"/>
+                  </a:solidFill>
+                </a:rPr>
+                <a:t>Ong Controller</a:t>
+              </a:r>
+            </a:p>
+            <a:p>
+              <a:pPr lvl="0" algn="ctr">
+                <a:defRPr/>
+              </a:pPr>
+              <a:r>
+                <a:rPr lang="pt-BR" sz="1400" dirty="0">
+                  <a:solidFill>
+                    <a:prstClr val="white"/>
+                  </a:solidFill>
+                </a:rPr>
+                <a:t>[Component: Spring MVC Rest Controller]</a:t>
+              </a:r>
+            </a:p>
+          </p:txBody>
+        </p:sp>
+        <p:sp>
+          <p:nvSpPr>
+            <p:cNvPr id="134" name="Retângulo 20">
+              <a:extLst>
+                <a:ext uri="{FF2B5EF4-FFF2-40B4-BE49-F238E27FC236}">
+                  <a16:creationId xmlns:a16="http://schemas.microsoft.com/office/drawing/2014/main" id="{1F6011CD-7BDB-4266-BACA-E4DF341B6F4E}"/>
+                </a:ext>
+              </a:extLst>
+            </p:cNvPr>
+            <p:cNvSpPr/>
+            <p:nvPr/>
+          </p:nvSpPr>
+          <p:spPr>
+            <a:xfrm>
+              <a:off x="3786501" y="3439577"/>
               <a:ext cx="1834790" cy="292388"/>
             </a:xfrm>
             <a:prstGeom prst="rect">
@@ -28564,6 +28344,569 @@
                   </a:solidFill>
                 </a:rPr>
                 <a:t>CRUD das ONGs</a:t>
+              </a:r>
+            </a:p>
+          </p:txBody>
+        </p:sp>
+      </p:grpSp>
+      <p:grpSp>
+        <p:nvGrpSpPr>
+          <p:cNvPr id="143" name="Group 142">
+            <a:extLst>
+              <a:ext uri="{FF2B5EF4-FFF2-40B4-BE49-F238E27FC236}">
+                <a16:creationId xmlns:a16="http://schemas.microsoft.com/office/drawing/2014/main" id="{0BE12075-18B7-4944-AF8C-2789908A77B8}"/>
+              </a:ext>
+            </a:extLst>
+          </p:cNvPr>
+          <p:cNvGrpSpPr/>
+          <p:nvPr/>
+        </p:nvGrpSpPr>
+        <p:grpSpPr>
+          <a:xfrm>
+            <a:off x="9205751" y="2790958"/>
+            <a:ext cx="1876275" cy="1583957"/>
+            <a:chOff x="3777031" y="2546698"/>
+            <a:chExt cx="1876275" cy="1583957"/>
+          </a:xfrm>
+        </p:grpSpPr>
+        <p:sp>
+          <p:nvSpPr>
+            <p:cNvPr id="144" name="Retângulo 17">
+              <a:extLst>
+                <a:ext uri="{FF2B5EF4-FFF2-40B4-BE49-F238E27FC236}">
+                  <a16:creationId xmlns:a16="http://schemas.microsoft.com/office/drawing/2014/main" id="{E87C77A9-1A9B-4AAB-AC33-83C6ABF1F03A}"/>
+                </a:ext>
+              </a:extLst>
+            </p:cNvPr>
+            <p:cNvSpPr/>
+            <p:nvPr/>
+          </p:nvSpPr>
+          <p:spPr>
+            <a:xfrm>
+              <a:off x="3777032" y="2546698"/>
+              <a:ext cx="1866807" cy="1583957"/>
+            </a:xfrm>
+            <a:prstGeom prst="rect">
+              <a:avLst/>
+            </a:prstGeom>
+            <a:ln/>
+          </p:spPr>
+          <p:style>
+            <a:lnRef idx="2">
+              <a:schemeClr val="accent5">
+                <a:shade val="50000"/>
+              </a:schemeClr>
+            </a:lnRef>
+            <a:fillRef idx="1">
+              <a:schemeClr val="accent5"/>
+            </a:fillRef>
+            <a:effectRef idx="0">
+              <a:schemeClr val="accent5"/>
+            </a:effectRef>
+            <a:fontRef idx="minor">
+              <a:schemeClr val="lt1"/>
+            </a:fontRef>
+          </p:style>
+          <p:txBody>
+            <a:bodyPr rtlCol="0" anchor="ctr"/>
+            <a:lstStyle/>
+            <a:p>
+              <a:pPr algn="ctr"/>
+              <a:endParaRPr lang="pt-BR" sz="1800" dirty="0">
+                <a:solidFill>
+                  <a:prstClr val="white"/>
+                </a:solidFill>
+                <a:latin typeface="Calibri"/>
+              </a:endParaRPr>
+            </a:p>
+          </p:txBody>
+        </p:sp>
+        <p:sp>
+          <p:nvSpPr>
+            <p:cNvPr id="145" name="Retângulo 20">
+              <a:extLst>
+                <a:ext uri="{FF2B5EF4-FFF2-40B4-BE49-F238E27FC236}">
+                  <a16:creationId xmlns:a16="http://schemas.microsoft.com/office/drawing/2014/main" id="{F05286B5-0719-4810-A58A-E72E406AF1A9}"/>
+                </a:ext>
+              </a:extLst>
+            </p:cNvPr>
+            <p:cNvSpPr/>
+            <p:nvPr/>
+          </p:nvSpPr>
+          <p:spPr>
+            <a:xfrm>
+              <a:off x="3777031" y="2610963"/>
+              <a:ext cx="1876275" cy="769441"/>
+            </a:xfrm>
+            <a:prstGeom prst="rect">
+              <a:avLst/>
+            </a:prstGeom>
+          </p:spPr>
+          <p:txBody>
+            <a:bodyPr wrap="square">
+              <a:spAutoFit/>
+            </a:bodyPr>
+            <a:lstStyle/>
+            <a:p>
+              <a:pPr lvl="0" algn="ctr">
+                <a:defRPr/>
+              </a:pPr>
+              <a:r>
+                <a:rPr lang="pt-BR" sz="1600" b="1" dirty="0">
+                  <a:solidFill>
+                    <a:prstClr val="white"/>
+                  </a:solidFill>
+                </a:rPr>
+                <a:t>Adotante Controller</a:t>
+              </a:r>
+            </a:p>
+            <a:p>
+              <a:pPr lvl="0" algn="ctr">
+                <a:defRPr/>
+              </a:pPr>
+              <a:r>
+                <a:rPr lang="pt-BR" sz="1400" dirty="0">
+                  <a:solidFill>
+                    <a:prstClr val="white"/>
+                  </a:solidFill>
+                </a:rPr>
+                <a:t>[Component: Spring MVC Rest Controller]</a:t>
+              </a:r>
+            </a:p>
+          </p:txBody>
+        </p:sp>
+        <p:sp>
+          <p:nvSpPr>
+            <p:cNvPr id="146" name="Retângulo 20">
+              <a:extLst>
+                <a:ext uri="{FF2B5EF4-FFF2-40B4-BE49-F238E27FC236}">
+                  <a16:creationId xmlns:a16="http://schemas.microsoft.com/office/drawing/2014/main" id="{D39BAFFF-817C-4E09-8D8F-C99837072509}"/>
+                </a:ext>
+              </a:extLst>
+            </p:cNvPr>
+            <p:cNvSpPr/>
+            <p:nvPr/>
+          </p:nvSpPr>
+          <p:spPr>
+            <a:xfrm>
+              <a:off x="3786501" y="3439577"/>
+              <a:ext cx="1834790" cy="292388"/>
+            </a:xfrm>
+            <a:prstGeom prst="rect">
+              <a:avLst/>
+            </a:prstGeom>
+          </p:spPr>
+          <p:txBody>
+            <a:bodyPr wrap="square">
+              <a:spAutoFit/>
+            </a:bodyPr>
+            <a:lstStyle/>
+            <a:p>
+              <a:pPr lvl="0" algn="ctr">
+                <a:defRPr/>
+              </a:pPr>
+              <a:r>
+                <a:rPr lang="pt-BR" sz="1300" dirty="0">
+                  <a:solidFill>
+                    <a:prstClr val="white"/>
+                  </a:solidFill>
+                </a:rPr>
+                <a:t>CRUD dos adotantes</a:t>
+              </a:r>
+            </a:p>
+          </p:txBody>
+        </p:sp>
+      </p:grpSp>
+      <p:sp>
+        <p:nvSpPr>
+          <p:cNvPr id="147" name="Retângulo 41">
+            <a:extLst>
+              <a:ext uri="{FF2B5EF4-FFF2-40B4-BE49-F238E27FC236}">
+                <a16:creationId xmlns:a16="http://schemas.microsoft.com/office/drawing/2014/main" id="{1A4BF65C-7D82-43F3-8027-3DAF2F6480EF}"/>
+              </a:ext>
+            </a:extLst>
+          </p:cNvPr>
+          <p:cNvSpPr/>
+          <p:nvPr/>
+        </p:nvSpPr>
+        <p:spPr>
+          <a:xfrm>
+            <a:off x="6182553" y="167660"/>
+            <a:ext cx="4123660" cy="352319"/>
+          </a:xfrm>
+          <a:prstGeom prst="rect">
+            <a:avLst/>
+          </a:prstGeom>
+          <a:solidFill>
+            <a:srgbClr val="445E93"/>
+          </a:solidFill>
+          <a:ln>
+            <a:noFill/>
+          </a:ln>
+          <a:effectLst/>
+        </p:spPr>
+        <p:style>
+          <a:lnRef idx="1">
+            <a:schemeClr val="accent3"/>
+          </a:lnRef>
+          <a:fillRef idx="3">
+            <a:schemeClr val="accent3"/>
+          </a:fillRef>
+          <a:effectRef idx="2">
+            <a:schemeClr val="accent3"/>
+          </a:effectRef>
+          <a:fontRef idx="minor">
+            <a:schemeClr val="lt1"/>
+          </a:fontRef>
+        </p:style>
+        <p:txBody>
+          <a:bodyPr rtlCol="0" anchor="ctr"/>
+          <a:lstStyle/>
+          <a:p>
+            <a:pPr algn="ctr"/>
+            <a:r>
+              <a:rPr lang="pt-BR" sz="1800" b="1" dirty="0">
+                <a:solidFill>
+                  <a:schemeClr val="bg1"/>
+                </a:solidFill>
+                <a:latin typeface="Exo 2" panose="00000500000000000000" pitchFamily="50" charset="0"/>
+              </a:rPr>
+              <a:t>MICROSERVICE</a:t>
+            </a:r>
+          </a:p>
+        </p:txBody>
+      </p:sp>
+      <p:grpSp>
+        <p:nvGrpSpPr>
+          <p:cNvPr id="148" name="Group 147">
+            <a:extLst>
+              <a:ext uri="{FF2B5EF4-FFF2-40B4-BE49-F238E27FC236}">
+                <a16:creationId xmlns:a16="http://schemas.microsoft.com/office/drawing/2014/main" id="{3319DC28-0311-4A25-AE51-4D91374F6F9D}"/>
+              </a:ext>
+            </a:extLst>
+          </p:cNvPr>
+          <p:cNvGrpSpPr/>
+          <p:nvPr/>
+        </p:nvGrpSpPr>
+        <p:grpSpPr>
+          <a:xfrm>
+            <a:off x="11257979" y="2796061"/>
+            <a:ext cx="1876275" cy="1583957"/>
+            <a:chOff x="3777031" y="2546698"/>
+            <a:chExt cx="1876275" cy="1583957"/>
+          </a:xfrm>
+        </p:grpSpPr>
+        <p:sp>
+          <p:nvSpPr>
+            <p:cNvPr id="149" name="Retângulo 17">
+              <a:extLst>
+                <a:ext uri="{FF2B5EF4-FFF2-40B4-BE49-F238E27FC236}">
+                  <a16:creationId xmlns:a16="http://schemas.microsoft.com/office/drawing/2014/main" id="{46F3E470-5407-43CD-8928-E74231B91F7F}"/>
+                </a:ext>
+              </a:extLst>
+            </p:cNvPr>
+            <p:cNvSpPr/>
+            <p:nvPr/>
+          </p:nvSpPr>
+          <p:spPr>
+            <a:xfrm>
+              <a:off x="3777032" y="2546698"/>
+              <a:ext cx="1866807" cy="1583957"/>
+            </a:xfrm>
+            <a:prstGeom prst="rect">
+              <a:avLst/>
+            </a:prstGeom>
+            <a:ln/>
+          </p:spPr>
+          <p:style>
+            <a:lnRef idx="2">
+              <a:schemeClr val="accent5">
+                <a:shade val="50000"/>
+              </a:schemeClr>
+            </a:lnRef>
+            <a:fillRef idx="1">
+              <a:schemeClr val="accent5"/>
+            </a:fillRef>
+            <a:effectRef idx="0">
+              <a:schemeClr val="accent5"/>
+            </a:effectRef>
+            <a:fontRef idx="minor">
+              <a:schemeClr val="lt1"/>
+            </a:fontRef>
+          </p:style>
+          <p:txBody>
+            <a:bodyPr rtlCol="0" anchor="ctr"/>
+            <a:lstStyle/>
+            <a:p>
+              <a:pPr algn="ctr"/>
+              <a:endParaRPr lang="pt-BR" sz="1800" dirty="0">
+                <a:solidFill>
+                  <a:prstClr val="white"/>
+                </a:solidFill>
+                <a:latin typeface="Calibri"/>
+              </a:endParaRPr>
+            </a:p>
+          </p:txBody>
+        </p:sp>
+        <p:sp>
+          <p:nvSpPr>
+            <p:cNvPr id="150" name="Retângulo 20">
+              <a:extLst>
+                <a:ext uri="{FF2B5EF4-FFF2-40B4-BE49-F238E27FC236}">
+                  <a16:creationId xmlns:a16="http://schemas.microsoft.com/office/drawing/2014/main" id="{8AB72AAF-F8EA-40B8-A83F-1BA426CB4175}"/>
+                </a:ext>
+              </a:extLst>
+            </p:cNvPr>
+            <p:cNvSpPr/>
+            <p:nvPr/>
+          </p:nvSpPr>
+          <p:spPr>
+            <a:xfrm>
+              <a:off x="3777031" y="2610963"/>
+              <a:ext cx="1876275" cy="769441"/>
+            </a:xfrm>
+            <a:prstGeom prst="rect">
+              <a:avLst/>
+            </a:prstGeom>
+          </p:spPr>
+          <p:txBody>
+            <a:bodyPr wrap="square">
+              <a:spAutoFit/>
+            </a:bodyPr>
+            <a:lstStyle/>
+            <a:p>
+              <a:pPr lvl="0" algn="ctr">
+                <a:defRPr/>
+              </a:pPr>
+              <a:r>
+                <a:rPr lang="pt-BR" sz="1600" b="1" dirty="0">
+                  <a:solidFill>
+                    <a:prstClr val="white"/>
+                  </a:solidFill>
+                </a:rPr>
+                <a:t>Animal Controller</a:t>
+              </a:r>
+            </a:p>
+            <a:p>
+              <a:pPr lvl="0" algn="ctr">
+                <a:defRPr/>
+              </a:pPr>
+              <a:r>
+                <a:rPr lang="pt-BR" sz="1400" dirty="0">
+                  <a:solidFill>
+                    <a:prstClr val="white"/>
+                  </a:solidFill>
+                </a:rPr>
+                <a:t>[Component: Spring MVC Rest Controller]</a:t>
+              </a:r>
+            </a:p>
+          </p:txBody>
+        </p:sp>
+        <p:sp>
+          <p:nvSpPr>
+            <p:cNvPr id="151" name="Retângulo 20">
+              <a:extLst>
+                <a:ext uri="{FF2B5EF4-FFF2-40B4-BE49-F238E27FC236}">
+                  <a16:creationId xmlns:a16="http://schemas.microsoft.com/office/drawing/2014/main" id="{6AB73B9F-C958-4E60-A84E-A6E6833FC4B8}"/>
+                </a:ext>
+              </a:extLst>
+            </p:cNvPr>
+            <p:cNvSpPr/>
+            <p:nvPr/>
+          </p:nvSpPr>
+          <p:spPr>
+            <a:xfrm>
+              <a:off x="3786501" y="3439577"/>
+              <a:ext cx="1834790" cy="292388"/>
+            </a:xfrm>
+            <a:prstGeom prst="rect">
+              <a:avLst/>
+            </a:prstGeom>
+          </p:spPr>
+          <p:txBody>
+            <a:bodyPr wrap="square">
+              <a:spAutoFit/>
+            </a:bodyPr>
+            <a:lstStyle/>
+            <a:p>
+              <a:pPr lvl="0" algn="ctr">
+                <a:defRPr/>
+              </a:pPr>
+              <a:r>
+                <a:rPr lang="pt-BR" sz="1300" dirty="0">
+                  <a:solidFill>
+                    <a:prstClr val="white"/>
+                  </a:solidFill>
+                </a:rPr>
+                <a:t>CRUD dos animais</a:t>
+              </a:r>
+            </a:p>
+          </p:txBody>
+        </p:sp>
+      </p:grpSp>
+      <p:grpSp>
+        <p:nvGrpSpPr>
+          <p:cNvPr id="152" name="Group 151">
+            <a:extLst>
+              <a:ext uri="{FF2B5EF4-FFF2-40B4-BE49-F238E27FC236}">
+                <a16:creationId xmlns:a16="http://schemas.microsoft.com/office/drawing/2014/main" id="{25675A40-4951-4982-96C1-23BD20B97D16}"/>
+              </a:ext>
+            </a:extLst>
+          </p:cNvPr>
+          <p:cNvGrpSpPr/>
+          <p:nvPr/>
+        </p:nvGrpSpPr>
+        <p:grpSpPr>
+          <a:xfrm>
+            <a:off x="7153523" y="2796060"/>
+            <a:ext cx="1876275" cy="1583957"/>
+            <a:chOff x="3777031" y="2546698"/>
+            <a:chExt cx="1876275" cy="1583957"/>
+          </a:xfrm>
+        </p:grpSpPr>
+        <p:sp>
+          <p:nvSpPr>
+            <p:cNvPr id="153" name="Retângulo 17">
+              <a:extLst>
+                <a:ext uri="{FF2B5EF4-FFF2-40B4-BE49-F238E27FC236}">
+                  <a16:creationId xmlns:a16="http://schemas.microsoft.com/office/drawing/2014/main" id="{736D63E8-81C9-474B-9316-0AF197992D93}"/>
+                </a:ext>
+              </a:extLst>
+            </p:cNvPr>
+            <p:cNvSpPr/>
+            <p:nvPr/>
+          </p:nvSpPr>
+          <p:spPr>
+            <a:xfrm>
+              <a:off x="3777032" y="2546698"/>
+              <a:ext cx="1866807" cy="1583957"/>
+            </a:xfrm>
+            <a:prstGeom prst="rect">
+              <a:avLst/>
+            </a:prstGeom>
+            <a:ln/>
+          </p:spPr>
+          <p:style>
+            <a:lnRef idx="2">
+              <a:schemeClr val="accent5">
+                <a:shade val="50000"/>
+              </a:schemeClr>
+            </a:lnRef>
+            <a:fillRef idx="1">
+              <a:schemeClr val="accent5"/>
+            </a:fillRef>
+            <a:effectRef idx="0">
+              <a:schemeClr val="accent5"/>
+            </a:effectRef>
+            <a:fontRef idx="minor">
+              <a:schemeClr val="lt1"/>
+            </a:fontRef>
+          </p:style>
+          <p:txBody>
+            <a:bodyPr rtlCol="0" anchor="ctr"/>
+            <a:lstStyle/>
+            <a:p>
+              <a:pPr algn="ctr"/>
+              <a:endParaRPr lang="pt-BR" sz="1800" dirty="0">
+                <a:solidFill>
+                  <a:prstClr val="white"/>
+                </a:solidFill>
+                <a:latin typeface="Calibri"/>
+              </a:endParaRPr>
+            </a:p>
+          </p:txBody>
+        </p:sp>
+        <p:sp>
+          <p:nvSpPr>
+            <p:cNvPr id="154" name="Retângulo 20">
+              <a:extLst>
+                <a:ext uri="{FF2B5EF4-FFF2-40B4-BE49-F238E27FC236}">
+                  <a16:creationId xmlns:a16="http://schemas.microsoft.com/office/drawing/2014/main" id="{83FAF479-0AEC-4F5B-9B5B-1CD08A1B7C7F}"/>
+                </a:ext>
+              </a:extLst>
+            </p:cNvPr>
+            <p:cNvSpPr/>
+            <p:nvPr/>
+          </p:nvSpPr>
+          <p:spPr>
+            <a:xfrm>
+              <a:off x="3777031" y="2610963"/>
+              <a:ext cx="1876275" cy="1015663"/>
+            </a:xfrm>
+            <a:prstGeom prst="rect">
+              <a:avLst/>
+            </a:prstGeom>
+          </p:spPr>
+          <p:txBody>
+            <a:bodyPr wrap="square">
+              <a:spAutoFit/>
+            </a:bodyPr>
+            <a:lstStyle/>
+            <a:p>
+              <a:pPr lvl="0" algn="ctr">
+                <a:defRPr/>
+              </a:pPr>
+              <a:r>
+                <a:rPr lang="pt-BR" sz="1600" b="1" dirty="0">
+                  <a:solidFill>
+                    <a:prstClr val="white"/>
+                  </a:solidFill>
+                </a:rPr>
+                <a:t>ProcessoAdocao Controller</a:t>
+              </a:r>
+            </a:p>
+            <a:p>
+              <a:pPr lvl="0" algn="ctr">
+                <a:defRPr/>
+              </a:pPr>
+              <a:r>
+                <a:rPr lang="pt-BR" sz="1400" dirty="0">
+                  <a:solidFill>
+                    <a:prstClr val="white"/>
+                  </a:solidFill>
+                </a:rPr>
+                <a:t>[Component: Spring MVC Rest Controller]</a:t>
+              </a:r>
+            </a:p>
+          </p:txBody>
+        </p:sp>
+        <p:sp>
+          <p:nvSpPr>
+            <p:cNvPr id="155" name="Retângulo 20">
+              <a:extLst>
+                <a:ext uri="{FF2B5EF4-FFF2-40B4-BE49-F238E27FC236}">
+                  <a16:creationId xmlns:a16="http://schemas.microsoft.com/office/drawing/2014/main" id="{03D84B51-0E59-465D-85E9-67286CA4F0DA}"/>
+                </a:ext>
+              </a:extLst>
+            </p:cNvPr>
+            <p:cNvSpPr/>
+            <p:nvPr/>
+          </p:nvSpPr>
+          <p:spPr>
+            <a:xfrm>
+              <a:off x="3793040" y="3583292"/>
+              <a:ext cx="1834790" cy="492443"/>
+            </a:xfrm>
+            <a:prstGeom prst="rect">
+              <a:avLst/>
+            </a:prstGeom>
+          </p:spPr>
+          <p:txBody>
+            <a:bodyPr wrap="square">
+              <a:spAutoFit/>
+            </a:bodyPr>
+            <a:lstStyle/>
+            <a:p>
+              <a:pPr lvl="0" algn="ctr">
+                <a:defRPr/>
+              </a:pPr>
+              <a:r>
+                <a:rPr lang="pt-BR" sz="1300" dirty="0">
+                  <a:solidFill>
+                    <a:prstClr val="white"/>
+                  </a:solidFill>
+                </a:rPr>
+                <a:t>Gerenciamento de adoções </a:t>
               </a:r>
             </a:p>
           </p:txBody>
@@ -28780,15 +29123,15 @@
           </p:cNvPr>
           <p:cNvCxnSpPr>
             <a:cxnSpLocks/>
-            <a:stCxn id="70" idx="0"/>
-            <a:endCxn id="144" idx="2"/>
+            <a:stCxn id="107" idx="0"/>
+            <a:endCxn id="52" idx="2"/>
           </p:cNvCxnSpPr>
           <p:nvPr/>
         </p:nvCxnSpPr>
         <p:spPr>
           <a:xfrm flipV="1">
-            <a:off x="10113321" y="4374915"/>
-            <a:ext cx="0" cy="714010"/>
+            <a:off x="3982472" y="2196236"/>
+            <a:ext cx="4104455" cy="599826"/>
           </a:xfrm>
           <a:prstGeom prst="straightConnector1">
             <a:avLst/>
@@ -28839,56 +29182,6 @@
           <a:xfrm flipV="1">
             <a:off x="6034700" y="2196236"/>
             <a:ext cx="2052227" cy="599826"/>
-          </a:xfrm>
-          <a:prstGeom prst="straightConnector1">
-            <a:avLst/>
-          </a:prstGeom>
-          <a:ln w="19050">
-            <a:solidFill>
-              <a:schemeClr val="accent5">
-                <a:lumMod val="75000"/>
-              </a:schemeClr>
-            </a:solidFill>
-            <a:prstDash val="sysDash"/>
-            <a:headEnd type="none" w="lg" len="lg"/>
-            <a:tailEnd type="triangle" w="lg" len="lg"/>
-          </a:ln>
-        </p:spPr>
-        <p:style>
-          <a:lnRef idx="1">
-            <a:schemeClr val="accent1"/>
-          </a:lnRef>
-          <a:fillRef idx="0">
-            <a:schemeClr val="accent1"/>
-          </a:fillRef>
-          <a:effectRef idx="0">
-            <a:schemeClr val="accent1"/>
-          </a:effectRef>
-          <a:fontRef idx="minor">
-            <a:schemeClr val="tx1"/>
-          </a:fontRef>
-        </p:style>
-      </p:cxnSp>
-      <p:cxnSp>
-        <p:nvCxnSpPr>
-          <p:cNvPr id="80" name="Conector de Seta Reta 107">
-            <a:extLst>
-              <a:ext uri="{FF2B5EF4-FFF2-40B4-BE49-F238E27FC236}">
-                <a16:creationId xmlns:a16="http://schemas.microsoft.com/office/drawing/2014/main" id="{2FA11E5D-29D1-4F58-AB47-FA02AEE14004}"/>
-              </a:ext>
-            </a:extLst>
-          </p:cNvPr>
-          <p:cNvCxnSpPr>
-            <a:cxnSpLocks/>
-            <a:stCxn id="70" idx="0"/>
-            <a:endCxn id="153" idx="2"/>
-          </p:cNvCxnSpPr>
-          <p:nvPr/>
-        </p:nvCxnSpPr>
-        <p:spPr>
-          <a:xfrm flipH="1" flipV="1">
-            <a:off x="8086928" y="4380017"/>
-            <a:ext cx="2026393" cy="708908"/>
           </a:xfrm>
           <a:prstGeom prst="straightConnector1">
             <a:avLst/>
